--- a/sunumlar/1-Senaryo.pptx
+++ b/sunumlar/1-Senaryo.pptx
@@ -1,38 +1,38 @@
 
 <file path=ppt/presentation.xml><?xml version="1.0" encoding="utf-8"?>
-<p:presentation xmlns:a="http://schemas.openxmlformats.org/drawingml/2006/main" xmlns:r="http://schemas.openxmlformats.org/officeDocument/2006/relationships" xmlns:mc="http://schemas.openxmlformats.org/markup-compatibility/2006" xmlns:mv="urn:schemas-microsoft-com:mac:vml" xmlns:p="http://schemas.openxmlformats.org/presentationml/2006/main" xmlns:c="http://schemas.openxmlformats.org/drawingml/2006/chart" xmlns:dgm="http://schemas.openxmlformats.org/drawingml/2006/diagram" xmlns:o="urn:schemas-microsoft-com:office:office" xmlns:v="urn:schemas-microsoft-com:vml" xmlns:pvml="urn:schemas-microsoft-com:office:powerpoint" xmlns:com="http://schemas.openxmlformats.org/drawingml/2006/compatibility" xmlns:p14="http://schemas.microsoft.com/office/powerpoint/2010/main" xmlns:p15="http://schemas.microsoft.com/office/powerpoint/2012/main" xmlns:ahyp="http://schemas.microsoft.com/office/drawing/2018/hyperlinkcolor" autoCompressPictures="0" embedTrueTypeFonts="1" strictFirstAndLastChars="0" saveSubsetFonts="1">
+<p:presentation xmlns:a="http://schemas.openxmlformats.org/drawingml/2006/main" xmlns:r="http://schemas.openxmlformats.org/officeDocument/2006/relationships" xmlns:p="http://schemas.openxmlformats.org/presentationml/2006/main" strictFirstAndLastChars="0" embedTrueTypeFonts="1" saveSubsetFonts="1" autoCompressPictures="0">
   <p:sldMasterIdLst>
-    <p:sldMasterId id="2147483648" r:id="rId3"/>
+    <p:sldMasterId id="2147483648" r:id="rId1"/>
   </p:sldMasterIdLst>
   <p:notesMasterIdLst>
-    <p:notesMasterId r:id="rId4"/>
+    <p:notesMasterId r:id="rId8"/>
   </p:notesMasterIdLst>
   <p:sldIdLst>
-    <p:sldId id="256" r:id="rId5"/>
-    <p:sldId id="257" r:id="rId6"/>
-    <p:sldId id="258" r:id="rId7"/>
-    <p:sldId id="259" r:id="rId8"/>
-    <p:sldId id="260" r:id="rId9"/>
-    <p:sldId id="261" r:id="rId10"/>
+    <p:sldId id="256" r:id="rId2"/>
+    <p:sldId id="257" r:id="rId3"/>
+    <p:sldId id="258" r:id="rId4"/>
+    <p:sldId id="259" r:id="rId5"/>
+    <p:sldId id="260" r:id="rId6"/>
+    <p:sldId id="261" r:id="rId7"/>
   </p:sldIdLst>
-  <p:sldSz cy="10288800" cx="18288000"/>
+  <p:sldSz cx="18288000" cy="10288588"/>
   <p:notesSz cx="6858000" cy="9144000"/>
   <p:embeddedFontLst>
     <p:embeddedFont>
-      <p:font typeface="Play"/>
+      <p:font typeface="Play" panose="020B0604020202020204" charset="0"/>
+      <p:regular r:id="rId9"/>
+      <p:bold r:id="rId10"/>
+    </p:embeddedFont>
+    <p:embeddedFont>
+      <p:font typeface="Poppins" panose="00000500000000000000" pitchFamily="2" charset="0"/>
       <p:regular r:id="rId11"/>
       <p:bold r:id="rId12"/>
-    </p:embeddedFont>
-    <p:embeddedFont>
-      <p:font typeface="Poppins"/>
-      <p:regular r:id="rId13"/>
-      <p:bold r:id="rId14"/>
-      <p:italic r:id="rId15"/>
-      <p:boldItalic r:id="rId16"/>
+      <p:italic r:id="rId13"/>
+      <p:boldItalic r:id="rId14"/>
     </p:embeddedFont>
   </p:embeddedFontLst>
   <p:defaultTextStyle>
-    <a:defPPr lvl="0" marR="0" rtl="0" algn="l">
+    <a:defPPr marR="0" lvl="0" algn="l" rtl="0">
       <a:lnSpc>
         <a:spcPct val="100000"/>
       </a:lnSpc>
@@ -43,7 +43,7 @@
         <a:spcPts val="0"/>
       </a:spcAft>
     </a:defPPr>
-    <a:lvl1pPr lvl="0" marR="0" rtl="0" algn="l">
+    <a:lvl1pPr marR="0" lvl="0" algn="l" rtl="0">
       <a:lnSpc>
         <a:spcPct val="100000"/>
       </a:lnSpc>
@@ -57,7 +57,7 @@
         <a:srgbClr val="000000"/>
       </a:buClr>
       <a:buFont typeface="Arial"/>
-      <a:defRPr b="0" i="0" sz="1400" u="none" cap="none" strike="noStrike">
+      <a:defRPr sz="1400" b="0" i="0" u="none" strike="noStrike" cap="none">
         <a:solidFill>
           <a:srgbClr val="000000"/>
         </a:solidFill>
@@ -67,7 +67,7 @@
         <a:sym typeface="Arial"/>
       </a:defRPr>
     </a:lvl1pPr>
-    <a:lvl2pPr lvl="1" marR="0" rtl="0" algn="l">
+    <a:lvl2pPr marR="0" lvl="1" algn="l" rtl="0">
       <a:lnSpc>
         <a:spcPct val="100000"/>
       </a:lnSpc>
@@ -81,7 +81,7 @@
         <a:srgbClr val="000000"/>
       </a:buClr>
       <a:buFont typeface="Arial"/>
-      <a:defRPr b="0" i="0" sz="1400" u="none" cap="none" strike="noStrike">
+      <a:defRPr sz="1400" b="0" i="0" u="none" strike="noStrike" cap="none">
         <a:solidFill>
           <a:srgbClr val="000000"/>
         </a:solidFill>
@@ -91,7 +91,7 @@
         <a:sym typeface="Arial"/>
       </a:defRPr>
     </a:lvl2pPr>
-    <a:lvl3pPr lvl="2" marR="0" rtl="0" algn="l">
+    <a:lvl3pPr marR="0" lvl="2" algn="l" rtl="0">
       <a:lnSpc>
         <a:spcPct val="100000"/>
       </a:lnSpc>
@@ -105,7 +105,7 @@
         <a:srgbClr val="000000"/>
       </a:buClr>
       <a:buFont typeface="Arial"/>
-      <a:defRPr b="0" i="0" sz="1400" u="none" cap="none" strike="noStrike">
+      <a:defRPr sz="1400" b="0" i="0" u="none" strike="noStrike" cap="none">
         <a:solidFill>
           <a:srgbClr val="000000"/>
         </a:solidFill>
@@ -115,7 +115,7 @@
         <a:sym typeface="Arial"/>
       </a:defRPr>
     </a:lvl3pPr>
-    <a:lvl4pPr lvl="3" marR="0" rtl="0" algn="l">
+    <a:lvl4pPr marR="0" lvl="3" algn="l" rtl="0">
       <a:lnSpc>
         <a:spcPct val="100000"/>
       </a:lnSpc>
@@ -129,7 +129,7 @@
         <a:srgbClr val="000000"/>
       </a:buClr>
       <a:buFont typeface="Arial"/>
-      <a:defRPr b="0" i="0" sz="1400" u="none" cap="none" strike="noStrike">
+      <a:defRPr sz="1400" b="0" i="0" u="none" strike="noStrike" cap="none">
         <a:solidFill>
           <a:srgbClr val="000000"/>
         </a:solidFill>
@@ -139,7 +139,7 @@
         <a:sym typeface="Arial"/>
       </a:defRPr>
     </a:lvl4pPr>
-    <a:lvl5pPr lvl="4" marR="0" rtl="0" algn="l">
+    <a:lvl5pPr marR="0" lvl="4" algn="l" rtl="0">
       <a:lnSpc>
         <a:spcPct val="100000"/>
       </a:lnSpc>
@@ -153,7 +153,7 @@
         <a:srgbClr val="000000"/>
       </a:buClr>
       <a:buFont typeface="Arial"/>
-      <a:defRPr b="0" i="0" sz="1400" u="none" cap="none" strike="noStrike">
+      <a:defRPr sz="1400" b="0" i="0" u="none" strike="noStrike" cap="none">
         <a:solidFill>
           <a:srgbClr val="000000"/>
         </a:solidFill>
@@ -163,7 +163,7 @@
         <a:sym typeface="Arial"/>
       </a:defRPr>
     </a:lvl5pPr>
-    <a:lvl6pPr lvl="5" marR="0" rtl="0" algn="l">
+    <a:lvl6pPr marR="0" lvl="5" algn="l" rtl="0">
       <a:lnSpc>
         <a:spcPct val="100000"/>
       </a:lnSpc>
@@ -177,7 +177,7 @@
         <a:srgbClr val="000000"/>
       </a:buClr>
       <a:buFont typeface="Arial"/>
-      <a:defRPr b="0" i="0" sz="1400" u="none" cap="none" strike="noStrike">
+      <a:defRPr sz="1400" b="0" i="0" u="none" strike="noStrike" cap="none">
         <a:solidFill>
           <a:srgbClr val="000000"/>
         </a:solidFill>
@@ -187,7 +187,7 @@
         <a:sym typeface="Arial"/>
       </a:defRPr>
     </a:lvl6pPr>
-    <a:lvl7pPr lvl="6" marR="0" rtl="0" algn="l">
+    <a:lvl7pPr marR="0" lvl="6" algn="l" rtl="0">
       <a:lnSpc>
         <a:spcPct val="100000"/>
       </a:lnSpc>
@@ -201,7 +201,7 @@
         <a:srgbClr val="000000"/>
       </a:buClr>
       <a:buFont typeface="Arial"/>
-      <a:defRPr b="0" i="0" sz="1400" u="none" cap="none" strike="noStrike">
+      <a:defRPr sz="1400" b="0" i="0" u="none" strike="noStrike" cap="none">
         <a:solidFill>
           <a:srgbClr val="000000"/>
         </a:solidFill>
@@ -211,7 +211,7 @@
         <a:sym typeface="Arial"/>
       </a:defRPr>
     </a:lvl7pPr>
-    <a:lvl8pPr lvl="7" marR="0" rtl="0" algn="l">
+    <a:lvl8pPr marR="0" lvl="7" algn="l" rtl="0">
       <a:lnSpc>
         <a:spcPct val="100000"/>
       </a:lnSpc>
@@ -225,7 +225,7 @@
         <a:srgbClr val="000000"/>
       </a:buClr>
       <a:buFont typeface="Arial"/>
-      <a:defRPr b="0" i="0" sz="1400" u="none" cap="none" strike="noStrike">
+      <a:defRPr sz="1400" b="0" i="0" u="none" strike="noStrike" cap="none">
         <a:solidFill>
           <a:srgbClr val="000000"/>
         </a:solidFill>
@@ -235,7 +235,7 @@
         <a:sym typeface="Arial"/>
       </a:defRPr>
     </a:lvl8pPr>
-    <a:lvl9pPr lvl="8" marR="0" rtl="0" algn="l">
+    <a:lvl9pPr marR="0" lvl="8" algn="l" rtl="0">
       <a:lnSpc>
         <a:spcPct val="100000"/>
       </a:lnSpc>
@@ -249,7 +249,7 @@
         <a:srgbClr val="000000"/>
       </a:buClr>
       <a:buFont typeface="Arial"/>
-      <a:defRPr b="0" i="0" sz="1400" u="none" cap="none" strike="noStrike">
+      <a:defRPr sz="1400" b="0" i="0" u="none" strike="noStrike" cap="none">
         <a:solidFill>
           <a:srgbClr val="000000"/>
         </a:solidFill>
@@ -262,25 +262,26 @@
   </p:defaultTextStyle>
   <p:extLst>
     <p:ext uri="GoogleSlidesCustomDataVersion2">
-      <go:slidesCustomData xmlns:go="http://customooxmlschemas.google.com/" r:id="rId17" roundtripDataSignature="AMtx7mgnTGz4iq4IZC60rhcj7ZcjavIMAQ=="/>
+      <go:slidesCustomData xmlns:go="http://customooxmlschemas.google.com/" xmlns:ahyp="http://schemas.microsoft.com/office/drawing/2018/hyperlinkcolor" xmlns:p15="http://schemas.microsoft.com/office/powerpoint/2012/main" xmlns:p14="http://schemas.microsoft.com/office/powerpoint/2010/main" xmlns:com="http://schemas.openxmlformats.org/drawingml/2006/compatibility" xmlns:pvml="urn:schemas-microsoft-com:office:powerpoint" xmlns:v="urn:schemas-microsoft-com:vml" xmlns:o="urn:schemas-microsoft-com:office:office" xmlns:dgm="http://schemas.openxmlformats.org/drawingml/2006/diagram" xmlns:c="http://schemas.openxmlformats.org/drawingml/2006/chart" xmlns:mv="urn:schemas-microsoft-com:mac:vml" xmlns:mc="http://schemas.openxmlformats.org/markup-compatibility/2006" xmlns="" r:id="rId17" roundtripDataSignature="AMtx7mgnTGz4iq4IZC60rhcj7ZcjavIMAQ=="/>
     </p:ext>
   </p:extLst>
 </p:presentation>
 </file>
 
 <file path=ppt/notesMasters/notesMaster1.xml><?xml version="1.0" encoding="utf-8"?>
-<p:notesMaster xmlns:a="http://schemas.openxmlformats.org/drawingml/2006/main" xmlns:r="http://schemas.openxmlformats.org/officeDocument/2006/relationships" xmlns:mc="http://schemas.openxmlformats.org/markup-compatibility/2006" xmlns:mv="urn:schemas-microsoft-com:mac:vml" xmlns:p="http://schemas.openxmlformats.org/presentationml/2006/main" xmlns:c="http://schemas.openxmlformats.org/drawingml/2006/chart" xmlns:dgm="http://schemas.openxmlformats.org/drawingml/2006/diagram" xmlns:o="urn:schemas-microsoft-com:office:office" xmlns:v="urn:schemas-microsoft-com:vml" xmlns:pvml="urn:schemas-microsoft-com:office:powerpoint" xmlns:com="http://schemas.openxmlformats.org/drawingml/2006/compatibility" xmlns:p14="http://schemas.microsoft.com/office/powerpoint/2010/main" xmlns:p15="http://schemas.microsoft.com/office/powerpoint/2012/main" xmlns:ahyp="http://schemas.microsoft.com/office/drawing/2018/hyperlinkcolor">
+<p:notesMaster xmlns:a="http://schemas.openxmlformats.org/drawingml/2006/main" xmlns:r="http://schemas.openxmlformats.org/officeDocument/2006/relationships" xmlns:p="http://schemas.openxmlformats.org/presentationml/2006/main">
   <p:cSld>
     <p:bg>
       <p:bgPr>
         <a:solidFill>
           <a:schemeClr val="lt1"/>
         </a:solidFill>
+        <a:effectLst/>
       </p:bgPr>
     </p:bg>
     <p:spTree>
       <p:nvGrpSpPr>
-        <p:cNvPr id="2" name="Shape 2"/>
+        <p:cNvPr id="1" name="Shape 2"/>
         <p:cNvGrpSpPr/>
         <p:nvPr/>
       </p:nvGrpSpPr>
@@ -295,9 +296,11 @@
       <p:sp>
         <p:nvSpPr>
           <p:cNvPr id="3" name="Google Shape;3;n"/>
-          <p:cNvSpPr txBox="1"/>
+          <p:cNvSpPr txBox="1">
+            <a:spLocks noGrp="1"/>
+          </p:cNvSpPr>
           <p:nvPr>
-            <p:ph idx="2" type="hdr"/>
+            <p:ph type="hdr" idx="2"/>
           </p:nvPr>
         </p:nvSpPr>
         <p:spPr>
@@ -314,11 +317,11 @@
           </a:ln>
         </p:spPr>
         <p:txBody>
-          <a:bodyPr anchorCtr="0" anchor="t" bIns="45700" lIns="91425" spcFirstLastPara="1" rIns="91425" wrap="square" tIns="45700">
+          <a:bodyPr spcFirstLastPara="1" wrap="square" lIns="91425" tIns="45700" rIns="91425" bIns="45700" anchor="t" anchorCtr="0">
             <a:noAutofit/>
           </a:bodyPr>
           <a:lstStyle>
-            <a:lvl1pPr lvl="0" marR="0" rtl="0" algn="l">
+            <a:lvl1pPr marR="0" lvl="0" algn="l" rtl="0">
               <a:spcBef>
                 <a:spcPts val="0"/>
               </a:spcBef>
@@ -327,7 +330,7 @@
               </a:spcAft>
               <a:buSzPts val="1400"/>
               <a:buNone/>
-              <a:defRPr b="0" i="0" sz="1200" u="none" cap="none" strike="noStrike">
+              <a:defRPr sz="1200" b="0" i="0" u="none" strike="noStrike" cap="none">
                 <a:solidFill>
                   <a:schemeClr val="dk1"/>
                 </a:solidFill>
@@ -337,7 +340,7 @@
                 <a:sym typeface="Calibri"/>
               </a:defRPr>
             </a:lvl1pPr>
-            <a:lvl2pPr lvl="1" marR="0" rtl="0" algn="l">
+            <a:lvl2pPr marR="0" lvl="1" algn="l" rtl="0">
               <a:spcBef>
                 <a:spcPts val="0"/>
               </a:spcBef>
@@ -346,7 +349,7 @@
               </a:spcAft>
               <a:buSzPts val="1400"/>
               <a:buNone/>
-              <a:defRPr b="0" i="0" sz="1800" u="none" cap="none" strike="noStrike">
+              <a:defRPr sz="1800" b="0" i="0" u="none" strike="noStrike" cap="none">
                 <a:solidFill>
                   <a:schemeClr val="dk1"/>
                 </a:solidFill>
@@ -356,7 +359,7 @@
                 <a:sym typeface="Calibri"/>
               </a:defRPr>
             </a:lvl2pPr>
-            <a:lvl3pPr lvl="2" marR="0" rtl="0" algn="l">
+            <a:lvl3pPr marR="0" lvl="2" algn="l" rtl="0">
               <a:spcBef>
                 <a:spcPts val="0"/>
               </a:spcBef>
@@ -365,7 +368,7 @@
               </a:spcAft>
               <a:buSzPts val="1400"/>
               <a:buNone/>
-              <a:defRPr b="0" i="0" sz="1800" u="none" cap="none" strike="noStrike">
+              <a:defRPr sz="1800" b="0" i="0" u="none" strike="noStrike" cap="none">
                 <a:solidFill>
                   <a:schemeClr val="dk1"/>
                 </a:solidFill>
@@ -375,7 +378,7 @@
                 <a:sym typeface="Calibri"/>
               </a:defRPr>
             </a:lvl3pPr>
-            <a:lvl4pPr lvl="3" marR="0" rtl="0" algn="l">
+            <a:lvl4pPr marR="0" lvl="3" algn="l" rtl="0">
               <a:spcBef>
                 <a:spcPts val="0"/>
               </a:spcBef>
@@ -384,7 +387,7 @@
               </a:spcAft>
               <a:buSzPts val="1400"/>
               <a:buNone/>
-              <a:defRPr b="0" i="0" sz="1800" u="none" cap="none" strike="noStrike">
+              <a:defRPr sz="1800" b="0" i="0" u="none" strike="noStrike" cap="none">
                 <a:solidFill>
                   <a:schemeClr val="dk1"/>
                 </a:solidFill>
@@ -394,7 +397,7 @@
                 <a:sym typeface="Calibri"/>
               </a:defRPr>
             </a:lvl4pPr>
-            <a:lvl5pPr lvl="4" marR="0" rtl="0" algn="l">
+            <a:lvl5pPr marR="0" lvl="4" algn="l" rtl="0">
               <a:spcBef>
                 <a:spcPts val="0"/>
               </a:spcBef>
@@ -403,7 +406,7 @@
               </a:spcAft>
               <a:buSzPts val="1400"/>
               <a:buNone/>
-              <a:defRPr b="0" i="0" sz="1800" u="none" cap="none" strike="noStrike">
+              <a:defRPr sz="1800" b="0" i="0" u="none" strike="noStrike" cap="none">
                 <a:solidFill>
                   <a:schemeClr val="dk1"/>
                 </a:solidFill>
@@ -413,7 +416,7 @@
                 <a:sym typeface="Calibri"/>
               </a:defRPr>
             </a:lvl5pPr>
-            <a:lvl6pPr lvl="5" marR="0" rtl="0" algn="l">
+            <a:lvl6pPr marR="0" lvl="5" algn="l" rtl="0">
               <a:spcBef>
                 <a:spcPts val="0"/>
               </a:spcBef>
@@ -422,7 +425,7 @@
               </a:spcAft>
               <a:buSzPts val="1400"/>
               <a:buNone/>
-              <a:defRPr b="0" i="0" sz="1800" u="none" cap="none" strike="noStrike">
+              <a:defRPr sz="1800" b="0" i="0" u="none" strike="noStrike" cap="none">
                 <a:solidFill>
                   <a:schemeClr val="dk1"/>
                 </a:solidFill>
@@ -432,7 +435,7 @@
                 <a:sym typeface="Calibri"/>
               </a:defRPr>
             </a:lvl6pPr>
-            <a:lvl7pPr lvl="6" marR="0" rtl="0" algn="l">
+            <a:lvl7pPr marR="0" lvl="6" algn="l" rtl="0">
               <a:spcBef>
                 <a:spcPts val="0"/>
               </a:spcBef>
@@ -441,7 +444,7 @@
               </a:spcAft>
               <a:buSzPts val="1400"/>
               <a:buNone/>
-              <a:defRPr b="0" i="0" sz="1800" u="none" cap="none" strike="noStrike">
+              <a:defRPr sz="1800" b="0" i="0" u="none" strike="noStrike" cap="none">
                 <a:solidFill>
                   <a:schemeClr val="dk1"/>
                 </a:solidFill>
@@ -451,7 +454,7 @@
                 <a:sym typeface="Calibri"/>
               </a:defRPr>
             </a:lvl7pPr>
-            <a:lvl8pPr lvl="7" marR="0" rtl="0" algn="l">
+            <a:lvl8pPr marR="0" lvl="7" algn="l" rtl="0">
               <a:spcBef>
                 <a:spcPts val="0"/>
               </a:spcBef>
@@ -460,7 +463,7 @@
               </a:spcAft>
               <a:buSzPts val="1400"/>
               <a:buNone/>
-              <a:defRPr b="0" i="0" sz="1800" u="none" cap="none" strike="noStrike">
+              <a:defRPr sz="1800" b="0" i="0" u="none" strike="noStrike" cap="none">
                 <a:solidFill>
                   <a:schemeClr val="dk1"/>
                 </a:solidFill>
@@ -470,7 +473,7 @@
                 <a:sym typeface="Calibri"/>
               </a:defRPr>
             </a:lvl8pPr>
-            <a:lvl9pPr lvl="8" marR="0" rtl="0" algn="l">
+            <a:lvl9pPr marR="0" lvl="8" algn="l" rtl="0">
               <a:spcBef>
                 <a:spcPts val="0"/>
               </a:spcBef>
@@ -479,7 +482,7 @@
               </a:spcAft>
               <a:buSzPts val="1400"/>
               <a:buNone/>
-              <a:defRPr b="0" i="0" sz="1800" u="none" cap="none" strike="noStrike">
+              <a:defRPr sz="1800" b="0" i="0" u="none" strike="noStrike" cap="none">
                 <a:solidFill>
                   <a:schemeClr val="dk1"/>
                 </a:solidFill>
@@ -490,15 +493,19 @@
               </a:defRPr>
             </a:lvl9pPr>
           </a:lstStyle>
-          <a:p/>
+          <a:p>
+            <a:endParaRPr/>
+          </a:p>
         </p:txBody>
       </p:sp>
       <p:sp>
         <p:nvSpPr>
           <p:cNvPr id="4" name="Google Shape;4;n"/>
-          <p:cNvSpPr txBox="1"/>
+          <p:cNvSpPr txBox="1">
+            <a:spLocks noGrp="1"/>
+          </p:cNvSpPr>
           <p:nvPr>
-            <p:ph idx="10" type="dt"/>
+            <p:ph type="dt" idx="10"/>
           </p:nvPr>
         </p:nvSpPr>
         <p:spPr>
@@ -515,11 +522,11 @@
           </a:ln>
         </p:spPr>
         <p:txBody>
-          <a:bodyPr anchorCtr="0" anchor="t" bIns="45700" lIns="91425" spcFirstLastPara="1" rIns="91425" wrap="square" tIns="45700">
+          <a:bodyPr spcFirstLastPara="1" wrap="square" lIns="91425" tIns="45700" rIns="91425" bIns="45700" anchor="t" anchorCtr="0">
             <a:noAutofit/>
           </a:bodyPr>
           <a:lstStyle>
-            <a:lvl1pPr lvl="0" marR="0" rtl="0" algn="r">
+            <a:lvl1pPr marR="0" lvl="0" algn="r" rtl="0">
               <a:spcBef>
                 <a:spcPts val="0"/>
               </a:spcBef>
@@ -528,7 +535,7 @@
               </a:spcAft>
               <a:buSzPts val="1400"/>
               <a:buNone/>
-              <a:defRPr b="0" i="0" sz="1200" u="none" cap="none" strike="noStrike">
+              <a:defRPr sz="1200" b="0" i="0" u="none" strike="noStrike" cap="none">
                 <a:solidFill>
                   <a:schemeClr val="dk1"/>
                 </a:solidFill>
@@ -538,7 +545,7 @@
                 <a:sym typeface="Calibri"/>
               </a:defRPr>
             </a:lvl1pPr>
-            <a:lvl2pPr lvl="1" marR="0" rtl="0" algn="l">
+            <a:lvl2pPr marR="0" lvl="1" algn="l" rtl="0">
               <a:spcBef>
                 <a:spcPts val="0"/>
               </a:spcBef>
@@ -547,7 +554,7 @@
               </a:spcAft>
               <a:buSzPts val="1400"/>
               <a:buNone/>
-              <a:defRPr b="0" i="0" sz="1800" u="none" cap="none" strike="noStrike">
+              <a:defRPr sz="1800" b="0" i="0" u="none" strike="noStrike" cap="none">
                 <a:solidFill>
                   <a:schemeClr val="dk1"/>
                 </a:solidFill>
@@ -557,7 +564,7 @@
                 <a:sym typeface="Calibri"/>
               </a:defRPr>
             </a:lvl2pPr>
-            <a:lvl3pPr lvl="2" marR="0" rtl="0" algn="l">
+            <a:lvl3pPr marR="0" lvl="2" algn="l" rtl="0">
               <a:spcBef>
                 <a:spcPts val="0"/>
               </a:spcBef>
@@ -566,7 +573,7 @@
               </a:spcAft>
               <a:buSzPts val="1400"/>
               <a:buNone/>
-              <a:defRPr b="0" i="0" sz="1800" u="none" cap="none" strike="noStrike">
+              <a:defRPr sz="1800" b="0" i="0" u="none" strike="noStrike" cap="none">
                 <a:solidFill>
                   <a:schemeClr val="dk1"/>
                 </a:solidFill>
@@ -576,7 +583,7 @@
                 <a:sym typeface="Calibri"/>
               </a:defRPr>
             </a:lvl3pPr>
-            <a:lvl4pPr lvl="3" marR="0" rtl="0" algn="l">
+            <a:lvl4pPr marR="0" lvl="3" algn="l" rtl="0">
               <a:spcBef>
                 <a:spcPts val="0"/>
               </a:spcBef>
@@ -585,7 +592,7 @@
               </a:spcAft>
               <a:buSzPts val="1400"/>
               <a:buNone/>
-              <a:defRPr b="0" i="0" sz="1800" u="none" cap="none" strike="noStrike">
+              <a:defRPr sz="1800" b="0" i="0" u="none" strike="noStrike" cap="none">
                 <a:solidFill>
                   <a:schemeClr val="dk1"/>
                 </a:solidFill>
@@ -595,7 +602,7 @@
                 <a:sym typeface="Calibri"/>
               </a:defRPr>
             </a:lvl4pPr>
-            <a:lvl5pPr lvl="4" marR="0" rtl="0" algn="l">
+            <a:lvl5pPr marR="0" lvl="4" algn="l" rtl="0">
               <a:spcBef>
                 <a:spcPts val="0"/>
               </a:spcBef>
@@ -604,7 +611,7 @@
               </a:spcAft>
               <a:buSzPts val="1400"/>
               <a:buNone/>
-              <a:defRPr b="0" i="0" sz="1800" u="none" cap="none" strike="noStrike">
+              <a:defRPr sz="1800" b="0" i="0" u="none" strike="noStrike" cap="none">
                 <a:solidFill>
                   <a:schemeClr val="dk1"/>
                 </a:solidFill>
@@ -614,7 +621,7 @@
                 <a:sym typeface="Calibri"/>
               </a:defRPr>
             </a:lvl5pPr>
-            <a:lvl6pPr lvl="5" marR="0" rtl="0" algn="l">
+            <a:lvl6pPr marR="0" lvl="5" algn="l" rtl="0">
               <a:spcBef>
                 <a:spcPts val="0"/>
               </a:spcBef>
@@ -623,7 +630,7 @@
               </a:spcAft>
               <a:buSzPts val="1400"/>
               <a:buNone/>
-              <a:defRPr b="0" i="0" sz="1800" u="none" cap="none" strike="noStrike">
+              <a:defRPr sz="1800" b="0" i="0" u="none" strike="noStrike" cap="none">
                 <a:solidFill>
                   <a:schemeClr val="dk1"/>
                 </a:solidFill>
@@ -633,7 +640,7 @@
                 <a:sym typeface="Calibri"/>
               </a:defRPr>
             </a:lvl6pPr>
-            <a:lvl7pPr lvl="6" marR="0" rtl="0" algn="l">
+            <a:lvl7pPr marR="0" lvl="6" algn="l" rtl="0">
               <a:spcBef>
                 <a:spcPts val="0"/>
               </a:spcBef>
@@ -642,7 +649,7 @@
               </a:spcAft>
               <a:buSzPts val="1400"/>
               <a:buNone/>
-              <a:defRPr b="0" i="0" sz="1800" u="none" cap="none" strike="noStrike">
+              <a:defRPr sz="1800" b="0" i="0" u="none" strike="noStrike" cap="none">
                 <a:solidFill>
                   <a:schemeClr val="dk1"/>
                 </a:solidFill>
@@ -652,7 +659,7 @@
                 <a:sym typeface="Calibri"/>
               </a:defRPr>
             </a:lvl7pPr>
-            <a:lvl8pPr lvl="7" marR="0" rtl="0" algn="l">
+            <a:lvl8pPr marR="0" lvl="7" algn="l" rtl="0">
               <a:spcBef>
                 <a:spcPts val="0"/>
               </a:spcBef>
@@ -661,7 +668,7 @@
               </a:spcAft>
               <a:buSzPts val="1400"/>
               <a:buNone/>
-              <a:defRPr b="0" i="0" sz="1800" u="none" cap="none" strike="noStrike">
+              <a:defRPr sz="1800" b="0" i="0" u="none" strike="noStrike" cap="none">
                 <a:solidFill>
                   <a:schemeClr val="dk1"/>
                 </a:solidFill>
@@ -671,7 +678,7 @@
                 <a:sym typeface="Calibri"/>
               </a:defRPr>
             </a:lvl8pPr>
-            <a:lvl9pPr lvl="8" marR="0" rtl="0" algn="l">
+            <a:lvl9pPr marR="0" lvl="8" algn="l" rtl="0">
               <a:spcBef>
                 <a:spcPts val="0"/>
               </a:spcBef>
@@ -680,7 +687,7 @@
               </a:spcAft>
               <a:buSzPts val="1400"/>
               <a:buNone/>
-              <a:defRPr b="0" i="0" sz="1800" u="none" cap="none" strike="noStrike">
+              <a:defRPr sz="1800" b="0" i="0" u="none" strike="noStrike" cap="none">
                 <a:solidFill>
                   <a:schemeClr val="dk1"/>
                 </a:solidFill>
@@ -691,15 +698,19 @@
               </a:defRPr>
             </a:lvl9pPr>
           </a:lstStyle>
-          <a:p/>
+          <a:p>
+            <a:endParaRPr/>
+          </a:p>
         </p:txBody>
       </p:sp>
       <p:sp>
         <p:nvSpPr>
           <p:cNvPr id="5" name="Google Shape;5;n"/>
-          <p:cNvSpPr/>
+          <p:cNvSpPr>
+            <a:spLocks noGrp="1" noRot="1" noChangeAspect="1"/>
+          </p:cNvSpPr>
           <p:nvPr>
-            <p:ph idx="3" type="sldImg"/>
+            <p:ph type="sldImg" idx="3"/>
           </p:nvPr>
         </p:nvSpPr>
         <p:spPr>
@@ -708,9 +719,13 @@
             <a:ext cx="5485500" cy="3086100"/>
           </a:xfrm>
           <a:custGeom>
-            <a:rect b="b" l="l" r="r" t="t"/>
+            <a:avLst/>
+            <a:gdLst/>
+            <a:ahLst/>
+            <a:cxnLst/>
+            <a:rect l="l" t="t" r="r" b="b"/>
             <a:pathLst>
-              <a:path extrusionOk="0" h="120000" w="120000">
+              <a:path w="120000" h="120000" extrusionOk="0">
                 <a:moveTo>
                   <a:pt x="0" y="0"/>
                 </a:moveTo>
@@ -728,23 +743,25 @@
             </a:pathLst>
           </a:custGeom>
           <a:noFill/>
-          <a:ln cap="flat" cmpd="sng" w="12700">
+          <a:ln w="12700" cap="flat" cmpd="sng">
             <a:solidFill>
               <a:srgbClr val="000000"/>
             </a:solidFill>
             <a:prstDash val="solid"/>
             <a:round/>
-            <a:headEnd len="sm" w="sm" type="none"/>
-            <a:tailEnd len="sm" w="sm" type="none"/>
+            <a:headEnd type="none" w="sm" len="sm"/>
+            <a:tailEnd type="none" w="sm" len="sm"/>
           </a:ln>
         </p:spPr>
       </p:sp>
       <p:sp>
         <p:nvSpPr>
           <p:cNvPr id="6" name="Google Shape;6;n"/>
-          <p:cNvSpPr txBox="1"/>
+          <p:cNvSpPr txBox="1">
+            <a:spLocks noGrp="1"/>
+          </p:cNvSpPr>
           <p:nvPr>
-            <p:ph idx="1" type="body"/>
+            <p:ph type="body" idx="1"/>
           </p:nvPr>
         </p:nvSpPr>
         <p:spPr>
@@ -761,11 +778,11 @@
           </a:ln>
         </p:spPr>
         <p:txBody>
-          <a:bodyPr anchorCtr="0" anchor="t" bIns="45700" lIns="91425" spcFirstLastPara="1" rIns="91425" wrap="square" tIns="45700">
+          <a:bodyPr spcFirstLastPara="1" wrap="square" lIns="91425" tIns="45700" rIns="91425" bIns="45700" anchor="t" anchorCtr="0">
             <a:noAutofit/>
           </a:bodyPr>
           <a:lstStyle>
-            <a:lvl1pPr indent="-228600" lvl="0" marL="457200" marR="0" rtl="0" algn="l">
+            <a:lvl1pPr marL="457200" marR="0" lvl="0" indent="-228600" algn="l" rtl="0">
               <a:spcBef>
                 <a:spcPts val="0"/>
               </a:spcBef>
@@ -774,7 +791,7 @@
               </a:spcAft>
               <a:buSzPts val="1400"/>
               <a:buNone/>
-              <a:defRPr b="0" i="0" sz="1200" u="none" cap="none" strike="noStrike">
+              <a:defRPr sz="1200" b="0" i="0" u="none" strike="noStrike" cap="none">
                 <a:solidFill>
                   <a:schemeClr val="dk1"/>
                 </a:solidFill>
@@ -784,7 +801,7 @@
                 <a:sym typeface="Calibri"/>
               </a:defRPr>
             </a:lvl1pPr>
-            <a:lvl2pPr indent="-228600" lvl="1" marL="914400" marR="0" rtl="0" algn="l">
+            <a:lvl2pPr marL="914400" marR="0" lvl="1" indent="-228600" algn="l" rtl="0">
               <a:spcBef>
                 <a:spcPts val="0"/>
               </a:spcBef>
@@ -793,7 +810,7 @@
               </a:spcAft>
               <a:buSzPts val="1400"/>
               <a:buNone/>
-              <a:defRPr b="0" i="0" sz="1200" u="none" cap="none" strike="noStrike">
+              <a:defRPr sz="1200" b="0" i="0" u="none" strike="noStrike" cap="none">
                 <a:solidFill>
                   <a:schemeClr val="dk1"/>
                 </a:solidFill>
@@ -803,7 +820,7 @@
                 <a:sym typeface="Calibri"/>
               </a:defRPr>
             </a:lvl2pPr>
-            <a:lvl3pPr indent="-228600" lvl="2" marL="1371600" marR="0" rtl="0" algn="l">
+            <a:lvl3pPr marL="1371600" marR="0" lvl="2" indent="-228600" algn="l" rtl="0">
               <a:spcBef>
                 <a:spcPts val="0"/>
               </a:spcBef>
@@ -812,7 +829,7 @@
               </a:spcAft>
               <a:buSzPts val="1400"/>
               <a:buNone/>
-              <a:defRPr b="0" i="0" sz="1200" u="none" cap="none" strike="noStrike">
+              <a:defRPr sz="1200" b="0" i="0" u="none" strike="noStrike" cap="none">
                 <a:solidFill>
                   <a:schemeClr val="dk1"/>
                 </a:solidFill>
@@ -822,7 +839,7 @@
                 <a:sym typeface="Calibri"/>
               </a:defRPr>
             </a:lvl3pPr>
-            <a:lvl4pPr indent="-228600" lvl="3" marL="1828800" marR="0" rtl="0" algn="l">
+            <a:lvl4pPr marL="1828800" marR="0" lvl="3" indent="-228600" algn="l" rtl="0">
               <a:spcBef>
                 <a:spcPts val="0"/>
               </a:spcBef>
@@ -831,7 +848,7 @@
               </a:spcAft>
               <a:buSzPts val="1400"/>
               <a:buNone/>
-              <a:defRPr b="0" i="0" sz="1200" u="none" cap="none" strike="noStrike">
+              <a:defRPr sz="1200" b="0" i="0" u="none" strike="noStrike" cap="none">
                 <a:solidFill>
                   <a:schemeClr val="dk1"/>
                 </a:solidFill>
@@ -841,7 +858,7 @@
                 <a:sym typeface="Calibri"/>
               </a:defRPr>
             </a:lvl4pPr>
-            <a:lvl5pPr indent="-228600" lvl="4" marL="2286000" marR="0" rtl="0" algn="l">
+            <a:lvl5pPr marL="2286000" marR="0" lvl="4" indent="-228600" algn="l" rtl="0">
               <a:spcBef>
                 <a:spcPts val="0"/>
               </a:spcBef>
@@ -850,7 +867,7 @@
               </a:spcAft>
               <a:buSzPts val="1400"/>
               <a:buNone/>
-              <a:defRPr b="0" i="0" sz="1200" u="none" cap="none" strike="noStrike">
+              <a:defRPr sz="1200" b="0" i="0" u="none" strike="noStrike" cap="none">
                 <a:solidFill>
                   <a:schemeClr val="dk1"/>
                 </a:solidFill>
@@ -860,7 +877,7 @@
                 <a:sym typeface="Calibri"/>
               </a:defRPr>
             </a:lvl5pPr>
-            <a:lvl6pPr indent="-228600" lvl="5" marL="2743200" marR="0" rtl="0" algn="l">
+            <a:lvl6pPr marL="2743200" marR="0" lvl="5" indent="-228600" algn="l" rtl="0">
               <a:spcBef>
                 <a:spcPts val="0"/>
               </a:spcBef>
@@ -869,7 +886,7 @@
               </a:spcAft>
               <a:buSzPts val="1400"/>
               <a:buNone/>
-              <a:defRPr b="0" i="0" sz="1200" u="none" cap="none" strike="noStrike">
+              <a:defRPr sz="1200" b="0" i="0" u="none" strike="noStrike" cap="none">
                 <a:solidFill>
                   <a:schemeClr val="dk1"/>
                 </a:solidFill>
@@ -879,7 +896,7 @@
                 <a:sym typeface="Calibri"/>
               </a:defRPr>
             </a:lvl6pPr>
-            <a:lvl7pPr indent="-228600" lvl="6" marL="3200400" marR="0" rtl="0" algn="l">
+            <a:lvl7pPr marL="3200400" marR="0" lvl="6" indent="-228600" algn="l" rtl="0">
               <a:spcBef>
                 <a:spcPts val="0"/>
               </a:spcBef>
@@ -888,7 +905,7 @@
               </a:spcAft>
               <a:buSzPts val="1400"/>
               <a:buNone/>
-              <a:defRPr b="0" i="0" sz="1200" u="none" cap="none" strike="noStrike">
+              <a:defRPr sz="1200" b="0" i="0" u="none" strike="noStrike" cap="none">
                 <a:solidFill>
                   <a:schemeClr val="dk1"/>
                 </a:solidFill>
@@ -898,7 +915,7 @@
                 <a:sym typeface="Calibri"/>
               </a:defRPr>
             </a:lvl7pPr>
-            <a:lvl8pPr indent="-228600" lvl="7" marL="3657600" marR="0" rtl="0" algn="l">
+            <a:lvl8pPr marL="3657600" marR="0" lvl="7" indent="-228600" algn="l" rtl="0">
               <a:spcBef>
                 <a:spcPts val="0"/>
               </a:spcBef>
@@ -907,7 +924,7 @@
               </a:spcAft>
               <a:buSzPts val="1400"/>
               <a:buNone/>
-              <a:defRPr b="0" i="0" sz="1200" u="none" cap="none" strike="noStrike">
+              <a:defRPr sz="1200" b="0" i="0" u="none" strike="noStrike" cap="none">
                 <a:solidFill>
                   <a:schemeClr val="dk1"/>
                 </a:solidFill>
@@ -917,7 +934,7 @@
                 <a:sym typeface="Calibri"/>
               </a:defRPr>
             </a:lvl8pPr>
-            <a:lvl9pPr indent="-228600" lvl="8" marL="4114800" marR="0" rtl="0" algn="l">
+            <a:lvl9pPr marL="4114800" marR="0" lvl="8" indent="-228600" algn="l" rtl="0">
               <a:spcBef>
                 <a:spcPts val="0"/>
               </a:spcBef>
@@ -926,7 +943,7 @@
               </a:spcAft>
               <a:buSzPts val="1400"/>
               <a:buNone/>
-              <a:defRPr b="0" i="0" sz="1200" u="none" cap="none" strike="noStrike">
+              <a:defRPr sz="1200" b="0" i="0" u="none" strike="noStrike" cap="none">
                 <a:solidFill>
                   <a:schemeClr val="dk1"/>
                 </a:solidFill>
@@ -937,15 +954,19 @@
               </a:defRPr>
             </a:lvl9pPr>
           </a:lstStyle>
-          <a:p/>
+          <a:p>
+            <a:endParaRPr/>
+          </a:p>
         </p:txBody>
       </p:sp>
       <p:sp>
         <p:nvSpPr>
           <p:cNvPr id="7" name="Google Shape;7;n"/>
-          <p:cNvSpPr txBox="1"/>
+          <p:cNvSpPr txBox="1">
+            <a:spLocks noGrp="1"/>
+          </p:cNvSpPr>
           <p:nvPr>
-            <p:ph idx="11" type="ftr"/>
+            <p:ph type="ftr" idx="11"/>
           </p:nvPr>
         </p:nvSpPr>
         <p:spPr>
@@ -962,11 +983,11 @@
           </a:ln>
         </p:spPr>
         <p:txBody>
-          <a:bodyPr anchorCtr="0" anchor="b" bIns="45700" lIns="91425" spcFirstLastPara="1" rIns="91425" wrap="square" tIns="45700">
+          <a:bodyPr spcFirstLastPara="1" wrap="square" lIns="91425" tIns="45700" rIns="91425" bIns="45700" anchor="b" anchorCtr="0">
             <a:noAutofit/>
           </a:bodyPr>
           <a:lstStyle>
-            <a:lvl1pPr lvl="0" marR="0" rtl="0" algn="l">
+            <a:lvl1pPr marR="0" lvl="0" algn="l" rtl="0">
               <a:spcBef>
                 <a:spcPts val="0"/>
               </a:spcBef>
@@ -975,7 +996,7 @@
               </a:spcAft>
               <a:buSzPts val="1400"/>
               <a:buNone/>
-              <a:defRPr b="0" i="0" sz="1200" u="none" cap="none" strike="noStrike">
+              <a:defRPr sz="1200" b="0" i="0" u="none" strike="noStrike" cap="none">
                 <a:solidFill>
                   <a:schemeClr val="dk1"/>
                 </a:solidFill>
@@ -985,7 +1006,7 @@
                 <a:sym typeface="Calibri"/>
               </a:defRPr>
             </a:lvl1pPr>
-            <a:lvl2pPr lvl="1" marR="0" rtl="0" algn="l">
+            <a:lvl2pPr marR="0" lvl="1" algn="l" rtl="0">
               <a:spcBef>
                 <a:spcPts val="0"/>
               </a:spcBef>
@@ -994,7 +1015,7 @@
               </a:spcAft>
               <a:buSzPts val="1400"/>
               <a:buNone/>
-              <a:defRPr b="0" i="0" sz="1800" u="none" cap="none" strike="noStrike">
+              <a:defRPr sz="1800" b="0" i="0" u="none" strike="noStrike" cap="none">
                 <a:solidFill>
                   <a:schemeClr val="dk1"/>
                 </a:solidFill>
@@ -1004,7 +1025,7 @@
                 <a:sym typeface="Calibri"/>
               </a:defRPr>
             </a:lvl2pPr>
-            <a:lvl3pPr lvl="2" marR="0" rtl="0" algn="l">
+            <a:lvl3pPr marR="0" lvl="2" algn="l" rtl="0">
               <a:spcBef>
                 <a:spcPts val="0"/>
               </a:spcBef>
@@ -1013,7 +1034,7 @@
               </a:spcAft>
               <a:buSzPts val="1400"/>
               <a:buNone/>
-              <a:defRPr b="0" i="0" sz="1800" u="none" cap="none" strike="noStrike">
+              <a:defRPr sz="1800" b="0" i="0" u="none" strike="noStrike" cap="none">
                 <a:solidFill>
                   <a:schemeClr val="dk1"/>
                 </a:solidFill>
@@ -1023,7 +1044,7 @@
                 <a:sym typeface="Calibri"/>
               </a:defRPr>
             </a:lvl3pPr>
-            <a:lvl4pPr lvl="3" marR="0" rtl="0" algn="l">
+            <a:lvl4pPr marR="0" lvl="3" algn="l" rtl="0">
               <a:spcBef>
                 <a:spcPts val="0"/>
               </a:spcBef>
@@ -1032,7 +1053,7 @@
               </a:spcAft>
               <a:buSzPts val="1400"/>
               <a:buNone/>
-              <a:defRPr b="0" i="0" sz="1800" u="none" cap="none" strike="noStrike">
+              <a:defRPr sz="1800" b="0" i="0" u="none" strike="noStrike" cap="none">
                 <a:solidFill>
                   <a:schemeClr val="dk1"/>
                 </a:solidFill>
@@ -1042,7 +1063,7 @@
                 <a:sym typeface="Calibri"/>
               </a:defRPr>
             </a:lvl4pPr>
-            <a:lvl5pPr lvl="4" marR="0" rtl="0" algn="l">
+            <a:lvl5pPr marR="0" lvl="4" algn="l" rtl="0">
               <a:spcBef>
                 <a:spcPts val="0"/>
               </a:spcBef>
@@ -1051,7 +1072,7 @@
               </a:spcAft>
               <a:buSzPts val="1400"/>
               <a:buNone/>
-              <a:defRPr b="0" i="0" sz="1800" u="none" cap="none" strike="noStrike">
+              <a:defRPr sz="1800" b="0" i="0" u="none" strike="noStrike" cap="none">
                 <a:solidFill>
                   <a:schemeClr val="dk1"/>
                 </a:solidFill>
@@ -1061,7 +1082,7 @@
                 <a:sym typeface="Calibri"/>
               </a:defRPr>
             </a:lvl5pPr>
-            <a:lvl6pPr lvl="5" marR="0" rtl="0" algn="l">
+            <a:lvl6pPr marR="0" lvl="5" algn="l" rtl="0">
               <a:spcBef>
                 <a:spcPts val="0"/>
               </a:spcBef>
@@ -1070,7 +1091,7 @@
               </a:spcAft>
               <a:buSzPts val="1400"/>
               <a:buNone/>
-              <a:defRPr b="0" i="0" sz="1800" u="none" cap="none" strike="noStrike">
+              <a:defRPr sz="1800" b="0" i="0" u="none" strike="noStrike" cap="none">
                 <a:solidFill>
                   <a:schemeClr val="dk1"/>
                 </a:solidFill>
@@ -1080,7 +1101,7 @@
                 <a:sym typeface="Calibri"/>
               </a:defRPr>
             </a:lvl6pPr>
-            <a:lvl7pPr lvl="6" marR="0" rtl="0" algn="l">
+            <a:lvl7pPr marR="0" lvl="6" algn="l" rtl="0">
               <a:spcBef>
                 <a:spcPts val="0"/>
               </a:spcBef>
@@ -1089,7 +1110,7 @@
               </a:spcAft>
               <a:buSzPts val="1400"/>
               <a:buNone/>
-              <a:defRPr b="0" i="0" sz="1800" u="none" cap="none" strike="noStrike">
+              <a:defRPr sz="1800" b="0" i="0" u="none" strike="noStrike" cap="none">
                 <a:solidFill>
                   <a:schemeClr val="dk1"/>
                 </a:solidFill>
@@ -1099,7 +1120,7 @@
                 <a:sym typeface="Calibri"/>
               </a:defRPr>
             </a:lvl7pPr>
-            <a:lvl8pPr lvl="7" marR="0" rtl="0" algn="l">
+            <a:lvl8pPr marR="0" lvl="7" algn="l" rtl="0">
               <a:spcBef>
                 <a:spcPts val="0"/>
               </a:spcBef>
@@ -1108,7 +1129,7 @@
               </a:spcAft>
               <a:buSzPts val="1400"/>
               <a:buNone/>
-              <a:defRPr b="0" i="0" sz="1800" u="none" cap="none" strike="noStrike">
+              <a:defRPr sz="1800" b="0" i="0" u="none" strike="noStrike" cap="none">
                 <a:solidFill>
                   <a:schemeClr val="dk1"/>
                 </a:solidFill>
@@ -1118,7 +1139,7 @@
                 <a:sym typeface="Calibri"/>
               </a:defRPr>
             </a:lvl8pPr>
-            <a:lvl9pPr lvl="8" marR="0" rtl="0" algn="l">
+            <a:lvl9pPr marR="0" lvl="8" algn="l" rtl="0">
               <a:spcBef>
                 <a:spcPts val="0"/>
               </a:spcBef>
@@ -1127,7 +1148,7 @@
               </a:spcAft>
               <a:buSzPts val="1400"/>
               <a:buNone/>
-              <a:defRPr b="0" i="0" sz="1800" u="none" cap="none" strike="noStrike">
+              <a:defRPr sz="1800" b="0" i="0" u="none" strike="noStrike" cap="none">
                 <a:solidFill>
                   <a:schemeClr val="dk1"/>
                 </a:solidFill>
@@ -1138,15 +1159,19 @@
               </a:defRPr>
             </a:lvl9pPr>
           </a:lstStyle>
-          <a:p/>
+          <a:p>
+            <a:endParaRPr/>
+          </a:p>
         </p:txBody>
       </p:sp>
       <p:sp>
         <p:nvSpPr>
           <p:cNvPr id="8" name="Google Shape;8;n"/>
-          <p:cNvSpPr txBox="1"/>
+          <p:cNvSpPr txBox="1">
+            <a:spLocks noGrp="1"/>
+          </p:cNvSpPr>
           <p:nvPr>
-            <p:ph idx="12" type="sldNum"/>
+            <p:ph type="sldNum" idx="12"/>
           </p:nvPr>
         </p:nvSpPr>
         <p:spPr>
@@ -1163,12 +1188,12 @@
           </a:ln>
         </p:spPr>
         <p:txBody>
-          <a:bodyPr anchorCtr="0" anchor="b" bIns="45700" lIns="91425" spcFirstLastPara="1" rIns="91425" wrap="square" tIns="45700">
+          <a:bodyPr spcFirstLastPara="1" wrap="square" lIns="91425" tIns="45700" rIns="91425" bIns="45700" anchor="b" anchorCtr="0">
             <a:noAutofit/>
           </a:bodyPr>
           <a:lstStyle/>
           <a:p>
-            <a:pPr indent="0" lvl="0" marL="0" marR="0" rtl="0" algn="r">
+            <a:pPr marL="0" marR="0" lvl="0" indent="0" algn="r" rtl="0">
               <a:spcBef>
                 <a:spcPts val="0"/>
               </a:spcBef>
@@ -1178,7 +1203,7 @@
               <a:buNone/>
             </a:pPr>
             <a:fld id="{00000000-1234-1234-1234-123412341234}" type="slidenum">
-              <a:rPr b="0" i="0" lang="en-US" sz="1200" u="none" cap="none" strike="noStrike">
+              <a:rPr lang="en-US" sz="1200" b="0" i="0" u="none" strike="noStrike" cap="none">
                 <a:solidFill>
                   <a:schemeClr val="dk1"/>
                 </a:solidFill>
@@ -1189,7 +1214,7 @@
               </a:rPr>
               <a:t>‹#›</a:t>
             </a:fld>
-            <a:endParaRPr b="0" i="0" sz="1200" u="none" cap="none" strike="noStrike">
+            <a:endParaRPr sz="1200" b="0" i="0" u="none" strike="noStrike" cap="none">
               <a:solidFill>
                 <a:schemeClr val="dk1"/>
               </a:solidFill>
@@ -1203,9 +1228,9 @@
       </p:sp>
     </p:spTree>
   </p:cSld>
-  <p:clrMap accent1="accent1" accent2="accent2" accent3="accent3" accent4="accent4" accent5="accent5" accent6="accent6" bg1="lt1" bg2="dk2" tx1="dk1" tx2="lt2" folHlink="folHlink" hlink="hlink"/>
+  <p:clrMap bg1="lt1" tx1="dk1" bg2="dk2" tx2="lt2" accent1="accent1" accent2="accent2" accent3="accent3" accent4="accent4" accent5="accent5" accent6="accent6" hlink="hlink" folHlink="folHlink"/>
   <p:notesStyle>
-    <a:defPPr lvl="0" marR="0" rtl="0" algn="l">
+    <a:defPPr marR="0" lvl="0" algn="l" rtl="0">
       <a:lnSpc>
         <a:spcPct val="100000"/>
       </a:lnSpc>
@@ -1216,7 +1241,7 @@
         <a:spcPts val="0"/>
       </a:spcAft>
     </a:defPPr>
-    <a:lvl1pPr lvl="0" marR="0" rtl="0" algn="l">
+    <a:lvl1pPr marR="0" lvl="0" algn="l" rtl="0">
       <a:lnSpc>
         <a:spcPct val="100000"/>
       </a:lnSpc>
@@ -1230,7 +1255,7 @@
         <a:srgbClr val="000000"/>
       </a:buClr>
       <a:buFont typeface="Arial"/>
-      <a:defRPr b="0" i="0" sz="1400" u="none" cap="none" strike="noStrike">
+      <a:defRPr sz="1400" b="0" i="0" u="none" strike="noStrike" cap="none">
         <a:solidFill>
           <a:srgbClr val="000000"/>
         </a:solidFill>
@@ -1240,7 +1265,7 @@
         <a:sym typeface="Arial"/>
       </a:defRPr>
     </a:lvl1pPr>
-    <a:lvl2pPr lvl="1" marR="0" rtl="0" algn="l">
+    <a:lvl2pPr marR="0" lvl="1" algn="l" rtl="0">
       <a:lnSpc>
         <a:spcPct val="100000"/>
       </a:lnSpc>
@@ -1254,7 +1279,7 @@
         <a:srgbClr val="000000"/>
       </a:buClr>
       <a:buFont typeface="Arial"/>
-      <a:defRPr b="0" i="0" sz="1400" u="none" cap="none" strike="noStrike">
+      <a:defRPr sz="1400" b="0" i="0" u="none" strike="noStrike" cap="none">
         <a:solidFill>
           <a:srgbClr val="000000"/>
         </a:solidFill>
@@ -1264,7 +1289,7 @@
         <a:sym typeface="Arial"/>
       </a:defRPr>
     </a:lvl2pPr>
-    <a:lvl3pPr lvl="2" marR="0" rtl="0" algn="l">
+    <a:lvl3pPr marR="0" lvl="2" algn="l" rtl="0">
       <a:lnSpc>
         <a:spcPct val="100000"/>
       </a:lnSpc>
@@ -1278,7 +1303,7 @@
         <a:srgbClr val="000000"/>
       </a:buClr>
       <a:buFont typeface="Arial"/>
-      <a:defRPr b="0" i="0" sz="1400" u="none" cap="none" strike="noStrike">
+      <a:defRPr sz="1400" b="0" i="0" u="none" strike="noStrike" cap="none">
         <a:solidFill>
           <a:srgbClr val="000000"/>
         </a:solidFill>
@@ -1288,7 +1313,7 @@
         <a:sym typeface="Arial"/>
       </a:defRPr>
     </a:lvl3pPr>
-    <a:lvl4pPr lvl="3" marR="0" rtl="0" algn="l">
+    <a:lvl4pPr marR="0" lvl="3" algn="l" rtl="0">
       <a:lnSpc>
         <a:spcPct val="100000"/>
       </a:lnSpc>
@@ -1302,7 +1327,7 @@
         <a:srgbClr val="000000"/>
       </a:buClr>
       <a:buFont typeface="Arial"/>
-      <a:defRPr b="0" i="0" sz="1400" u="none" cap="none" strike="noStrike">
+      <a:defRPr sz="1400" b="0" i="0" u="none" strike="noStrike" cap="none">
         <a:solidFill>
           <a:srgbClr val="000000"/>
         </a:solidFill>
@@ -1312,7 +1337,7 @@
         <a:sym typeface="Arial"/>
       </a:defRPr>
     </a:lvl4pPr>
-    <a:lvl5pPr lvl="4" marR="0" rtl="0" algn="l">
+    <a:lvl5pPr marR="0" lvl="4" algn="l" rtl="0">
       <a:lnSpc>
         <a:spcPct val="100000"/>
       </a:lnSpc>
@@ -1326,7 +1351,7 @@
         <a:srgbClr val="000000"/>
       </a:buClr>
       <a:buFont typeface="Arial"/>
-      <a:defRPr b="0" i="0" sz="1400" u="none" cap="none" strike="noStrike">
+      <a:defRPr sz="1400" b="0" i="0" u="none" strike="noStrike" cap="none">
         <a:solidFill>
           <a:srgbClr val="000000"/>
         </a:solidFill>
@@ -1336,7 +1361,7 @@
         <a:sym typeface="Arial"/>
       </a:defRPr>
     </a:lvl5pPr>
-    <a:lvl6pPr lvl="5" marR="0" rtl="0" algn="l">
+    <a:lvl6pPr marR="0" lvl="5" algn="l" rtl="0">
       <a:lnSpc>
         <a:spcPct val="100000"/>
       </a:lnSpc>
@@ -1350,7 +1375,7 @@
         <a:srgbClr val="000000"/>
       </a:buClr>
       <a:buFont typeface="Arial"/>
-      <a:defRPr b="0" i="0" sz="1400" u="none" cap="none" strike="noStrike">
+      <a:defRPr sz="1400" b="0" i="0" u="none" strike="noStrike" cap="none">
         <a:solidFill>
           <a:srgbClr val="000000"/>
         </a:solidFill>
@@ -1360,7 +1385,7 @@
         <a:sym typeface="Arial"/>
       </a:defRPr>
     </a:lvl6pPr>
-    <a:lvl7pPr lvl="6" marR="0" rtl="0" algn="l">
+    <a:lvl7pPr marR="0" lvl="6" algn="l" rtl="0">
       <a:lnSpc>
         <a:spcPct val="100000"/>
       </a:lnSpc>
@@ -1374,7 +1399,7 @@
         <a:srgbClr val="000000"/>
       </a:buClr>
       <a:buFont typeface="Arial"/>
-      <a:defRPr b="0" i="0" sz="1400" u="none" cap="none" strike="noStrike">
+      <a:defRPr sz="1400" b="0" i="0" u="none" strike="noStrike" cap="none">
         <a:solidFill>
           <a:srgbClr val="000000"/>
         </a:solidFill>
@@ -1384,7 +1409,7 @@
         <a:sym typeface="Arial"/>
       </a:defRPr>
     </a:lvl7pPr>
-    <a:lvl8pPr lvl="7" marR="0" rtl="0" algn="l">
+    <a:lvl8pPr marR="0" lvl="7" algn="l" rtl="0">
       <a:lnSpc>
         <a:spcPct val="100000"/>
       </a:lnSpc>
@@ -1398,7 +1423,7 @@
         <a:srgbClr val="000000"/>
       </a:buClr>
       <a:buFont typeface="Arial"/>
-      <a:defRPr b="0" i="0" sz="1400" u="none" cap="none" strike="noStrike">
+      <a:defRPr sz="1400" b="0" i="0" u="none" strike="noStrike" cap="none">
         <a:solidFill>
           <a:srgbClr val="000000"/>
         </a:solidFill>
@@ -1408,7 +1433,7 @@
         <a:sym typeface="Arial"/>
       </a:defRPr>
     </a:lvl8pPr>
-    <a:lvl9pPr lvl="8" marR="0" rtl="0" algn="l">
+    <a:lvl9pPr marR="0" lvl="8" algn="l" rtl="0">
       <a:lnSpc>
         <a:spcPct val="100000"/>
       </a:lnSpc>
@@ -1422,7 +1447,7 @@
         <a:srgbClr val="000000"/>
       </a:buClr>
       <a:buFont typeface="Arial"/>
-      <a:defRPr b="0" i="0" sz="1400" u="none" cap="none" strike="noStrike">
+      <a:defRPr sz="1400" b="0" i="0" u="none" strike="noStrike" cap="none">
         <a:solidFill>
           <a:srgbClr val="000000"/>
         </a:solidFill>
@@ -1437,11 +1462,11 @@
 </file>
 
 <file path=ppt/notesSlides/notesSlide1.xml><?xml version="1.0" encoding="utf-8"?>
-<p:notes xmlns:a="http://schemas.openxmlformats.org/drawingml/2006/main" xmlns:r="http://schemas.openxmlformats.org/officeDocument/2006/relationships" xmlns:mc="http://schemas.openxmlformats.org/markup-compatibility/2006" xmlns:mv="urn:schemas-microsoft-com:mac:vml" xmlns:p="http://schemas.openxmlformats.org/presentationml/2006/main" xmlns:c="http://schemas.openxmlformats.org/drawingml/2006/chart" xmlns:dgm="http://schemas.openxmlformats.org/drawingml/2006/diagram" xmlns:o="urn:schemas-microsoft-com:office:office" xmlns:v="urn:schemas-microsoft-com:vml" xmlns:pvml="urn:schemas-microsoft-com:office:powerpoint" xmlns:com="http://schemas.openxmlformats.org/drawingml/2006/compatibility" xmlns:p14="http://schemas.microsoft.com/office/powerpoint/2010/main" xmlns:p15="http://schemas.microsoft.com/office/powerpoint/2012/main" xmlns:ahyp="http://schemas.microsoft.com/office/drawing/2018/hyperlinkcolor" showMasterPhAnim="0" showMasterSp="0">
+<p:notes xmlns:a="http://schemas.openxmlformats.org/drawingml/2006/main" xmlns:r="http://schemas.openxmlformats.org/officeDocument/2006/relationships" xmlns:p="http://schemas.openxmlformats.org/presentationml/2006/main" showMasterSp="0" showMasterPhAnim="0">
   <p:cSld>
     <p:spTree>
       <p:nvGrpSpPr>
-        <p:cNvPr id="87" name="Shape 87"/>
+        <p:cNvPr id="1" name="Shape 87"/>
         <p:cNvGrpSpPr/>
         <p:nvPr/>
       </p:nvGrpSpPr>
@@ -1456,20 +1481,26 @@
       <p:sp>
         <p:nvSpPr>
           <p:cNvPr id="88" name="Google Shape;88;p1:notes"/>
-          <p:cNvSpPr/>
+          <p:cNvSpPr>
+            <a:spLocks noGrp="1" noRot="1" noChangeAspect="1"/>
+          </p:cNvSpPr>
           <p:nvPr>
-            <p:ph idx="2" type="sldImg"/>
+            <p:ph type="sldImg" idx="2"/>
           </p:nvPr>
         </p:nvSpPr>
         <p:spPr>
           <a:xfrm>
-            <a:off x="381533" y="685800"/>
-            <a:ext cx="6094800" cy="3429000"/>
+            <a:off x="381000" y="685800"/>
+            <a:ext cx="6096000" cy="3429000"/>
           </a:xfrm>
           <a:custGeom>
-            <a:rect b="b" l="l" r="r" t="t"/>
+            <a:avLst/>
+            <a:gdLst/>
+            <a:ahLst/>
+            <a:cxnLst/>
+            <a:rect l="l" t="t" r="r" b="b"/>
             <a:pathLst>
-              <a:path extrusionOk="0" h="120000" w="120000">
+              <a:path w="120000" h="120000" extrusionOk="0">
                 <a:moveTo>
                   <a:pt x="0" y="0"/>
                 </a:moveTo>
@@ -1487,23 +1518,25 @@
             </a:pathLst>
           </a:custGeom>
           <a:noFill/>
-          <a:ln cap="flat" cmpd="sng" w="12700">
+          <a:ln w="12700" cap="flat" cmpd="sng">
             <a:solidFill>
               <a:srgbClr val="000000"/>
             </a:solidFill>
             <a:prstDash val="solid"/>
             <a:round/>
-            <a:headEnd len="sm" w="sm" type="none"/>
-            <a:tailEnd len="sm" w="sm" type="none"/>
+            <a:headEnd type="none" w="sm" len="sm"/>
+            <a:tailEnd type="none" w="sm" len="sm"/>
           </a:ln>
         </p:spPr>
       </p:sp>
       <p:sp>
         <p:nvSpPr>
           <p:cNvPr id="89" name="Google Shape;89;p1:notes"/>
-          <p:cNvSpPr txBox="1"/>
+          <p:cNvSpPr txBox="1">
+            <a:spLocks noGrp="1"/>
+          </p:cNvSpPr>
           <p:nvPr>
-            <p:ph idx="1" type="body"/>
+            <p:ph type="body" idx="1"/>
           </p:nvPr>
         </p:nvSpPr>
         <p:spPr>
@@ -1520,12 +1553,12 @@
           </a:ln>
         </p:spPr>
         <p:txBody>
-          <a:bodyPr anchorCtr="0" anchor="t" bIns="91425" lIns="91425" spcFirstLastPara="1" rIns="91425" wrap="square" tIns="91425">
+          <a:bodyPr spcFirstLastPara="1" wrap="square" lIns="91425" tIns="91425" rIns="91425" bIns="91425" anchor="t" anchorCtr="0">
             <a:noAutofit/>
           </a:bodyPr>
           <a:lstStyle/>
           <a:p>
-            <a:pPr indent="0" lvl="0" marL="0" rtl="0" algn="l">
+            <a:pPr marL="0" lvl="0" indent="0" algn="l" rtl="0">
               <a:spcBef>
                 <a:spcPts val="0"/>
               </a:spcBef>
@@ -1539,9 +1572,6 @@
               <a:buFont typeface="Calibri"/>
               <a:buNone/>
             </a:pPr>
-            <a:r>
-              <a:t/>
-            </a:r>
             <a:endParaRPr/>
           </a:p>
         </p:txBody>
@@ -1555,11 +1585,11 @@
 </file>
 
 <file path=ppt/notesSlides/notesSlide2.xml><?xml version="1.0" encoding="utf-8"?>
-<p:notes xmlns:a="http://schemas.openxmlformats.org/drawingml/2006/main" xmlns:r="http://schemas.openxmlformats.org/officeDocument/2006/relationships" xmlns:mc="http://schemas.openxmlformats.org/markup-compatibility/2006" xmlns:mv="urn:schemas-microsoft-com:mac:vml" xmlns:p="http://schemas.openxmlformats.org/presentationml/2006/main" xmlns:c="http://schemas.openxmlformats.org/drawingml/2006/chart" xmlns:dgm="http://schemas.openxmlformats.org/drawingml/2006/diagram" xmlns:o="urn:schemas-microsoft-com:office:office" xmlns:v="urn:schemas-microsoft-com:vml" xmlns:pvml="urn:schemas-microsoft-com:office:powerpoint" xmlns:com="http://schemas.openxmlformats.org/drawingml/2006/compatibility" xmlns:p14="http://schemas.microsoft.com/office/powerpoint/2010/main" xmlns:p15="http://schemas.microsoft.com/office/powerpoint/2012/main" xmlns:ahyp="http://schemas.microsoft.com/office/drawing/2018/hyperlinkcolor" showMasterPhAnim="0" showMasterSp="0">
+<p:notes xmlns:a="http://schemas.openxmlformats.org/drawingml/2006/main" xmlns:r="http://schemas.openxmlformats.org/officeDocument/2006/relationships" xmlns:p="http://schemas.openxmlformats.org/presentationml/2006/main" showMasterSp="0" showMasterPhAnim="0">
   <p:cSld>
     <p:spTree>
       <p:nvGrpSpPr>
-        <p:cNvPr id="97" name="Shape 97"/>
+        <p:cNvPr id="1" name="Shape 97"/>
         <p:cNvGrpSpPr/>
         <p:nvPr/>
       </p:nvGrpSpPr>
@@ -1574,9 +1604,11 @@
       <p:sp>
         <p:nvSpPr>
           <p:cNvPr id="98" name="Google Shape;98;p2:notes"/>
-          <p:cNvSpPr txBox="1"/>
+          <p:cNvSpPr txBox="1">
+            <a:spLocks noGrp="1"/>
+          </p:cNvSpPr>
           <p:nvPr>
-            <p:ph idx="1" type="body"/>
+            <p:ph type="body" idx="1"/>
           </p:nvPr>
         </p:nvSpPr>
         <p:spPr>
@@ -1589,12 +1621,12 @@
           </a:prstGeom>
         </p:spPr>
         <p:txBody>
-          <a:bodyPr anchorCtr="0" anchor="t" bIns="45700" lIns="91425" spcFirstLastPara="1" rIns="91425" wrap="square" tIns="45700">
+          <a:bodyPr spcFirstLastPara="1" wrap="square" lIns="91425" tIns="45700" rIns="91425" bIns="45700" anchor="t" anchorCtr="0">
             <a:noAutofit/>
           </a:bodyPr>
           <a:lstStyle/>
           <a:p>
-            <a:pPr indent="0" lvl="0" marL="0" rtl="0" algn="l">
+            <a:pPr marL="0" lvl="0" indent="0" algn="l" rtl="0">
               <a:spcBef>
                 <a:spcPts val="0"/>
               </a:spcBef>
@@ -1603,9 +1635,6 @@
               </a:spcAft>
               <a:buNone/>
             </a:pPr>
-            <a:r>
-              <a:t/>
-            </a:r>
             <a:endParaRPr/>
           </a:p>
         </p:txBody>
@@ -1613,9 +1642,11 @@
       <p:sp>
         <p:nvSpPr>
           <p:cNvPr id="99" name="Google Shape;99;p2:notes"/>
-          <p:cNvSpPr/>
+          <p:cNvSpPr>
+            <a:spLocks noGrp="1" noRot="1" noChangeAspect="1"/>
+          </p:cNvSpPr>
           <p:nvPr>
-            <p:ph idx="2" type="sldImg"/>
+            <p:ph type="sldImg" idx="2"/>
           </p:nvPr>
         </p:nvSpPr>
         <p:spPr>
@@ -1624,9 +1655,13 @@
             <a:ext cx="5485500" cy="3086100"/>
           </a:xfrm>
           <a:custGeom>
-            <a:rect b="b" l="l" r="r" t="t"/>
+            <a:avLst/>
+            <a:gdLst/>
+            <a:ahLst/>
+            <a:cxnLst/>
+            <a:rect l="l" t="t" r="r" b="b"/>
             <a:pathLst>
-              <a:path extrusionOk="0" h="120000" w="120000">
+              <a:path w="120000" h="120000" extrusionOk="0">
                 <a:moveTo>
                   <a:pt x="0" y="0"/>
                 </a:moveTo>
@@ -1654,11 +1689,11 @@
 </file>
 
 <file path=ppt/notesSlides/notesSlide3.xml><?xml version="1.0" encoding="utf-8"?>
-<p:notes xmlns:a="http://schemas.openxmlformats.org/drawingml/2006/main" xmlns:r="http://schemas.openxmlformats.org/officeDocument/2006/relationships" xmlns:mc="http://schemas.openxmlformats.org/markup-compatibility/2006" xmlns:mv="urn:schemas-microsoft-com:mac:vml" xmlns:p="http://schemas.openxmlformats.org/presentationml/2006/main" xmlns:c="http://schemas.openxmlformats.org/drawingml/2006/chart" xmlns:dgm="http://schemas.openxmlformats.org/drawingml/2006/diagram" xmlns:o="urn:schemas-microsoft-com:office:office" xmlns:v="urn:schemas-microsoft-com:vml" xmlns:pvml="urn:schemas-microsoft-com:office:powerpoint" xmlns:com="http://schemas.openxmlformats.org/drawingml/2006/compatibility" xmlns:p14="http://schemas.microsoft.com/office/powerpoint/2010/main" xmlns:p15="http://schemas.microsoft.com/office/powerpoint/2012/main" xmlns:ahyp="http://schemas.microsoft.com/office/drawing/2018/hyperlinkcolor" showMasterPhAnim="0" showMasterSp="0">
+<p:notes xmlns:a="http://schemas.openxmlformats.org/drawingml/2006/main" xmlns:r="http://schemas.openxmlformats.org/officeDocument/2006/relationships" xmlns:p="http://schemas.openxmlformats.org/presentationml/2006/main" showMasterSp="0" showMasterPhAnim="0">
   <p:cSld>
     <p:spTree>
       <p:nvGrpSpPr>
-        <p:cNvPr id="107" name="Shape 107"/>
+        <p:cNvPr id="1" name="Shape 107"/>
         <p:cNvGrpSpPr/>
         <p:nvPr/>
       </p:nvGrpSpPr>
@@ -1673,9 +1708,11 @@
       <p:sp>
         <p:nvSpPr>
           <p:cNvPr id="108" name="Google Shape;108;p3:notes"/>
-          <p:cNvSpPr txBox="1"/>
+          <p:cNvSpPr txBox="1">
+            <a:spLocks noGrp="1"/>
+          </p:cNvSpPr>
           <p:nvPr>
-            <p:ph idx="1" type="body"/>
+            <p:ph type="body" idx="1"/>
           </p:nvPr>
         </p:nvSpPr>
         <p:spPr>
@@ -1688,12 +1725,12 @@
           </a:prstGeom>
         </p:spPr>
         <p:txBody>
-          <a:bodyPr anchorCtr="0" anchor="t" bIns="45700" lIns="91425" spcFirstLastPara="1" rIns="91425" wrap="square" tIns="45700">
+          <a:bodyPr spcFirstLastPara="1" wrap="square" lIns="91425" tIns="45700" rIns="91425" bIns="45700" anchor="t" anchorCtr="0">
             <a:noAutofit/>
           </a:bodyPr>
           <a:lstStyle/>
           <a:p>
-            <a:pPr indent="0" lvl="0" marL="0" rtl="0" algn="l">
+            <a:pPr marL="0" lvl="0" indent="0" algn="l" rtl="0">
               <a:spcBef>
                 <a:spcPts val="0"/>
               </a:spcBef>
@@ -1702,9 +1739,6 @@
               </a:spcAft>
               <a:buNone/>
             </a:pPr>
-            <a:r>
-              <a:t/>
-            </a:r>
             <a:endParaRPr/>
           </a:p>
         </p:txBody>
@@ -1712,9 +1746,11 @@
       <p:sp>
         <p:nvSpPr>
           <p:cNvPr id="109" name="Google Shape;109;p3:notes"/>
-          <p:cNvSpPr/>
+          <p:cNvSpPr>
+            <a:spLocks noGrp="1" noRot="1" noChangeAspect="1"/>
+          </p:cNvSpPr>
           <p:nvPr>
-            <p:ph idx="2" type="sldImg"/>
+            <p:ph type="sldImg" idx="2"/>
           </p:nvPr>
         </p:nvSpPr>
         <p:spPr>
@@ -1723,9 +1759,13 @@
             <a:ext cx="5485500" cy="3086100"/>
           </a:xfrm>
           <a:custGeom>
-            <a:rect b="b" l="l" r="r" t="t"/>
+            <a:avLst/>
+            <a:gdLst/>
+            <a:ahLst/>
+            <a:cxnLst/>
+            <a:rect l="l" t="t" r="r" b="b"/>
             <a:pathLst>
-              <a:path extrusionOk="0" h="120000" w="120000">
+              <a:path w="120000" h="120000" extrusionOk="0">
                 <a:moveTo>
                   <a:pt x="0" y="0"/>
                 </a:moveTo>
@@ -1753,11 +1793,11 @@
 </file>
 
 <file path=ppt/notesSlides/notesSlide4.xml><?xml version="1.0" encoding="utf-8"?>
-<p:notes xmlns:a="http://schemas.openxmlformats.org/drawingml/2006/main" xmlns:r="http://schemas.openxmlformats.org/officeDocument/2006/relationships" xmlns:mc="http://schemas.openxmlformats.org/markup-compatibility/2006" xmlns:mv="urn:schemas-microsoft-com:mac:vml" xmlns:p="http://schemas.openxmlformats.org/presentationml/2006/main" xmlns:c="http://schemas.openxmlformats.org/drawingml/2006/chart" xmlns:dgm="http://schemas.openxmlformats.org/drawingml/2006/diagram" xmlns:o="urn:schemas-microsoft-com:office:office" xmlns:v="urn:schemas-microsoft-com:vml" xmlns:pvml="urn:schemas-microsoft-com:office:powerpoint" xmlns:com="http://schemas.openxmlformats.org/drawingml/2006/compatibility" xmlns:p14="http://schemas.microsoft.com/office/powerpoint/2010/main" xmlns:p15="http://schemas.microsoft.com/office/powerpoint/2012/main" xmlns:ahyp="http://schemas.microsoft.com/office/drawing/2018/hyperlinkcolor" showMasterPhAnim="0" showMasterSp="0">
+<p:notes xmlns:a="http://schemas.openxmlformats.org/drawingml/2006/main" xmlns:r="http://schemas.openxmlformats.org/officeDocument/2006/relationships" xmlns:p="http://schemas.openxmlformats.org/presentationml/2006/main" showMasterSp="0" showMasterPhAnim="0">
   <p:cSld>
     <p:spTree>
       <p:nvGrpSpPr>
-        <p:cNvPr id="116" name="Shape 116"/>
+        <p:cNvPr id="1" name="Shape 116"/>
         <p:cNvGrpSpPr/>
         <p:nvPr/>
       </p:nvGrpSpPr>
@@ -1772,9 +1812,11 @@
       <p:sp>
         <p:nvSpPr>
           <p:cNvPr id="117" name="Google Shape;117;p4:notes"/>
-          <p:cNvSpPr txBox="1"/>
+          <p:cNvSpPr txBox="1">
+            <a:spLocks noGrp="1"/>
+          </p:cNvSpPr>
           <p:nvPr>
-            <p:ph idx="1" type="body"/>
+            <p:ph type="body" idx="1"/>
           </p:nvPr>
         </p:nvSpPr>
         <p:spPr>
@@ -1787,12 +1829,12 @@
           </a:prstGeom>
         </p:spPr>
         <p:txBody>
-          <a:bodyPr anchorCtr="0" anchor="t" bIns="45700" lIns="91425" spcFirstLastPara="1" rIns="91425" wrap="square" tIns="45700">
+          <a:bodyPr spcFirstLastPara="1" wrap="square" lIns="91425" tIns="45700" rIns="91425" bIns="45700" anchor="t" anchorCtr="0">
             <a:noAutofit/>
           </a:bodyPr>
           <a:lstStyle/>
           <a:p>
-            <a:pPr indent="0" lvl="0" marL="0" rtl="0" algn="l">
+            <a:pPr marL="0" lvl="0" indent="0" algn="l" rtl="0">
               <a:spcBef>
                 <a:spcPts val="0"/>
               </a:spcBef>
@@ -1801,9 +1843,6 @@
               </a:spcAft>
               <a:buNone/>
             </a:pPr>
-            <a:r>
-              <a:t/>
-            </a:r>
             <a:endParaRPr/>
           </a:p>
         </p:txBody>
@@ -1811,9 +1850,11 @@
       <p:sp>
         <p:nvSpPr>
           <p:cNvPr id="118" name="Google Shape;118;p4:notes"/>
-          <p:cNvSpPr/>
+          <p:cNvSpPr>
+            <a:spLocks noGrp="1" noRot="1" noChangeAspect="1"/>
+          </p:cNvSpPr>
           <p:nvPr>
-            <p:ph idx="2" type="sldImg"/>
+            <p:ph type="sldImg" idx="2"/>
           </p:nvPr>
         </p:nvSpPr>
         <p:spPr>
@@ -1822,9 +1863,13 @@
             <a:ext cx="5485500" cy="3086100"/>
           </a:xfrm>
           <a:custGeom>
-            <a:rect b="b" l="l" r="r" t="t"/>
+            <a:avLst/>
+            <a:gdLst/>
+            <a:ahLst/>
+            <a:cxnLst/>
+            <a:rect l="l" t="t" r="r" b="b"/>
             <a:pathLst>
-              <a:path extrusionOk="0" h="120000" w="120000">
+              <a:path w="120000" h="120000" extrusionOk="0">
                 <a:moveTo>
                   <a:pt x="0" y="0"/>
                 </a:moveTo>
@@ -1852,11 +1897,11 @@
 </file>
 
 <file path=ppt/notesSlides/notesSlide5.xml><?xml version="1.0" encoding="utf-8"?>
-<p:notes xmlns:a="http://schemas.openxmlformats.org/drawingml/2006/main" xmlns:r="http://schemas.openxmlformats.org/officeDocument/2006/relationships" xmlns:mc="http://schemas.openxmlformats.org/markup-compatibility/2006" xmlns:mv="urn:schemas-microsoft-com:mac:vml" xmlns:p="http://schemas.openxmlformats.org/presentationml/2006/main" xmlns:c="http://schemas.openxmlformats.org/drawingml/2006/chart" xmlns:dgm="http://schemas.openxmlformats.org/drawingml/2006/diagram" xmlns:o="urn:schemas-microsoft-com:office:office" xmlns:v="urn:schemas-microsoft-com:vml" xmlns:pvml="urn:schemas-microsoft-com:office:powerpoint" xmlns:com="http://schemas.openxmlformats.org/drawingml/2006/compatibility" xmlns:p14="http://schemas.microsoft.com/office/powerpoint/2010/main" xmlns:p15="http://schemas.microsoft.com/office/powerpoint/2012/main" xmlns:ahyp="http://schemas.microsoft.com/office/drawing/2018/hyperlinkcolor" showMasterPhAnim="0" showMasterSp="0">
+<p:notes xmlns:a="http://schemas.openxmlformats.org/drawingml/2006/main" xmlns:r="http://schemas.openxmlformats.org/officeDocument/2006/relationships" xmlns:p="http://schemas.openxmlformats.org/presentationml/2006/main" showMasterSp="0" showMasterPhAnim="0">
   <p:cSld>
     <p:spTree>
       <p:nvGrpSpPr>
-        <p:cNvPr id="125" name="Shape 125"/>
+        <p:cNvPr id="1" name="Shape 125"/>
         <p:cNvGrpSpPr/>
         <p:nvPr/>
       </p:nvGrpSpPr>
@@ -1871,9 +1916,11 @@
       <p:sp>
         <p:nvSpPr>
           <p:cNvPr id="126" name="Google Shape;126;p5:notes"/>
-          <p:cNvSpPr txBox="1"/>
+          <p:cNvSpPr txBox="1">
+            <a:spLocks noGrp="1"/>
+          </p:cNvSpPr>
           <p:nvPr>
-            <p:ph idx="1" type="body"/>
+            <p:ph type="body" idx="1"/>
           </p:nvPr>
         </p:nvSpPr>
         <p:spPr>
@@ -1886,12 +1933,12 @@
           </a:prstGeom>
         </p:spPr>
         <p:txBody>
-          <a:bodyPr anchorCtr="0" anchor="t" bIns="45700" lIns="91425" spcFirstLastPara="1" rIns="91425" wrap="square" tIns="45700">
+          <a:bodyPr spcFirstLastPara="1" wrap="square" lIns="91425" tIns="45700" rIns="91425" bIns="45700" anchor="t" anchorCtr="0">
             <a:noAutofit/>
           </a:bodyPr>
           <a:lstStyle/>
           <a:p>
-            <a:pPr indent="0" lvl="0" marL="0" rtl="0" algn="l">
+            <a:pPr marL="0" lvl="0" indent="0" algn="l" rtl="0">
               <a:spcBef>
                 <a:spcPts val="0"/>
               </a:spcBef>
@@ -1900,9 +1947,6 @@
               </a:spcAft>
               <a:buNone/>
             </a:pPr>
-            <a:r>
-              <a:t/>
-            </a:r>
             <a:endParaRPr/>
           </a:p>
         </p:txBody>
@@ -1910,9 +1954,11 @@
       <p:sp>
         <p:nvSpPr>
           <p:cNvPr id="127" name="Google Shape;127;p5:notes"/>
-          <p:cNvSpPr/>
+          <p:cNvSpPr>
+            <a:spLocks noGrp="1" noRot="1" noChangeAspect="1"/>
+          </p:cNvSpPr>
           <p:nvPr>
-            <p:ph idx="2" type="sldImg"/>
+            <p:ph type="sldImg" idx="2"/>
           </p:nvPr>
         </p:nvSpPr>
         <p:spPr>
@@ -1921,9 +1967,13 @@
             <a:ext cx="5485500" cy="3086100"/>
           </a:xfrm>
           <a:custGeom>
-            <a:rect b="b" l="l" r="r" t="t"/>
+            <a:avLst/>
+            <a:gdLst/>
+            <a:ahLst/>
+            <a:cxnLst/>
+            <a:rect l="l" t="t" r="r" b="b"/>
             <a:pathLst>
-              <a:path extrusionOk="0" h="120000" w="120000">
+              <a:path w="120000" h="120000" extrusionOk="0">
                 <a:moveTo>
                   <a:pt x="0" y="0"/>
                 </a:moveTo>
@@ -1951,11 +2001,11 @@
 </file>
 
 <file path=ppt/notesSlides/notesSlide6.xml><?xml version="1.0" encoding="utf-8"?>
-<p:notes xmlns:a="http://schemas.openxmlformats.org/drawingml/2006/main" xmlns:r="http://schemas.openxmlformats.org/officeDocument/2006/relationships" xmlns:mc="http://schemas.openxmlformats.org/markup-compatibility/2006" xmlns:mv="urn:schemas-microsoft-com:mac:vml" xmlns:p="http://schemas.openxmlformats.org/presentationml/2006/main" xmlns:c="http://schemas.openxmlformats.org/drawingml/2006/chart" xmlns:dgm="http://schemas.openxmlformats.org/drawingml/2006/diagram" xmlns:o="urn:schemas-microsoft-com:office:office" xmlns:v="urn:schemas-microsoft-com:vml" xmlns:pvml="urn:schemas-microsoft-com:office:powerpoint" xmlns:com="http://schemas.openxmlformats.org/drawingml/2006/compatibility" xmlns:p14="http://schemas.microsoft.com/office/powerpoint/2010/main" xmlns:p15="http://schemas.microsoft.com/office/powerpoint/2012/main" xmlns:ahyp="http://schemas.microsoft.com/office/drawing/2018/hyperlinkcolor" showMasterPhAnim="0" showMasterSp="0">
+<p:notes xmlns:a="http://schemas.openxmlformats.org/drawingml/2006/main" xmlns:r="http://schemas.openxmlformats.org/officeDocument/2006/relationships" xmlns:p="http://schemas.openxmlformats.org/presentationml/2006/main" showMasterSp="0" showMasterPhAnim="0">
   <p:cSld>
     <p:spTree>
       <p:nvGrpSpPr>
-        <p:cNvPr id="138" name="Shape 138"/>
+        <p:cNvPr id="1" name="Shape 138"/>
         <p:cNvGrpSpPr/>
         <p:nvPr/>
       </p:nvGrpSpPr>
@@ -1970,9 +2020,11 @@
       <p:sp>
         <p:nvSpPr>
           <p:cNvPr id="139" name="Google Shape;139;p6:notes"/>
-          <p:cNvSpPr txBox="1"/>
+          <p:cNvSpPr txBox="1">
+            <a:spLocks noGrp="1"/>
+          </p:cNvSpPr>
           <p:nvPr>
-            <p:ph idx="1" type="body"/>
+            <p:ph type="body" idx="1"/>
           </p:nvPr>
         </p:nvSpPr>
         <p:spPr>
@@ -1985,12 +2037,12 @@
           </a:prstGeom>
         </p:spPr>
         <p:txBody>
-          <a:bodyPr anchorCtr="0" anchor="t" bIns="45700" lIns="91425" spcFirstLastPara="1" rIns="91425" wrap="square" tIns="45700">
+          <a:bodyPr spcFirstLastPara="1" wrap="square" lIns="91425" tIns="45700" rIns="91425" bIns="45700" anchor="t" anchorCtr="0">
             <a:noAutofit/>
           </a:bodyPr>
           <a:lstStyle/>
           <a:p>
-            <a:pPr indent="0" lvl="0" marL="0" rtl="0" algn="l">
+            <a:pPr marL="0" lvl="0" indent="0" algn="l" rtl="0">
               <a:spcBef>
                 <a:spcPts val="0"/>
               </a:spcBef>
@@ -1999,9 +2051,6 @@
               </a:spcAft>
               <a:buNone/>
             </a:pPr>
-            <a:r>
-              <a:t/>
-            </a:r>
             <a:endParaRPr/>
           </a:p>
         </p:txBody>
@@ -2009,9 +2058,11 @@
       <p:sp>
         <p:nvSpPr>
           <p:cNvPr id="140" name="Google Shape;140;p6:notes"/>
-          <p:cNvSpPr/>
+          <p:cNvSpPr>
+            <a:spLocks noGrp="1" noRot="1" noChangeAspect="1"/>
+          </p:cNvSpPr>
           <p:nvPr>
-            <p:ph idx="2" type="sldImg"/>
+            <p:ph type="sldImg" idx="2"/>
           </p:nvPr>
         </p:nvSpPr>
         <p:spPr>
@@ -2020,9 +2071,13 @@
             <a:ext cx="5485500" cy="3086100"/>
           </a:xfrm>
           <a:custGeom>
-            <a:rect b="b" l="l" r="r" t="t"/>
+            <a:avLst/>
+            <a:gdLst/>
+            <a:ahLst/>
+            <a:cxnLst/>
+            <a:rect l="l" t="t" r="r" b="b"/>
             <a:pathLst>
-              <a:path extrusionOk="0" h="120000" w="120000">
+              <a:path w="120000" h="120000" extrusionOk="0">
                 <a:moveTo>
                   <a:pt x="0" y="0"/>
                 </a:moveTo>
@@ -2050,11 +2105,11 @@
 </file>
 
 <file path=ppt/slideLayouts/slideLayout1.xml><?xml version="1.0" encoding="utf-8"?>
-<p:sldLayout xmlns:a="http://schemas.openxmlformats.org/drawingml/2006/main" xmlns:r="http://schemas.openxmlformats.org/officeDocument/2006/relationships" xmlns:mc="http://schemas.openxmlformats.org/markup-compatibility/2006" xmlns:mv="urn:schemas-microsoft-com:mac:vml" xmlns:p="http://schemas.openxmlformats.org/presentationml/2006/main" xmlns:c="http://schemas.openxmlformats.org/drawingml/2006/chart" xmlns:dgm="http://schemas.openxmlformats.org/drawingml/2006/diagram" xmlns:o="urn:schemas-microsoft-com:office:office" xmlns:v="urn:schemas-microsoft-com:vml" xmlns:pvml="urn:schemas-microsoft-com:office:powerpoint" xmlns:com="http://schemas.openxmlformats.org/drawingml/2006/compatibility" xmlns:p14="http://schemas.microsoft.com/office/powerpoint/2010/main" xmlns:p15="http://schemas.microsoft.com/office/powerpoint/2012/main" xmlns:ahyp="http://schemas.microsoft.com/office/drawing/2018/hyperlinkcolor" matchingName="SECTION_HEADER_1">
+<p:sldLayout xmlns:a="http://schemas.openxmlformats.org/drawingml/2006/main" xmlns:r="http://schemas.openxmlformats.org/officeDocument/2006/relationships" xmlns:p="http://schemas.openxmlformats.org/presentationml/2006/main" matchingName="SECTION_HEADER_1">
   <p:cSld name="SECTION_HEADER_1">
     <p:spTree>
       <p:nvGrpSpPr>
-        <p:cNvPr id="15" name="Shape 15"/>
+        <p:cNvPr id="1" name="Shape 15"/>
         <p:cNvGrpSpPr/>
         <p:nvPr/>
       </p:nvGrpSpPr>
@@ -2069,7 +2124,9 @@
       <p:sp>
         <p:nvSpPr>
           <p:cNvPr id="16" name="Google Shape;16;p8"/>
-          <p:cNvSpPr txBox="1"/>
+          <p:cNvSpPr txBox="1">
+            <a:spLocks noGrp="1"/>
+          </p:cNvSpPr>
           <p:nvPr>
             <p:ph type="title"/>
           </p:nvPr>
@@ -2088,7 +2145,7 @@
           </a:ln>
         </p:spPr>
         <p:txBody>
-          <a:bodyPr anchorCtr="0" anchor="ctr" bIns="274300" lIns="274300" spcFirstLastPara="1" rIns="274300" wrap="square" tIns="274300">
+          <a:bodyPr spcFirstLastPara="1" wrap="square" lIns="274300" tIns="274300" rIns="274300" bIns="274300" anchor="ctr" anchorCtr="0">
             <a:normAutofit/>
           </a:bodyPr>
           <a:lstStyle>
@@ -2252,15 +2309,19 @@
               </a:defRPr>
             </a:lvl9pPr>
           </a:lstStyle>
-          <a:p/>
+          <a:p>
+            <a:endParaRPr/>
+          </a:p>
         </p:txBody>
       </p:sp>
       <p:sp>
         <p:nvSpPr>
           <p:cNvPr id="17" name="Google Shape;17;p8"/>
-          <p:cNvSpPr txBox="1"/>
+          <p:cNvSpPr txBox="1">
+            <a:spLocks noGrp="1"/>
+          </p:cNvSpPr>
           <p:nvPr>
-            <p:ph idx="12" type="sldNum"/>
+            <p:ph type="sldNum" idx="12"/>
           </p:nvPr>
         </p:nvSpPr>
         <p:spPr>
@@ -2277,11 +2338,11 @@
           </a:ln>
         </p:spPr>
         <p:txBody>
-          <a:bodyPr anchorCtr="0" anchor="ctr" bIns="274300" lIns="274300" spcFirstLastPara="1" rIns="274300" wrap="square" tIns="274300">
+          <a:bodyPr spcFirstLastPara="1" wrap="square" lIns="274300" tIns="274300" rIns="274300" bIns="274300" anchor="ctr" anchorCtr="0">
             <a:normAutofit lnSpcReduction="20000"/>
           </a:bodyPr>
           <a:lstStyle>
-            <a:lvl1pPr indent="0" lvl="0" marL="0" marR="0" algn="r">
+            <a:lvl1pPr marL="0" marR="0" lvl="0" indent="0" algn="r">
               <a:spcBef>
                 <a:spcPts val="0"/>
               </a:spcBef>
@@ -2294,7 +2355,7 @@
               <a:buSzPts val="1800"/>
               <a:buFont typeface="Arial"/>
               <a:buNone/>
-              <a:defRPr b="0" i="0" sz="1800" u="none" cap="none" strike="noStrike">
+              <a:defRPr sz="1800" b="0" i="0" u="none" strike="noStrike" cap="none">
                 <a:solidFill>
                   <a:srgbClr val="757575"/>
                 </a:solidFill>
@@ -2304,7 +2365,7 @@
                 <a:sym typeface="Arial"/>
               </a:defRPr>
             </a:lvl1pPr>
-            <a:lvl2pPr indent="0" lvl="1" marL="0" marR="0" algn="r">
+            <a:lvl2pPr marL="0" marR="0" lvl="1" indent="0" algn="r">
               <a:spcBef>
                 <a:spcPts val="0"/>
               </a:spcBef>
@@ -2317,7 +2378,7 @@
               <a:buSzPts val="1800"/>
               <a:buFont typeface="Arial"/>
               <a:buNone/>
-              <a:defRPr b="0" i="0" sz="1800" u="none" cap="none" strike="noStrike">
+              <a:defRPr sz="1800" b="0" i="0" u="none" strike="noStrike" cap="none">
                 <a:solidFill>
                   <a:srgbClr val="757575"/>
                 </a:solidFill>
@@ -2327,7 +2388,7 @@
                 <a:sym typeface="Arial"/>
               </a:defRPr>
             </a:lvl2pPr>
-            <a:lvl3pPr indent="0" lvl="2" marL="0" marR="0" algn="r">
+            <a:lvl3pPr marL="0" marR="0" lvl="2" indent="0" algn="r">
               <a:spcBef>
                 <a:spcPts val="0"/>
               </a:spcBef>
@@ -2340,7 +2401,7 @@
               <a:buSzPts val="1800"/>
               <a:buFont typeface="Arial"/>
               <a:buNone/>
-              <a:defRPr b="0" i="0" sz="1800" u="none" cap="none" strike="noStrike">
+              <a:defRPr sz="1800" b="0" i="0" u="none" strike="noStrike" cap="none">
                 <a:solidFill>
                   <a:srgbClr val="757575"/>
                 </a:solidFill>
@@ -2350,7 +2411,7 @@
                 <a:sym typeface="Arial"/>
               </a:defRPr>
             </a:lvl3pPr>
-            <a:lvl4pPr indent="0" lvl="3" marL="0" marR="0" algn="r">
+            <a:lvl4pPr marL="0" marR="0" lvl="3" indent="0" algn="r">
               <a:spcBef>
                 <a:spcPts val="0"/>
               </a:spcBef>
@@ -2363,7 +2424,7 @@
               <a:buSzPts val="1800"/>
               <a:buFont typeface="Arial"/>
               <a:buNone/>
-              <a:defRPr b="0" i="0" sz="1800" u="none" cap="none" strike="noStrike">
+              <a:defRPr sz="1800" b="0" i="0" u="none" strike="noStrike" cap="none">
                 <a:solidFill>
                   <a:srgbClr val="757575"/>
                 </a:solidFill>
@@ -2373,7 +2434,7 @@
                 <a:sym typeface="Arial"/>
               </a:defRPr>
             </a:lvl4pPr>
-            <a:lvl5pPr indent="0" lvl="4" marL="0" marR="0" algn="r">
+            <a:lvl5pPr marL="0" marR="0" lvl="4" indent="0" algn="r">
               <a:spcBef>
                 <a:spcPts val="0"/>
               </a:spcBef>
@@ -2386,7 +2447,7 @@
               <a:buSzPts val="1800"/>
               <a:buFont typeface="Arial"/>
               <a:buNone/>
-              <a:defRPr b="0" i="0" sz="1800" u="none" cap="none" strike="noStrike">
+              <a:defRPr sz="1800" b="0" i="0" u="none" strike="noStrike" cap="none">
                 <a:solidFill>
                   <a:srgbClr val="757575"/>
                 </a:solidFill>
@@ -2396,7 +2457,7 @@
                 <a:sym typeface="Arial"/>
               </a:defRPr>
             </a:lvl5pPr>
-            <a:lvl6pPr indent="0" lvl="5" marL="0" marR="0" algn="r">
+            <a:lvl6pPr marL="0" marR="0" lvl="5" indent="0" algn="r">
               <a:spcBef>
                 <a:spcPts val="0"/>
               </a:spcBef>
@@ -2409,7 +2470,7 @@
               <a:buSzPts val="1800"/>
               <a:buFont typeface="Arial"/>
               <a:buNone/>
-              <a:defRPr b="0" i="0" sz="1800" u="none" cap="none" strike="noStrike">
+              <a:defRPr sz="1800" b="0" i="0" u="none" strike="noStrike" cap="none">
                 <a:solidFill>
                   <a:srgbClr val="757575"/>
                 </a:solidFill>
@@ -2419,7 +2480,7 @@
                 <a:sym typeface="Arial"/>
               </a:defRPr>
             </a:lvl6pPr>
-            <a:lvl7pPr indent="0" lvl="6" marL="0" marR="0" algn="r">
+            <a:lvl7pPr marL="0" marR="0" lvl="6" indent="0" algn="r">
               <a:spcBef>
                 <a:spcPts val="0"/>
               </a:spcBef>
@@ -2432,7 +2493,7 @@
               <a:buSzPts val="1800"/>
               <a:buFont typeface="Arial"/>
               <a:buNone/>
-              <a:defRPr b="0" i="0" sz="1800" u="none" cap="none" strike="noStrike">
+              <a:defRPr sz="1800" b="0" i="0" u="none" strike="noStrike" cap="none">
                 <a:solidFill>
                   <a:srgbClr val="757575"/>
                 </a:solidFill>
@@ -2442,7 +2503,7 @@
                 <a:sym typeface="Arial"/>
               </a:defRPr>
             </a:lvl7pPr>
-            <a:lvl8pPr indent="0" lvl="7" marL="0" marR="0" algn="r">
+            <a:lvl8pPr marL="0" marR="0" lvl="7" indent="0" algn="r">
               <a:spcBef>
                 <a:spcPts val="0"/>
               </a:spcBef>
@@ -2455,7 +2516,7 @@
               <a:buSzPts val="1800"/>
               <a:buFont typeface="Arial"/>
               <a:buNone/>
-              <a:defRPr b="0" i="0" sz="1800" u="none" cap="none" strike="noStrike">
+              <a:defRPr sz="1800" b="0" i="0" u="none" strike="noStrike" cap="none">
                 <a:solidFill>
                   <a:srgbClr val="757575"/>
                 </a:solidFill>
@@ -2465,7 +2526,7 @@
                 <a:sym typeface="Arial"/>
               </a:defRPr>
             </a:lvl8pPr>
-            <a:lvl9pPr indent="0" lvl="8" marL="0" marR="0" algn="r">
+            <a:lvl9pPr marL="0" marR="0" lvl="8" indent="0" algn="r">
               <a:spcBef>
                 <a:spcPts val="0"/>
               </a:spcBef>
@@ -2478,7 +2539,7 @@
               <a:buSzPts val="1800"/>
               <a:buFont typeface="Arial"/>
               <a:buNone/>
-              <a:defRPr b="0" i="0" sz="1800" u="none" cap="none" strike="noStrike">
+              <a:defRPr sz="1800" b="0" i="0" u="none" strike="noStrike" cap="none">
                 <a:solidFill>
                   <a:srgbClr val="757575"/>
                 </a:solidFill>
@@ -2490,7 +2551,7 @@
             </a:lvl9pPr>
           </a:lstStyle>
           <a:p>
-            <a:pPr indent="0" lvl="0" marL="0" rtl="0" algn="r">
+            <a:pPr marL="0" lvl="0" indent="0" algn="r" rtl="0">
               <a:spcBef>
                 <a:spcPts val="0"/>
               </a:spcBef>
@@ -2516,11 +2577,11 @@
 </file>
 
 <file path=ppt/slideLayouts/slideLayout10.xml><?xml version="1.0" encoding="utf-8"?>
-<p:sldLayout xmlns:a="http://schemas.openxmlformats.org/drawingml/2006/main" xmlns:r="http://schemas.openxmlformats.org/officeDocument/2006/relationships" xmlns:mc="http://schemas.openxmlformats.org/markup-compatibility/2006" xmlns:mv="urn:schemas-microsoft-com:mac:vml" xmlns:p="http://schemas.openxmlformats.org/presentationml/2006/main" xmlns:c="http://schemas.openxmlformats.org/drawingml/2006/chart" xmlns:dgm="http://schemas.openxmlformats.org/drawingml/2006/diagram" xmlns:o="urn:schemas-microsoft-com:office:office" xmlns:v="urn:schemas-microsoft-com:vml" xmlns:pvml="urn:schemas-microsoft-com:office:powerpoint" xmlns:com="http://schemas.openxmlformats.org/drawingml/2006/compatibility" xmlns:p14="http://schemas.microsoft.com/office/powerpoint/2010/main" xmlns:p15="http://schemas.microsoft.com/office/powerpoint/2012/main" xmlns:ahyp="http://schemas.microsoft.com/office/drawing/2018/hyperlinkcolor" matchingName="Picture with Caption" type="picTx">
+<p:sldLayout xmlns:a="http://schemas.openxmlformats.org/drawingml/2006/main" xmlns:r="http://schemas.openxmlformats.org/officeDocument/2006/relationships" xmlns:p="http://schemas.openxmlformats.org/presentationml/2006/main" matchingName="Picture with Caption" type="picTx">
   <p:cSld name="PICTURE_WITH_CAPTION_TEXT">
     <p:spTree>
       <p:nvGrpSpPr>
-        <p:cNvPr id="68" name="Shape 68"/>
+        <p:cNvPr id="1" name="Shape 68"/>
         <p:cNvGrpSpPr/>
         <p:nvPr/>
       </p:nvGrpSpPr>
@@ -2535,7 +2596,9 @@
       <p:sp>
         <p:nvSpPr>
           <p:cNvPr id="69" name="Google Shape;69;p17"/>
-          <p:cNvSpPr txBox="1"/>
+          <p:cNvSpPr txBox="1">
+            <a:spLocks noGrp="1"/>
+          </p:cNvSpPr>
           <p:nvPr>
             <p:ph type="title"/>
           </p:nvPr>
@@ -2554,7 +2617,7 @@
           </a:ln>
         </p:spPr>
         <p:txBody>
-          <a:bodyPr anchorCtr="0" anchor="b" bIns="68550" lIns="137150" spcFirstLastPara="1" rIns="137150" wrap="square" tIns="68550">
+          <a:bodyPr spcFirstLastPara="1" wrap="square" lIns="137150" tIns="68550" rIns="137150" bIns="68550" anchor="b" anchorCtr="0">
             <a:normAutofit/>
           </a:bodyPr>
           <a:lstStyle>
@@ -2665,15 +2728,19 @@
               <a:defRPr/>
             </a:lvl9pPr>
           </a:lstStyle>
-          <a:p/>
+          <a:p>
+            <a:endParaRPr/>
+          </a:p>
         </p:txBody>
       </p:sp>
       <p:sp>
         <p:nvSpPr>
           <p:cNvPr id="70" name="Google Shape;70;p17"/>
-          <p:cNvSpPr/>
+          <p:cNvSpPr>
+            <a:spLocks noGrp="1"/>
+          </p:cNvSpPr>
           <p:nvPr>
-            <p:ph idx="2" type="pic"/>
+            <p:ph type="pic" idx="2"/>
           </p:nvPr>
         </p:nvSpPr>
         <p:spPr>
@@ -2693,9 +2760,11 @@
       <p:sp>
         <p:nvSpPr>
           <p:cNvPr id="71" name="Google Shape;71;p17"/>
-          <p:cNvSpPr txBox="1"/>
+          <p:cNvSpPr txBox="1">
+            <a:spLocks noGrp="1"/>
+          </p:cNvSpPr>
           <p:nvPr>
-            <p:ph idx="1" type="body"/>
+            <p:ph type="body" idx="1"/>
           </p:nvPr>
         </p:nvSpPr>
         <p:spPr>
@@ -2712,11 +2781,11 @@
           </a:ln>
         </p:spPr>
         <p:txBody>
-          <a:bodyPr anchorCtr="0" anchor="t" bIns="68550" lIns="137150" spcFirstLastPara="1" rIns="137150" wrap="square" tIns="68550">
+          <a:bodyPr spcFirstLastPara="1" wrap="square" lIns="137150" tIns="68550" rIns="137150" bIns="68550" anchor="t" anchorCtr="0">
             <a:normAutofit/>
           </a:bodyPr>
           <a:lstStyle>
-            <a:lvl1pPr indent="-228600" lvl="0" marL="457200" algn="l">
+            <a:lvl1pPr marL="457200" lvl="0" indent="-228600" algn="l">
               <a:lnSpc>
                 <a:spcPct val="90000"/>
               </a:lnSpc>
@@ -2733,7 +2802,7 @@
               <a:buNone/>
               <a:defRPr sz="2400"/>
             </a:lvl1pPr>
-            <a:lvl2pPr indent="-228600" lvl="1" marL="914400" algn="l">
+            <a:lvl2pPr marL="914400" lvl="1" indent="-228600" algn="l">
               <a:lnSpc>
                 <a:spcPct val="90000"/>
               </a:lnSpc>
@@ -2750,7 +2819,7 @@
               <a:buNone/>
               <a:defRPr sz="2100"/>
             </a:lvl2pPr>
-            <a:lvl3pPr indent="-228600" lvl="2" marL="1371600" algn="l">
+            <a:lvl3pPr marL="1371600" lvl="2" indent="-228600" algn="l">
               <a:lnSpc>
                 <a:spcPct val="90000"/>
               </a:lnSpc>
@@ -2767,7 +2836,7 @@
               <a:buNone/>
               <a:defRPr sz="1800"/>
             </a:lvl3pPr>
-            <a:lvl4pPr indent="-228600" lvl="3" marL="1828800" algn="l">
+            <a:lvl4pPr marL="1828800" lvl="3" indent="-228600" algn="l">
               <a:lnSpc>
                 <a:spcPct val="90000"/>
               </a:lnSpc>
@@ -2784,7 +2853,7 @@
               <a:buNone/>
               <a:defRPr sz="1500"/>
             </a:lvl4pPr>
-            <a:lvl5pPr indent="-228600" lvl="4" marL="2286000" algn="l">
+            <a:lvl5pPr marL="2286000" lvl="4" indent="-228600" algn="l">
               <a:lnSpc>
                 <a:spcPct val="90000"/>
               </a:lnSpc>
@@ -2801,7 +2870,7 @@
               <a:buNone/>
               <a:defRPr sz="1500"/>
             </a:lvl5pPr>
-            <a:lvl6pPr indent="-228600" lvl="5" marL="2743200" algn="l">
+            <a:lvl6pPr marL="2743200" lvl="5" indent="-228600" algn="l">
               <a:lnSpc>
                 <a:spcPct val="90000"/>
               </a:lnSpc>
@@ -2818,7 +2887,7 @@
               <a:buNone/>
               <a:defRPr sz="1500"/>
             </a:lvl6pPr>
-            <a:lvl7pPr indent="-228600" lvl="6" marL="3200400" algn="l">
+            <a:lvl7pPr marL="3200400" lvl="6" indent="-228600" algn="l">
               <a:lnSpc>
                 <a:spcPct val="90000"/>
               </a:lnSpc>
@@ -2835,7 +2904,7 @@
               <a:buNone/>
               <a:defRPr sz="1500"/>
             </a:lvl7pPr>
-            <a:lvl8pPr indent="-228600" lvl="7" marL="3657600" algn="l">
+            <a:lvl8pPr marL="3657600" lvl="7" indent="-228600" algn="l">
               <a:lnSpc>
                 <a:spcPct val="90000"/>
               </a:lnSpc>
@@ -2852,7 +2921,7 @@
               <a:buNone/>
               <a:defRPr sz="1500"/>
             </a:lvl8pPr>
-            <a:lvl9pPr indent="-228600" lvl="8" marL="4114800" algn="l">
+            <a:lvl9pPr marL="4114800" lvl="8" indent="-228600" algn="l">
               <a:lnSpc>
                 <a:spcPct val="90000"/>
               </a:lnSpc>
@@ -2870,15 +2939,19 @@
               <a:defRPr sz="1500"/>
             </a:lvl9pPr>
           </a:lstStyle>
-          <a:p/>
+          <a:p>
+            <a:endParaRPr/>
+          </a:p>
         </p:txBody>
       </p:sp>
       <p:sp>
         <p:nvSpPr>
           <p:cNvPr id="72" name="Google Shape;72;p17"/>
-          <p:cNvSpPr txBox="1"/>
+          <p:cNvSpPr txBox="1">
+            <a:spLocks noGrp="1"/>
+          </p:cNvSpPr>
           <p:nvPr>
-            <p:ph idx="10" type="dt"/>
+            <p:ph type="dt" idx="10"/>
           </p:nvPr>
         </p:nvSpPr>
         <p:spPr>
@@ -2895,7 +2968,7 @@
           </a:ln>
         </p:spPr>
         <p:txBody>
-          <a:bodyPr anchorCtr="0" anchor="ctr" bIns="68550" lIns="137150" spcFirstLastPara="1" rIns="137150" wrap="square" tIns="68550">
+          <a:bodyPr spcFirstLastPara="1" wrap="square" lIns="137150" tIns="68550" rIns="137150" bIns="68550" anchor="ctr" anchorCtr="0">
             <a:noAutofit/>
           </a:bodyPr>
           <a:lstStyle>
@@ -2999,15 +3072,19 @@
               <a:defRPr/>
             </a:lvl9pPr>
           </a:lstStyle>
-          <a:p/>
+          <a:p>
+            <a:endParaRPr/>
+          </a:p>
         </p:txBody>
       </p:sp>
       <p:sp>
         <p:nvSpPr>
           <p:cNvPr id="73" name="Google Shape;73;p17"/>
-          <p:cNvSpPr txBox="1"/>
+          <p:cNvSpPr txBox="1">
+            <a:spLocks noGrp="1"/>
+          </p:cNvSpPr>
           <p:nvPr>
-            <p:ph idx="11" type="ftr"/>
+            <p:ph type="ftr" idx="11"/>
           </p:nvPr>
         </p:nvSpPr>
         <p:spPr>
@@ -3024,7 +3101,7 @@
           </a:ln>
         </p:spPr>
         <p:txBody>
-          <a:bodyPr anchorCtr="0" anchor="ctr" bIns="68550" lIns="137150" spcFirstLastPara="1" rIns="137150" wrap="square" tIns="68550">
+          <a:bodyPr spcFirstLastPara="1" wrap="square" lIns="137150" tIns="68550" rIns="137150" bIns="68550" anchor="ctr" anchorCtr="0">
             <a:noAutofit/>
           </a:bodyPr>
           <a:lstStyle>
@@ -3128,15 +3205,19 @@
               <a:defRPr/>
             </a:lvl9pPr>
           </a:lstStyle>
-          <a:p/>
+          <a:p>
+            <a:endParaRPr/>
+          </a:p>
         </p:txBody>
       </p:sp>
       <p:sp>
         <p:nvSpPr>
           <p:cNvPr id="74" name="Google Shape;74;p17"/>
-          <p:cNvSpPr txBox="1"/>
+          <p:cNvSpPr txBox="1">
+            <a:spLocks noGrp="1"/>
+          </p:cNvSpPr>
           <p:nvPr>
-            <p:ph idx="12" type="sldNum"/>
+            <p:ph type="sldNum" idx="12"/>
           </p:nvPr>
         </p:nvSpPr>
         <p:spPr>
@@ -3153,67 +3234,67 @@
           </a:ln>
         </p:spPr>
         <p:txBody>
-          <a:bodyPr anchorCtr="0" anchor="ctr" bIns="68550" lIns="137150" spcFirstLastPara="1" rIns="137150" wrap="square" tIns="68550">
+          <a:bodyPr spcFirstLastPara="1" wrap="square" lIns="137150" tIns="68550" rIns="137150" bIns="68550" anchor="ctr" anchorCtr="0">
             <a:noAutofit/>
           </a:bodyPr>
           <a:lstStyle>
-            <a:lvl1pPr indent="0" lvl="0" marL="0" algn="r">
+            <a:lvl1pPr marL="0" lvl="0" indent="0" algn="r">
               <a:spcBef>
                 <a:spcPts val="0"/>
               </a:spcBef>
               <a:buNone/>
               <a:defRPr/>
             </a:lvl1pPr>
-            <a:lvl2pPr indent="0" lvl="1" marL="0" algn="r">
+            <a:lvl2pPr marL="0" lvl="1" indent="0" algn="r">
               <a:spcBef>
                 <a:spcPts val="0"/>
               </a:spcBef>
               <a:buNone/>
               <a:defRPr/>
             </a:lvl2pPr>
-            <a:lvl3pPr indent="0" lvl="2" marL="0" algn="r">
+            <a:lvl3pPr marL="0" lvl="2" indent="0" algn="r">
               <a:spcBef>
                 <a:spcPts val="0"/>
               </a:spcBef>
               <a:buNone/>
               <a:defRPr/>
             </a:lvl3pPr>
-            <a:lvl4pPr indent="0" lvl="3" marL="0" algn="r">
+            <a:lvl4pPr marL="0" lvl="3" indent="0" algn="r">
               <a:spcBef>
                 <a:spcPts val="0"/>
               </a:spcBef>
               <a:buNone/>
               <a:defRPr/>
             </a:lvl4pPr>
-            <a:lvl5pPr indent="0" lvl="4" marL="0" algn="r">
+            <a:lvl5pPr marL="0" lvl="4" indent="0" algn="r">
               <a:spcBef>
                 <a:spcPts val="0"/>
               </a:spcBef>
               <a:buNone/>
               <a:defRPr/>
             </a:lvl5pPr>
-            <a:lvl6pPr indent="0" lvl="5" marL="0" algn="r">
+            <a:lvl6pPr marL="0" lvl="5" indent="0" algn="r">
               <a:spcBef>
                 <a:spcPts val="0"/>
               </a:spcBef>
               <a:buNone/>
               <a:defRPr/>
             </a:lvl6pPr>
-            <a:lvl7pPr indent="0" lvl="6" marL="0" algn="r">
+            <a:lvl7pPr marL="0" lvl="6" indent="0" algn="r">
               <a:spcBef>
                 <a:spcPts val="0"/>
               </a:spcBef>
               <a:buNone/>
               <a:defRPr/>
             </a:lvl7pPr>
-            <a:lvl8pPr indent="0" lvl="7" marL="0" algn="r">
+            <a:lvl8pPr marL="0" lvl="7" indent="0" algn="r">
               <a:spcBef>
                 <a:spcPts val="0"/>
               </a:spcBef>
               <a:buNone/>
               <a:defRPr/>
             </a:lvl8pPr>
-            <a:lvl9pPr indent="0" lvl="8" marL="0" algn="r">
+            <a:lvl9pPr marL="0" lvl="8" indent="0" algn="r">
               <a:spcBef>
                 <a:spcPts val="0"/>
               </a:spcBef>
@@ -3222,7 +3303,7 @@
             </a:lvl9pPr>
           </a:lstStyle>
           <a:p>
-            <a:pPr indent="0" lvl="0" marL="0" rtl="0" algn="r">
+            <a:pPr marL="0" lvl="0" indent="0" algn="r" rtl="0">
               <a:spcBef>
                 <a:spcPts val="0"/>
               </a:spcBef>
@@ -3248,11 +3329,11 @@
 </file>
 
 <file path=ppt/slideLayouts/slideLayout11.xml><?xml version="1.0" encoding="utf-8"?>
-<p:sldLayout xmlns:a="http://schemas.openxmlformats.org/drawingml/2006/main" xmlns:r="http://schemas.openxmlformats.org/officeDocument/2006/relationships" xmlns:mc="http://schemas.openxmlformats.org/markup-compatibility/2006" xmlns:mv="urn:schemas-microsoft-com:mac:vml" xmlns:p="http://schemas.openxmlformats.org/presentationml/2006/main" xmlns:c="http://schemas.openxmlformats.org/drawingml/2006/chart" xmlns:dgm="http://schemas.openxmlformats.org/drawingml/2006/diagram" xmlns:o="urn:schemas-microsoft-com:office:office" xmlns:v="urn:schemas-microsoft-com:vml" xmlns:pvml="urn:schemas-microsoft-com:office:powerpoint" xmlns:com="http://schemas.openxmlformats.org/drawingml/2006/compatibility" xmlns:p14="http://schemas.microsoft.com/office/powerpoint/2010/main" xmlns:p15="http://schemas.microsoft.com/office/powerpoint/2012/main" xmlns:ahyp="http://schemas.microsoft.com/office/drawing/2018/hyperlinkcolor" matchingName="Title and Vertical Text" type="vertTx">
+<p:sldLayout xmlns:a="http://schemas.openxmlformats.org/drawingml/2006/main" xmlns:r="http://schemas.openxmlformats.org/officeDocument/2006/relationships" xmlns:p="http://schemas.openxmlformats.org/presentationml/2006/main" matchingName="Title and Vertical Text" type="vertTx">
   <p:cSld name="VERTICAL_TEXT">
     <p:spTree>
       <p:nvGrpSpPr>
-        <p:cNvPr id="75" name="Shape 75"/>
+        <p:cNvPr id="1" name="Shape 75"/>
         <p:cNvGrpSpPr/>
         <p:nvPr/>
       </p:nvGrpSpPr>
@@ -3267,7 +3348,9 @@
       <p:sp>
         <p:nvSpPr>
           <p:cNvPr id="76" name="Google Shape;76;p18"/>
-          <p:cNvSpPr txBox="1"/>
+          <p:cNvSpPr txBox="1">
+            <a:spLocks noGrp="1"/>
+          </p:cNvSpPr>
           <p:nvPr>
             <p:ph type="title"/>
           </p:nvPr>
@@ -3286,7 +3369,7 @@
           </a:ln>
         </p:spPr>
         <p:txBody>
-          <a:bodyPr anchorCtr="0" anchor="ctr" bIns="68550" lIns="137150" spcFirstLastPara="1" rIns="137150" wrap="square" tIns="68550">
+          <a:bodyPr spcFirstLastPara="1" wrap="square" lIns="137150" tIns="68550" rIns="137150" bIns="68550" anchor="ctr" anchorCtr="0">
             <a:normAutofit/>
           </a:bodyPr>
           <a:lstStyle>
@@ -3396,15 +3479,19 @@
               <a:defRPr/>
             </a:lvl9pPr>
           </a:lstStyle>
-          <a:p/>
+          <a:p>
+            <a:endParaRPr/>
+          </a:p>
         </p:txBody>
       </p:sp>
       <p:sp>
         <p:nvSpPr>
           <p:cNvPr id="77" name="Google Shape;77;p18"/>
-          <p:cNvSpPr txBox="1"/>
+          <p:cNvSpPr txBox="1">
+            <a:spLocks noGrp="1"/>
+          </p:cNvSpPr>
           <p:nvPr>
-            <p:ph idx="1" type="body"/>
+            <p:ph type="body" idx="1"/>
           </p:nvPr>
         </p:nvSpPr>
         <p:spPr>
@@ -3421,11 +3508,11 @@
           </a:ln>
         </p:spPr>
         <p:txBody>
-          <a:bodyPr anchorCtr="0" anchor="t" bIns="68550" lIns="137150" spcFirstLastPara="1" rIns="137150" wrap="square" tIns="68550">
+          <a:bodyPr spcFirstLastPara="1" wrap="square" lIns="137150" tIns="68550" rIns="137150" bIns="68550" anchor="t" anchorCtr="0">
             <a:normAutofit/>
           </a:bodyPr>
           <a:lstStyle>
-            <a:lvl1pPr indent="-400050" lvl="0" marL="457200" algn="l">
+            <a:lvl1pPr marL="457200" lvl="0" indent="-400050" algn="l">
               <a:lnSpc>
                 <a:spcPct val="90000"/>
               </a:lnSpc>
@@ -3442,7 +3529,7 @@
               <a:buChar char="•"/>
               <a:defRPr/>
             </a:lvl1pPr>
-            <a:lvl2pPr indent="-400050" lvl="1" marL="914400" algn="l">
+            <a:lvl2pPr marL="914400" lvl="1" indent="-400050" algn="l">
               <a:lnSpc>
                 <a:spcPct val="90000"/>
               </a:lnSpc>
@@ -3459,7 +3546,7 @@
               <a:buChar char="•"/>
               <a:defRPr/>
             </a:lvl2pPr>
-            <a:lvl3pPr indent="-400050" lvl="2" marL="1371600" algn="l">
+            <a:lvl3pPr marL="1371600" lvl="2" indent="-400050" algn="l">
               <a:lnSpc>
                 <a:spcPct val="90000"/>
               </a:lnSpc>
@@ -3476,7 +3563,7 @@
               <a:buChar char="•"/>
               <a:defRPr/>
             </a:lvl3pPr>
-            <a:lvl4pPr indent="-400050" lvl="3" marL="1828800" algn="l">
+            <a:lvl4pPr marL="1828800" lvl="3" indent="-400050" algn="l">
               <a:lnSpc>
                 <a:spcPct val="90000"/>
               </a:lnSpc>
@@ -3493,7 +3580,7 @@
               <a:buChar char="•"/>
               <a:defRPr/>
             </a:lvl4pPr>
-            <a:lvl5pPr indent="-400050" lvl="4" marL="2286000" algn="l">
+            <a:lvl5pPr marL="2286000" lvl="4" indent="-400050" algn="l">
               <a:lnSpc>
                 <a:spcPct val="90000"/>
               </a:lnSpc>
@@ -3510,7 +3597,7 @@
               <a:buChar char="•"/>
               <a:defRPr/>
             </a:lvl5pPr>
-            <a:lvl6pPr indent="-400050" lvl="5" marL="2743200" algn="l">
+            <a:lvl6pPr marL="2743200" lvl="5" indent="-400050" algn="l">
               <a:lnSpc>
                 <a:spcPct val="90000"/>
               </a:lnSpc>
@@ -3527,7 +3614,7 @@
               <a:buChar char="•"/>
               <a:defRPr/>
             </a:lvl6pPr>
-            <a:lvl7pPr indent="-400050" lvl="6" marL="3200400" algn="l">
+            <a:lvl7pPr marL="3200400" lvl="6" indent="-400050" algn="l">
               <a:lnSpc>
                 <a:spcPct val="90000"/>
               </a:lnSpc>
@@ -3544,7 +3631,7 @@
               <a:buChar char="•"/>
               <a:defRPr/>
             </a:lvl7pPr>
-            <a:lvl8pPr indent="-400050" lvl="7" marL="3657600" algn="l">
+            <a:lvl8pPr marL="3657600" lvl="7" indent="-400050" algn="l">
               <a:lnSpc>
                 <a:spcPct val="90000"/>
               </a:lnSpc>
@@ -3561,7 +3648,7 @@
               <a:buChar char="•"/>
               <a:defRPr/>
             </a:lvl8pPr>
-            <a:lvl9pPr indent="-400050" lvl="8" marL="4114800" algn="l">
+            <a:lvl9pPr marL="4114800" lvl="8" indent="-400050" algn="l">
               <a:lnSpc>
                 <a:spcPct val="90000"/>
               </a:lnSpc>
@@ -3579,15 +3666,19 @@
               <a:defRPr/>
             </a:lvl9pPr>
           </a:lstStyle>
-          <a:p/>
+          <a:p>
+            <a:endParaRPr/>
+          </a:p>
         </p:txBody>
       </p:sp>
       <p:sp>
         <p:nvSpPr>
           <p:cNvPr id="78" name="Google Shape;78;p18"/>
-          <p:cNvSpPr txBox="1"/>
+          <p:cNvSpPr txBox="1">
+            <a:spLocks noGrp="1"/>
+          </p:cNvSpPr>
           <p:nvPr>
-            <p:ph idx="10" type="dt"/>
+            <p:ph type="dt" idx="10"/>
           </p:nvPr>
         </p:nvSpPr>
         <p:spPr>
@@ -3604,7 +3695,7 @@
           </a:ln>
         </p:spPr>
         <p:txBody>
-          <a:bodyPr anchorCtr="0" anchor="ctr" bIns="68550" lIns="137150" spcFirstLastPara="1" rIns="137150" wrap="square" tIns="68550">
+          <a:bodyPr spcFirstLastPara="1" wrap="square" lIns="137150" tIns="68550" rIns="137150" bIns="68550" anchor="ctr" anchorCtr="0">
             <a:noAutofit/>
           </a:bodyPr>
           <a:lstStyle>
@@ -3708,15 +3799,19 @@
               <a:defRPr/>
             </a:lvl9pPr>
           </a:lstStyle>
-          <a:p/>
+          <a:p>
+            <a:endParaRPr/>
+          </a:p>
         </p:txBody>
       </p:sp>
       <p:sp>
         <p:nvSpPr>
           <p:cNvPr id="79" name="Google Shape;79;p18"/>
-          <p:cNvSpPr txBox="1"/>
+          <p:cNvSpPr txBox="1">
+            <a:spLocks noGrp="1"/>
+          </p:cNvSpPr>
           <p:nvPr>
-            <p:ph idx="11" type="ftr"/>
+            <p:ph type="ftr" idx="11"/>
           </p:nvPr>
         </p:nvSpPr>
         <p:spPr>
@@ -3733,7 +3828,7 @@
           </a:ln>
         </p:spPr>
         <p:txBody>
-          <a:bodyPr anchorCtr="0" anchor="ctr" bIns="68550" lIns="137150" spcFirstLastPara="1" rIns="137150" wrap="square" tIns="68550">
+          <a:bodyPr spcFirstLastPara="1" wrap="square" lIns="137150" tIns="68550" rIns="137150" bIns="68550" anchor="ctr" anchorCtr="0">
             <a:noAutofit/>
           </a:bodyPr>
           <a:lstStyle>
@@ -3837,15 +3932,19 @@
               <a:defRPr/>
             </a:lvl9pPr>
           </a:lstStyle>
-          <a:p/>
+          <a:p>
+            <a:endParaRPr/>
+          </a:p>
         </p:txBody>
       </p:sp>
       <p:sp>
         <p:nvSpPr>
           <p:cNvPr id="80" name="Google Shape;80;p18"/>
-          <p:cNvSpPr txBox="1"/>
+          <p:cNvSpPr txBox="1">
+            <a:spLocks noGrp="1"/>
+          </p:cNvSpPr>
           <p:nvPr>
-            <p:ph idx="12" type="sldNum"/>
+            <p:ph type="sldNum" idx="12"/>
           </p:nvPr>
         </p:nvSpPr>
         <p:spPr>
@@ -3862,67 +3961,67 @@
           </a:ln>
         </p:spPr>
         <p:txBody>
-          <a:bodyPr anchorCtr="0" anchor="ctr" bIns="68550" lIns="137150" spcFirstLastPara="1" rIns="137150" wrap="square" tIns="68550">
+          <a:bodyPr spcFirstLastPara="1" wrap="square" lIns="137150" tIns="68550" rIns="137150" bIns="68550" anchor="ctr" anchorCtr="0">
             <a:noAutofit/>
           </a:bodyPr>
           <a:lstStyle>
-            <a:lvl1pPr indent="0" lvl="0" marL="0" algn="r">
+            <a:lvl1pPr marL="0" lvl="0" indent="0" algn="r">
               <a:spcBef>
                 <a:spcPts val="0"/>
               </a:spcBef>
               <a:buNone/>
               <a:defRPr/>
             </a:lvl1pPr>
-            <a:lvl2pPr indent="0" lvl="1" marL="0" algn="r">
+            <a:lvl2pPr marL="0" lvl="1" indent="0" algn="r">
               <a:spcBef>
                 <a:spcPts val="0"/>
               </a:spcBef>
               <a:buNone/>
               <a:defRPr/>
             </a:lvl2pPr>
-            <a:lvl3pPr indent="0" lvl="2" marL="0" algn="r">
+            <a:lvl3pPr marL="0" lvl="2" indent="0" algn="r">
               <a:spcBef>
                 <a:spcPts val="0"/>
               </a:spcBef>
               <a:buNone/>
               <a:defRPr/>
             </a:lvl3pPr>
-            <a:lvl4pPr indent="0" lvl="3" marL="0" algn="r">
+            <a:lvl4pPr marL="0" lvl="3" indent="0" algn="r">
               <a:spcBef>
                 <a:spcPts val="0"/>
               </a:spcBef>
               <a:buNone/>
               <a:defRPr/>
             </a:lvl4pPr>
-            <a:lvl5pPr indent="0" lvl="4" marL="0" algn="r">
+            <a:lvl5pPr marL="0" lvl="4" indent="0" algn="r">
               <a:spcBef>
                 <a:spcPts val="0"/>
               </a:spcBef>
               <a:buNone/>
               <a:defRPr/>
             </a:lvl5pPr>
-            <a:lvl6pPr indent="0" lvl="5" marL="0" algn="r">
+            <a:lvl6pPr marL="0" lvl="5" indent="0" algn="r">
               <a:spcBef>
                 <a:spcPts val="0"/>
               </a:spcBef>
               <a:buNone/>
               <a:defRPr/>
             </a:lvl6pPr>
-            <a:lvl7pPr indent="0" lvl="6" marL="0" algn="r">
+            <a:lvl7pPr marL="0" lvl="6" indent="0" algn="r">
               <a:spcBef>
                 <a:spcPts val="0"/>
               </a:spcBef>
               <a:buNone/>
               <a:defRPr/>
             </a:lvl7pPr>
-            <a:lvl8pPr indent="0" lvl="7" marL="0" algn="r">
+            <a:lvl8pPr marL="0" lvl="7" indent="0" algn="r">
               <a:spcBef>
                 <a:spcPts val="0"/>
               </a:spcBef>
               <a:buNone/>
               <a:defRPr/>
             </a:lvl8pPr>
-            <a:lvl9pPr indent="0" lvl="8" marL="0" algn="r">
+            <a:lvl9pPr marL="0" lvl="8" indent="0" algn="r">
               <a:spcBef>
                 <a:spcPts val="0"/>
               </a:spcBef>
@@ -3931,7 +4030,7 @@
             </a:lvl9pPr>
           </a:lstStyle>
           <a:p>
-            <a:pPr indent="0" lvl="0" marL="0" rtl="0" algn="r">
+            <a:pPr marL="0" lvl="0" indent="0" algn="r" rtl="0">
               <a:spcBef>
                 <a:spcPts val="0"/>
               </a:spcBef>
@@ -3957,11 +4056,11 @@
 </file>
 
 <file path=ppt/slideLayouts/slideLayout12.xml><?xml version="1.0" encoding="utf-8"?>
-<p:sldLayout xmlns:a="http://schemas.openxmlformats.org/drawingml/2006/main" xmlns:r="http://schemas.openxmlformats.org/officeDocument/2006/relationships" xmlns:mc="http://schemas.openxmlformats.org/markup-compatibility/2006" xmlns:mv="urn:schemas-microsoft-com:mac:vml" xmlns:p="http://schemas.openxmlformats.org/presentationml/2006/main" xmlns:c="http://schemas.openxmlformats.org/drawingml/2006/chart" xmlns:dgm="http://schemas.openxmlformats.org/drawingml/2006/diagram" xmlns:o="urn:schemas-microsoft-com:office:office" xmlns:v="urn:schemas-microsoft-com:vml" xmlns:pvml="urn:schemas-microsoft-com:office:powerpoint" xmlns:com="http://schemas.openxmlformats.org/drawingml/2006/compatibility" xmlns:p14="http://schemas.microsoft.com/office/powerpoint/2010/main" xmlns:p15="http://schemas.microsoft.com/office/powerpoint/2012/main" xmlns:ahyp="http://schemas.microsoft.com/office/drawing/2018/hyperlinkcolor" matchingName="Vertical Title and Text" type="vertTitleAndTx">
+<p:sldLayout xmlns:a="http://schemas.openxmlformats.org/drawingml/2006/main" xmlns:r="http://schemas.openxmlformats.org/officeDocument/2006/relationships" xmlns:p="http://schemas.openxmlformats.org/presentationml/2006/main" matchingName="Vertical Title and Text" type="vertTitleAndTx">
   <p:cSld name="VERTICAL_TITLE_AND_VERTICAL_TEXT">
     <p:spTree>
       <p:nvGrpSpPr>
-        <p:cNvPr id="81" name="Shape 81"/>
+        <p:cNvPr id="1" name="Shape 81"/>
         <p:cNvGrpSpPr/>
         <p:nvPr/>
       </p:nvGrpSpPr>
@@ -3976,7 +4075,9 @@
       <p:sp>
         <p:nvSpPr>
           <p:cNvPr id="82" name="Google Shape;82;p19"/>
-          <p:cNvSpPr txBox="1"/>
+          <p:cNvSpPr txBox="1">
+            <a:spLocks noGrp="1"/>
+          </p:cNvSpPr>
           <p:nvPr>
             <p:ph type="title"/>
           </p:nvPr>
@@ -3995,7 +4096,7 @@
           </a:ln>
         </p:spPr>
         <p:txBody>
-          <a:bodyPr anchorCtr="0" anchor="ctr" bIns="68550" lIns="137150" spcFirstLastPara="1" rIns="137150" wrap="square" tIns="68550">
+          <a:bodyPr spcFirstLastPara="1" wrap="square" lIns="137150" tIns="68550" rIns="137150" bIns="68550" anchor="ctr" anchorCtr="0">
             <a:normAutofit/>
           </a:bodyPr>
           <a:lstStyle>
@@ -4105,15 +4206,19 @@
               <a:defRPr/>
             </a:lvl9pPr>
           </a:lstStyle>
-          <a:p/>
+          <a:p>
+            <a:endParaRPr/>
+          </a:p>
         </p:txBody>
       </p:sp>
       <p:sp>
         <p:nvSpPr>
           <p:cNvPr id="83" name="Google Shape;83;p19"/>
-          <p:cNvSpPr txBox="1"/>
+          <p:cNvSpPr txBox="1">
+            <a:spLocks noGrp="1"/>
+          </p:cNvSpPr>
           <p:nvPr>
-            <p:ph idx="1" type="body"/>
+            <p:ph type="body" idx="1"/>
           </p:nvPr>
         </p:nvSpPr>
         <p:spPr>
@@ -4130,11 +4235,11 @@
           </a:ln>
         </p:spPr>
         <p:txBody>
-          <a:bodyPr anchorCtr="0" anchor="t" bIns="68550" lIns="137150" spcFirstLastPara="1" rIns="137150" wrap="square" tIns="68550">
+          <a:bodyPr spcFirstLastPara="1" wrap="square" lIns="137150" tIns="68550" rIns="137150" bIns="68550" anchor="t" anchorCtr="0">
             <a:normAutofit/>
           </a:bodyPr>
           <a:lstStyle>
-            <a:lvl1pPr indent="-400050" lvl="0" marL="457200" algn="l">
+            <a:lvl1pPr marL="457200" lvl="0" indent="-400050" algn="l">
               <a:lnSpc>
                 <a:spcPct val="90000"/>
               </a:lnSpc>
@@ -4151,7 +4256,7 @@
               <a:buChar char="•"/>
               <a:defRPr/>
             </a:lvl1pPr>
-            <a:lvl2pPr indent="-400050" lvl="1" marL="914400" algn="l">
+            <a:lvl2pPr marL="914400" lvl="1" indent="-400050" algn="l">
               <a:lnSpc>
                 <a:spcPct val="90000"/>
               </a:lnSpc>
@@ -4168,7 +4273,7 @@
               <a:buChar char="•"/>
               <a:defRPr/>
             </a:lvl2pPr>
-            <a:lvl3pPr indent="-400050" lvl="2" marL="1371600" algn="l">
+            <a:lvl3pPr marL="1371600" lvl="2" indent="-400050" algn="l">
               <a:lnSpc>
                 <a:spcPct val="90000"/>
               </a:lnSpc>
@@ -4185,7 +4290,7 @@
               <a:buChar char="•"/>
               <a:defRPr/>
             </a:lvl3pPr>
-            <a:lvl4pPr indent="-400050" lvl="3" marL="1828800" algn="l">
+            <a:lvl4pPr marL="1828800" lvl="3" indent="-400050" algn="l">
               <a:lnSpc>
                 <a:spcPct val="90000"/>
               </a:lnSpc>
@@ -4202,7 +4307,7 @@
               <a:buChar char="•"/>
               <a:defRPr/>
             </a:lvl4pPr>
-            <a:lvl5pPr indent="-400050" lvl="4" marL="2286000" algn="l">
+            <a:lvl5pPr marL="2286000" lvl="4" indent="-400050" algn="l">
               <a:lnSpc>
                 <a:spcPct val="90000"/>
               </a:lnSpc>
@@ -4219,7 +4324,7 @@
               <a:buChar char="•"/>
               <a:defRPr/>
             </a:lvl5pPr>
-            <a:lvl6pPr indent="-400050" lvl="5" marL="2743200" algn="l">
+            <a:lvl6pPr marL="2743200" lvl="5" indent="-400050" algn="l">
               <a:lnSpc>
                 <a:spcPct val="90000"/>
               </a:lnSpc>
@@ -4236,7 +4341,7 @@
               <a:buChar char="•"/>
               <a:defRPr/>
             </a:lvl6pPr>
-            <a:lvl7pPr indent="-400050" lvl="6" marL="3200400" algn="l">
+            <a:lvl7pPr marL="3200400" lvl="6" indent="-400050" algn="l">
               <a:lnSpc>
                 <a:spcPct val="90000"/>
               </a:lnSpc>
@@ -4253,7 +4358,7 @@
               <a:buChar char="•"/>
               <a:defRPr/>
             </a:lvl7pPr>
-            <a:lvl8pPr indent="-400050" lvl="7" marL="3657600" algn="l">
+            <a:lvl8pPr marL="3657600" lvl="7" indent="-400050" algn="l">
               <a:lnSpc>
                 <a:spcPct val="90000"/>
               </a:lnSpc>
@@ -4270,7 +4375,7 @@
               <a:buChar char="•"/>
               <a:defRPr/>
             </a:lvl8pPr>
-            <a:lvl9pPr indent="-400050" lvl="8" marL="4114800" algn="l">
+            <a:lvl9pPr marL="4114800" lvl="8" indent="-400050" algn="l">
               <a:lnSpc>
                 <a:spcPct val="90000"/>
               </a:lnSpc>
@@ -4288,15 +4393,19 @@
               <a:defRPr/>
             </a:lvl9pPr>
           </a:lstStyle>
-          <a:p/>
+          <a:p>
+            <a:endParaRPr/>
+          </a:p>
         </p:txBody>
       </p:sp>
       <p:sp>
         <p:nvSpPr>
           <p:cNvPr id="84" name="Google Shape;84;p19"/>
-          <p:cNvSpPr txBox="1"/>
+          <p:cNvSpPr txBox="1">
+            <a:spLocks noGrp="1"/>
+          </p:cNvSpPr>
           <p:nvPr>
-            <p:ph idx="10" type="dt"/>
+            <p:ph type="dt" idx="10"/>
           </p:nvPr>
         </p:nvSpPr>
         <p:spPr>
@@ -4313,7 +4422,7 @@
           </a:ln>
         </p:spPr>
         <p:txBody>
-          <a:bodyPr anchorCtr="0" anchor="ctr" bIns="68550" lIns="137150" spcFirstLastPara="1" rIns="137150" wrap="square" tIns="68550">
+          <a:bodyPr spcFirstLastPara="1" wrap="square" lIns="137150" tIns="68550" rIns="137150" bIns="68550" anchor="ctr" anchorCtr="0">
             <a:noAutofit/>
           </a:bodyPr>
           <a:lstStyle>
@@ -4417,15 +4526,19 @@
               <a:defRPr/>
             </a:lvl9pPr>
           </a:lstStyle>
-          <a:p/>
+          <a:p>
+            <a:endParaRPr/>
+          </a:p>
         </p:txBody>
       </p:sp>
       <p:sp>
         <p:nvSpPr>
           <p:cNvPr id="85" name="Google Shape;85;p19"/>
-          <p:cNvSpPr txBox="1"/>
+          <p:cNvSpPr txBox="1">
+            <a:spLocks noGrp="1"/>
+          </p:cNvSpPr>
           <p:nvPr>
-            <p:ph idx="11" type="ftr"/>
+            <p:ph type="ftr" idx="11"/>
           </p:nvPr>
         </p:nvSpPr>
         <p:spPr>
@@ -4442,7 +4555,7 @@
           </a:ln>
         </p:spPr>
         <p:txBody>
-          <a:bodyPr anchorCtr="0" anchor="ctr" bIns="68550" lIns="137150" spcFirstLastPara="1" rIns="137150" wrap="square" tIns="68550">
+          <a:bodyPr spcFirstLastPara="1" wrap="square" lIns="137150" tIns="68550" rIns="137150" bIns="68550" anchor="ctr" anchorCtr="0">
             <a:noAutofit/>
           </a:bodyPr>
           <a:lstStyle>
@@ -4546,15 +4659,19 @@
               <a:defRPr/>
             </a:lvl9pPr>
           </a:lstStyle>
-          <a:p/>
+          <a:p>
+            <a:endParaRPr/>
+          </a:p>
         </p:txBody>
       </p:sp>
       <p:sp>
         <p:nvSpPr>
           <p:cNvPr id="86" name="Google Shape;86;p19"/>
-          <p:cNvSpPr txBox="1"/>
+          <p:cNvSpPr txBox="1">
+            <a:spLocks noGrp="1"/>
+          </p:cNvSpPr>
           <p:nvPr>
-            <p:ph idx="12" type="sldNum"/>
+            <p:ph type="sldNum" idx="12"/>
           </p:nvPr>
         </p:nvSpPr>
         <p:spPr>
@@ -4571,67 +4688,67 @@
           </a:ln>
         </p:spPr>
         <p:txBody>
-          <a:bodyPr anchorCtr="0" anchor="ctr" bIns="68550" lIns="137150" spcFirstLastPara="1" rIns="137150" wrap="square" tIns="68550">
+          <a:bodyPr spcFirstLastPara="1" wrap="square" lIns="137150" tIns="68550" rIns="137150" bIns="68550" anchor="ctr" anchorCtr="0">
             <a:noAutofit/>
           </a:bodyPr>
           <a:lstStyle>
-            <a:lvl1pPr indent="0" lvl="0" marL="0" algn="r">
+            <a:lvl1pPr marL="0" lvl="0" indent="0" algn="r">
               <a:spcBef>
                 <a:spcPts val="0"/>
               </a:spcBef>
               <a:buNone/>
               <a:defRPr/>
             </a:lvl1pPr>
-            <a:lvl2pPr indent="0" lvl="1" marL="0" algn="r">
+            <a:lvl2pPr marL="0" lvl="1" indent="0" algn="r">
               <a:spcBef>
                 <a:spcPts val="0"/>
               </a:spcBef>
               <a:buNone/>
               <a:defRPr/>
             </a:lvl2pPr>
-            <a:lvl3pPr indent="0" lvl="2" marL="0" algn="r">
+            <a:lvl3pPr marL="0" lvl="2" indent="0" algn="r">
               <a:spcBef>
                 <a:spcPts val="0"/>
               </a:spcBef>
               <a:buNone/>
               <a:defRPr/>
             </a:lvl3pPr>
-            <a:lvl4pPr indent="0" lvl="3" marL="0" algn="r">
+            <a:lvl4pPr marL="0" lvl="3" indent="0" algn="r">
               <a:spcBef>
                 <a:spcPts val="0"/>
               </a:spcBef>
               <a:buNone/>
               <a:defRPr/>
             </a:lvl4pPr>
-            <a:lvl5pPr indent="0" lvl="4" marL="0" algn="r">
+            <a:lvl5pPr marL="0" lvl="4" indent="0" algn="r">
               <a:spcBef>
                 <a:spcPts val="0"/>
               </a:spcBef>
               <a:buNone/>
               <a:defRPr/>
             </a:lvl5pPr>
-            <a:lvl6pPr indent="0" lvl="5" marL="0" algn="r">
+            <a:lvl6pPr marL="0" lvl="5" indent="0" algn="r">
               <a:spcBef>
                 <a:spcPts val="0"/>
               </a:spcBef>
               <a:buNone/>
               <a:defRPr/>
             </a:lvl6pPr>
-            <a:lvl7pPr indent="0" lvl="6" marL="0" algn="r">
+            <a:lvl7pPr marL="0" lvl="6" indent="0" algn="r">
               <a:spcBef>
                 <a:spcPts val="0"/>
               </a:spcBef>
               <a:buNone/>
               <a:defRPr/>
             </a:lvl7pPr>
-            <a:lvl8pPr indent="0" lvl="7" marL="0" algn="r">
+            <a:lvl8pPr marL="0" lvl="7" indent="0" algn="r">
               <a:spcBef>
                 <a:spcPts val="0"/>
               </a:spcBef>
               <a:buNone/>
               <a:defRPr/>
             </a:lvl8pPr>
-            <a:lvl9pPr indent="0" lvl="8" marL="0" algn="r">
+            <a:lvl9pPr marL="0" lvl="8" indent="0" algn="r">
               <a:spcBef>
                 <a:spcPts val="0"/>
               </a:spcBef>
@@ -4640,7 +4757,7 @@
             </a:lvl9pPr>
           </a:lstStyle>
           <a:p>
-            <a:pPr indent="0" lvl="0" marL="0" rtl="0" algn="r">
+            <a:pPr marL="0" lvl="0" indent="0" algn="r" rtl="0">
               <a:spcBef>
                 <a:spcPts val="0"/>
               </a:spcBef>
@@ -4666,11 +4783,11 @@
 </file>
 
 <file path=ppt/slideLayouts/slideLayout2.xml><?xml version="1.0" encoding="utf-8"?>
-<p:sldLayout xmlns:a="http://schemas.openxmlformats.org/drawingml/2006/main" xmlns:r="http://schemas.openxmlformats.org/officeDocument/2006/relationships" xmlns:mc="http://schemas.openxmlformats.org/markup-compatibility/2006" xmlns:mv="urn:schemas-microsoft-com:mac:vml" xmlns:p="http://schemas.openxmlformats.org/presentationml/2006/main" xmlns:c="http://schemas.openxmlformats.org/drawingml/2006/chart" xmlns:dgm="http://schemas.openxmlformats.org/drawingml/2006/diagram" xmlns:o="urn:schemas-microsoft-com:office:office" xmlns:v="urn:schemas-microsoft-com:vml" xmlns:pvml="urn:schemas-microsoft-com:office:powerpoint" xmlns:com="http://schemas.openxmlformats.org/drawingml/2006/compatibility" xmlns:p14="http://schemas.microsoft.com/office/powerpoint/2010/main" xmlns:p15="http://schemas.microsoft.com/office/powerpoint/2012/main" xmlns:ahyp="http://schemas.microsoft.com/office/drawing/2018/hyperlinkcolor" matchingName="Title Slide" type="title">
+<p:sldLayout xmlns:a="http://schemas.openxmlformats.org/drawingml/2006/main" xmlns:r="http://schemas.openxmlformats.org/officeDocument/2006/relationships" xmlns:p="http://schemas.openxmlformats.org/presentationml/2006/main" matchingName="Title Slide" type="title">
   <p:cSld name="TITLE">
     <p:spTree>
       <p:nvGrpSpPr>
-        <p:cNvPr id="18" name="Shape 18"/>
+        <p:cNvPr id="1" name="Shape 18"/>
         <p:cNvGrpSpPr/>
         <p:nvPr/>
       </p:nvGrpSpPr>
@@ -4685,7 +4802,9 @@
       <p:sp>
         <p:nvSpPr>
           <p:cNvPr id="19" name="Google Shape;19;p9"/>
-          <p:cNvSpPr txBox="1"/>
+          <p:cNvSpPr txBox="1">
+            <a:spLocks noGrp="1"/>
+          </p:cNvSpPr>
           <p:nvPr>
             <p:ph type="ctrTitle"/>
           </p:nvPr>
@@ -4704,7 +4823,7 @@
           </a:ln>
         </p:spPr>
         <p:txBody>
-          <a:bodyPr anchorCtr="0" anchor="b" bIns="68550" lIns="137150" spcFirstLastPara="1" rIns="137150" wrap="square" tIns="68550">
+          <a:bodyPr spcFirstLastPara="1" wrap="square" lIns="137150" tIns="68550" rIns="137150" bIns="68550" anchor="b" anchorCtr="0">
             <a:normAutofit/>
           </a:bodyPr>
           <a:lstStyle>
@@ -4815,15 +4934,19 @@
               <a:defRPr/>
             </a:lvl9pPr>
           </a:lstStyle>
-          <a:p/>
+          <a:p>
+            <a:endParaRPr/>
+          </a:p>
         </p:txBody>
       </p:sp>
       <p:sp>
         <p:nvSpPr>
           <p:cNvPr id="20" name="Google Shape;20;p9"/>
-          <p:cNvSpPr txBox="1"/>
+          <p:cNvSpPr txBox="1">
+            <a:spLocks noGrp="1"/>
+          </p:cNvSpPr>
           <p:nvPr>
-            <p:ph idx="1" type="subTitle"/>
+            <p:ph type="subTitle" idx="1"/>
           </p:nvPr>
         </p:nvSpPr>
         <p:spPr>
@@ -4840,7 +4963,7 @@
           </a:ln>
         </p:spPr>
         <p:txBody>
-          <a:bodyPr anchorCtr="0" anchor="t" bIns="68550" lIns="137150" spcFirstLastPara="1" rIns="137150" wrap="square" tIns="68550">
+          <a:bodyPr spcFirstLastPara="1" wrap="square" lIns="137150" tIns="68550" rIns="137150" bIns="68550" anchor="t" anchorCtr="0">
             <a:normAutofit/>
           </a:bodyPr>
           <a:lstStyle>
@@ -4998,15 +5121,19 @@
               <a:defRPr sz="2400"/>
             </a:lvl9pPr>
           </a:lstStyle>
-          <a:p/>
+          <a:p>
+            <a:endParaRPr/>
+          </a:p>
         </p:txBody>
       </p:sp>
       <p:sp>
         <p:nvSpPr>
           <p:cNvPr id="21" name="Google Shape;21;p9"/>
-          <p:cNvSpPr txBox="1"/>
+          <p:cNvSpPr txBox="1">
+            <a:spLocks noGrp="1"/>
+          </p:cNvSpPr>
           <p:nvPr>
-            <p:ph idx="10" type="dt"/>
+            <p:ph type="dt" idx="10"/>
           </p:nvPr>
         </p:nvSpPr>
         <p:spPr>
@@ -5023,7 +5150,7 @@
           </a:ln>
         </p:spPr>
         <p:txBody>
-          <a:bodyPr anchorCtr="0" anchor="ctr" bIns="68550" lIns="137150" spcFirstLastPara="1" rIns="137150" wrap="square" tIns="68550">
+          <a:bodyPr spcFirstLastPara="1" wrap="square" lIns="137150" tIns="68550" rIns="137150" bIns="68550" anchor="ctr" anchorCtr="0">
             <a:noAutofit/>
           </a:bodyPr>
           <a:lstStyle>
@@ -5127,15 +5254,19 @@
               <a:defRPr/>
             </a:lvl9pPr>
           </a:lstStyle>
-          <a:p/>
+          <a:p>
+            <a:endParaRPr/>
+          </a:p>
         </p:txBody>
       </p:sp>
       <p:sp>
         <p:nvSpPr>
           <p:cNvPr id="22" name="Google Shape;22;p9"/>
-          <p:cNvSpPr txBox="1"/>
+          <p:cNvSpPr txBox="1">
+            <a:spLocks noGrp="1"/>
+          </p:cNvSpPr>
           <p:nvPr>
-            <p:ph idx="11" type="ftr"/>
+            <p:ph type="ftr" idx="11"/>
           </p:nvPr>
         </p:nvSpPr>
         <p:spPr>
@@ -5152,7 +5283,7 @@
           </a:ln>
         </p:spPr>
         <p:txBody>
-          <a:bodyPr anchorCtr="0" anchor="ctr" bIns="68550" lIns="137150" spcFirstLastPara="1" rIns="137150" wrap="square" tIns="68550">
+          <a:bodyPr spcFirstLastPara="1" wrap="square" lIns="137150" tIns="68550" rIns="137150" bIns="68550" anchor="ctr" anchorCtr="0">
             <a:noAutofit/>
           </a:bodyPr>
           <a:lstStyle>
@@ -5256,15 +5387,19 @@
               <a:defRPr/>
             </a:lvl9pPr>
           </a:lstStyle>
-          <a:p/>
+          <a:p>
+            <a:endParaRPr/>
+          </a:p>
         </p:txBody>
       </p:sp>
       <p:sp>
         <p:nvSpPr>
           <p:cNvPr id="23" name="Google Shape;23;p9"/>
-          <p:cNvSpPr txBox="1"/>
+          <p:cNvSpPr txBox="1">
+            <a:spLocks noGrp="1"/>
+          </p:cNvSpPr>
           <p:nvPr>
-            <p:ph idx="12" type="sldNum"/>
+            <p:ph type="sldNum" idx="12"/>
           </p:nvPr>
         </p:nvSpPr>
         <p:spPr>
@@ -5281,67 +5416,67 @@
           </a:ln>
         </p:spPr>
         <p:txBody>
-          <a:bodyPr anchorCtr="0" anchor="ctr" bIns="68550" lIns="137150" spcFirstLastPara="1" rIns="137150" wrap="square" tIns="68550">
+          <a:bodyPr spcFirstLastPara="1" wrap="square" lIns="137150" tIns="68550" rIns="137150" bIns="68550" anchor="ctr" anchorCtr="0">
             <a:noAutofit/>
           </a:bodyPr>
           <a:lstStyle>
-            <a:lvl1pPr indent="0" lvl="0" marL="0" algn="r">
+            <a:lvl1pPr marL="0" lvl="0" indent="0" algn="r">
               <a:spcBef>
                 <a:spcPts val="0"/>
               </a:spcBef>
               <a:buNone/>
               <a:defRPr/>
             </a:lvl1pPr>
-            <a:lvl2pPr indent="0" lvl="1" marL="0" algn="r">
+            <a:lvl2pPr marL="0" lvl="1" indent="0" algn="r">
               <a:spcBef>
                 <a:spcPts val="0"/>
               </a:spcBef>
               <a:buNone/>
               <a:defRPr/>
             </a:lvl2pPr>
-            <a:lvl3pPr indent="0" lvl="2" marL="0" algn="r">
+            <a:lvl3pPr marL="0" lvl="2" indent="0" algn="r">
               <a:spcBef>
                 <a:spcPts val="0"/>
               </a:spcBef>
               <a:buNone/>
               <a:defRPr/>
             </a:lvl3pPr>
-            <a:lvl4pPr indent="0" lvl="3" marL="0" algn="r">
+            <a:lvl4pPr marL="0" lvl="3" indent="0" algn="r">
               <a:spcBef>
                 <a:spcPts val="0"/>
               </a:spcBef>
               <a:buNone/>
               <a:defRPr/>
             </a:lvl4pPr>
-            <a:lvl5pPr indent="0" lvl="4" marL="0" algn="r">
+            <a:lvl5pPr marL="0" lvl="4" indent="0" algn="r">
               <a:spcBef>
                 <a:spcPts val="0"/>
               </a:spcBef>
               <a:buNone/>
               <a:defRPr/>
             </a:lvl5pPr>
-            <a:lvl6pPr indent="0" lvl="5" marL="0" algn="r">
+            <a:lvl6pPr marL="0" lvl="5" indent="0" algn="r">
               <a:spcBef>
                 <a:spcPts val="0"/>
               </a:spcBef>
               <a:buNone/>
               <a:defRPr/>
             </a:lvl6pPr>
-            <a:lvl7pPr indent="0" lvl="6" marL="0" algn="r">
+            <a:lvl7pPr marL="0" lvl="6" indent="0" algn="r">
               <a:spcBef>
                 <a:spcPts val="0"/>
               </a:spcBef>
               <a:buNone/>
               <a:defRPr/>
             </a:lvl7pPr>
-            <a:lvl8pPr indent="0" lvl="7" marL="0" algn="r">
+            <a:lvl8pPr marL="0" lvl="7" indent="0" algn="r">
               <a:spcBef>
                 <a:spcPts val="0"/>
               </a:spcBef>
               <a:buNone/>
               <a:defRPr/>
             </a:lvl8pPr>
-            <a:lvl9pPr indent="0" lvl="8" marL="0" algn="r">
+            <a:lvl9pPr marL="0" lvl="8" indent="0" algn="r">
               <a:spcBef>
                 <a:spcPts val="0"/>
               </a:spcBef>
@@ -5350,7 +5485,7 @@
             </a:lvl9pPr>
           </a:lstStyle>
           <a:p>
-            <a:pPr indent="0" lvl="0" marL="0" rtl="0" algn="r">
+            <a:pPr marL="0" lvl="0" indent="0" algn="r" rtl="0">
               <a:spcBef>
                 <a:spcPts val="0"/>
               </a:spcBef>
@@ -5376,11 +5511,11 @@
 </file>
 
 <file path=ppt/slideLayouts/slideLayout3.xml><?xml version="1.0" encoding="utf-8"?>
-<p:sldLayout xmlns:a="http://schemas.openxmlformats.org/drawingml/2006/main" xmlns:r="http://schemas.openxmlformats.org/officeDocument/2006/relationships" xmlns:mc="http://schemas.openxmlformats.org/markup-compatibility/2006" xmlns:mv="urn:schemas-microsoft-com:mac:vml" xmlns:p="http://schemas.openxmlformats.org/presentationml/2006/main" xmlns:c="http://schemas.openxmlformats.org/drawingml/2006/chart" xmlns:dgm="http://schemas.openxmlformats.org/drawingml/2006/diagram" xmlns:o="urn:schemas-microsoft-com:office:office" xmlns:v="urn:schemas-microsoft-com:vml" xmlns:pvml="urn:schemas-microsoft-com:office:powerpoint" xmlns:com="http://schemas.openxmlformats.org/drawingml/2006/compatibility" xmlns:p14="http://schemas.microsoft.com/office/powerpoint/2010/main" xmlns:p15="http://schemas.microsoft.com/office/powerpoint/2012/main" xmlns:ahyp="http://schemas.microsoft.com/office/drawing/2018/hyperlinkcolor" matchingName="Title and Content" type="obj">
+<p:sldLayout xmlns:a="http://schemas.openxmlformats.org/drawingml/2006/main" xmlns:r="http://schemas.openxmlformats.org/officeDocument/2006/relationships" xmlns:p="http://schemas.openxmlformats.org/presentationml/2006/main" matchingName="Title and Content" type="obj">
   <p:cSld name="OBJECT">
     <p:spTree>
       <p:nvGrpSpPr>
-        <p:cNvPr id="24" name="Shape 24"/>
+        <p:cNvPr id="1" name="Shape 24"/>
         <p:cNvGrpSpPr/>
         <p:nvPr/>
       </p:nvGrpSpPr>
@@ -5395,7 +5530,9 @@
       <p:sp>
         <p:nvSpPr>
           <p:cNvPr id="25" name="Google Shape;25;p10"/>
-          <p:cNvSpPr txBox="1"/>
+          <p:cNvSpPr txBox="1">
+            <a:spLocks noGrp="1"/>
+          </p:cNvSpPr>
           <p:nvPr>
             <p:ph type="title"/>
           </p:nvPr>
@@ -5414,7 +5551,7 @@
           </a:ln>
         </p:spPr>
         <p:txBody>
-          <a:bodyPr anchorCtr="0" anchor="ctr" bIns="68550" lIns="137150" spcFirstLastPara="1" rIns="137150" wrap="square" tIns="68550">
+          <a:bodyPr spcFirstLastPara="1" wrap="square" lIns="137150" tIns="68550" rIns="137150" bIns="68550" anchor="ctr" anchorCtr="0">
             <a:normAutofit/>
           </a:bodyPr>
           <a:lstStyle>
@@ -5524,15 +5661,19 @@
               <a:defRPr/>
             </a:lvl9pPr>
           </a:lstStyle>
-          <a:p/>
+          <a:p>
+            <a:endParaRPr/>
+          </a:p>
         </p:txBody>
       </p:sp>
       <p:sp>
         <p:nvSpPr>
           <p:cNvPr id="26" name="Google Shape;26;p10"/>
-          <p:cNvSpPr txBox="1"/>
+          <p:cNvSpPr txBox="1">
+            <a:spLocks noGrp="1"/>
+          </p:cNvSpPr>
           <p:nvPr>
-            <p:ph idx="1" type="body"/>
+            <p:ph type="body" idx="1"/>
           </p:nvPr>
         </p:nvSpPr>
         <p:spPr>
@@ -5549,11 +5690,11 @@
           </a:ln>
         </p:spPr>
         <p:txBody>
-          <a:bodyPr anchorCtr="0" anchor="t" bIns="68550" lIns="137150" spcFirstLastPara="1" rIns="137150" wrap="square" tIns="68550">
+          <a:bodyPr spcFirstLastPara="1" wrap="square" lIns="137150" tIns="68550" rIns="137150" bIns="68550" anchor="t" anchorCtr="0">
             <a:normAutofit/>
           </a:bodyPr>
           <a:lstStyle>
-            <a:lvl1pPr indent="-400050" lvl="0" marL="457200" algn="l">
+            <a:lvl1pPr marL="457200" lvl="0" indent="-400050" algn="l">
               <a:lnSpc>
                 <a:spcPct val="90000"/>
               </a:lnSpc>
@@ -5570,7 +5711,7 @@
               <a:buChar char="•"/>
               <a:defRPr/>
             </a:lvl1pPr>
-            <a:lvl2pPr indent="-400050" lvl="1" marL="914400" algn="l">
+            <a:lvl2pPr marL="914400" lvl="1" indent="-400050" algn="l">
               <a:lnSpc>
                 <a:spcPct val="90000"/>
               </a:lnSpc>
@@ -5587,7 +5728,7 @@
               <a:buChar char="•"/>
               <a:defRPr/>
             </a:lvl2pPr>
-            <a:lvl3pPr indent="-400050" lvl="2" marL="1371600" algn="l">
+            <a:lvl3pPr marL="1371600" lvl="2" indent="-400050" algn="l">
               <a:lnSpc>
                 <a:spcPct val="90000"/>
               </a:lnSpc>
@@ -5604,7 +5745,7 @@
               <a:buChar char="•"/>
               <a:defRPr/>
             </a:lvl3pPr>
-            <a:lvl4pPr indent="-400050" lvl="3" marL="1828800" algn="l">
+            <a:lvl4pPr marL="1828800" lvl="3" indent="-400050" algn="l">
               <a:lnSpc>
                 <a:spcPct val="90000"/>
               </a:lnSpc>
@@ -5621,7 +5762,7 @@
               <a:buChar char="•"/>
               <a:defRPr/>
             </a:lvl4pPr>
-            <a:lvl5pPr indent="-400050" lvl="4" marL="2286000" algn="l">
+            <a:lvl5pPr marL="2286000" lvl="4" indent="-400050" algn="l">
               <a:lnSpc>
                 <a:spcPct val="90000"/>
               </a:lnSpc>
@@ -5638,7 +5779,7 @@
               <a:buChar char="•"/>
               <a:defRPr/>
             </a:lvl5pPr>
-            <a:lvl6pPr indent="-400050" lvl="5" marL="2743200" algn="l">
+            <a:lvl6pPr marL="2743200" lvl="5" indent="-400050" algn="l">
               <a:lnSpc>
                 <a:spcPct val="90000"/>
               </a:lnSpc>
@@ -5655,7 +5796,7 @@
               <a:buChar char="•"/>
               <a:defRPr/>
             </a:lvl6pPr>
-            <a:lvl7pPr indent="-400050" lvl="6" marL="3200400" algn="l">
+            <a:lvl7pPr marL="3200400" lvl="6" indent="-400050" algn="l">
               <a:lnSpc>
                 <a:spcPct val="90000"/>
               </a:lnSpc>
@@ -5672,7 +5813,7 @@
               <a:buChar char="•"/>
               <a:defRPr/>
             </a:lvl7pPr>
-            <a:lvl8pPr indent="-400050" lvl="7" marL="3657600" algn="l">
+            <a:lvl8pPr marL="3657600" lvl="7" indent="-400050" algn="l">
               <a:lnSpc>
                 <a:spcPct val="90000"/>
               </a:lnSpc>
@@ -5689,7 +5830,7 @@
               <a:buChar char="•"/>
               <a:defRPr/>
             </a:lvl8pPr>
-            <a:lvl9pPr indent="-400050" lvl="8" marL="4114800" algn="l">
+            <a:lvl9pPr marL="4114800" lvl="8" indent="-400050" algn="l">
               <a:lnSpc>
                 <a:spcPct val="90000"/>
               </a:lnSpc>
@@ -5707,15 +5848,19 @@
               <a:defRPr/>
             </a:lvl9pPr>
           </a:lstStyle>
-          <a:p/>
+          <a:p>
+            <a:endParaRPr/>
+          </a:p>
         </p:txBody>
       </p:sp>
       <p:sp>
         <p:nvSpPr>
           <p:cNvPr id="27" name="Google Shape;27;p10"/>
-          <p:cNvSpPr txBox="1"/>
+          <p:cNvSpPr txBox="1">
+            <a:spLocks noGrp="1"/>
+          </p:cNvSpPr>
           <p:nvPr>
-            <p:ph idx="10" type="dt"/>
+            <p:ph type="dt" idx="10"/>
           </p:nvPr>
         </p:nvSpPr>
         <p:spPr>
@@ -5732,7 +5877,7 @@
           </a:ln>
         </p:spPr>
         <p:txBody>
-          <a:bodyPr anchorCtr="0" anchor="ctr" bIns="68550" lIns="137150" spcFirstLastPara="1" rIns="137150" wrap="square" tIns="68550">
+          <a:bodyPr spcFirstLastPara="1" wrap="square" lIns="137150" tIns="68550" rIns="137150" bIns="68550" anchor="ctr" anchorCtr="0">
             <a:noAutofit/>
           </a:bodyPr>
           <a:lstStyle>
@@ -5836,15 +5981,19 @@
               <a:defRPr/>
             </a:lvl9pPr>
           </a:lstStyle>
-          <a:p/>
+          <a:p>
+            <a:endParaRPr/>
+          </a:p>
         </p:txBody>
       </p:sp>
       <p:sp>
         <p:nvSpPr>
           <p:cNvPr id="28" name="Google Shape;28;p10"/>
-          <p:cNvSpPr txBox="1"/>
+          <p:cNvSpPr txBox="1">
+            <a:spLocks noGrp="1"/>
+          </p:cNvSpPr>
           <p:nvPr>
-            <p:ph idx="11" type="ftr"/>
+            <p:ph type="ftr" idx="11"/>
           </p:nvPr>
         </p:nvSpPr>
         <p:spPr>
@@ -5861,7 +6010,7 @@
           </a:ln>
         </p:spPr>
         <p:txBody>
-          <a:bodyPr anchorCtr="0" anchor="ctr" bIns="68550" lIns="137150" spcFirstLastPara="1" rIns="137150" wrap="square" tIns="68550">
+          <a:bodyPr spcFirstLastPara="1" wrap="square" lIns="137150" tIns="68550" rIns="137150" bIns="68550" anchor="ctr" anchorCtr="0">
             <a:noAutofit/>
           </a:bodyPr>
           <a:lstStyle>
@@ -5965,15 +6114,19 @@
               <a:defRPr/>
             </a:lvl9pPr>
           </a:lstStyle>
-          <a:p/>
+          <a:p>
+            <a:endParaRPr/>
+          </a:p>
         </p:txBody>
       </p:sp>
       <p:sp>
         <p:nvSpPr>
           <p:cNvPr id="29" name="Google Shape;29;p10"/>
-          <p:cNvSpPr txBox="1"/>
+          <p:cNvSpPr txBox="1">
+            <a:spLocks noGrp="1"/>
+          </p:cNvSpPr>
           <p:nvPr>
-            <p:ph idx="12" type="sldNum"/>
+            <p:ph type="sldNum" idx="12"/>
           </p:nvPr>
         </p:nvSpPr>
         <p:spPr>
@@ -5990,67 +6143,67 @@
           </a:ln>
         </p:spPr>
         <p:txBody>
-          <a:bodyPr anchorCtr="0" anchor="ctr" bIns="68550" lIns="137150" spcFirstLastPara="1" rIns="137150" wrap="square" tIns="68550">
+          <a:bodyPr spcFirstLastPara="1" wrap="square" lIns="137150" tIns="68550" rIns="137150" bIns="68550" anchor="ctr" anchorCtr="0">
             <a:noAutofit/>
           </a:bodyPr>
           <a:lstStyle>
-            <a:lvl1pPr indent="0" lvl="0" marL="0" algn="r">
+            <a:lvl1pPr marL="0" lvl="0" indent="0" algn="r">
               <a:spcBef>
                 <a:spcPts val="0"/>
               </a:spcBef>
               <a:buNone/>
               <a:defRPr/>
             </a:lvl1pPr>
-            <a:lvl2pPr indent="0" lvl="1" marL="0" algn="r">
+            <a:lvl2pPr marL="0" lvl="1" indent="0" algn="r">
               <a:spcBef>
                 <a:spcPts val="0"/>
               </a:spcBef>
               <a:buNone/>
               <a:defRPr/>
             </a:lvl2pPr>
-            <a:lvl3pPr indent="0" lvl="2" marL="0" algn="r">
+            <a:lvl3pPr marL="0" lvl="2" indent="0" algn="r">
               <a:spcBef>
                 <a:spcPts val="0"/>
               </a:spcBef>
               <a:buNone/>
               <a:defRPr/>
             </a:lvl3pPr>
-            <a:lvl4pPr indent="0" lvl="3" marL="0" algn="r">
+            <a:lvl4pPr marL="0" lvl="3" indent="0" algn="r">
               <a:spcBef>
                 <a:spcPts val="0"/>
               </a:spcBef>
               <a:buNone/>
               <a:defRPr/>
             </a:lvl4pPr>
-            <a:lvl5pPr indent="0" lvl="4" marL="0" algn="r">
+            <a:lvl5pPr marL="0" lvl="4" indent="0" algn="r">
               <a:spcBef>
                 <a:spcPts val="0"/>
               </a:spcBef>
               <a:buNone/>
               <a:defRPr/>
             </a:lvl5pPr>
-            <a:lvl6pPr indent="0" lvl="5" marL="0" algn="r">
+            <a:lvl6pPr marL="0" lvl="5" indent="0" algn="r">
               <a:spcBef>
                 <a:spcPts val="0"/>
               </a:spcBef>
               <a:buNone/>
               <a:defRPr/>
             </a:lvl6pPr>
-            <a:lvl7pPr indent="0" lvl="6" marL="0" algn="r">
+            <a:lvl7pPr marL="0" lvl="6" indent="0" algn="r">
               <a:spcBef>
                 <a:spcPts val="0"/>
               </a:spcBef>
               <a:buNone/>
               <a:defRPr/>
             </a:lvl7pPr>
-            <a:lvl8pPr indent="0" lvl="7" marL="0" algn="r">
+            <a:lvl8pPr marL="0" lvl="7" indent="0" algn="r">
               <a:spcBef>
                 <a:spcPts val="0"/>
               </a:spcBef>
               <a:buNone/>
               <a:defRPr/>
             </a:lvl8pPr>
-            <a:lvl9pPr indent="0" lvl="8" marL="0" algn="r">
+            <a:lvl9pPr marL="0" lvl="8" indent="0" algn="r">
               <a:spcBef>
                 <a:spcPts val="0"/>
               </a:spcBef>
@@ -6059,7 +6212,7 @@
             </a:lvl9pPr>
           </a:lstStyle>
           <a:p>
-            <a:pPr indent="0" lvl="0" marL="0" rtl="0" algn="r">
+            <a:pPr marL="0" lvl="0" indent="0" algn="r" rtl="0">
               <a:spcBef>
                 <a:spcPts val="0"/>
               </a:spcBef>
@@ -6085,11 +6238,11 @@
 </file>
 
 <file path=ppt/slideLayouts/slideLayout4.xml><?xml version="1.0" encoding="utf-8"?>
-<p:sldLayout xmlns:a="http://schemas.openxmlformats.org/drawingml/2006/main" xmlns:r="http://schemas.openxmlformats.org/officeDocument/2006/relationships" xmlns:mc="http://schemas.openxmlformats.org/markup-compatibility/2006" xmlns:mv="urn:schemas-microsoft-com:mac:vml" xmlns:p="http://schemas.openxmlformats.org/presentationml/2006/main" xmlns:c="http://schemas.openxmlformats.org/drawingml/2006/chart" xmlns:dgm="http://schemas.openxmlformats.org/drawingml/2006/diagram" xmlns:o="urn:schemas-microsoft-com:office:office" xmlns:v="urn:schemas-microsoft-com:vml" xmlns:pvml="urn:schemas-microsoft-com:office:powerpoint" xmlns:com="http://schemas.openxmlformats.org/drawingml/2006/compatibility" xmlns:p14="http://schemas.microsoft.com/office/powerpoint/2010/main" xmlns:p15="http://schemas.microsoft.com/office/powerpoint/2012/main" xmlns:ahyp="http://schemas.microsoft.com/office/drawing/2018/hyperlinkcolor" matchingName="Section Header" type="secHead">
+<p:sldLayout xmlns:a="http://schemas.openxmlformats.org/drawingml/2006/main" xmlns:r="http://schemas.openxmlformats.org/officeDocument/2006/relationships" xmlns:p="http://schemas.openxmlformats.org/presentationml/2006/main" matchingName="Section Header" type="secHead">
   <p:cSld name="SECTION_HEADER">
     <p:spTree>
       <p:nvGrpSpPr>
-        <p:cNvPr id="30" name="Shape 30"/>
+        <p:cNvPr id="1" name="Shape 30"/>
         <p:cNvGrpSpPr/>
         <p:nvPr/>
       </p:nvGrpSpPr>
@@ -6104,7 +6257,9 @@
       <p:sp>
         <p:nvSpPr>
           <p:cNvPr id="31" name="Google Shape;31;p11"/>
-          <p:cNvSpPr txBox="1"/>
+          <p:cNvSpPr txBox="1">
+            <a:spLocks noGrp="1"/>
+          </p:cNvSpPr>
           <p:nvPr>
             <p:ph type="title"/>
           </p:nvPr>
@@ -6123,7 +6278,7 @@
           </a:ln>
         </p:spPr>
         <p:txBody>
-          <a:bodyPr anchorCtr="0" anchor="b" bIns="68550" lIns="137150" spcFirstLastPara="1" rIns="137150" wrap="square" tIns="68550">
+          <a:bodyPr spcFirstLastPara="1" wrap="square" lIns="137150" tIns="68550" rIns="137150" bIns="68550" anchor="b" anchorCtr="0">
             <a:normAutofit/>
           </a:bodyPr>
           <a:lstStyle>
@@ -6234,15 +6389,19 @@
               <a:defRPr/>
             </a:lvl9pPr>
           </a:lstStyle>
-          <a:p/>
+          <a:p>
+            <a:endParaRPr/>
+          </a:p>
         </p:txBody>
       </p:sp>
       <p:sp>
         <p:nvSpPr>
           <p:cNvPr id="32" name="Google Shape;32;p11"/>
-          <p:cNvSpPr txBox="1"/>
+          <p:cNvSpPr txBox="1">
+            <a:spLocks noGrp="1"/>
+          </p:cNvSpPr>
           <p:nvPr>
-            <p:ph idx="1" type="body"/>
+            <p:ph type="body" idx="1"/>
           </p:nvPr>
         </p:nvSpPr>
         <p:spPr>
@@ -6259,11 +6418,11 @@
           </a:ln>
         </p:spPr>
         <p:txBody>
-          <a:bodyPr anchorCtr="0" anchor="t" bIns="68550" lIns="137150" spcFirstLastPara="1" rIns="137150" wrap="square" tIns="68550">
+          <a:bodyPr spcFirstLastPara="1" wrap="square" lIns="137150" tIns="68550" rIns="137150" bIns="68550" anchor="t" anchorCtr="0">
             <a:normAutofit/>
           </a:bodyPr>
           <a:lstStyle>
-            <a:lvl1pPr indent="-228600" lvl="0" marL="457200" algn="l">
+            <a:lvl1pPr marL="457200" lvl="0" indent="-228600" algn="l">
               <a:lnSpc>
                 <a:spcPct val="90000"/>
               </a:lnSpc>
@@ -6284,7 +6443,7 @@
                 </a:solidFill>
               </a:defRPr>
             </a:lvl1pPr>
-            <a:lvl2pPr indent="-228600" lvl="1" marL="914400" algn="l">
+            <a:lvl2pPr marL="914400" lvl="1" indent="-228600" algn="l">
               <a:lnSpc>
                 <a:spcPct val="90000"/>
               </a:lnSpc>
@@ -6305,7 +6464,7 @@
                 </a:solidFill>
               </a:defRPr>
             </a:lvl2pPr>
-            <a:lvl3pPr indent="-228600" lvl="2" marL="1371600" algn="l">
+            <a:lvl3pPr marL="1371600" lvl="2" indent="-228600" algn="l">
               <a:lnSpc>
                 <a:spcPct val="90000"/>
               </a:lnSpc>
@@ -6326,7 +6485,7 @@
                 </a:solidFill>
               </a:defRPr>
             </a:lvl3pPr>
-            <a:lvl4pPr indent="-228600" lvl="3" marL="1828800" algn="l">
+            <a:lvl4pPr marL="1828800" lvl="3" indent="-228600" algn="l">
               <a:lnSpc>
                 <a:spcPct val="90000"/>
               </a:lnSpc>
@@ -6347,7 +6506,7 @@
                 </a:solidFill>
               </a:defRPr>
             </a:lvl4pPr>
-            <a:lvl5pPr indent="-228600" lvl="4" marL="2286000" algn="l">
+            <a:lvl5pPr marL="2286000" lvl="4" indent="-228600" algn="l">
               <a:lnSpc>
                 <a:spcPct val="90000"/>
               </a:lnSpc>
@@ -6368,7 +6527,7 @@
                 </a:solidFill>
               </a:defRPr>
             </a:lvl5pPr>
-            <a:lvl6pPr indent="-228600" lvl="5" marL="2743200" algn="l">
+            <a:lvl6pPr marL="2743200" lvl="5" indent="-228600" algn="l">
               <a:lnSpc>
                 <a:spcPct val="90000"/>
               </a:lnSpc>
@@ -6389,7 +6548,7 @@
                 </a:solidFill>
               </a:defRPr>
             </a:lvl6pPr>
-            <a:lvl7pPr indent="-228600" lvl="6" marL="3200400" algn="l">
+            <a:lvl7pPr marL="3200400" lvl="6" indent="-228600" algn="l">
               <a:lnSpc>
                 <a:spcPct val="90000"/>
               </a:lnSpc>
@@ -6410,7 +6569,7 @@
                 </a:solidFill>
               </a:defRPr>
             </a:lvl7pPr>
-            <a:lvl8pPr indent="-228600" lvl="7" marL="3657600" algn="l">
+            <a:lvl8pPr marL="3657600" lvl="7" indent="-228600" algn="l">
               <a:lnSpc>
                 <a:spcPct val="90000"/>
               </a:lnSpc>
@@ -6431,7 +6590,7 @@
                 </a:solidFill>
               </a:defRPr>
             </a:lvl8pPr>
-            <a:lvl9pPr indent="-228600" lvl="8" marL="4114800" algn="l">
+            <a:lvl9pPr marL="4114800" lvl="8" indent="-228600" algn="l">
               <a:lnSpc>
                 <a:spcPct val="90000"/>
               </a:lnSpc>
@@ -6453,15 +6612,19 @@
               </a:defRPr>
             </a:lvl9pPr>
           </a:lstStyle>
-          <a:p/>
+          <a:p>
+            <a:endParaRPr/>
+          </a:p>
         </p:txBody>
       </p:sp>
       <p:sp>
         <p:nvSpPr>
           <p:cNvPr id="33" name="Google Shape;33;p11"/>
-          <p:cNvSpPr txBox="1"/>
+          <p:cNvSpPr txBox="1">
+            <a:spLocks noGrp="1"/>
+          </p:cNvSpPr>
           <p:nvPr>
-            <p:ph idx="10" type="dt"/>
+            <p:ph type="dt" idx="10"/>
           </p:nvPr>
         </p:nvSpPr>
         <p:spPr>
@@ -6478,7 +6641,7 @@
           </a:ln>
         </p:spPr>
         <p:txBody>
-          <a:bodyPr anchorCtr="0" anchor="ctr" bIns="68550" lIns="137150" spcFirstLastPara="1" rIns="137150" wrap="square" tIns="68550">
+          <a:bodyPr spcFirstLastPara="1" wrap="square" lIns="137150" tIns="68550" rIns="137150" bIns="68550" anchor="ctr" anchorCtr="0">
             <a:noAutofit/>
           </a:bodyPr>
           <a:lstStyle>
@@ -6582,15 +6745,19 @@
               <a:defRPr/>
             </a:lvl9pPr>
           </a:lstStyle>
-          <a:p/>
+          <a:p>
+            <a:endParaRPr/>
+          </a:p>
         </p:txBody>
       </p:sp>
       <p:sp>
         <p:nvSpPr>
           <p:cNvPr id="34" name="Google Shape;34;p11"/>
-          <p:cNvSpPr txBox="1"/>
+          <p:cNvSpPr txBox="1">
+            <a:spLocks noGrp="1"/>
+          </p:cNvSpPr>
           <p:nvPr>
-            <p:ph idx="11" type="ftr"/>
+            <p:ph type="ftr" idx="11"/>
           </p:nvPr>
         </p:nvSpPr>
         <p:spPr>
@@ -6607,7 +6774,7 @@
           </a:ln>
         </p:spPr>
         <p:txBody>
-          <a:bodyPr anchorCtr="0" anchor="ctr" bIns="68550" lIns="137150" spcFirstLastPara="1" rIns="137150" wrap="square" tIns="68550">
+          <a:bodyPr spcFirstLastPara="1" wrap="square" lIns="137150" tIns="68550" rIns="137150" bIns="68550" anchor="ctr" anchorCtr="0">
             <a:noAutofit/>
           </a:bodyPr>
           <a:lstStyle>
@@ -6711,15 +6878,19 @@
               <a:defRPr/>
             </a:lvl9pPr>
           </a:lstStyle>
-          <a:p/>
+          <a:p>
+            <a:endParaRPr/>
+          </a:p>
         </p:txBody>
       </p:sp>
       <p:sp>
         <p:nvSpPr>
           <p:cNvPr id="35" name="Google Shape;35;p11"/>
-          <p:cNvSpPr txBox="1"/>
+          <p:cNvSpPr txBox="1">
+            <a:spLocks noGrp="1"/>
+          </p:cNvSpPr>
           <p:nvPr>
-            <p:ph idx="12" type="sldNum"/>
+            <p:ph type="sldNum" idx="12"/>
           </p:nvPr>
         </p:nvSpPr>
         <p:spPr>
@@ -6736,67 +6907,67 @@
           </a:ln>
         </p:spPr>
         <p:txBody>
-          <a:bodyPr anchorCtr="0" anchor="ctr" bIns="68550" lIns="137150" spcFirstLastPara="1" rIns="137150" wrap="square" tIns="68550">
+          <a:bodyPr spcFirstLastPara="1" wrap="square" lIns="137150" tIns="68550" rIns="137150" bIns="68550" anchor="ctr" anchorCtr="0">
             <a:noAutofit/>
           </a:bodyPr>
           <a:lstStyle>
-            <a:lvl1pPr indent="0" lvl="0" marL="0" algn="r">
+            <a:lvl1pPr marL="0" lvl="0" indent="0" algn="r">
               <a:spcBef>
                 <a:spcPts val="0"/>
               </a:spcBef>
               <a:buNone/>
               <a:defRPr/>
             </a:lvl1pPr>
-            <a:lvl2pPr indent="0" lvl="1" marL="0" algn="r">
+            <a:lvl2pPr marL="0" lvl="1" indent="0" algn="r">
               <a:spcBef>
                 <a:spcPts val="0"/>
               </a:spcBef>
               <a:buNone/>
               <a:defRPr/>
             </a:lvl2pPr>
-            <a:lvl3pPr indent="0" lvl="2" marL="0" algn="r">
+            <a:lvl3pPr marL="0" lvl="2" indent="0" algn="r">
               <a:spcBef>
                 <a:spcPts val="0"/>
               </a:spcBef>
               <a:buNone/>
               <a:defRPr/>
             </a:lvl3pPr>
-            <a:lvl4pPr indent="0" lvl="3" marL="0" algn="r">
+            <a:lvl4pPr marL="0" lvl="3" indent="0" algn="r">
               <a:spcBef>
                 <a:spcPts val="0"/>
               </a:spcBef>
               <a:buNone/>
               <a:defRPr/>
             </a:lvl4pPr>
-            <a:lvl5pPr indent="0" lvl="4" marL="0" algn="r">
+            <a:lvl5pPr marL="0" lvl="4" indent="0" algn="r">
               <a:spcBef>
                 <a:spcPts val="0"/>
               </a:spcBef>
               <a:buNone/>
               <a:defRPr/>
             </a:lvl5pPr>
-            <a:lvl6pPr indent="0" lvl="5" marL="0" algn="r">
+            <a:lvl6pPr marL="0" lvl="5" indent="0" algn="r">
               <a:spcBef>
                 <a:spcPts val="0"/>
               </a:spcBef>
               <a:buNone/>
               <a:defRPr/>
             </a:lvl6pPr>
-            <a:lvl7pPr indent="0" lvl="6" marL="0" algn="r">
+            <a:lvl7pPr marL="0" lvl="6" indent="0" algn="r">
               <a:spcBef>
                 <a:spcPts val="0"/>
               </a:spcBef>
               <a:buNone/>
               <a:defRPr/>
             </a:lvl7pPr>
-            <a:lvl8pPr indent="0" lvl="7" marL="0" algn="r">
+            <a:lvl8pPr marL="0" lvl="7" indent="0" algn="r">
               <a:spcBef>
                 <a:spcPts val="0"/>
               </a:spcBef>
               <a:buNone/>
               <a:defRPr/>
             </a:lvl8pPr>
-            <a:lvl9pPr indent="0" lvl="8" marL="0" algn="r">
+            <a:lvl9pPr marL="0" lvl="8" indent="0" algn="r">
               <a:spcBef>
                 <a:spcPts val="0"/>
               </a:spcBef>
@@ -6805,7 +6976,7 @@
             </a:lvl9pPr>
           </a:lstStyle>
           <a:p>
-            <a:pPr indent="0" lvl="0" marL="0" rtl="0" algn="r">
+            <a:pPr marL="0" lvl="0" indent="0" algn="r" rtl="0">
               <a:spcBef>
                 <a:spcPts val="0"/>
               </a:spcBef>
@@ -6831,11 +7002,11 @@
 </file>
 
 <file path=ppt/slideLayouts/slideLayout5.xml><?xml version="1.0" encoding="utf-8"?>
-<p:sldLayout xmlns:a="http://schemas.openxmlformats.org/drawingml/2006/main" xmlns:r="http://schemas.openxmlformats.org/officeDocument/2006/relationships" xmlns:mc="http://schemas.openxmlformats.org/markup-compatibility/2006" xmlns:mv="urn:schemas-microsoft-com:mac:vml" xmlns:p="http://schemas.openxmlformats.org/presentationml/2006/main" xmlns:c="http://schemas.openxmlformats.org/drawingml/2006/chart" xmlns:dgm="http://schemas.openxmlformats.org/drawingml/2006/diagram" xmlns:o="urn:schemas-microsoft-com:office:office" xmlns:v="urn:schemas-microsoft-com:vml" xmlns:pvml="urn:schemas-microsoft-com:office:powerpoint" xmlns:com="http://schemas.openxmlformats.org/drawingml/2006/compatibility" xmlns:p14="http://schemas.microsoft.com/office/powerpoint/2010/main" xmlns:p15="http://schemas.microsoft.com/office/powerpoint/2012/main" xmlns:ahyp="http://schemas.microsoft.com/office/drawing/2018/hyperlinkcolor" matchingName="Two Content" type="twoObj">
+<p:sldLayout xmlns:a="http://schemas.openxmlformats.org/drawingml/2006/main" xmlns:r="http://schemas.openxmlformats.org/officeDocument/2006/relationships" xmlns:p="http://schemas.openxmlformats.org/presentationml/2006/main" matchingName="Two Content" type="twoObj">
   <p:cSld name="TWO_OBJECTS">
     <p:spTree>
       <p:nvGrpSpPr>
-        <p:cNvPr id="36" name="Shape 36"/>
+        <p:cNvPr id="1" name="Shape 36"/>
         <p:cNvGrpSpPr/>
         <p:nvPr/>
       </p:nvGrpSpPr>
@@ -6850,7 +7021,9 @@
       <p:sp>
         <p:nvSpPr>
           <p:cNvPr id="37" name="Google Shape;37;p12"/>
-          <p:cNvSpPr txBox="1"/>
+          <p:cNvSpPr txBox="1">
+            <a:spLocks noGrp="1"/>
+          </p:cNvSpPr>
           <p:nvPr>
             <p:ph type="title"/>
           </p:nvPr>
@@ -6869,7 +7042,7 @@
           </a:ln>
         </p:spPr>
         <p:txBody>
-          <a:bodyPr anchorCtr="0" anchor="ctr" bIns="68550" lIns="137150" spcFirstLastPara="1" rIns="137150" wrap="square" tIns="68550">
+          <a:bodyPr spcFirstLastPara="1" wrap="square" lIns="137150" tIns="68550" rIns="137150" bIns="68550" anchor="ctr" anchorCtr="0">
             <a:normAutofit/>
           </a:bodyPr>
           <a:lstStyle>
@@ -6979,15 +7152,19 @@
               <a:defRPr/>
             </a:lvl9pPr>
           </a:lstStyle>
-          <a:p/>
+          <a:p>
+            <a:endParaRPr/>
+          </a:p>
         </p:txBody>
       </p:sp>
       <p:sp>
         <p:nvSpPr>
           <p:cNvPr id="38" name="Google Shape;38;p12"/>
-          <p:cNvSpPr txBox="1"/>
+          <p:cNvSpPr txBox="1">
+            <a:spLocks noGrp="1"/>
+          </p:cNvSpPr>
           <p:nvPr>
-            <p:ph idx="1" type="body"/>
+            <p:ph type="body" idx="1"/>
           </p:nvPr>
         </p:nvSpPr>
         <p:spPr>
@@ -7004,11 +7181,11 @@
           </a:ln>
         </p:spPr>
         <p:txBody>
-          <a:bodyPr anchorCtr="0" anchor="t" bIns="68550" lIns="137150" spcFirstLastPara="1" rIns="137150" wrap="square" tIns="68550">
+          <a:bodyPr spcFirstLastPara="1" wrap="square" lIns="137150" tIns="68550" rIns="137150" bIns="68550" anchor="t" anchorCtr="0">
             <a:normAutofit/>
           </a:bodyPr>
           <a:lstStyle>
-            <a:lvl1pPr indent="-400050" lvl="0" marL="457200" algn="l">
+            <a:lvl1pPr marL="457200" lvl="0" indent="-400050" algn="l">
               <a:lnSpc>
                 <a:spcPct val="90000"/>
               </a:lnSpc>
@@ -7025,7 +7202,7 @@
               <a:buChar char="•"/>
               <a:defRPr/>
             </a:lvl1pPr>
-            <a:lvl2pPr indent="-400050" lvl="1" marL="914400" algn="l">
+            <a:lvl2pPr marL="914400" lvl="1" indent="-400050" algn="l">
               <a:lnSpc>
                 <a:spcPct val="90000"/>
               </a:lnSpc>
@@ -7042,7 +7219,7 @@
               <a:buChar char="•"/>
               <a:defRPr/>
             </a:lvl2pPr>
-            <a:lvl3pPr indent="-400050" lvl="2" marL="1371600" algn="l">
+            <a:lvl3pPr marL="1371600" lvl="2" indent="-400050" algn="l">
               <a:lnSpc>
                 <a:spcPct val="90000"/>
               </a:lnSpc>
@@ -7059,7 +7236,7 @@
               <a:buChar char="•"/>
               <a:defRPr/>
             </a:lvl3pPr>
-            <a:lvl4pPr indent="-400050" lvl="3" marL="1828800" algn="l">
+            <a:lvl4pPr marL="1828800" lvl="3" indent="-400050" algn="l">
               <a:lnSpc>
                 <a:spcPct val="90000"/>
               </a:lnSpc>
@@ -7076,7 +7253,7 @@
               <a:buChar char="•"/>
               <a:defRPr/>
             </a:lvl4pPr>
-            <a:lvl5pPr indent="-400050" lvl="4" marL="2286000" algn="l">
+            <a:lvl5pPr marL="2286000" lvl="4" indent="-400050" algn="l">
               <a:lnSpc>
                 <a:spcPct val="90000"/>
               </a:lnSpc>
@@ -7093,7 +7270,7 @@
               <a:buChar char="•"/>
               <a:defRPr/>
             </a:lvl5pPr>
-            <a:lvl6pPr indent="-400050" lvl="5" marL="2743200" algn="l">
+            <a:lvl6pPr marL="2743200" lvl="5" indent="-400050" algn="l">
               <a:lnSpc>
                 <a:spcPct val="90000"/>
               </a:lnSpc>
@@ -7110,7 +7287,7 @@
               <a:buChar char="•"/>
               <a:defRPr/>
             </a:lvl6pPr>
-            <a:lvl7pPr indent="-400050" lvl="6" marL="3200400" algn="l">
+            <a:lvl7pPr marL="3200400" lvl="6" indent="-400050" algn="l">
               <a:lnSpc>
                 <a:spcPct val="90000"/>
               </a:lnSpc>
@@ -7127,7 +7304,7 @@
               <a:buChar char="•"/>
               <a:defRPr/>
             </a:lvl7pPr>
-            <a:lvl8pPr indent="-400050" lvl="7" marL="3657600" algn="l">
+            <a:lvl8pPr marL="3657600" lvl="7" indent="-400050" algn="l">
               <a:lnSpc>
                 <a:spcPct val="90000"/>
               </a:lnSpc>
@@ -7144,7 +7321,7 @@
               <a:buChar char="•"/>
               <a:defRPr/>
             </a:lvl8pPr>
-            <a:lvl9pPr indent="-400050" lvl="8" marL="4114800" algn="l">
+            <a:lvl9pPr marL="4114800" lvl="8" indent="-400050" algn="l">
               <a:lnSpc>
                 <a:spcPct val="90000"/>
               </a:lnSpc>
@@ -7162,15 +7339,19 @@
               <a:defRPr/>
             </a:lvl9pPr>
           </a:lstStyle>
-          <a:p/>
+          <a:p>
+            <a:endParaRPr/>
+          </a:p>
         </p:txBody>
       </p:sp>
       <p:sp>
         <p:nvSpPr>
           <p:cNvPr id="39" name="Google Shape;39;p12"/>
-          <p:cNvSpPr txBox="1"/>
+          <p:cNvSpPr txBox="1">
+            <a:spLocks noGrp="1"/>
+          </p:cNvSpPr>
           <p:nvPr>
-            <p:ph idx="2" type="body"/>
+            <p:ph type="body" idx="2"/>
           </p:nvPr>
         </p:nvSpPr>
         <p:spPr>
@@ -7187,11 +7368,11 @@
           </a:ln>
         </p:spPr>
         <p:txBody>
-          <a:bodyPr anchorCtr="0" anchor="t" bIns="68550" lIns="137150" spcFirstLastPara="1" rIns="137150" wrap="square" tIns="68550">
+          <a:bodyPr spcFirstLastPara="1" wrap="square" lIns="137150" tIns="68550" rIns="137150" bIns="68550" anchor="t" anchorCtr="0">
             <a:normAutofit/>
           </a:bodyPr>
           <a:lstStyle>
-            <a:lvl1pPr indent="-400050" lvl="0" marL="457200" algn="l">
+            <a:lvl1pPr marL="457200" lvl="0" indent="-400050" algn="l">
               <a:lnSpc>
                 <a:spcPct val="90000"/>
               </a:lnSpc>
@@ -7208,7 +7389,7 @@
               <a:buChar char="•"/>
               <a:defRPr/>
             </a:lvl1pPr>
-            <a:lvl2pPr indent="-400050" lvl="1" marL="914400" algn="l">
+            <a:lvl2pPr marL="914400" lvl="1" indent="-400050" algn="l">
               <a:lnSpc>
                 <a:spcPct val="90000"/>
               </a:lnSpc>
@@ -7225,7 +7406,7 @@
               <a:buChar char="•"/>
               <a:defRPr/>
             </a:lvl2pPr>
-            <a:lvl3pPr indent="-400050" lvl="2" marL="1371600" algn="l">
+            <a:lvl3pPr marL="1371600" lvl="2" indent="-400050" algn="l">
               <a:lnSpc>
                 <a:spcPct val="90000"/>
               </a:lnSpc>
@@ -7242,7 +7423,7 @@
               <a:buChar char="•"/>
               <a:defRPr/>
             </a:lvl3pPr>
-            <a:lvl4pPr indent="-400050" lvl="3" marL="1828800" algn="l">
+            <a:lvl4pPr marL="1828800" lvl="3" indent="-400050" algn="l">
               <a:lnSpc>
                 <a:spcPct val="90000"/>
               </a:lnSpc>
@@ -7259,7 +7440,7 @@
               <a:buChar char="•"/>
               <a:defRPr/>
             </a:lvl4pPr>
-            <a:lvl5pPr indent="-400050" lvl="4" marL="2286000" algn="l">
+            <a:lvl5pPr marL="2286000" lvl="4" indent="-400050" algn="l">
               <a:lnSpc>
                 <a:spcPct val="90000"/>
               </a:lnSpc>
@@ -7276,7 +7457,7 @@
               <a:buChar char="•"/>
               <a:defRPr/>
             </a:lvl5pPr>
-            <a:lvl6pPr indent="-400050" lvl="5" marL="2743200" algn="l">
+            <a:lvl6pPr marL="2743200" lvl="5" indent="-400050" algn="l">
               <a:lnSpc>
                 <a:spcPct val="90000"/>
               </a:lnSpc>
@@ -7293,7 +7474,7 @@
               <a:buChar char="•"/>
               <a:defRPr/>
             </a:lvl6pPr>
-            <a:lvl7pPr indent="-400050" lvl="6" marL="3200400" algn="l">
+            <a:lvl7pPr marL="3200400" lvl="6" indent="-400050" algn="l">
               <a:lnSpc>
                 <a:spcPct val="90000"/>
               </a:lnSpc>
@@ -7310,7 +7491,7 @@
               <a:buChar char="•"/>
               <a:defRPr/>
             </a:lvl7pPr>
-            <a:lvl8pPr indent="-400050" lvl="7" marL="3657600" algn="l">
+            <a:lvl8pPr marL="3657600" lvl="7" indent="-400050" algn="l">
               <a:lnSpc>
                 <a:spcPct val="90000"/>
               </a:lnSpc>
@@ -7327,7 +7508,7 @@
               <a:buChar char="•"/>
               <a:defRPr/>
             </a:lvl8pPr>
-            <a:lvl9pPr indent="-400050" lvl="8" marL="4114800" algn="l">
+            <a:lvl9pPr marL="4114800" lvl="8" indent="-400050" algn="l">
               <a:lnSpc>
                 <a:spcPct val="90000"/>
               </a:lnSpc>
@@ -7345,15 +7526,19 @@
               <a:defRPr/>
             </a:lvl9pPr>
           </a:lstStyle>
-          <a:p/>
+          <a:p>
+            <a:endParaRPr/>
+          </a:p>
         </p:txBody>
       </p:sp>
       <p:sp>
         <p:nvSpPr>
           <p:cNvPr id="40" name="Google Shape;40;p12"/>
-          <p:cNvSpPr txBox="1"/>
+          <p:cNvSpPr txBox="1">
+            <a:spLocks noGrp="1"/>
+          </p:cNvSpPr>
           <p:nvPr>
-            <p:ph idx="10" type="dt"/>
+            <p:ph type="dt" idx="10"/>
           </p:nvPr>
         </p:nvSpPr>
         <p:spPr>
@@ -7370,7 +7555,7 @@
           </a:ln>
         </p:spPr>
         <p:txBody>
-          <a:bodyPr anchorCtr="0" anchor="ctr" bIns="68550" lIns="137150" spcFirstLastPara="1" rIns="137150" wrap="square" tIns="68550">
+          <a:bodyPr spcFirstLastPara="1" wrap="square" lIns="137150" tIns="68550" rIns="137150" bIns="68550" anchor="ctr" anchorCtr="0">
             <a:noAutofit/>
           </a:bodyPr>
           <a:lstStyle>
@@ -7474,15 +7659,19 @@
               <a:defRPr/>
             </a:lvl9pPr>
           </a:lstStyle>
-          <a:p/>
+          <a:p>
+            <a:endParaRPr/>
+          </a:p>
         </p:txBody>
       </p:sp>
       <p:sp>
         <p:nvSpPr>
           <p:cNvPr id="41" name="Google Shape;41;p12"/>
-          <p:cNvSpPr txBox="1"/>
+          <p:cNvSpPr txBox="1">
+            <a:spLocks noGrp="1"/>
+          </p:cNvSpPr>
           <p:nvPr>
-            <p:ph idx="11" type="ftr"/>
+            <p:ph type="ftr" idx="11"/>
           </p:nvPr>
         </p:nvSpPr>
         <p:spPr>
@@ -7499,7 +7688,7 @@
           </a:ln>
         </p:spPr>
         <p:txBody>
-          <a:bodyPr anchorCtr="0" anchor="ctr" bIns="68550" lIns="137150" spcFirstLastPara="1" rIns="137150" wrap="square" tIns="68550">
+          <a:bodyPr spcFirstLastPara="1" wrap="square" lIns="137150" tIns="68550" rIns="137150" bIns="68550" anchor="ctr" anchorCtr="0">
             <a:noAutofit/>
           </a:bodyPr>
           <a:lstStyle>
@@ -7603,15 +7792,19 @@
               <a:defRPr/>
             </a:lvl9pPr>
           </a:lstStyle>
-          <a:p/>
+          <a:p>
+            <a:endParaRPr/>
+          </a:p>
         </p:txBody>
       </p:sp>
       <p:sp>
         <p:nvSpPr>
           <p:cNvPr id="42" name="Google Shape;42;p12"/>
-          <p:cNvSpPr txBox="1"/>
+          <p:cNvSpPr txBox="1">
+            <a:spLocks noGrp="1"/>
+          </p:cNvSpPr>
           <p:nvPr>
-            <p:ph idx="12" type="sldNum"/>
+            <p:ph type="sldNum" idx="12"/>
           </p:nvPr>
         </p:nvSpPr>
         <p:spPr>
@@ -7628,67 +7821,67 @@
           </a:ln>
         </p:spPr>
         <p:txBody>
-          <a:bodyPr anchorCtr="0" anchor="ctr" bIns="68550" lIns="137150" spcFirstLastPara="1" rIns="137150" wrap="square" tIns="68550">
+          <a:bodyPr spcFirstLastPara="1" wrap="square" lIns="137150" tIns="68550" rIns="137150" bIns="68550" anchor="ctr" anchorCtr="0">
             <a:noAutofit/>
           </a:bodyPr>
           <a:lstStyle>
-            <a:lvl1pPr indent="0" lvl="0" marL="0" algn="r">
+            <a:lvl1pPr marL="0" lvl="0" indent="0" algn="r">
               <a:spcBef>
                 <a:spcPts val="0"/>
               </a:spcBef>
               <a:buNone/>
               <a:defRPr/>
             </a:lvl1pPr>
-            <a:lvl2pPr indent="0" lvl="1" marL="0" algn="r">
+            <a:lvl2pPr marL="0" lvl="1" indent="0" algn="r">
               <a:spcBef>
                 <a:spcPts val="0"/>
               </a:spcBef>
               <a:buNone/>
               <a:defRPr/>
             </a:lvl2pPr>
-            <a:lvl3pPr indent="0" lvl="2" marL="0" algn="r">
+            <a:lvl3pPr marL="0" lvl="2" indent="0" algn="r">
               <a:spcBef>
                 <a:spcPts val="0"/>
               </a:spcBef>
               <a:buNone/>
               <a:defRPr/>
             </a:lvl3pPr>
-            <a:lvl4pPr indent="0" lvl="3" marL="0" algn="r">
+            <a:lvl4pPr marL="0" lvl="3" indent="0" algn="r">
               <a:spcBef>
                 <a:spcPts val="0"/>
               </a:spcBef>
               <a:buNone/>
               <a:defRPr/>
             </a:lvl4pPr>
-            <a:lvl5pPr indent="0" lvl="4" marL="0" algn="r">
+            <a:lvl5pPr marL="0" lvl="4" indent="0" algn="r">
               <a:spcBef>
                 <a:spcPts val="0"/>
               </a:spcBef>
               <a:buNone/>
               <a:defRPr/>
             </a:lvl5pPr>
-            <a:lvl6pPr indent="0" lvl="5" marL="0" algn="r">
+            <a:lvl6pPr marL="0" lvl="5" indent="0" algn="r">
               <a:spcBef>
                 <a:spcPts val="0"/>
               </a:spcBef>
               <a:buNone/>
               <a:defRPr/>
             </a:lvl6pPr>
-            <a:lvl7pPr indent="0" lvl="6" marL="0" algn="r">
+            <a:lvl7pPr marL="0" lvl="6" indent="0" algn="r">
               <a:spcBef>
                 <a:spcPts val="0"/>
               </a:spcBef>
               <a:buNone/>
               <a:defRPr/>
             </a:lvl7pPr>
-            <a:lvl8pPr indent="0" lvl="7" marL="0" algn="r">
+            <a:lvl8pPr marL="0" lvl="7" indent="0" algn="r">
               <a:spcBef>
                 <a:spcPts val="0"/>
               </a:spcBef>
               <a:buNone/>
               <a:defRPr/>
             </a:lvl8pPr>
-            <a:lvl9pPr indent="0" lvl="8" marL="0" algn="r">
+            <a:lvl9pPr marL="0" lvl="8" indent="0" algn="r">
               <a:spcBef>
                 <a:spcPts val="0"/>
               </a:spcBef>
@@ -7697,7 +7890,7 @@
             </a:lvl9pPr>
           </a:lstStyle>
           <a:p>
-            <a:pPr indent="0" lvl="0" marL="0" rtl="0" algn="r">
+            <a:pPr marL="0" lvl="0" indent="0" algn="r" rtl="0">
               <a:spcBef>
                 <a:spcPts val="0"/>
               </a:spcBef>
@@ -7723,11 +7916,11 @@
 </file>
 
 <file path=ppt/slideLayouts/slideLayout6.xml><?xml version="1.0" encoding="utf-8"?>
-<p:sldLayout xmlns:a="http://schemas.openxmlformats.org/drawingml/2006/main" xmlns:r="http://schemas.openxmlformats.org/officeDocument/2006/relationships" xmlns:mc="http://schemas.openxmlformats.org/markup-compatibility/2006" xmlns:mv="urn:schemas-microsoft-com:mac:vml" xmlns:p="http://schemas.openxmlformats.org/presentationml/2006/main" xmlns:c="http://schemas.openxmlformats.org/drawingml/2006/chart" xmlns:dgm="http://schemas.openxmlformats.org/drawingml/2006/diagram" xmlns:o="urn:schemas-microsoft-com:office:office" xmlns:v="urn:schemas-microsoft-com:vml" xmlns:pvml="urn:schemas-microsoft-com:office:powerpoint" xmlns:com="http://schemas.openxmlformats.org/drawingml/2006/compatibility" xmlns:p14="http://schemas.microsoft.com/office/powerpoint/2010/main" xmlns:p15="http://schemas.microsoft.com/office/powerpoint/2012/main" xmlns:ahyp="http://schemas.microsoft.com/office/drawing/2018/hyperlinkcolor" matchingName="Comparison" type="twoTxTwoObj">
+<p:sldLayout xmlns:a="http://schemas.openxmlformats.org/drawingml/2006/main" xmlns:r="http://schemas.openxmlformats.org/officeDocument/2006/relationships" xmlns:p="http://schemas.openxmlformats.org/presentationml/2006/main" matchingName="Comparison" type="twoTxTwoObj">
   <p:cSld name="TWO_OBJECTS_WITH_TEXT">
     <p:spTree>
       <p:nvGrpSpPr>
-        <p:cNvPr id="43" name="Shape 43"/>
+        <p:cNvPr id="1" name="Shape 43"/>
         <p:cNvGrpSpPr/>
         <p:nvPr/>
       </p:nvGrpSpPr>
@@ -7742,7 +7935,9 @@
       <p:sp>
         <p:nvSpPr>
           <p:cNvPr id="44" name="Google Shape;44;p13"/>
-          <p:cNvSpPr txBox="1"/>
+          <p:cNvSpPr txBox="1">
+            <a:spLocks noGrp="1"/>
+          </p:cNvSpPr>
           <p:nvPr>
             <p:ph type="title"/>
           </p:nvPr>
@@ -7761,7 +7956,7 @@
           </a:ln>
         </p:spPr>
         <p:txBody>
-          <a:bodyPr anchorCtr="0" anchor="ctr" bIns="68550" lIns="137150" spcFirstLastPara="1" rIns="137150" wrap="square" tIns="68550">
+          <a:bodyPr spcFirstLastPara="1" wrap="square" lIns="137150" tIns="68550" rIns="137150" bIns="68550" anchor="ctr" anchorCtr="0">
             <a:normAutofit/>
           </a:bodyPr>
           <a:lstStyle>
@@ -7871,15 +8066,19 @@
               <a:defRPr/>
             </a:lvl9pPr>
           </a:lstStyle>
-          <a:p/>
+          <a:p>
+            <a:endParaRPr/>
+          </a:p>
         </p:txBody>
       </p:sp>
       <p:sp>
         <p:nvSpPr>
           <p:cNvPr id="45" name="Google Shape;45;p13"/>
-          <p:cNvSpPr txBox="1"/>
+          <p:cNvSpPr txBox="1">
+            <a:spLocks noGrp="1"/>
+          </p:cNvSpPr>
           <p:nvPr>
-            <p:ph idx="1" type="body"/>
+            <p:ph type="body" idx="1"/>
           </p:nvPr>
         </p:nvSpPr>
         <p:spPr>
@@ -7896,11 +8095,11 @@
           </a:ln>
         </p:spPr>
         <p:txBody>
-          <a:bodyPr anchorCtr="0" anchor="b" bIns="68550" lIns="137150" spcFirstLastPara="1" rIns="137150" wrap="square" tIns="68550">
+          <a:bodyPr spcFirstLastPara="1" wrap="square" lIns="137150" tIns="68550" rIns="137150" bIns="68550" anchor="b" anchorCtr="0">
             <a:normAutofit/>
           </a:bodyPr>
           <a:lstStyle>
-            <a:lvl1pPr indent="-228600" lvl="0" marL="457200" algn="l">
+            <a:lvl1pPr marL="457200" lvl="0" indent="-228600" algn="l">
               <a:lnSpc>
                 <a:spcPct val="90000"/>
               </a:lnSpc>
@@ -7915,9 +8114,9 @@
               </a:buClr>
               <a:buSzPts val="3600"/>
               <a:buNone/>
-              <a:defRPr b="1" sz="3600"/>
+              <a:defRPr sz="3600" b="1"/>
             </a:lvl1pPr>
-            <a:lvl2pPr indent="-228600" lvl="1" marL="914400" algn="l">
+            <a:lvl2pPr marL="914400" lvl="1" indent="-228600" algn="l">
               <a:lnSpc>
                 <a:spcPct val="90000"/>
               </a:lnSpc>
@@ -7932,9 +8131,9 @@
               </a:buClr>
               <a:buSzPts val="3000"/>
               <a:buNone/>
-              <a:defRPr b="1" sz="3000"/>
+              <a:defRPr sz="3000" b="1"/>
             </a:lvl2pPr>
-            <a:lvl3pPr indent="-228600" lvl="2" marL="1371600" algn="l">
+            <a:lvl3pPr marL="1371600" lvl="2" indent="-228600" algn="l">
               <a:lnSpc>
                 <a:spcPct val="90000"/>
               </a:lnSpc>
@@ -7949,9 +8148,9 @@
               </a:buClr>
               <a:buSzPts val="2700"/>
               <a:buNone/>
-              <a:defRPr b="1" sz="2700"/>
+              <a:defRPr sz="2700" b="1"/>
             </a:lvl3pPr>
-            <a:lvl4pPr indent="-228600" lvl="3" marL="1828800" algn="l">
+            <a:lvl4pPr marL="1828800" lvl="3" indent="-228600" algn="l">
               <a:lnSpc>
                 <a:spcPct val="90000"/>
               </a:lnSpc>
@@ -7966,9 +8165,9 @@
               </a:buClr>
               <a:buSzPts val="2400"/>
               <a:buNone/>
-              <a:defRPr b="1" sz="2400"/>
+              <a:defRPr sz="2400" b="1"/>
             </a:lvl4pPr>
-            <a:lvl5pPr indent="-228600" lvl="4" marL="2286000" algn="l">
+            <a:lvl5pPr marL="2286000" lvl="4" indent="-228600" algn="l">
               <a:lnSpc>
                 <a:spcPct val="90000"/>
               </a:lnSpc>
@@ -7983,9 +8182,9 @@
               </a:buClr>
               <a:buSzPts val="2400"/>
               <a:buNone/>
-              <a:defRPr b="1" sz="2400"/>
+              <a:defRPr sz="2400" b="1"/>
             </a:lvl5pPr>
-            <a:lvl6pPr indent="-228600" lvl="5" marL="2743200" algn="l">
+            <a:lvl6pPr marL="2743200" lvl="5" indent="-228600" algn="l">
               <a:lnSpc>
                 <a:spcPct val="90000"/>
               </a:lnSpc>
@@ -8000,9 +8199,9 @@
               </a:buClr>
               <a:buSzPts val="2400"/>
               <a:buNone/>
-              <a:defRPr b="1" sz="2400"/>
+              <a:defRPr sz="2400" b="1"/>
             </a:lvl6pPr>
-            <a:lvl7pPr indent="-228600" lvl="6" marL="3200400" algn="l">
+            <a:lvl7pPr marL="3200400" lvl="6" indent="-228600" algn="l">
               <a:lnSpc>
                 <a:spcPct val="90000"/>
               </a:lnSpc>
@@ -8017,9 +8216,9 @@
               </a:buClr>
               <a:buSzPts val="2400"/>
               <a:buNone/>
-              <a:defRPr b="1" sz="2400"/>
+              <a:defRPr sz="2400" b="1"/>
             </a:lvl7pPr>
-            <a:lvl8pPr indent="-228600" lvl="7" marL="3657600" algn="l">
+            <a:lvl8pPr marL="3657600" lvl="7" indent="-228600" algn="l">
               <a:lnSpc>
                 <a:spcPct val="90000"/>
               </a:lnSpc>
@@ -8034,9 +8233,9 @@
               </a:buClr>
               <a:buSzPts val="2400"/>
               <a:buNone/>
-              <a:defRPr b="1" sz="2400"/>
+              <a:defRPr sz="2400" b="1"/>
             </a:lvl8pPr>
-            <a:lvl9pPr indent="-228600" lvl="8" marL="4114800" algn="l">
+            <a:lvl9pPr marL="4114800" lvl="8" indent="-228600" algn="l">
               <a:lnSpc>
                 <a:spcPct val="90000"/>
               </a:lnSpc>
@@ -8051,18 +8250,22 @@
               </a:buClr>
               <a:buSzPts val="2400"/>
               <a:buNone/>
-              <a:defRPr b="1" sz="2400"/>
+              <a:defRPr sz="2400" b="1"/>
             </a:lvl9pPr>
           </a:lstStyle>
-          <a:p/>
+          <a:p>
+            <a:endParaRPr/>
+          </a:p>
         </p:txBody>
       </p:sp>
       <p:sp>
         <p:nvSpPr>
           <p:cNvPr id="46" name="Google Shape;46;p13"/>
-          <p:cNvSpPr txBox="1"/>
+          <p:cNvSpPr txBox="1">
+            <a:spLocks noGrp="1"/>
+          </p:cNvSpPr>
           <p:nvPr>
-            <p:ph idx="2" type="body"/>
+            <p:ph type="body" idx="2"/>
           </p:nvPr>
         </p:nvSpPr>
         <p:spPr>
@@ -8079,11 +8282,11 @@
           </a:ln>
         </p:spPr>
         <p:txBody>
-          <a:bodyPr anchorCtr="0" anchor="t" bIns="68550" lIns="137150" spcFirstLastPara="1" rIns="137150" wrap="square" tIns="68550">
+          <a:bodyPr spcFirstLastPara="1" wrap="square" lIns="137150" tIns="68550" rIns="137150" bIns="68550" anchor="t" anchorCtr="0">
             <a:normAutofit/>
           </a:bodyPr>
           <a:lstStyle>
-            <a:lvl1pPr indent="-400050" lvl="0" marL="457200" algn="l">
+            <a:lvl1pPr marL="457200" lvl="0" indent="-400050" algn="l">
               <a:lnSpc>
                 <a:spcPct val="90000"/>
               </a:lnSpc>
@@ -8100,7 +8303,7 @@
               <a:buChar char="•"/>
               <a:defRPr/>
             </a:lvl1pPr>
-            <a:lvl2pPr indent="-400050" lvl="1" marL="914400" algn="l">
+            <a:lvl2pPr marL="914400" lvl="1" indent="-400050" algn="l">
               <a:lnSpc>
                 <a:spcPct val="90000"/>
               </a:lnSpc>
@@ -8117,7 +8320,7 @@
               <a:buChar char="•"/>
               <a:defRPr/>
             </a:lvl2pPr>
-            <a:lvl3pPr indent="-400050" lvl="2" marL="1371600" algn="l">
+            <a:lvl3pPr marL="1371600" lvl="2" indent="-400050" algn="l">
               <a:lnSpc>
                 <a:spcPct val="90000"/>
               </a:lnSpc>
@@ -8134,7 +8337,7 @@
               <a:buChar char="•"/>
               <a:defRPr/>
             </a:lvl3pPr>
-            <a:lvl4pPr indent="-400050" lvl="3" marL="1828800" algn="l">
+            <a:lvl4pPr marL="1828800" lvl="3" indent="-400050" algn="l">
               <a:lnSpc>
                 <a:spcPct val="90000"/>
               </a:lnSpc>
@@ -8151,7 +8354,7 @@
               <a:buChar char="•"/>
               <a:defRPr/>
             </a:lvl4pPr>
-            <a:lvl5pPr indent="-400050" lvl="4" marL="2286000" algn="l">
+            <a:lvl5pPr marL="2286000" lvl="4" indent="-400050" algn="l">
               <a:lnSpc>
                 <a:spcPct val="90000"/>
               </a:lnSpc>
@@ -8168,7 +8371,7 @@
               <a:buChar char="•"/>
               <a:defRPr/>
             </a:lvl5pPr>
-            <a:lvl6pPr indent="-400050" lvl="5" marL="2743200" algn="l">
+            <a:lvl6pPr marL="2743200" lvl="5" indent="-400050" algn="l">
               <a:lnSpc>
                 <a:spcPct val="90000"/>
               </a:lnSpc>
@@ -8185,7 +8388,7 @@
               <a:buChar char="•"/>
               <a:defRPr/>
             </a:lvl6pPr>
-            <a:lvl7pPr indent="-400050" lvl="6" marL="3200400" algn="l">
+            <a:lvl7pPr marL="3200400" lvl="6" indent="-400050" algn="l">
               <a:lnSpc>
                 <a:spcPct val="90000"/>
               </a:lnSpc>
@@ -8202,7 +8405,7 @@
               <a:buChar char="•"/>
               <a:defRPr/>
             </a:lvl7pPr>
-            <a:lvl8pPr indent="-400050" lvl="7" marL="3657600" algn="l">
+            <a:lvl8pPr marL="3657600" lvl="7" indent="-400050" algn="l">
               <a:lnSpc>
                 <a:spcPct val="90000"/>
               </a:lnSpc>
@@ -8219,7 +8422,7 @@
               <a:buChar char="•"/>
               <a:defRPr/>
             </a:lvl8pPr>
-            <a:lvl9pPr indent="-400050" lvl="8" marL="4114800" algn="l">
+            <a:lvl9pPr marL="4114800" lvl="8" indent="-400050" algn="l">
               <a:lnSpc>
                 <a:spcPct val="90000"/>
               </a:lnSpc>
@@ -8237,15 +8440,19 @@
               <a:defRPr/>
             </a:lvl9pPr>
           </a:lstStyle>
-          <a:p/>
+          <a:p>
+            <a:endParaRPr/>
+          </a:p>
         </p:txBody>
       </p:sp>
       <p:sp>
         <p:nvSpPr>
           <p:cNvPr id="47" name="Google Shape;47;p13"/>
-          <p:cNvSpPr txBox="1"/>
+          <p:cNvSpPr txBox="1">
+            <a:spLocks noGrp="1"/>
+          </p:cNvSpPr>
           <p:nvPr>
-            <p:ph idx="3" type="body"/>
+            <p:ph type="body" idx="3"/>
           </p:nvPr>
         </p:nvSpPr>
         <p:spPr>
@@ -8262,11 +8469,11 @@
           </a:ln>
         </p:spPr>
         <p:txBody>
-          <a:bodyPr anchorCtr="0" anchor="b" bIns="68550" lIns="137150" spcFirstLastPara="1" rIns="137150" wrap="square" tIns="68550">
+          <a:bodyPr spcFirstLastPara="1" wrap="square" lIns="137150" tIns="68550" rIns="137150" bIns="68550" anchor="b" anchorCtr="0">
             <a:normAutofit/>
           </a:bodyPr>
           <a:lstStyle>
-            <a:lvl1pPr indent="-228600" lvl="0" marL="457200" algn="l">
+            <a:lvl1pPr marL="457200" lvl="0" indent="-228600" algn="l">
               <a:lnSpc>
                 <a:spcPct val="90000"/>
               </a:lnSpc>
@@ -8281,9 +8488,9 @@
               </a:buClr>
               <a:buSzPts val="3600"/>
               <a:buNone/>
-              <a:defRPr b="1" sz="3600"/>
+              <a:defRPr sz="3600" b="1"/>
             </a:lvl1pPr>
-            <a:lvl2pPr indent="-228600" lvl="1" marL="914400" algn="l">
+            <a:lvl2pPr marL="914400" lvl="1" indent="-228600" algn="l">
               <a:lnSpc>
                 <a:spcPct val="90000"/>
               </a:lnSpc>
@@ -8298,9 +8505,9 @@
               </a:buClr>
               <a:buSzPts val="3000"/>
               <a:buNone/>
-              <a:defRPr b="1" sz="3000"/>
+              <a:defRPr sz="3000" b="1"/>
             </a:lvl2pPr>
-            <a:lvl3pPr indent="-228600" lvl="2" marL="1371600" algn="l">
+            <a:lvl3pPr marL="1371600" lvl="2" indent="-228600" algn="l">
               <a:lnSpc>
                 <a:spcPct val="90000"/>
               </a:lnSpc>
@@ -8315,9 +8522,9 @@
               </a:buClr>
               <a:buSzPts val="2700"/>
               <a:buNone/>
-              <a:defRPr b="1" sz="2700"/>
+              <a:defRPr sz="2700" b="1"/>
             </a:lvl3pPr>
-            <a:lvl4pPr indent="-228600" lvl="3" marL="1828800" algn="l">
+            <a:lvl4pPr marL="1828800" lvl="3" indent="-228600" algn="l">
               <a:lnSpc>
                 <a:spcPct val="90000"/>
               </a:lnSpc>
@@ -8332,9 +8539,9 @@
               </a:buClr>
               <a:buSzPts val="2400"/>
               <a:buNone/>
-              <a:defRPr b="1" sz="2400"/>
+              <a:defRPr sz="2400" b="1"/>
             </a:lvl4pPr>
-            <a:lvl5pPr indent="-228600" lvl="4" marL="2286000" algn="l">
+            <a:lvl5pPr marL="2286000" lvl="4" indent="-228600" algn="l">
               <a:lnSpc>
                 <a:spcPct val="90000"/>
               </a:lnSpc>
@@ -8349,9 +8556,9 @@
               </a:buClr>
               <a:buSzPts val="2400"/>
               <a:buNone/>
-              <a:defRPr b="1" sz="2400"/>
+              <a:defRPr sz="2400" b="1"/>
             </a:lvl5pPr>
-            <a:lvl6pPr indent="-228600" lvl="5" marL="2743200" algn="l">
+            <a:lvl6pPr marL="2743200" lvl="5" indent="-228600" algn="l">
               <a:lnSpc>
                 <a:spcPct val="90000"/>
               </a:lnSpc>
@@ -8366,9 +8573,9 @@
               </a:buClr>
               <a:buSzPts val="2400"/>
               <a:buNone/>
-              <a:defRPr b="1" sz="2400"/>
+              <a:defRPr sz="2400" b="1"/>
             </a:lvl6pPr>
-            <a:lvl7pPr indent="-228600" lvl="6" marL="3200400" algn="l">
+            <a:lvl7pPr marL="3200400" lvl="6" indent="-228600" algn="l">
               <a:lnSpc>
                 <a:spcPct val="90000"/>
               </a:lnSpc>
@@ -8383,9 +8590,9 @@
               </a:buClr>
               <a:buSzPts val="2400"/>
               <a:buNone/>
-              <a:defRPr b="1" sz="2400"/>
+              <a:defRPr sz="2400" b="1"/>
             </a:lvl7pPr>
-            <a:lvl8pPr indent="-228600" lvl="7" marL="3657600" algn="l">
+            <a:lvl8pPr marL="3657600" lvl="7" indent="-228600" algn="l">
               <a:lnSpc>
                 <a:spcPct val="90000"/>
               </a:lnSpc>
@@ -8400,9 +8607,9 @@
               </a:buClr>
               <a:buSzPts val="2400"/>
               <a:buNone/>
-              <a:defRPr b="1" sz="2400"/>
+              <a:defRPr sz="2400" b="1"/>
             </a:lvl8pPr>
-            <a:lvl9pPr indent="-228600" lvl="8" marL="4114800" algn="l">
+            <a:lvl9pPr marL="4114800" lvl="8" indent="-228600" algn="l">
               <a:lnSpc>
                 <a:spcPct val="90000"/>
               </a:lnSpc>
@@ -8417,18 +8624,22 @@
               </a:buClr>
               <a:buSzPts val="2400"/>
               <a:buNone/>
-              <a:defRPr b="1" sz="2400"/>
+              <a:defRPr sz="2400" b="1"/>
             </a:lvl9pPr>
           </a:lstStyle>
-          <a:p/>
+          <a:p>
+            <a:endParaRPr/>
+          </a:p>
         </p:txBody>
       </p:sp>
       <p:sp>
         <p:nvSpPr>
           <p:cNvPr id="48" name="Google Shape;48;p13"/>
-          <p:cNvSpPr txBox="1"/>
+          <p:cNvSpPr txBox="1">
+            <a:spLocks noGrp="1"/>
+          </p:cNvSpPr>
           <p:nvPr>
-            <p:ph idx="4" type="body"/>
+            <p:ph type="body" idx="4"/>
           </p:nvPr>
         </p:nvSpPr>
         <p:spPr>
@@ -8445,11 +8656,11 @@
           </a:ln>
         </p:spPr>
         <p:txBody>
-          <a:bodyPr anchorCtr="0" anchor="t" bIns="68550" lIns="137150" spcFirstLastPara="1" rIns="137150" wrap="square" tIns="68550">
+          <a:bodyPr spcFirstLastPara="1" wrap="square" lIns="137150" tIns="68550" rIns="137150" bIns="68550" anchor="t" anchorCtr="0">
             <a:normAutofit/>
           </a:bodyPr>
           <a:lstStyle>
-            <a:lvl1pPr indent="-400050" lvl="0" marL="457200" algn="l">
+            <a:lvl1pPr marL="457200" lvl="0" indent="-400050" algn="l">
               <a:lnSpc>
                 <a:spcPct val="90000"/>
               </a:lnSpc>
@@ -8466,7 +8677,7 @@
               <a:buChar char="•"/>
               <a:defRPr/>
             </a:lvl1pPr>
-            <a:lvl2pPr indent="-400050" lvl="1" marL="914400" algn="l">
+            <a:lvl2pPr marL="914400" lvl="1" indent="-400050" algn="l">
               <a:lnSpc>
                 <a:spcPct val="90000"/>
               </a:lnSpc>
@@ -8483,7 +8694,7 @@
               <a:buChar char="•"/>
               <a:defRPr/>
             </a:lvl2pPr>
-            <a:lvl3pPr indent="-400050" lvl="2" marL="1371600" algn="l">
+            <a:lvl3pPr marL="1371600" lvl="2" indent="-400050" algn="l">
               <a:lnSpc>
                 <a:spcPct val="90000"/>
               </a:lnSpc>
@@ -8500,7 +8711,7 @@
               <a:buChar char="•"/>
               <a:defRPr/>
             </a:lvl3pPr>
-            <a:lvl4pPr indent="-400050" lvl="3" marL="1828800" algn="l">
+            <a:lvl4pPr marL="1828800" lvl="3" indent="-400050" algn="l">
               <a:lnSpc>
                 <a:spcPct val="90000"/>
               </a:lnSpc>
@@ -8517,7 +8728,7 @@
               <a:buChar char="•"/>
               <a:defRPr/>
             </a:lvl4pPr>
-            <a:lvl5pPr indent="-400050" lvl="4" marL="2286000" algn="l">
+            <a:lvl5pPr marL="2286000" lvl="4" indent="-400050" algn="l">
               <a:lnSpc>
                 <a:spcPct val="90000"/>
               </a:lnSpc>
@@ -8534,7 +8745,7 @@
               <a:buChar char="•"/>
               <a:defRPr/>
             </a:lvl5pPr>
-            <a:lvl6pPr indent="-400050" lvl="5" marL="2743200" algn="l">
+            <a:lvl6pPr marL="2743200" lvl="5" indent="-400050" algn="l">
               <a:lnSpc>
                 <a:spcPct val="90000"/>
               </a:lnSpc>
@@ -8551,7 +8762,7 @@
               <a:buChar char="•"/>
               <a:defRPr/>
             </a:lvl6pPr>
-            <a:lvl7pPr indent="-400050" lvl="6" marL="3200400" algn="l">
+            <a:lvl7pPr marL="3200400" lvl="6" indent="-400050" algn="l">
               <a:lnSpc>
                 <a:spcPct val="90000"/>
               </a:lnSpc>
@@ -8568,7 +8779,7 @@
               <a:buChar char="•"/>
               <a:defRPr/>
             </a:lvl7pPr>
-            <a:lvl8pPr indent="-400050" lvl="7" marL="3657600" algn="l">
+            <a:lvl8pPr marL="3657600" lvl="7" indent="-400050" algn="l">
               <a:lnSpc>
                 <a:spcPct val="90000"/>
               </a:lnSpc>
@@ -8585,7 +8796,7 @@
               <a:buChar char="•"/>
               <a:defRPr/>
             </a:lvl8pPr>
-            <a:lvl9pPr indent="-400050" lvl="8" marL="4114800" algn="l">
+            <a:lvl9pPr marL="4114800" lvl="8" indent="-400050" algn="l">
               <a:lnSpc>
                 <a:spcPct val="90000"/>
               </a:lnSpc>
@@ -8603,15 +8814,19 @@
               <a:defRPr/>
             </a:lvl9pPr>
           </a:lstStyle>
-          <a:p/>
+          <a:p>
+            <a:endParaRPr/>
+          </a:p>
         </p:txBody>
       </p:sp>
       <p:sp>
         <p:nvSpPr>
           <p:cNvPr id="49" name="Google Shape;49;p13"/>
-          <p:cNvSpPr txBox="1"/>
+          <p:cNvSpPr txBox="1">
+            <a:spLocks noGrp="1"/>
+          </p:cNvSpPr>
           <p:nvPr>
-            <p:ph idx="10" type="dt"/>
+            <p:ph type="dt" idx="10"/>
           </p:nvPr>
         </p:nvSpPr>
         <p:spPr>
@@ -8628,7 +8843,7 @@
           </a:ln>
         </p:spPr>
         <p:txBody>
-          <a:bodyPr anchorCtr="0" anchor="ctr" bIns="68550" lIns="137150" spcFirstLastPara="1" rIns="137150" wrap="square" tIns="68550">
+          <a:bodyPr spcFirstLastPara="1" wrap="square" lIns="137150" tIns="68550" rIns="137150" bIns="68550" anchor="ctr" anchorCtr="0">
             <a:noAutofit/>
           </a:bodyPr>
           <a:lstStyle>
@@ -8732,15 +8947,19 @@
               <a:defRPr/>
             </a:lvl9pPr>
           </a:lstStyle>
-          <a:p/>
+          <a:p>
+            <a:endParaRPr/>
+          </a:p>
         </p:txBody>
       </p:sp>
       <p:sp>
         <p:nvSpPr>
           <p:cNvPr id="50" name="Google Shape;50;p13"/>
-          <p:cNvSpPr txBox="1"/>
+          <p:cNvSpPr txBox="1">
+            <a:spLocks noGrp="1"/>
+          </p:cNvSpPr>
           <p:nvPr>
-            <p:ph idx="11" type="ftr"/>
+            <p:ph type="ftr" idx="11"/>
           </p:nvPr>
         </p:nvSpPr>
         <p:spPr>
@@ -8757,7 +8976,7 @@
           </a:ln>
         </p:spPr>
         <p:txBody>
-          <a:bodyPr anchorCtr="0" anchor="ctr" bIns="68550" lIns="137150" spcFirstLastPara="1" rIns="137150" wrap="square" tIns="68550">
+          <a:bodyPr spcFirstLastPara="1" wrap="square" lIns="137150" tIns="68550" rIns="137150" bIns="68550" anchor="ctr" anchorCtr="0">
             <a:noAutofit/>
           </a:bodyPr>
           <a:lstStyle>
@@ -8861,15 +9080,19 @@
               <a:defRPr/>
             </a:lvl9pPr>
           </a:lstStyle>
-          <a:p/>
+          <a:p>
+            <a:endParaRPr/>
+          </a:p>
         </p:txBody>
       </p:sp>
       <p:sp>
         <p:nvSpPr>
           <p:cNvPr id="51" name="Google Shape;51;p13"/>
-          <p:cNvSpPr txBox="1"/>
+          <p:cNvSpPr txBox="1">
+            <a:spLocks noGrp="1"/>
+          </p:cNvSpPr>
           <p:nvPr>
-            <p:ph idx="12" type="sldNum"/>
+            <p:ph type="sldNum" idx="12"/>
           </p:nvPr>
         </p:nvSpPr>
         <p:spPr>
@@ -8886,67 +9109,67 @@
           </a:ln>
         </p:spPr>
         <p:txBody>
-          <a:bodyPr anchorCtr="0" anchor="ctr" bIns="68550" lIns="137150" spcFirstLastPara="1" rIns="137150" wrap="square" tIns="68550">
+          <a:bodyPr spcFirstLastPara="1" wrap="square" lIns="137150" tIns="68550" rIns="137150" bIns="68550" anchor="ctr" anchorCtr="0">
             <a:noAutofit/>
           </a:bodyPr>
           <a:lstStyle>
-            <a:lvl1pPr indent="0" lvl="0" marL="0" algn="r">
+            <a:lvl1pPr marL="0" lvl="0" indent="0" algn="r">
               <a:spcBef>
                 <a:spcPts val="0"/>
               </a:spcBef>
               <a:buNone/>
               <a:defRPr/>
             </a:lvl1pPr>
-            <a:lvl2pPr indent="0" lvl="1" marL="0" algn="r">
+            <a:lvl2pPr marL="0" lvl="1" indent="0" algn="r">
               <a:spcBef>
                 <a:spcPts val="0"/>
               </a:spcBef>
               <a:buNone/>
               <a:defRPr/>
             </a:lvl2pPr>
-            <a:lvl3pPr indent="0" lvl="2" marL="0" algn="r">
+            <a:lvl3pPr marL="0" lvl="2" indent="0" algn="r">
               <a:spcBef>
                 <a:spcPts val="0"/>
               </a:spcBef>
               <a:buNone/>
               <a:defRPr/>
             </a:lvl3pPr>
-            <a:lvl4pPr indent="0" lvl="3" marL="0" algn="r">
+            <a:lvl4pPr marL="0" lvl="3" indent="0" algn="r">
               <a:spcBef>
                 <a:spcPts val="0"/>
               </a:spcBef>
               <a:buNone/>
               <a:defRPr/>
             </a:lvl4pPr>
-            <a:lvl5pPr indent="0" lvl="4" marL="0" algn="r">
+            <a:lvl5pPr marL="0" lvl="4" indent="0" algn="r">
               <a:spcBef>
                 <a:spcPts val="0"/>
               </a:spcBef>
               <a:buNone/>
               <a:defRPr/>
             </a:lvl5pPr>
-            <a:lvl6pPr indent="0" lvl="5" marL="0" algn="r">
+            <a:lvl6pPr marL="0" lvl="5" indent="0" algn="r">
               <a:spcBef>
                 <a:spcPts val="0"/>
               </a:spcBef>
               <a:buNone/>
               <a:defRPr/>
             </a:lvl6pPr>
-            <a:lvl7pPr indent="0" lvl="6" marL="0" algn="r">
+            <a:lvl7pPr marL="0" lvl="6" indent="0" algn="r">
               <a:spcBef>
                 <a:spcPts val="0"/>
               </a:spcBef>
               <a:buNone/>
               <a:defRPr/>
             </a:lvl7pPr>
-            <a:lvl8pPr indent="0" lvl="7" marL="0" algn="r">
+            <a:lvl8pPr marL="0" lvl="7" indent="0" algn="r">
               <a:spcBef>
                 <a:spcPts val="0"/>
               </a:spcBef>
               <a:buNone/>
               <a:defRPr/>
             </a:lvl8pPr>
-            <a:lvl9pPr indent="0" lvl="8" marL="0" algn="r">
+            <a:lvl9pPr marL="0" lvl="8" indent="0" algn="r">
               <a:spcBef>
                 <a:spcPts val="0"/>
               </a:spcBef>
@@ -8955,7 +9178,7 @@
             </a:lvl9pPr>
           </a:lstStyle>
           <a:p>
-            <a:pPr indent="0" lvl="0" marL="0" rtl="0" algn="r">
+            <a:pPr marL="0" lvl="0" indent="0" algn="r" rtl="0">
               <a:spcBef>
                 <a:spcPts val="0"/>
               </a:spcBef>
@@ -8981,11 +9204,11 @@
 </file>
 
 <file path=ppt/slideLayouts/slideLayout7.xml><?xml version="1.0" encoding="utf-8"?>
-<p:sldLayout xmlns:a="http://schemas.openxmlformats.org/drawingml/2006/main" xmlns:r="http://schemas.openxmlformats.org/officeDocument/2006/relationships" xmlns:mc="http://schemas.openxmlformats.org/markup-compatibility/2006" xmlns:mv="urn:schemas-microsoft-com:mac:vml" xmlns:p="http://schemas.openxmlformats.org/presentationml/2006/main" xmlns:c="http://schemas.openxmlformats.org/drawingml/2006/chart" xmlns:dgm="http://schemas.openxmlformats.org/drawingml/2006/diagram" xmlns:o="urn:schemas-microsoft-com:office:office" xmlns:v="urn:schemas-microsoft-com:vml" xmlns:pvml="urn:schemas-microsoft-com:office:powerpoint" xmlns:com="http://schemas.openxmlformats.org/drawingml/2006/compatibility" xmlns:p14="http://schemas.microsoft.com/office/powerpoint/2010/main" xmlns:p15="http://schemas.microsoft.com/office/powerpoint/2012/main" xmlns:ahyp="http://schemas.microsoft.com/office/drawing/2018/hyperlinkcolor" matchingName="Title Only" type="titleOnly">
+<p:sldLayout xmlns:a="http://schemas.openxmlformats.org/drawingml/2006/main" xmlns:r="http://schemas.openxmlformats.org/officeDocument/2006/relationships" xmlns:p="http://schemas.openxmlformats.org/presentationml/2006/main" matchingName="Title Only" type="titleOnly">
   <p:cSld name="TITLE_ONLY">
     <p:spTree>
       <p:nvGrpSpPr>
-        <p:cNvPr id="52" name="Shape 52"/>
+        <p:cNvPr id="1" name="Shape 52"/>
         <p:cNvGrpSpPr/>
         <p:nvPr/>
       </p:nvGrpSpPr>
@@ -9000,7 +9223,9 @@
       <p:sp>
         <p:nvSpPr>
           <p:cNvPr id="53" name="Google Shape;53;p14"/>
-          <p:cNvSpPr txBox="1"/>
+          <p:cNvSpPr txBox="1">
+            <a:spLocks noGrp="1"/>
+          </p:cNvSpPr>
           <p:nvPr>
             <p:ph type="title"/>
           </p:nvPr>
@@ -9019,7 +9244,7 @@
           </a:ln>
         </p:spPr>
         <p:txBody>
-          <a:bodyPr anchorCtr="0" anchor="ctr" bIns="68550" lIns="137150" spcFirstLastPara="1" rIns="137150" wrap="square" tIns="68550">
+          <a:bodyPr spcFirstLastPara="1" wrap="square" lIns="137150" tIns="68550" rIns="137150" bIns="68550" anchor="ctr" anchorCtr="0">
             <a:normAutofit/>
           </a:bodyPr>
           <a:lstStyle>
@@ -9129,15 +9354,19 @@
               <a:defRPr/>
             </a:lvl9pPr>
           </a:lstStyle>
-          <a:p/>
+          <a:p>
+            <a:endParaRPr/>
+          </a:p>
         </p:txBody>
       </p:sp>
       <p:sp>
         <p:nvSpPr>
           <p:cNvPr id="54" name="Google Shape;54;p14"/>
-          <p:cNvSpPr txBox="1"/>
+          <p:cNvSpPr txBox="1">
+            <a:spLocks noGrp="1"/>
+          </p:cNvSpPr>
           <p:nvPr>
-            <p:ph idx="10" type="dt"/>
+            <p:ph type="dt" idx="10"/>
           </p:nvPr>
         </p:nvSpPr>
         <p:spPr>
@@ -9154,7 +9383,7 @@
           </a:ln>
         </p:spPr>
         <p:txBody>
-          <a:bodyPr anchorCtr="0" anchor="ctr" bIns="68550" lIns="137150" spcFirstLastPara="1" rIns="137150" wrap="square" tIns="68550">
+          <a:bodyPr spcFirstLastPara="1" wrap="square" lIns="137150" tIns="68550" rIns="137150" bIns="68550" anchor="ctr" anchorCtr="0">
             <a:noAutofit/>
           </a:bodyPr>
           <a:lstStyle>
@@ -9258,15 +9487,19 @@
               <a:defRPr/>
             </a:lvl9pPr>
           </a:lstStyle>
-          <a:p/>
+          <a:p>
+            <a:endParaRPr/>
+          </a:p>
         </p:txBody>
       </p:sp>
       <p:sp>
         <p:nvSpPr>
           <p:cNvPr id="55" name="Google Shape;55;p14"/>
-          <p:cNvSpPr txBox="1"/>
+          <p:cNvSpPr txBox="1">
+            <a:spLocks noGrp="1"/>
+          </p:cNvSpPr>
           <p:nvPr>
-            <p:ph idx="11" type="ftr"/>
+            <p:ph type="ftr" idx="11"/>
           </p:nvPr>
         </p:nvSpPr>
         <p:spPr>
@@ -9283,7 +9516,7 @@
           </a:ln>
         </p:spPr>
         <p:txBody>
-          <a:bodyPr anchorCtr="0" anchor="ctr" bIns="68550" lIns="137150" spcFirstLastPara="1" rIns="137150" wrap="square" tIns="68550">
+          <a:bodyPr spcFirstLastPara="1" wrap="square" lIns="137150" tIns="68550" rIns="137150" bIns="68550" anchor="ctr" anchorCtr="0">
             <a:noAutofit/>
           </a:bodyPr>
           <a:lstStyle>
@@ -9387,15 +9620,19 @@
               <a:defRPr/>
             </a:lvl9pPr>
           </a:lstStyle>
-          <a:p/>
+          <a:p>
+            <a:endParaRPr/>
+          </a:p>
         </p:txBody>
       </p:sp>
       <p:sp>
         <p:nvSpPr>
           <p:cNvPr id="56" name="Google Shape;56;p14"/>
-          <p:cNvSpPr txBox="1"/>
+          <p:cNvSpPr txBox="1">
+            <a:spLocks noGrp="1"/>
+          </p:cNvSpPr>
           <p:nvPr>
-            <p:ph idx="12" type="sldNum"/>
+            <p:ph type="sldNum" idx="12"/>
           </p:nvPr>
         </p:nvSpPr>
         <p:spPr>
@@ -9412,67 +9649,67 @@
           </a:ln>
         </p:spPr>
         <p:txBody>
-          <a:bodyPr anchorCtr="0" anchor="ctr" bIns="68550" lIns="137150" spcFirstLastPara="1" rIns="137150" wrap="square" tIns="68550">
+          <a:bodyPr spcFirstLastPara="1" wrap="square" lIns="137150" tIns="68550" rIns="137150" bIns="68550" anchor="ctr" anchorCtr="0">
             <a:noAutofit/>
           </a:bodyPr>
           <a:lstStyle>
-            <a:lvl1pPr indent="0" lvl="0" marL="0" algn="r">
+            <a:lvl1pPr marL="0" lvl="0" indent="0" algn="r">
               <a:spcBef>
                 <a:spcPts val="0"/>
               </a:spcBef>
               <a:buNone/>
               <a:defRPr/>
             </a:lvl1pPr>
-            <a:lvl2pPr indent="0" lvl="1" marL="0" algn="r">
+            <a:lvl2pPr marL="0" lvl="1" indent="0" algn="r">
               <a:spcBef>
                 <a:spcPts val="0"/>
               </a:spcBef>
               <a:buNone/>
               <a:defRPr/>
             </a:lvl2pPr>
-            <a:lvl3pPr indent="0" lvl="2" marL="0" algn="r">
+            <a:lvl3pPr marL="0" lvl="2" indent="0" algn="r">
               <a:spcBef>
                 <a:spcPts val="0"/>
               </a:spcBef>
               <a:buNone/>
               <a:defRPr/>
             </a:lvl3pPr>
-            <a:lvl4pPr indent="0" lvl="3" marL="0" algn="r">
+            <a:lvl4pPr marL="0" lvl="3" indent="0" algn="r">
               <a:spcBef>
                 <a:spcPts val="0"/>
               </a:spcBef>
               <a:buNone/>
               <a:defRPr/>
             </a:lvl4pPr>
-            <a:lvl5pPr indent="0" lvl="4" marL="0" algn="r">
+            <a:lvl5pPr marL="0" lvl="4" indent="0" algn="r">
               <a:spcBef>
                 <a:spcPts val="0"/>
               </a:spcBef>
               <a:buNone/>
               <a:defRPr/>
             </a:lvl5pPr>
-            <a:lvl6pPr indent="0" lvl="5" marL="0" algn="r">
+            <a:lvl6pPr marL="0" lvl="5" indent="0" algn="r">
               <a:spcBef>
                 <a:spcPts val="0"/>
               </a:spcBef>
               <a:buNone/>
               <a:defRPr/>
             </a:lvl6pPr>
-            <a:lvl7pPr indent="0" lvl="6" marL="0" algn="r">
+            <a:lvl7pPr marL="0" lvl="6" indent="0" algn="r">
               <a:spcBef>
                 <a:spcPts val="0"/>
               </a:spcBef>
               <a:buNone/>
               <a:defRPr/>
             </a:lvl7pPr>
-            <a:lvl8pPr indent="0" lvl="7" marL="0" algn="r">
+            <a:lvl8pPr marL="0" lvl="7" indent="0" algn="r">
               <a:spcBef>
                 <a:spcPts val="0"/>
               </a:spcBef>
               <a:buNone/>
               <a:defRPr/>
             </a:lvl8pPr>
-            <a:lvl9pPr indent="0" lvl="8" marL="0" algn="r">
+            <a:lvl9pPr marL="0" lvl="8" indent="0" algn="r">
               <a:spcBef>
                 <a:spcPts val="0"/>
               </a:spcBef>
@@ -9481,7 +9718,7 @@
             </a:lvl9pPr>
           </a:lstStyle>
           <a:p>
-            <a:pPr indent="0" lvl="0" marL="0" rtl="0" algn="r">
+            <a:pPr marL="0" lvl="0" indent="0" algn="r" rtl="0">
               <a:spcBef>
                 <a:spcPts val="0"/>
               </a:spcBef>
@@ -9507,11 +9744,11 @@
 </file>
 
 <file path=ppt/slideLayouts/slideLayout8.xml><?xml version="1.0" encoding="utf-8"?>
-<p:sldLayout xmlns:a="http://schemas.openxmlformats.org/drawingml/2006/main" xmlns:r="http://schemas.openxmlformats.org/officeDocument/2006/relationships" xmlns:mc="http://schemas.openxmlformats.org/markup-compatibility/2006" xmlns:mv="urn:schemas-microsoft-com:mac:vml" xmlns:p="http://schemas.openxmlformats.org/presentationml/2006/main" xmlns:c="http://schemas.openxmlformats.org/drawingml/2006/chart" xmlns:dgm="http://schemas.openxmlformats.org/drawingml/2006/diagram" xmlns:o="urn:schemas-microsoft-com:office:office" xmlns:v="urn:schemas-microsoft-com:vml" xmlns:pvml="urn:schemas-microsoft-com:office:powerpoint" xmlns:com="http://schemas.openxmlformats.org/drawingml/2006/compatibility" xmlns:p14="http://schemas.microsoft.com/office/powerpoint/2010/main" xmlns:p15="http://schemas.microsoft.com/office/powerpoint/2012/main" xmlns:ahyp="http://schemas.microsoft.com/office/drawing/2018/hyperlinkcolor" matchingName="Blank" type="blank">
+<p:sldLayout xmlns:a="http://schemas.openxmlformats.org/drawingml/2006/main" xmlns:r="http://schemas.openxmlformats.org/officeDocument/2006/relationships" xmlns:p="http://schemas.openxmlformats.org/presentationml/2006/main" matchingName="Blank" type="blank">
   <p:cSld name="BLANK">
     <p:spTree>
       <p:nvGrpSpPr>
-        <p:cNvPr id="57" name="Shape 57"/>
+        <p:cNvPr id="1" name="Shape 57"/>
         <p:cNvGrpSpPr/>
         <p:nvPr/>
       </p:nvGrpSpPr>
@@ -9526,9 +9763,11 @@
       <p:sp>
         <p:nvSpPr>
           <p:cNvPr id="58" name="Google Shape;58;p15"/>
-          <p:cNvSpPr txBox="1"/>
+          <p:cNvSpPr txBox="1">
+            <a:spLocks noGrp="1"/>
+          </p:cNvSpPr>
           <p:nvPr>
-            <p:ph idx="10" type="dt"/>
+            <p:ph type="dt" idx="10"/>
           </p:nvPr>
         </p:nvSpPr>
         <p:spPr>
@@ -9545,7 +9784,7 @@
           </a:ln>
         </p:spPr>
         <p:txBody>
-          <a:bodyPr anchorCtr="0" anchor="ctr" bIns="68550" lIns="137150" spcFirstLastPara="1" rIns="137150" wrap="square" tIns="68550">
+          <a:bodyPr spcFirstLastPara="1" wrap="square" lIns="137150" tIns="68550" rIns="137150" bIns="68550" anchor="ctr" anchorCtr="0">
             <a:noAutofit/>
           </a:bodyPr>
           <a:lstStyle>
@@ -9649,15 +9888,19 @@
               <a:defRPr/>
             </a:lvl9pPr>
           </a:lstStyle>
-          <a:p/>
+          <a:p>
+            <a:endParaRPr/>
+          </a:p>
         </p:txBody>
       </p:sp>
       <p:sp>
         <p:nvSpPr>
           <p:cNvPr id="59" name="Google Shape;59;p15"/>
-          <p:cNvSpPr txBox="1"/>
+          <p:cNvSpPr txBox="1">
+            <a:spLocks noGrp="1"/>
+          </p:cNvSpPr>
           <p:nvPr>
-            <p:ph idx="11" type="ftr"/>
+            <p:ph type="ftr" idx="11"/>
           </p:nvPr>
         </p:nvSpPr>
         <p:spPr>
@@ -9674,7 +9917,7 @@
           </a:ln>
         </p:spPr>
         <p:txBody>
-          <a:bodyPr anchorCtr="0" anchor="ctr" bIns="68550" lIns="137150" spcFirstLastPara="1" rIns="137150" wrap="square" tIns="68550">
+          <a:bodyPr spcFirstLastPara="1" wrap="square" lIns="137150" tIns="68550" rIns="137150" bIns="68550" anchor="ctr" anchorCtr="0">
             <a:noAutofit/>
           </a:bodyPr>
           <a:lstStyle>
@@ -9778,15 +10021,19 @@
               <a:defRPr/>
             </a:lvl9pPr>
           </a:lstStyle>
-          <a:p/>
+          <a:p>
+            <a:endParaRPr/>
+          </a:p>
         </p:txBody>
       </p:sp>
       <p:sp>
         <p:nvSpPr>
           <p:cNvPr id="60" name="Google Shape;60;p15"/>
-          <p:cNvSpPr txBox="1"/>
+          <p:cNvSpPr txBox="1">
+            <a:spLocks noGrp="1"/>
+          </p:cNvSpPr>
           <p:nvPr>
-            <p:ph idx="12" type="sldNum"/>
+            <p:ph type="sldNum" idx="12"/>
           </p:nvPr>
         </p:nvSpPr>
         <p:spPr>
@@ -9803,67 +10050,67 @@
           </a:ln>
         </p:spPr>
         <p:txBody>
-          <a:bodyPr anchorCtr="0" anchor="ctr" bIns="68550" lIns="137150" spcFirstLastPara="1" rIns="137150" wrap="square" tIns="68550">
+          <a:bodyPr spcFirstLastPara="1" wrap="square" lIns="137150" tIns="68550" rIns="137150" bIns="68550" anchor="ctr" anchorCtr="0">
             <a:noAutofit/>
           </a:bodyPr>
           <a:lstStyle>
-            <a:lvl1pPr indent="0" lvl="0" marL="0" algn="r">
+            <a:lvl1pPr marL="0" lvl="0" indent="0" algn="r">
               <a:spcBef>
                 <a:spcPts val="0"/>
               </a:spcBef>
               <a:buNone/>
               <a:defRPr/>
             </a:lvl1pPr>
-            <a:lvl2pPr indent="0" lvl="1" marL="0" algn="r">
+            <a:lvl2pPr marL="0" lvl="1" indent="0" algn="r">
               <a:spcBef>
                 <a:spcPts val="0"/>
               </a:spcBef>
               <a:buNone/>
               <a:defRPr/>
             </a:lvl2pPr>
-            <a:lvl3pPr indent="0" lvl="2" marL="0" algn="r">
+            <a:lvl3pPr marL="0" lvl="2" indent="0" algn="r">
               <a:spcBef>
                 <a:spcPts val="0"/>
               </a:spcBef>
               <a:buNone/>
               <a:defRPr/>
             </a:lvl3pPr>
-            <a:lvl4pPr indent="0" lvl="3" marL="0" algn="r">
+            <a:lvl4pPr marL="0" lvl="3" indent="0" algn="r">
               <a:spcBef>
                 <a:spcPts val="0"/>
               </a:spcBef>
               <a:buNone/>
               <a:defRPr/>
             </a:lvl4pPr>
-            <a:lvl5pPr indent="0" lvl="4" marL="0" algn="r">
+            <a:lvl5pPr marL="0" lvl="4" indent="0" algn="r">
               <a:spcBef>
                 <a:spcPts val="0"/>
               </a:spcBef>
               <a:buNone/>
               <a:defRPr/>
             </a:lvl5pPr>
-            <a:lvl6pPr indent="0" lvl="5" marL="0" algn="r">
+            <a:lvl6pPr marL="0" lvl="5" indent="0" algn="r">
               <a:spcBef>
                 <a:spcPts val="0"/>
               </a:spcBef>
               <a:buNone/>
               <a:defRPr/>
             </a:lvl6pPr>
-            <a:lvl7pPr indent="0" lvl="6" marL="0" algn="r">
+            <a:lvl7pPr marL="0" lvl="6" indent="0" algn="r">
               <a:spcBef>
                 <a:spcPts val="0"/>
               </a:spcBef>
               <a:buNone/>
               <a:defRPr/>
             </a:lvl7pPr>
-            <a:lvl8pPr indent="0" lvl="7" marL="0" algn="r">
+            <a:lvl8pPr marL="0" lvl="7" indent="0" algn="r">
               <a:spcBef>
                 <a:spcPts val="0"/>
               </a:spcBef>
               <a:buNone/>
               <a:defRPr/>
             </a:lvl8pPr>
-            <a:lvl9pPr indent="0" lvl="8" marL="0" algn="r">
+            <a:lvl9pPr marL="0" lvl="8" indent="0" algn="r">
               <a:spcBef>
                 <a:spcPts val="0"/>
               </a:spcBef>
@@ -9872,7 +10119,7 @@
             </a:lvl9pPr>
           </a:lstStyle>
           <a:p>
-            <a:pPr indent="0" lvl="0" marL="0" rtl="0" algn="r">
+            <a:pPr marL="0" lvl="0" indent="0" algn="r" rtl="0">
               <a:spcBef>
                 <a:spcPts val="0"/>
               </a:spcBef>
@@ -9898,11 +10145,11 @@
 </file>
 
 <file path=ppt/slideLayouts/slideLayout9.xml><?xml version="1.0" encoding="utf-8"?>
-<p:sldLayout xmlns:a="http://schemas.openxmlformats.org/drawingml/2006/main" xmlns:r="http://schemas.openxmlformats.org/officeDocument/2006/relationships" xmlns:mc="http://schemas.openxmlformats.org/markup-compatibility/2006" xmlns:mv="urn:schemas-microsoft-com:mac:vml" xmlns:p="http://schemas.openxmlformats.org/presentationml/2006/main" xmlns:c="http://schemas.openxmlformats.org/drawingml/2006/chart" xmlns:dgm="http://schemas.openxmlformats.org/drawingml/2006/diagram" xmlns:o="urn:schemas-microsoft-com:office:office" xmlns:v="urn:schemas-microsoft-com:vml" xmlns:pvml="urn:schemas-microsoft-com:office:powerpoint" xmlns:com="http://schemas.openxmlformats.org/drawingml/2006/compatibility" xmlns:p14="http://schemas.microsoft.com/office/powerpoint/2010/main" xmlns:p15="http://schemas.microsoft.com/office/powerpoint/2012/main" xmlns:ahyp="http://schemas.microsoft.com/office/drawing/2018/hyperlinkcolor" matchingName="Content with Caption" type="objTx">
+<p:sldLayout xmlns:a="http://schemas.openxmlformats.org/drawingml/2006/main" xmlns:r="http://schemas.openxmlformats.org/officeDocument/2006/relationships" xmlns:p="http://schemas.openxmlformats.org/presentationml/2006/main" matchingName="Content with Caption" type="objTx">
   <p:cSld name="OBJECT_WITH_CAPTION_TEXT">
     <p:spTree>
       <p:nvGrpSpPr>
-        <p:cNvPr id="61" name="Shape 61"/>
+        <p:cNvPr id="1" name="Shape 61"/>
         <p:cNvGrpSpPr/>
         <p:nvPr/>
       </p:nvGrpSpPr>
@@ -9917,7 +10164,9 @@
       <p:sp>
         <p:nvSpPr>
           <p:cNvPr id="62" name="Google Shape;62;p16"/>
-          <p:cNvSpPr txBox="1"/>
+          <p:cNvSpPr txBox="1">
+            <a:spLocks noGrp="1"/>
+          </p:cNvSpPr>
           <p:nvPr>
             <p:ph type="title"/>
           </p:nvPr>
@@ -9936,7 +10185,7 @@
           </a:ln>
         </p:spPr>
         <p:txBody>
-          <a:bodyPr anchorCtr="0" anchor="b" bIns="68550" lIns="137150" spcFirstLastPara="1" rIns="137150" wrap="square" tIns="68550">
+          <a:bodyPr spcFirstLastPara="1" wrap="square" lIns="137150" tIns="68550" rIns="137150" bIns="68550" anchor="b" anchorCtr="0">
             <a:normAutofit/>
           </a:bodyPr>
           <a:lstStyle>
@@ -10047,15 +10296,19 @@
               <a:defRPr/>
             </a:lvl9pPr>
           </a:lstStyle>
-          <a:p/>
+          <a:p>
+            <a:endParaRPr/>
+          </a:p>
         </p:txBody>
       </p:sp>
       <p:sp>
         <p:nvSpPr>
           <p:cNvPr id="63" name="Google Shape;63;p16"/>
-          <p:cNvSpPr txBox="1"/>
+          <p:cNvSpPr txBox="1">
+            <a:spLocks noGrp="1"/>
+          </p:cNvSpPr>
           <p:nvPr>
-            <p:ph idx="1" type="body"/>
+            <p:ph type="body" idx="1"/>
           </p:nvPr>
         </p:nvSpPr>
         <p:spPr>
@@ -10072,11 +10325,11 @@
           </a:ln>
         </p:spPr>
         <p:txBody>
-          <a:bodyPr anchorCtr="0" anchor="t" bIns="68550" lIns="137150" spcFirstLastPara="1" rIns="137150" wrap="square" tIns="68550">
+          <a:bodyPr spcFirstLastPara="1" wrap="square" lIns="137150" tIns="68550" rIns="137150" bIns="68550" anchor="t" anchorCtr="0">
             <a:normAutofit/>
           </a:bodyPr>
           <a:lstStyle>
-            <a:lvl1pPr indent="-533400" lvl="0" marL="457200" algn="l">
+            <a:lvl1pPr marL="457200" lvl="0" indent="-533400" algn="l">
               <a:lnSpc>
                 <a:spcPct val="90000"/>
               </a:lnSpc>
@@ -10093,7 +10346,7 @@
               <a:buChar char="•"/>
               <a:defRPr sz="4800"/>
             </a:lvl1pPr>
-            <a:lvl2pPr indent="-495300" lvl="1" marL="914400" algn="l">
+            <a:lvl2pPr marL="914400" lvl="1" indent="-495300" algn="l">
               <a:lnSpc>
                 <a:spcPct val="90000"/>
               </a:lnSpc>
@@ -10110,7 +10363,7 @@
               <a:buChar char="•"/>
               <a:defRPr sz="4200"/>
             </a:lvl2pPr>
-            <a:lvl3pPr indent="-457200" lvl="2" marL="1371600" algn="l">
+            <a:lvl3pPr marL="1371600" lvl="2" indent="-457200" algn="l">
               <a:lnSpc>
                 <a:spcPct val="90000"/>
               </a:lnSpc>
@@ -10127,7 +10380,7 @@
               <a:buChar char="•"/>
               <a:defRPr sz="3600"/>
             </a:lvl3pPr>
-            <a:lvl4pPr indent="-419100" lvl="3" marL="1828800" algn="l">
+            <a:lvl4pPr marL="1828800" lvl="3" indent="-419100" algn="l">
               <a:lnSpc>
                 <a:spcPct val="90000"/>
               </a:lnSpc>
@@ -10144,7 +10397,7 @@
               <a:buChar char="•"/>
               <a:defRPr sz="3000"/>
             </a:lvl4pPr>
-            <a:lvl5pPr indent="-419100" lvl="4" marL="2286000" algn="l">
+            <a:lvl5pPr marL="2286000" lvl="4" indent="-419100" algn="l">
               <a:lnSpc>
                 <a:spcPct val="90000"/>
               </a:lnSpc>
@@ -10161,7 +10414,7 @@
               <a:buChar char="•"/>
               <a:defRPr sz="3000"/>
             </a:lvl5pPr>
-            <a:lvl6pPr indent="-419100" lvl="5" marL="2743200" algn="l">
+            <a:lvl6pPr marL="2743200" lvl="5" indent="-419100" algn="l">
               <a:lnSpc>
                 <a:spcPct val="90000"/>
               </a:lnSpc>
@@ -10178,7 +10431,7 @@
               <a:buChar char="•"/>
               <a:defRPr sz="3000"/>
             </a:lvl6pPr>
-            <a:lvl7pPr indent="-419100" lvl="6" marL="3200400" algn="l">
+            <a:lvl7pPr marL="3200400" lvl="6" indent="-419100" algn="l">
               <a:lnSpc>
                 <a:spcPct val="90000"/>
               </a:lnSpc>
@@ -10195,7 +10448,7 @@
               <a:buChar char="•"/>
               <a:defRPr sz="3000"/>
             </a:lvl7pPr>
-            <a:lvl8pPr indent="-419100" lvl="7" marL="3657600" algn="l">
+            <a:lvl8pPr marL="3657600" lvl="7" indent="-419100" algn="l">
               <a:lnSpc>
                 <a:spcPct val="90000"/>
               </a:lnSpc>
@@ -10212,7 +10465,7 @@
               <a:buChar char="•"/>
               <a:defRPr sz="3000"/>
             </a:lvl8pPr>
-            <a:lvl9pPr indent="-419100" lvl="8" marL="4114800" algn="l">
+            <a:lvl9pPr marL="4114800" lvl="8" indent="-419100" algn="l">
               <a:lnSpc>
                 <a:spcPct val="90000"/>
               </a:lnSpc>
@@ -10230,15 +10483,19 @@
               <a:defRPr sz="3000"/>
             </a:lvl9pPr>
           </a:lstStyle>
-          <a:p/>
+          <a:p>
+            <a:endParaRPr/>
+          </a:p>
         </p:txBody>
       </p:sp>
       <p:sp>
         <p:nvSpPr>
           <p:cNvPr id="64" name="Google Shape;64;p16"/>
-          <p:cNvSpPr txBox="1"/>
+          <p:cNvSpPr txBox="1">
+            <a:spLocks noGrp="1"/>
+          </p:cNvSpPr>
           <p:nvPr>
-            <p:ph idx="2" type="body"/>
+            <p:ph type="body" idx="2"/>
           </p:nvPr>
         </p:nvSpPr>
         <p:spPr>
@@ -10255,11 +10512,11 @@
           </a:ln>
         </p:spPr>
         <p:txBody>
-          <a:bodyPr anchorCtr="0" anchor="t" bIns="68550" lIns="137150" spcFirstLastPara="1" rIns="137150" wrap="square" tIns="68550">
+          <a:bodyPr spcFirstLastPara="1" wrap="square" lIns="137150" tIns="68550" rIns="137150" bIns="68550" anchor="t" anchorCtr="0">
             <a:normAutofit/>
           </a:bodyPr>
           <a:lstStyle>
-            <a:lvl1pPr indent="-228600" lvl="0" marL="457200" algn="l">
+            <a:lvl1pPr marL="457200" lvl="0" indent="-228600" algn="l">
               <a:lnSpc>
                 <a:spcPct val="90000"/>
               </a:lnSpc>
@@ -10276,7 +10533,7 @@
               <a:buNone/>
               <a:defRPr sz="2400"/>
             </a:lvl1pPr>
-            <a:lvl2pPr indent="-228600" lvl="1" marL="914400" algn="l">
+            <a:lvl2pPr marL="914400" lvl="1" indent="-228600" algn="l">
               <a:lnSpc>
                 <a:spcPct val="90000"/>
               </a:lnSpc>
@@ -10293,7 +10550,7 @@
               <a:buNone/>
               <a:defRPr sz="2100"/>
             </a:lvl2pPr>
-            <a:lvl3pPr indent="-228600" lvl="2" marL="1371600" algn="l">
+            <a:lvl3pPr marL="1371600" lvl="2" indent="-228600" algn="l">
               <a:lnSpc>
                 <a:spcPct val="90000"/>
               </a:lnSpc>
@@ -10310,7 +10567,7 @@
               <a:buNone/>
               <a:defRPr sz="1800"/>
             </a:lvl3pPr>
-            <a:lvl4pPr indent="-228600" lvl="3" marL="1828800" algn="l">
+            <a:lvl4pPr marL="1828800" lvl="3" indent="-228600" algn="l">
               <a:lnSpc>
                 <a:spcPct val="90000"/>
               </a:lnSpc>
@@ -10327,7 +10584,7 @@
               <a:buNone/>
               <a:defRPr sz="1500"/>
             </a:lvl4pPr>
-            <a:lvl5pPr indent="-228600" lvl="4" marL="2286000" algn="l">
+            <a:lvl5pPr marL="2286000" lvl="4" indent="-228600" algn="l">
               <a:lnSpc>
                 <a:spcPct val="90000"/>
               </a:lnSpc>
@@ -10344,7 +10601,7 @@
               <a:buNone/>
               <a:defRPr sz="1500"/>
             </a:lvl5pPr>
-            <a:lvl6pPr indent="-228600" lvl="5" marL="2743200" algn="l">
+            <a:lvl6pPr marL="2743200" lvl="5" indent="-228600" algn="l">
               <a:lnSpc>
                 <a:spcPct val="90000"/>
               </a:lnSpc>
@@ -10361,7 +10618,7 @@
               <a:buNone/>
               <a:defRPr sz="1500"/>
             </a:lvl6pPr>
-            <a:lvl7pPr indent="-228600" lvl="6" marL="3200400" algn="l">
+            <a:lvl7pPr marL="3200400" lvl="6" indent="-228600" algn="l">
               <a:lnSpc>
                 <a:spcPct val="90000"/>
               </a:lnSpc>
@@ -10378,7 +10635,7 @@
               <a:buNone/>
               <a:defRPr sz="1500"/>
             </a:lvl7pPr>
-            <a:lvl8pPr indent="-228600" lvl="7" marL="3657600" algn="l">
+            <a:lvl8pPr marL="3657600" lvl="7" indent="-228600" algn="l">
               <a:lnSpc>
                 <a:spcPct val="90000"/>
               </a:lnSpc>
@@ -10395,7 +10652,7 @@
               <a:buNone/>
               <a:defRPr sz="1500"/>
             </a:lvl8pPr>
-            <a:lvl9pPr indent="-228600" lvl="8" marL="4114800" algn="l">
+            <a:lvl9pPr marL="4114800" lvl="8" indent="-228600" algn="l">
               <a:lnSpc>
                 <a:spcPct val="90000"/>
               </a:lnSpc>
@@ -10413,15 +10670,19 @@
               <a:defRPr sz="1500"/>
             </a:lvl9pPr>
           </a:lstStyle>
-          <a:p/>
+          <a:p>
+            <a:endParaRPr/>
+          </a:p>
         </p:txBody>
       </p:sp>
       <p:sp>
         <p:nvSpPr>
           <p:cNvPr id="65" name="Google Shape;65;p16"/>
-          <p:cNvSpPr txBox="1"/>
+          <p:cNvSpPr txBox="1">
+            <a:spLocks noGrp="1"/>
+          </p:cNvSpPr>
           <p:nvPr>
-            <p:ph idx="10" type="dt"/>
+            <p:ph type="dt" idx="10"/>
           </p:nvPr>
         </p:nvSpPr>
         <p:spPr>
@@ -10438,7 +10699,7 @@
           </a:ln>
         </p:spPr>
         <p:txBody>
-          <a:bodyPr anchorCtr="0" anchor="ctr" bIns="68550" lIns="137150" spcFirstLastPara="1" rIns="137150" wrap="square" tIns="68550">
+          <a:bodyPr spcFirstLastPara="1" wrap="square" lIns="137150" tIns="68550" rIns="137150" bIns="68550" anchor="ctr" anchorCtr="0">
             <a:noAutofit/>
           </a:bodyPr>
           <a:lstStyle>
@@ -10542,15 +10803,19 @@
               <a:defRPr/>
             </a:lvl9pPr>
           </a:lstStyle>
-          <a:p/>
+          <a:p>
+            <a:endParaRPr/>
+          </a:p>
         </p:txBody>
       </p:sp>
       <p:sp>
         <p:nvSpPr>
           <p:cNvPr id="66" name="Google Shape;66;p16"/>
-          <p:cNvSpPr txBox="1"/>
+          <p:cNvSpPr txBox="1">
+            <a:spLocks noGrp="1"/>
+          </p:cNvSpPr>
           <p:nvPr>
-            <p:ph idx="11" type="ftr"/>
+            <p:ph type="ftr" idx="11"/>
           </p:nvPr>
         </p:nvSpPr>
         <p:spPr>
@@ -10567,7 +10832,7 @@
           </a:ln>
         </p:spPr>
         <p:txBody>
-          <a:bodyPr anchorCtr="0" anchor="ctr" bIns="68550" lIns="137150" spcFirstLastPara="1" rIns="137150" wrap="square" tIns="68550">
+          <a:bodyPr spcFirstLastPara="1" wrap="square" lIns="137150" tIns="68550" rIns="137150" bIns="68550" anchor="ctr" anchorCtr="0">
             <a:noAutofit/>
           </a:bodyPr>
           <a:lstStyle>
@@ -10671,15 +10936,19 @@
               <a:defRPr/>
             </a:lvl9pPr>
           </a:lstStyle>
-          <a:p/>
+          <a:p>
+            <a:endParaRPr/>
+          </a:p>
         </p:txBody>
       </p:sp>
       <p:sp>
         <p:nvSpPr>
           <p:cNvPr id="67" name="Google Shape;67;p16"/>
-          <p:cNvSpPr txBox="1"/>
+          <p:cNvSpPr txBox="1">
+            <a:spLocks noGrp="1"/>
+          </p:cNvSpPr>
           <p:nvPr>
-            <p:ph idx="12" type="sldNum"/>
+            <p:ph type="sldNum" idx="12"/>
           </p:nvPr>
         </p:nvSpPr>
         <p:spPr>
@@ -10696,67 +10965,67 @@
           </a:ln>
         </p:spPr>
         <p:txBody>
-          <a:bodyPr anchorCtr="0" anchor="ctr" bIns="68550" lIns="137150" spcFirstLastPara="1" rIns="137150" wrap="square" tIns="68550">
+          <a:bodyPr spcFirstLastPara="1" wrap="square" lIns="137150" tIns="68550" rIns="137150" bIns="68550" anchor="ctr" anchorCtr="0">
             <a:noAutofit/>
           </a:bodyPr>
           <a:lstStyle>
-            <a:lvl1pPr indent="0" lvl="0" marL="0" algn="r">
+            <a:lvl1pPr marL="0" lvl="0" indent="0" algn="r">
               <a:spcBef>
                 <a:spcPts val="0"/>
               </a:spcBef>
               <a:buNone/>
               <a:defRPr/>
             </a:lvl1pPr>
-            <a:lvl2pPr indent="0" lvl="1" marL="0" algn="r">
+            <a:lvl2pPr marL="0" lvl="1" indent="0" algn="r">
               <a:spcBef>
                 <a:spcPts val="0"/>
               </a:spcBef>
               <a:buNone/>
               <a:defRPr/>
             </a:lvl2pPr>
-            <a:lvl3pPr indent="0" lvl="2" marL="0" algn="r">
+            <a:lvl3pPr marL="0" lvl="2" indent="0" algn="r">
               <a:spcBef>
                 <a:spcPts val="0"/>
               </a:spcBef>
               <a:buNone/>
               <a:defRPr/>
             </a:lvl3pPr>
-            <a:lvl4pPr indent="0" lvl="3" marL="0" algn="r">
+            <a:lvl4pPr marL="0" lvl="3" indent="0" algn="r">
               <a:spcBef>
                 <a:spcPts val="0"/>
               </a:spcBef>
               <a:buNone/>
               <a:defRPr/>
             </a:lvl4pPr>
-            <a:lvl5pPr indent="0" lvl="4" marL="0" algn="r">
+            <a:lvl5pPr marL="0" lvl="4" indent="0" algn="r">
               <a:spcBef>
                 <a:spcPts val="0"/>
               </a:spcBef>
               <a:buNone/>
               <a:defRPr/>
             </a:lvl5pPr>
-            <a:lvl6pPr indent="0" lvl="5" marL="0" algn="r">
+            <a:lvl6pPr marL="0" lvl="5" indent="0" algn="r">
               <a:spcBef>
                 <a:spcPts val="0"/>
               </a:spcBef>
               <a:buNone/>
               <a:defRPr/>
             </a:lvl6pPr>
-            <a:lvl7pPr indent="0" lvl="6" marL="0" algn="r">
+            <a:lvl7pPr marL="0" lvl="6" indent="0" algn="r">
               <a:spcBef>
                 <a:spcPts val="0"/>
               </a:spcBef>
               <a:buNone/>
               <a:defRPr/>
             </a:lvl7pPr>
-            <a:lvl8pPr indent="0" lvl="7" marL="0" algn="r">
+            <a:lvl8pPr marL="0" lvl="7" indent="0" algn="r">
               <a:spcBef>
                 <a:spcPts val="0"/>
               </a:spcBef>
               <a:buNone/>
               <a:defRPr/>
             </a:lvl8pPr>
-            <a:lvl9pPr indent="0" lvl="8" marL="0" algn="r">
+            <a:lvl9pPr marL="0" lvl="8" indent="0" algn="r">
               <a:spcBef>
                 <a:spcPts val="0"/>
               </a:spcBef>
@@ -10765,7 +11034,7 @@
             </a:lvl9pPr>
           </a:lstStyle>
           <a:p>
-            <a:pPr indent="0" lvl="0" marL="0" rtl="0" algn="r">
+            <a:pPr marL="0" lvl="0" indent="0" algn="r" rtl="0">
               <a:spcBef>
                 <a:spcPts val="0"/>
               </a:spcBef>
@@ -10791,18 +11060,19 @@
 </file>
 
 <file path=ppt/slideMasters/slideMaster1.xml><?xml version="1.0" encoding="utf-8"?>
-<p:sldMaster xmlns:a="http://schemas.openxmlformats.org/drawingml/2006/main" xmlns:r="http://schemas.openxmlformats.org/officeDocument/2006/relationships" xmlns:mc="http://schemas.openxmlformats.org/markup-compatibility/2006" xmlns:mv="urn:schemas-microsoft-com:mac:vml" xmlns:p="http://schemas.openxmlformats.org/presentationml/2006/main" xmlns:c="http://schemas.openxmlformats.org/drawingml/2006/chart" xmlns:dgm="http://schemas.openxmlformats.org/drawingml/2006/diagram" xmlns:o="urn:schemas-microsoft-com:office:office" xmlns:v="urn:schemas-microsoft-com:vml" xmlns:pvml="urn:schemas-microsoft-com:office:powerpoint" xmlns:com="http://schemas.openxmlformats.org/drawingml/2006/compatibility" xmlns:p14="http://schemas.microsoft.com/office/powerpoint/2010/main" xmlns:p15="http://schemas.microsoft.com/office/powerpoint/2012/main" xmlns:ahyp="http://schemas.microsoft.com/office/drawing/2018/hyperlinkcolor">
+<p:sldMaster xmlns:a="http://schemas.openxmlformats.org/drawingml/2006/main" xmlns:r="http://schemas.openxmlformats.org/officeDocument/2006/relationships" xmlns:p="http://schemas.openxmlformats.org/presentationml/2006/main">
   <p:cSld>
     <p:bg>
       <p:bgPr>
         <a:solidFill>
           <a:schemeClr val="lt1"/>
         </a:solidFill>
+        <a:effectLst/>
       </p:bgPr>
     </p:bg>
     <p:spTree>
       <p:nvGrpSpPr>
-        <p:cNvPr id="9" name="Shape 9"/>
+        <p:cNvPr id="1" name="Shape 9"/>
         <p:cNvGrpSpPr/>
         <p:nvPr/>
       </p:nvGrpSpPr>
@@ -10817,7 +11087,9 @@
       <p:sp>
         <p:nvSpPr>
           <p:cNvPr id="10" name="Google Shape;10;p7"/>
-          <p:cNvSpPr txBox="1"/>
+          <p:cNvSpPr txBox="1">
+            <a:spLocks noGrp="1"/>
+          </p:cNvSpPr>
           <p:nvPr>
             <p:ph type="title"/>
           </p:nvPr>
@@ -10836,11 +11108,11 @@
           </a:ln>
         </p:spPr>
         <p:txBody>
-          <a:bodyPr anchorCtr="0" anchor="ctr" bIns="68550" lIns="137150" spcFirstLastPara="1" rIns="137150" wrap="square" tIns="68550">
+          <a:bodyPr spcFirstLastPara="1" wrap="square" lIns="137150" tIns="68550" rIns="137150" bIns="68550" anchor="ctr" anchorCtr="0">
             <a:normAutofit/>
           </a:bodyPr>
           <a:lstStyle>
-            <a:lvl1pPr lvl="0" marR="0" rtl="0" algn="l">
+            <a:lvl1pPr marR="0" lvl="0" algn="l" rtl="0">
               <a:lnSpc>
                 <a:spcPct val="90000"/>
               </a:lnSpc>
@@ -10856,7 +11128,7 @@
               <a:buSzPts val="6600"/>
               <a:buFont typeface="Play"/>
               <a:buNone/>
-              <a:defRPr b="0" i="0" sz="6600" u="none" cap="none" strike="noStrike">
+              <a:defRPr sz="6600" b="0" i="0" u="none" strike="noStrike" cap="none">
                 <a:solidFill>
                   <a:schemeClr val="dk1"/>
                 </a:solidFill>
@@ -10955,15 +11227,19 @@
               <a:defRPr sz="2700"/>
             </a:lvl9pPr>
           </a:lstStyle>
-          <a:p/>
+          <a:p>
+            <a:endParaRPr/>
+          </a:p>
         </p:txBody>
       </p:sp>
       <p:sp>
         <p:nvSpPr>
           <p:cNvPr id="11" name="Google Shape;11;p7"/>
-          <p:cNvSpPr txBox="1"/>
+          <p:cNvSpPr txBox="1">
+            <a:spLocks noGrp="1"/>
+          </p:cNvSpPr>
           <p:nvPr>
-            <p:ph idx="1" type="body"/>
+            <p:ph type="body" idx="1"/>
           </p:nvPr>
         </p:nvSpPr>
         <p:spPr>
@@ -10980,11 +11256,11 @@
           </a:ln>
         </p:spPr>
         <p:txBody>
-          <a:bodyPr anchorCtr="0" anchor="t" bIns="68550" lIns="137150" spcFirstLastPara="1" rIns="137150" wrap="square" tIns="68550">
+          <a:bodyPr spcFirstLastPara="1" wrap="square" lIns="137150" tIns="68550" rIns="137150" bIns="68550" anchor="t" anchorCtr="0">
             <a:normAutofit/>
           </a:bodyPr>
           <a:lstStyle>
-            <a:lvl1pPr indent="-495300" lvl="0" marL="457200" marR="0" rtl="0" algn="l">
+            <a:lvl1pPr marL="457200" marR="0" lvl="0" indent="-495300" algn="l" rtl="0">
               <a:lnSpc>
                 <a:spcPct val="90000"/>
               </a:lnSpc>
@@ -11000,7 +11276,7 @@
               <a:buSzPts val="4200"/>
               <a:buFont typeface="Arial"/>
               <a:buChar char="•"/>
-              <a:defRPr b="0" i="0" sz="4200" u="none" cap="none" strike="noStrike">
+              <a:defRPr sz="4200" b="0" i="0" u="none" strike="noStrike" cap="none">
                 <a:solidFill>
                   <a:schemeClr val="dk1"/>
                 </a:solidFill>
@@ -11010,7 +11286,7 @@
                 <a:sym typeface="Arial"/>
               </a:defRPr>
             </a:lvl1pPr>
-            <a:lvl2pPr indent="-457200" lvl="1" marL="914400" marR="0" rtl="0" algn="l">
+            <a:lvl2pPr marL="914400" marR="0" lvl="1" indent="-457200" algn="l" rtl="0">
               <a:lnSpc>
                 <a:spcPct val="90000"/>
               </a:lnSpc>
@@ -11026,7 +11302,7 @@
               <a:buSzPts val="3600"/>
               <a:buFont typeface="Arial"/>
               <a:buChar char="•"/>
-              <a:defRPr b="0" i="0" sz="3600" u="none" cap="none" strike="noStrike">
+              <a:defRPr sz="3600" b="0" i="0" u="none" strike="noStrike" cap="none">
                 <a:solidFill>
                   <a:schemeClr val="dk1"/>
                 </a:solidFill>
@@ -11036,7 +11312,7 @@
                 <a:sym typeface="Arial"/>
               </a:defRPr>
             </a:lvl2pPr>
-            <a:lvl3pPr indent="-419100" lvl="2" marL="1371600" marR="0" rtl="0" algn="l">
+            <a:lvl3pPr marL="1371600" marR="0" lvl="2" indent="-419100" algn="l" rtl="0">
               <a:lnSpc>
                 <a:spcPct val="90000"/>
               </a:lnSpc>
@@ -11052,7 +11328,7 @@
               <a:buSzPts val="3000"/>
               <a:buFont typeface="Arial"/>
               <a:buChar char="•"/>
-              <a:defRPr b="0" i="0" sz="3000" u="none" cap="none" strike="noStrike">
+              <a:defRPr sz="3000" b="0" i="0" u="none" strike="noStrike" cap="none">
                 <a:solidFill>
                   <a:schemeClr val="dk1"/>
                 </a:solidFill>
@@ -11062,7 +11338,7 @@
                 <a:sym typeface="Arial"/>
               </a:defRPr>
             </a:lvl3pPr>
-            <a:lvl4pPr indent="-400050" lvl="3" marL="1828800" marR="0" rtl="0" algn="l">
+            <a:lvl4pPr marL="1828800" marR="0" lvl="3" indent="-400050" algn="l" rtl="0">
               <a:lnSpc>
                 <a:spcPct val="90000"/>
               </a:lnSpc>
@@ -11078,7 +11354,7 @@
               <a:buSzPts val="2700"/>
               <a:buFont typeface="Arial"/>
               <a:buChar char="•"/>
-              <a:defRPr b="0" i="0" sz="2700" u="none" cap="none" strike="noStrike">
+              <a:defRPr sz="2700" b="0" i="0" u="none" strike="noStrike" cap="none">
                 <a:solidFill>
                   <a:schemeClr val="dk1"/>
                 </a:solidFill>
@@ -11088,7 +11364,7 @@
                 <a:sym typeface="Arial"/>
               </a:defRPr>
             </a:lvl4pPr>
-            <a:lvl5pPr indent="-400050" lvl="4" marL="2286000" marR="0" rtl="0" algn="l">
+            <a:lvl5pPr marL="2286000" marR="0" lvl="4" indent="-400050" algn="l" rtl="0">
               <a:lnSpc>
                 <a:spcPct val="90000"/>
               </a:lnSpc>
@@ -11104,7 +11380,7 @@
               <a:buSzPts val="2700"/>
               <a:buFont typeface="Arial"/>
               <a:buChar char="•"/>
-              <a:defRPr b="0" i="0" sz="2700" u="none" cap="none" strike="noStrike">
+              <a:defRPr sz="2700" b="0" i="0" u="none" strike="noStrike" cap="none">
                 <a:solidFill>
                   <a:schemeClr val="dk1"/>
                 </a:solidFill>
@@ -11114,7 +11390,7 @@
                 <a:sym typeface="Arial"/>
               </a:defRPr>
             </a:lvl5pPr>
-            <a:lvl6pPr indent="-400050" lvl="5" marL="2743200" marR="0" rtl="0" algn="l">
+            <a:lvl6pPr marL="2743200" marR="0" lvl="5" indent="-400050" algn="l" rtl="0">
               <a:lnSpc>
                 <a:spcPct val="90000"/>
               </a:lnSpc>
@@ -11130,7 +11406,7 @@
               <a:buSzPts val="2700"/>
               <a:buFont typeface="Arial"/>
               <a:buChar char="•"/>
-              <a:defRPr b="0" i="0" sz="2700" u="none" cap="none" strike="noStrike">
+              <a:defRPr sz="2700" b="0" i="0" u="none" strike="noStrike" cap="none">
                 <a:solidFill>
                   <a:schemeClr val="dk1"/>
                 </a:solidFill>
@@ -11140,7 +11416,7 @@
                 <a:sym typeface="Arial"/>
               </a:defRPr>
             </a:lvl6pPr>
-            <a:lvl7pPr indent="-400050" lvl="6" marL="3200400" marR="0" rtl="0" algn="l">
+            <a:lvl7pPr marL="3200400" marR="0" lvl="6" indent="-400050" algn="l" rtl="0">
               <a:lnSpc>
                 <a:spcPct val="90000"/>
               </a:lnSpc>
@@ -11156,7 +11432,7 @@
               <a:buSzPts val="2700"/>
               <a:buFont typeface="Arial"/>
               <a:buChar char="•"/>
-              <a:defRPr b="0" i="0" sz="2700" u="none" cap="none" strike="noStrike">
+              <a:defRPr sz="2700" b="0" i="0" u="none" strike="noStrike" cap="none">
                 <a:solidFill>
                   <a:schemeClr val="dk1"/>
                 </a:solidFill>
@@ -11166,7 +11442,7 @@
                 <a:sym typeface="Arial"/>
               </a:defRPr>
             </a:lvl7pPr>
-            <a:lvl8pPr indent="-400050" lvl="7" marL="3657600" marR="0" rtl="0" algn="l">
+            <a:lvl8pPr marL="3657600" marR="0" lvl="7" indent="-400050" algn="l" rtl="0">
               <a:lnSpc>
                 <a:spcPct val="90000"/>
               </a:lnSpc>
@@ -11182,7 +11458,7 @@
               <a:buSzPts val="2700"/>
               <a:buFont typeface="Arial"/>
               <a:buChar char="•"/>
-              <a:defRPr b="0" i="0" sz="2700" u="none" cap="none" strike="noStrike">
+              <a:defRPr sz="2700" b="0" i="0" u="none" strike="noStrike" cap="none">
                 <a:solidFill>
                   <a:schemeClr val="dk1"/>
                 </a:solidFill>
@@ -11192,7 +11468,7 @@
                 <a:sym typeface="Arial"/>
               </a:defRPr>
             </a:lvl8pPr>
-            <a:lvl9pPr indent="-400050" lvl="8" marL="4114800" marR="0" rtl="0" algn="l">
+            <a:lvl9pPr marL="4114800" marR="0" lvl="8" indent="-400050" algn="l" rtl="0">
               <a:lnSpc>
                 <a:spcPct val="90000"/>
               </a:lnSpc>
@@ -11208,7 +11484,7 @@
               <a:buSzPts val="2700"/>
               <a:buFont typeface="Arial"/>
               <a:buChar char="•"/>
-              <a:defRPr b="0" i="0" sz="2700" u="none" cap="none" strike="noStrike">
+              <a:defRPr sz="2700" b="0" i="0" u="none" strike="noStrike" cap="none">
                 <a:solidFill>
                   <a:schemeClr val="dk1"/>
                 </a:solidFill>
@@ -11219,15 +11495,19 @@
               </a:defRPr>
             </a:lvl9pPr>
           </a:lstStyle>
-          <a:p/>
+          <a:p>
+            <a:endParaRPr/>
+          </a:p>
         </p:txBody>
       </p:sp>
       <p:sp>
         <p:nvSpPr>
           <p:cNvPr id="12" name="Google Shape;12;p7"/>
-          <p:cNvSpPr txBox="1"/>
+          <p:cNvSpPr txBox="1">
+            <a:spLocks noGrp="1"/>
+          </p:cNvSpPr>
           <p:nvPr>
-            <p:ph idx="10" type="dt"/>
+            <p:ph type="dt" idx="10"/>
           </p:nvPr>
         </p:nvSpPr>
         <p:spPr>
@@ -11244,20 +11524,20 @@
           </a:ln>
         </p:spPr>
         <p:txBody>
-          <a:bodyPr anchorCtr="0" anchor="ctr" bIns="68550" lIns="137150" spcFirstLastPara="1" rIns="137150" wrap="square" tIns="68550">
+          <a:bodyPr spcFirstLastPara="1" wrap="square" lIns="137150" tIns="68550" rIns="137150" bIns="68550" anchor="ctr" anchorCtr="0">
             <a:noAutofit/>
           </a:bodyPr>
           <a:lstStyle>
-            <a:lvl1pPr lvl="0" marR="0" rtl="0" algn="l">
-              <a:spcBef>
-                <a:spcPts val="0"/>
-              </a:spcBef>
-              <a:spcAft>
-                <a:spcPts val="0"/>
-              </a:spcAft>
-              <a:buSzPts val="2100"/>
-              <a:buNone/>
-              <a:defRPr b="0" i="0" sz="1800" u="none" cap="none" strike="noStrike">
+            <a:lvl1pPr marR="0" lvl="0" algn="l" rtl="0">
+              <a:spcBef>
+                <a:spcPts val="0"/>
+              </a:spcBef>
+              <a:spcAft>
+                <a:spcPts val="0"/>
+              </a:spcAft>
+              <a:buSzPts val="2100"/>
+              <a:buNone/>
+              <a:defRPr sz="1800" b="0" i="0" u="none" strike="noStrike" cap="none">
                 <a:solidFill>
                   <a:srgbClr val="757575"/>
                 </a:solidFill>
@@ -11267,16 +11547,16 @@
                 <a:sym typeface="Arial"/>
               </a:defRPr>
             </a:lvl1pPr>
-            <a:lvl2pPr lvl="1" marR="0" rtl="0" algn="l">
-              <a:spcBef>
-                <a:spcPts val="0"/>
-              </a:spcBef>
-              <a:spcAft>
-                <a:spcPts val="0"/>
-              </a:spcAft>
-              <a:buSzPts val="2100"/>
-              <a:buNone/>
-              <a:defRPr b="0" i="0" sz="2700" u="none" cap="none" strike="noStrike">
+            <a:lvl2pPr marR="0" lvl="1" algn="l" rtl="0">
+              <a:spcBef>
+                <a:spcPts val="0"/>
+              </a:spcBef>
+              <a:spcAft>
+                <a:spcPts val="0"/>
+              </a:spcAft>
+              <a:buSzPts val="2100"/>
+              <a:buNone/>
+              <a:defRPr sz="2700" b="0" i="0" u="none" strike="noStrike" cap="none">
                 <a:solidFill>
                   <a:schemeClr val="dk1"/>
                 </a:solidFill>
@@ -11286,16 +11566,16 @@
                 <a:sym typeface="Arial"/>
               </a:defRPr>
             </a:lvl2pPr>
-            <a:lvl3pPr lvl="2" marR="0" rtl="0" algn="l">
-              <a:spcBef>
-                <a:spcPts val="0"/>
-              </a:spcBef>
-              <a:spcAft>
-                <a:spcPts val="0"/>
-              </a:spcAft>
-              <a:buSzPts val="2100"/>
-              <a:buNone/>
-              <a:defRPr b="0" i="0" sz="2700" u="none" cap="none" strike="noStrike">
+            <a:lvl3pPr marR="0" lvl="2" algn="l" rtl="0">
+              <a:spcBef>
+                <a:spcPts val="0"/>
+              </a:spcBef>
+              <a:spcAft>
+                <a:spcPts val="0"/>
+              </a:spcAft>
+              <a:buSzPts val="2100"/>
+              <a:buNone/>
+              <a:defRPr sz="2700" b="0" i="0" u="none" strike="noStrike" cap="none">
                 <a:solidFill>
                   <a:schemeClr val="dk1"/>
                 </a:solidFill>
@@ -11305,16 +11585,16 @@
                 <a:sym typeface="Arial"/>
               </a:defRPr>
             </a:lvl3pPr>
-            <a:lvl4pPr lvl="3" marR="0" rtl="0" algn="l">
-              <a:spcBef>
-                <a:spcPts val="0"/>
-              </a:spcBef>
-              <a:spcAft>
-                <a:spcPts val="0"/>
-              </a:spcAft>
-              <a:buSzPts val="2100"/>
-              <a:buNone/>
-              <a:defRPr b="0" i="0" sz="2700" u="none" cap="none" strike="noStrike">
+            <a:lvl4pPr marR="0" lvl="3" algn="l" rtl="0">
+              <a:spcBef>
+                <a:spcPts val="0"/>
+              </a:spcBef>
+              <a:spcAft>
+                <a:spcPts val="0"/>
+              </a:spcAft>
+              <a:buSzPts val="2100"/>
+              <a:buNone/>
+              <a:defRPr sz="2700" b="0" i="0" u="none" strike="noStrike" cap="none">
                 <a:solidFill>
                   <a:schemeClr val="dk1"/>
                 </a:solidFill>
@@ -11324,16 +11604,16 @@
                 <a:sym typeface="Arial"/>
               </a:defRPr>
             </a:lvl4pPr>
-            <a:lvl5pPr lvl="4" marR="0" rtl="0" algn="l">
-              <a:spcBef>
-                <a:spcPts val="0"/>
-              </a:spcBef>
-              <a:spcAft>
-                <a:spcPts val="0"/>
-              </a:spcAft>
-              <a:buSzPts val="2100"/>
-              <a:buNone/>
-              <a:defRPr b="0" i="0" sz="2700" u="none" cap="none" strike="noStrike">
+            <a:lvl5pPr marR="0" lvl="4" algn="l" rtl="0">
+              <a:spcBef>
+                <a:spcPts val="0"/>
+              </a:spcBef>
+              <a:spcAft>
+                <a:spcPts val="0"/>
+              </a:spcAft>
+              <a:buSzPts val="2100"/>
+              <a:buNone/>
+              <a:defRPr sz="2700" b="0" i="0" u="none" strike="noStrike" cap="none">
                 <a:solidFill>
                   <a:schemeClr val="dk1"/>
                 </a:solidFill>
@@ -11343,16 +11623,16 @@
                 <a:sym typeface="Arial"/>
               </a:defRPr>
             </a:lvl5pPr>
-            <a:lvl6pPr lvl="5" marR="0" rtl="0" algn="l">
-              <a:spcBef>
-                <a:spcPts val="0"/>
-              </a:spcBef>
-              <a:spcAft>
-                <a:spcPts val="0"/>
-              </a:spcAft>
-              <a:buSzPts val="2100"/>
-              <a:buNone/>
-              <a:defRPr b="0" i="0" sz="2700" u="none" cap="none" strike="noStrike">
+            <a:lvl6pPr marR="0" lvl="5" algn="l" rtl="0">
+              <a:spcBef>
+                <a:spcPts val="0"/>
+              </a:spcBef>
+              <a:spcAft>
+                <a:spcPts val="0"/>
+              </a:spcAft>
+              <a:buSzPts val="2100"/>
+              <a:buNone/>
+              <a:defRPr sz="2700" b="0" i="0" u="none" strike="noStrike" cap="none">
                 <a:solidFill>
                   <a:schemeClr val="dk1"/>
                 </a:solidFill>
@@ -11362,16 +11642,16 @@
                 <a:sym typeface="Arial"/>
               </a:defRPr>
             </a:lvl6pPr>
-            <a:lvl7pPr lvl="6" marR="0" rtl="0" algn="l">
-              <a:spcBef>
-                <a:spcPts val="0"/>
-              </a:spcBef>
-              <a:spcAft>
-                <a:spcPts val="0"/>
-              </a:spcAft>
-              <a:buSzPts val="2100"/>
-              <a:buNone/>
-              <a:defRPr b="0" i="0" sz="2700" u="none" cap="none" strike="noStrike">
+            <a:lvl7pPr marR="0" lvl="6" algn="l" rtl="0">
+              <a:spcBef>
+                <a:spcPts val="0"/>
+              </a:spcBef>
+              <a:spcAft>
+                <a:spcPts val="0"/>
+              </a:spcAft>
+              <a:buSzPts val="2100"/>
+              <a:buNone/>
+              <a:defRPr sz="2700" b="0" i="0" u="none" strike="noStrike" cap="none">
                 <a:solidFill>
                   <a:schemeClr val="dk1"/>
                 </a:solidFill>
@@ -11381,16 +11661,16 @@
                 <a:sym typeface="Arial"/>
               </a:defRPr>
             </a:lvl7pPr>
-            <a:lvl8pPr lvl="7" marR="0" rtl="0" algn="l">
-              <a:spcBef>
-                <a:spcPts val="0"/>
-              </a:spcBef>
-              <a:spcAft>
-                <a:spcPts val="0"/>
-              </a:spcAft>
-              <a:buSzPts val="2100"/>
-              <a:buNone/>
-              <a:defRPr b="0" i="0" sz="2700" u="none" cap="none" strike="noStrike">
+            <a:lvl8pPr marR="0" lvl="7" algn="l" rtl="0">
+              <a:spcBef>
+                <a:spcPts val="0"/>
+              </a:spcBef>
+              <a:spcAft>
+                <a:spcPts val="0"/>
+              </a:spcAft>
+              <a:buSzPts val="2100"/>
+              <a:buNone/>
+              <a:defRPr sz="2700" b="0" i="0" u="none" strike="noStrike" cap="none">
                 <a:solidFill>
                   <a:schemeClr val="dk1"/>
                 </a:solidFill>
@@ -11400,16 +11680,16 @@
                 <a:sym typeface="Arial"/>
               </a:defRPr>
             </a:lvl8pPr>
-            <a:lvl9pPr lvl="8" marR="0" rtl="0" algn="l">
-              <a:spcBef>
-                <a:spcPts val="0"/>
-              </a:spcBef>
-              <a:spcAft>
-                <a:spcPts val="0"/>
-              </a:spcAft>
-              <a:buSzPts val="2100"/>
-              <a:buNone/>
-              <a:defRPr b="0" i="0" sz="2700" u="none" cap="none" strike="noStrike">
+            <a:lvl9pPr marR="0" lvl="8" algn="l" rtl="0">
+              <a:spcBef>
+                <a:spcPts val="0"/>
+              </a:spcBef>
+              <a:spcAft>
+                <a:spcPts val="0"/>
+              </a:spcAft>
+              <a:buSzPts val="2100"/>
+              <a:buNone/>
+              <a:defRPr sz="2700" b="0" i="0" u="none" strike="noStrike" cap="none">
                 <a:solidFill>
                   <a:schemeClr val="dk1"/>
                 </a:solidFill>
@@ -11420,15 +11700,19 @@
               </a:defRPr>
             </a:lvl9pPr>
           </a:lstStyle>
-          <a:p/>
+          <a:p>
+            <a:endParaRPr/>
+          </a:p>
         </p:txBody>
       </p:sp>
       <p:sp>
         <p:nvSpPr>
           <p:cNvPr id="13" name="Google Shape;13;p7"/>
-          <p:cNvSpPr txBox="1"/>
+          <p:cNvSpPr txBox="1">
+            <a:spLocks noGrp="1"/>
+          </p:cNvSpPr>
           <p:nvPr>
-            <p:ph idx="11" type="ftr"/>
+            <p:ph type="ftr" idx="11"/>
           </p:nvPr>
         </p:nvSpPr>
         <p:spPr>
@@ -11445,20 +11729,20 @@
           </a:ln>
         </p:spPr>
         <p:txBody>
-          <a:bodyPr anchorCtr="0" anchor="ctr" bIns="68550" lIns="137150" spcFirstLastPara="1" rIns="137150" wrap="square" tIns="68550">
+          <a:bodyPr spcFirstLastPara="1" wrap="square" lIns="137150" tIns="68550" rIns="137150" bIns="68550" anchor="ctr" anchorCtr="0">
             <a:noAutofit/>
           </a:bodyPr>
           <a:lstStyle>
-            <a:lvl1pPr lvl="0" marR="0" rtl="0" algn="ctr">
-              <a:spcBef>
-                <a:spcPts val="0"/>
-              </a:spcBef>
-              <a:spcAft>
-                <a:spcPts val="0"/>
-              </a:spcAft>
-              <a:buSzPts val="2100"/>
-              <a:buNone/>
-              <a:defRPr b="0" i="0" sz="1800" u="none" cap="none" strike="noStrike">
+            <a:lvl1pPr marR="0" lvl="0" algn="ctr" rtl="0">
+              <a:spcBef>
+                <a:spcPts val="0"/>
+              </a:spcBef>
+              <a:spcAft>
+                <a:spcPts val="0"/>
+              </a:spcAft>
+              <a:buSzPts val="2100"/>
+              <a:buNone/>
+              <a:defRPr sz="1800" b="0" i="0" u="none" strike="noStrike" cap="none">
                 <a:solidFill>
                   <a:srgbClr val="757575"/>
                 </a:solidFill>
@@ -11468,16 +11752,16 @@
                 <a:sym typeface="Arial"/>
               </a:defRPr>
             </a:lvl1pPr>
-            <a:lvl2pPr lvl="1" marR="0" rtl="0" algn="l">
-              <a:spcBef>
-                <a:spcPts val="0"/>
-              </a:spcBef>
-              <a:spcAft>
-                <a:spcPts val="0"/>
-              </a:spcAft>
-              <a:buSzPts val="2100"/>
-              <a:buNone/>
-              <a:defRPr b="0" i="0" sz="2700" u="none" cap="none" strike="noStrike">
+            <a:lvl2pPr marR="0" lvl="1" algn="l" rtl="0">
+              <a:spcBef>
+                <a:spcPts val="0"/>
+              </a:spcBef>
+              <a:spcAft>
+                <a:spcPts val="0"/>
+              </a:spcAft>
+              <a:buSzPts val="2100"/>
+              <a:buNone/>
+              <a:defRPr sz="2700" b="0" i="0" u="none" strike="noStrike" cap="none">
                 <a:solidFill>
                   <a:schemeClr val="dk1"/>
                 </a:solidFill>
@@ -11487,16 +11771,16 @@
                 <a:sym typeface="Arial"/>
               </a:defRPr>
             </a:lvl2pPr>
-            <a:lvl3pPr lvl="2" marR="0" rtl="0" algn="l">
-              <a:spcBef>
-                <a:spcPts val="0"/>
-              </a:spcBef>
-              <a:spcAft>
-                <a:spcPts val="0"/>
-              </a:spcAft>
-              <a:buSzPts val="2100"/>
-              <a:buNone/>
-              <a:defRPr b="0" i="0" sz="2700" u="none" cap="none" strike="noStrike">
+            <a:lvl3pPr marR="0" lvl="2" algn="l" rtl="0">
+              <a:spcBef>
+                <a:spcPts val="0"/>
+              </a:spcBef>
+              <a:spcAft>
+                <a:spcPts val="0"/>
+              </a:spcAft>
+              <a:buSzPts val="2100"/>
+              <a:buNone/>
+              <a:defRPr sz="2700" b="0" i="0" u="none" strike="noStrike" cap="none">
                 <a:solidFill>
                   <a:schemeClr val="dk1"/>
                 </a:solidFill>
@@ -11506,16 +11790,16 @@
                 <a:sym typeface="Arial"/>
               </a:defRPr>
             </a:lvl3pPr>
-            <a:lvl4pPr lvl="3" marR="0" rtl="0" algn="l">
-              <a:spcBef>
-                <a:spcPts val="0"/>
-              </a:spcBef>
-              <a:spcAft>
-                <a:spcPts val="0"/>
-              </a:spcAft>
-              <a:buSzPts val="2100"/>
-              <a:buNone/>
-              <a:defRPr b="0" i="0" sz="2700" u="none" cap="none" strike="noStrike">
+            <a:lvl4pPr marR="0" lvl="3" algn="l" rtl="0">
+              <a:spcBef>
+                <a:spcPts val="0"/>
+              </a:spcBef>
+              <a:spcAft>
+                <a:spcPts val="0"/>
+              </a:spcAft>
+              <a:buSzPts val="2100"/>
+              <a:buNone/>
+              <a:defRPr sz="2700" b="0" i="0" u="none" strike="noStrike" cap="none">
                 <a:solidFill>
                   <a:schemeClr val="dk1"/>
                 </a:solidFill>
@@ -11525,16 +11809,16 @@
                 <a:sym typeface="Arial"/>
               </a:defRPr>
             </a:lvl4pPr>
-            <a:lvl5pPr lvl="4" marR="0" rtl="0" algn="l">
-              <a:spcBef>
-                <a:spcPts val="0"/>
-              </a:spcBef>
-              <a:spcAft>
-                <a:spcPts val="0"/>
-              </a:spcAft>
-              <a:buSzPts val="2100"/>
-              <a:buNone/>
-              <a:defRPr b="0" i="0" sz="2700" u="none" cap="none" strike="noStrike">
+            <a:lvl5pPr marR="0" lvl="4" algn="l" rtl="0">
+              <a:spcBef>
+                <a:spcPts val="0"/>
+              </a:spcBef>
+              <a:spcAft>
+                <a:spcPts val="0"/>
+              </a:spcAft>
+              <a:buSzPts val="2100"/>
+              <a:buNone/>
+              <a:defRPr sz="2700" b="0" i="0" u="none" strike="noStrike" cap="none">
                 <a:solidFill>
                   <a:schemeClr val="dk1"/>
                 </a:solidFill>
@@ -11544,16 +11828,16 @@
                 <a:sym typeface="Arial"/>
               </a:defRPr>
             </a:lvl5pPr>
-            <a:lvl6pPr lvl="5" marR="0" rtl="0" algn="l">
-              <a:spcBef>
-                <a:spcPts val="0"/>
-              </a:spcBef>
-              <a:spcAft>
-                <a:spcPts val="0"/>
-              </a:spcAft>
-              <a:buSzPts val="2100"/>
-              <a:buNone/>
-              <a:defRPr b="0" i="0" sz="2700" u="none" cap="none" strike="noStrike">
+            <a:lvl6pPr marR="0" lvl="5" algn="l" rtl="0">
+              <a:spcBef>
+                <a:spcPts val="0"/>
+              </a:spcBef>
+              <a:spcAft>
+                <a:spcPts val="0"/>
+              </a:spcAft>
+              <a:buSzPts val="2100"/>
+              <a:buNone/>
+              <a:defRPr sz="2700" b="0" i="0" u="none" strike="noStrike" cap="none">
                 <a:solidFill>
                   <a:schemeClr val="dk1"/>
                 </a:solidFill>
@@ -11563,16 +11847,16 @@
                 <a:sym typeface="Arial"/>
               </a:defRPr>
             </a:lvl6pPr>
-            <a:lvl7pPr lvl="6" marR="0" rtl="0" algn="l">
-              <a:spcBef>
-                <a:spcPts val="0"/>
-              </a:spcBef>
-              <a:spcAft>
-                <a:spcPts val="0"/>
-              </a:spcAft>
-              <a:buSzPts val="2100"/>
-              <a:buNone/>
-              <a:defRPr b="0" i="0" sz="2700" u="none" cap="none" strike="noStrike">
+            <a:lvl7pPr marR="0" lvl="6" algn="l" rtl="0">
+              <a:spcBef>
+                <a:spcPts val="0"/>
+              </a:spcBef>
+              <a:spcAft>
+                <a:spcPts val="0"/>
+              </a:spcAft>
+              <a:buSzPts val="2100"/>
+              <a:buNone/>
+              <a:defRPr sz="2700" b="0" i="0" u="none" strike="noStrike" cap="none">
                 <a:solidFill>
                   <a:schemeClr val="dk1"/>
                 </a:solidFill>
@@ -11582,16 +11866,16 @@
                 <a:sym typeface="Arial"/>
               </a:defRPr>
             </a:lvl7pPr>
-            <a:lvl8pPr lvl="7" marR="0" rtl="0" algn="l">
-              <a:spcBef>
-                <a:spcPts val="0"/>
-              </a:spcBef>
-              <a:spcAft>
-                <a:spcPts val="0"/>
-              </a:spcAft>
-              <a:buSzPts val="2100"/>
-              <a:buNone/>
-              <a:defRPr b="0" i="0" sz="2700" u="none" cap="none" strike="noStrike">
+            <a:lvl8pPr marR="0" lvl="7" algn="l" rtl="0">
+              <a:spcBef>
+                <a:spcPts val="0"/>
+              </a:spcBef>
+              <a:spcAft>
+                <a:spcPts val="0"/>
+              </a:spcAft>
+              <a:buSzPts val="2100"/>
+              <a:buNone/>
+              <a:defRPr sz="2700" b="0" i="0" u="none" strike="noStrike" cap="none">
                 <a:solidFill>
                   <a:schemeClr val="dk1"/>
                 </a:solidFill>
@@ -11601,16 +11885,16 @@
                 <a:sym typeface="Arial"/>
               </a:defRPr>
             </a:lvl8pPr>
-            <a:lvl9pPr lvl="8" marR="0" rtl="0" algn="l">
-              <a:spcBef>
-                <a:spcPts val="0"/>
-              </a:spcBef>
-              <a:spcAft>
-                <a:spcPts val="0"/>
-              </a:spcAft>
-              <a:buSzPts val="2100"/>
-              <a:buNone/>
-              <a:defRPr b="0" i="0" sz="2700" u="none" cap="none" strike="noStrike">
+            <a:lvl9pPr marR="0" lvl="8" algn="l" rtl="0">
+              <a:spcBef>
+                <a:spcPts val="0"/>
+              </a:spcBef>
+              <a:spcAft>
+                <a:spcPts val="0"/>
+              </a:spcAft>
+              <a:buSzPts val="2100"/>
+              <a:buNone/>
+              <a:defRPr sz="2700" b="0" i="0" u="none" strike="noStrike" cap="none">
                 <a:solidFill>
                   <a:schemeClr val="dk1"/>
                 </a:solidFill>
@@ -11621,15 +11905,19 @@
               </a:defRPr>
             </a:lvl9pPr>
           </a:lstStyle>
-          <a:p/>
+          <a:p>
+            <a:endParaRPr/>
+          </a:p>
         </p:txBody>
       </p:sp>
       <p:sp>
         <p:nvSpPr>
           <p:cNvPr id="14" name="Google Shape;14;p7"/>
-          <p:cNvSpPr txBox="1"/>
+          <p:cNvSpPr txBox="1">
+            <a:spLocks noGrp="1"/>
+          </p:cNvSpPr>
           <p:nvPr>
-            <p:ph idx="12" type="sldNum"/>
+            <p:ph type="sldNum" idx="12"/>
           </p:nvPr>
         </p:nvSpPr>
         <p:spPr>
@@ -11646,16 +11934,16 @@
           </a:ln>
         </p:spPr>
         <p:txBody>
-          <a:bodyPr anchorCtr="0" anchor="ctr" bIns="68550" lIns="137150" spcFirstLastPara="1" rIns="137150" wrap="square" tIns="68550">
+          <a:bodyPr spcFirstLastPara="1" wrap="square" lIns="137150" tIns="68550" rIns="137150" bIns="68550" anchor="ctr" anchorCtr="0">
             <a:noAutofit/>
           </a:bodyPr>
           <a:lstStyle>
-            <a:lvl1pPr indent="0" lvl="0" marL="0" marR="0" rtl="0" algn="r">
-              <a:spcBef>
-                <a:spcPts val="0"/>
-              </a:spcBef>
-              <a:buNone/>
-              <a:defRPr b="0" i="0" sz="1800" u="none" cap="none" strike="noStrike">
+            <a:lvl1pPr marL="0" marR="0" lvl="0" indent="0" algn="r" rtl="0">
+              <a:spcBef>
+                <a:spcPts val="0"/>
+              </a:spcBef>
+              <a:buNone/>
+              <a:defRPr sz="1800" b="0" i="0" u="none" strike="noStrike" cap="none">
                 <a:solidFill>
                   <a:srgbClr val="757575"/>
                 </a:solidFill>
@@ -11665,12 +11953,12 @@
                 <a:sym typeface="Arial"/>
               </a:defRPr>
             </a:lvl1pPr>
-            <a:lvl2pPr indent="0" lvl="1" marL="0" marR="0" rtl="0" algn="r">
-              <a:spcBef>
-                <a:spcPts val="0"/>
-              </a:spcBef>
-              <a:buNone/>
-              <a:defRPr b="0" i="0" sz="1800" u="none" cap="none" strike="noStrike">
+            <a:lvl2pPr marL="0" marR="0" lvl="1" indent="0" algn="r" rtl="0">
+              <a:spcBef>
+                <a:spcPts val="0"/>
+              </a:spcBef>
+              <a:buNone/>
+              <a:defRPr sz="1800" b="0" i="0" u="none" strike="noStrike" cap="none">
                 <a:solidFill>
                   <a:srgbClr val="757575"/>
                 </a:solidFill>
@@ -11680,12 +11968,12 @@
                 <a:sym typeface="Arial"/>
               </a:defRPr>
             </a:lvl2pPr>
-            <a:lvl3pPr indent="0" lvl="2" marL="0" marR="0" rtl="0" algn="r">
-              <a:spcBef>
-                <a:spcPts val="0"/>
-              </a:spcBef>
-              <a:buNone/>
-              <a:defRPr b="0" i="0" sz="1800" u="none" cap="none" strike="noStrike">
+            <a:lvl3pPr marL="0" marR="0" lvl="2" indent="0" algn="r" rtl="0">
+              <a:spcBef>
+                <a:spcPts val="0"/>
+              </a:spcBef>
+              <a:buNone/>
+              <a:defRPr sz="1800" b="0" i="0" u="none" strike="noStrike" cap="none">
                 <a:solidFill>
                   <a:srgbClr val="757575"/>
                 </a:solidFill>
@@ -11695,12 +11983,12 @@
                 <a:sym typeface="Arial"/>
               </a:defRPr>
             </a:lvl3pPr>
-            <a:lvl4pPr indent="0" lvl="3" marL="0" marR="0" rtl="0" algn="r">
-              <a:spcBef>
-                <a:spcPts val="0"/>
-              </a:spcBef>
-              <a:buNone/>
-              <a:defRPr b="0" i="0" sz="1800" u="none" cap="none" strike="noStrike">
+            <a:lvl4pPr marL="0" marR="0" lvl="3" indent="0" algn="r" rtl="0">
+              <a:spcBef>
+                <a:spcPts val="0"/>
+              </a:spcBef>
+              <a:buNone/>
+              <a:defRPr sz="1800" b="0" i="0" u="none" strike="noStrike" cap="none">
                 <a:solidFill>
                   <a:srgbClr val="757575"/>
                 </a:solidFill>
@@ -11710,12 +11998,12 @@
                 <a:sym typeface="Arial"/>
               </a:defRPr>
             </a:lvl4pPr>
-            <a:lvl5pPr indent="0" lvl="4" marL="0" marR="0" rtl="0" algn="r">
-              <a:spcBef>
-                <a:spcPts val="0"/>
-              </a:spcBef>
-              <a:buNone/>
-              <a:defRPr b="0" i="0" sz="1800" u="none" cap="none" strike="noStrike">
+            <a:lvl5pPr marL="0" marR="0" lvl="4" indent="0" algn="r" rtl="0">
+              <a:spcBef>
+                <a:spcPts val="0"/>
+              </a:spcBef>
+              <a:buNone/>
+              <a:defRPr sz="1800" b="0" i="0" u="none" strike="noStrike" cap="none">
                 <a:solidFill>
                   <a:srgbClr val="757575"/>
                 </a:solidFill>
@@ -11725,12 +12013,12 @@
                 <a:sym typeface="Arial"/>
               </a:defRPr>
             </a:lvl5pPr>
-            <a:lvl6pPr indent="0" lvl="5" marL="0" marR="0" rtl="0" algn="r">
-              <a:spcBef>
-                <a:spcPts val="0"/>
-              </a:spcBef>
-              <a:buNone/>
-              <a:defRPr b="0" i="0" sz="1800" u="none" cap="none" strike="noStrike">
+            <a:lvl6pPr marL="0" marR="0" lvl="5" indent="0" algn="r" rtl="0">
+              <a:spcBef>
+                <a:spcPts val="0"/>
+              </a:spcBef>
+              <a:buNone/>
+              <a:defRPr sz="1800" b="0" i="0" u="none" strike="noStrike" cap="none">
                 <a:solidFill>
                   <a:srgbClr val="757575"/>
                 </a:solidFill>
@@ -11740,12 +12028,12 @@
                 <a:sym typeface="Arial"/>
               </a:defRPr>
             </a:lvl6pPr>
-            <a:lvl7pPr indent="0" lvl="6" marL="0" marR="0" rtl="0" algn="r">
-              <a:spcBef>
-                <a:spcPts val="0"/>
-              </a:spcBef>
-              <a:buNone/>
-              <a:defRPr b="0" i="0" sz="1800" u="none" cap="none" strike="noStrike">
+            <a:lvl7pPr marL="0" marR="0" lvl="6" indent="0" algn="r" rtl="0">
+              <a:spcBef>
+                <a:spcPts val="0"/>
+              </a:spcBef>
+              <a:buNone/>
+              <a:defRPr sz="1800" b="0" i="0" u="none" strike="noStrike" cap="none">
                 <a:solidFill>
                   <a:srgbClr val="757575"/>
                 </a:solidFill>
@@ -11755,12 +12043,12 @@
                 <a:sym typeface="Arial"/>
               </a:defRPr>
             </a:lvl7pPr>
-            <a:lvl8pPr indent="0" lvl="7" marL="0" marR="0" rtl="0" algn="r">
-              <a:spcBef>
-                <a:spcPts val="0"/>
-              </a:spcBef>
-              <a:buNone/>
-              <a:defRPr b="0" i="0" sz="1800" u="none" cap="none" strike="noStrike">
+            <a:lvl8pPr marL="0" marR="0" lvl="7" indent="0" algn="r" rtl="0">
+              <a:spcBef>
+                <a:spcPts val="0"/>
+              </a:spcBef>
+              <a:buNone/>
+              <a:defRPr sz="1800" b="0" i="0" u="none" strike="noStrike" cap="none">
                 <a:solidFill>
                   <a:srgbClr val="757575"/>
                 </a:solidFill>
@@ -11770,12 +12058,12 @@
                 <a:sym typeface="Arial"/>
               </a:defRPr>
             </a:lvl8pPr>
-            <a:lvl9pPr indent="0" lvl="8" marL="0" marR="0" rtl="0" algn="r">
-              <a:spcBef>
-                <a:spcPts val="0"/>
-              </a:spcBef>
-              <a:buNone/>
-              <a:defRPr b="0" i="0" sz="1800" u="none" cap="none" strike="noStrike">
+            <a:lvl9pPr marL="0" marR="0" lvl="8" indent="0" algn="r" rtl="0">
+              <a:spcBef>
+                <a:spcPts val="0"/>
+              </a:spcBef>
+              <a:buNone/>
+              <a:defRPr sz="1800" b="0" i="0" u="none" strike="noStrike" cap="none">
                 <a:solidFill>
                   <a:srgbClr val="757575"/>
                 </a:solidFill>
@@ -11787,7 +12075,7 @@
             </a:lvl9pPr>
           </a:lstStyle>
           <a:p>
-            <a:pPr indent="0" lvl="0" marL="0" rtl="0" algn="r">
+            <a:pPr marL="0" lvl="0" indent="0" algn="r" rtl="0">
               <a:spcBef>
                 <a:spcPts val="0"/>
               </a:spcBef>
@@ -11806,7 +12094,7 @@
       </p:sp>
     </p:spTree>
   </p:cSld>
-  <p:clrMap accent1="accent1" accent2="accent2" accent3="accent3" accent4="accent4" accent5="accent5" accent6="accent6" bg1="lt1" bg2="dk2" tx1="dk1" tx2="lt2" folHlink="folHlink" hlink="hlink"/>
+  <p:clrMap bg1="lt1" tx1="dk1" bg2="dk2" tx2="lt2" accent1="accent1" accent2="accent2" accent3="accent3" accent4="accent4" accent5="accent5" accent6="accent6" hlink="hlink" folHlink="folHlink"/>
   <p:sldLayoutIdLst>
     <p:sldLayoutId id="2147483649" r:id="rId1"/>
     <p:sldLayoutId id="2147483650" r:id="rId2"/>
@@ -11821,10 +12109,10 @@
     <p:sldLayoutId id="2147483659" r:id="rId11"/>
     <p:sldLayoutId id="2147483660" r:id="rId12"/>
   </p:sldLayoutIdLst>
-  <p:hf dt="0" ftr="0" hdr="0"/>
+  <p:hf hdr="0" ftr="0" dt="0"/>
   <p:txStyles>
     <p:titleStyle>
-      <a:defPPr lvl="0" marR="0" rtl="0" algn="l">
+      <a:defPPr marR="0" lvl="0" algn="l" rtl="0">
         <a:lnSpc>
           <a:spcPct val="100000"/>
         </a:lnSpc>
@@ -11835,7 +12123,7 @@
           <a:spcPts val="0"/>
         </a:spcAft>
       </a:defPPr>
-      <a:lvl1pPr lvl="0" marR="0" rtl="0" algn="l">
+      <a:lvl1pPr marR="0" lvl="0" algn="l" rtl="0">
         <a:lnSpc>
           <a:spcPct val="100000"/>
         </a:lnSpc>
@@ -11849,7 +12137,7 @@
           <a:srgbClr val="000000"/>
         </a:buClr>
         <a:buFont typeface="Arial"/>
-        <a:defRPr b="0" i="0" sz="1400" u="none" cap="none" strike="noStrike">
+        <a:defRPr sz="1400" b="0" i="0" u="none" strike="noStrike" cap="none">
           <a:solidFill>
             <a:srgbClr val="000000"/>
           </a:solidFill>
@@ -11859,7 +12147,7 @@
           <a:sym typeface="Arial"/>
         </a:defRPr>
       </a:lvl1pPr>
-      <a:lvl2pPr lvl="1" marR="0" rtl="0" algn="l">
+      <a:lvl2pPr marR="0" lvl="1" algn="l" rtl="0">
         <a:lnSpc>
           <a:spcPct val="100000"/>
         </a:lnSpc>
@@ -11873,7 +12161,7 @@
           <a:srgbClr val="000000"/>
         </a:buClr>
         <a:buFont typeface="Arial"/>
-        <a:defRPr b="0" i="0" sz="1400" u="none" cap="none" strike="noStrike">
+        <a:defRPr sz="1400" b="0" i="0" u="none" strike="noStrike" cap="none">
           <a:solidFill>
             <a:srgbClr val="000000"/>
           </a:solidFill>
@@ -11883,7 +12171,7 @@
           <a:sym typeface="Arial"/>
         </a:defRPr>
       </a:lvl2pPr>
-      <a:lvl3pPr lvl="2" marR="0" rtl="0" algn="l">
+      <a:lvl3pPr marR="0" lvl="2" algn="l" rtl="0">
         <a:lnSpc>
           <a:spcPct val="100000"/>
         </a:lnSpc>
@@ -11897,7 +12185,7 @@
           <a:srgbClr val="000000"/>
         </a:buClr>
         <a:buFont typeface="Arial"/>
-        <a:defRPr b="0" i="0" sz="1400" u="none" cap="none" strike="noStrike">
+        <a:defRPr sz="1400" b="0" i="0" u="none" strike="noStrike" cap="none">
           <a:solidFill>
             <a:srgbClr val="000000"/>
           </a:solidFill>
@@ -11907,7 +12195,7 @@
           <a:sym typeface="Arial"/>
         </a:defRPr>
       </a:lvl3pPr>
-      <a:lvl4pPr lvl="3" marR="0" rtl="0" algn="l">
+      <a:lvl4pPr marR="0" lvl="3" algn="l" rtl="0">
         <a:lnSpc>
           <a:spcPct val="100000"/>
         </a:lnSpc>
@@ -11921,7 +12209,7 @@
           <a:srgbClr val="000000"/>
         </a:buClr>
         <a:buFont typeface="Arial"/>
-        <a:defRPr b="0" i="0" sz="1400" u="none" cap="none" strike="noStrike">
+        <a:defRPr sz="1400" b="0" i="0" u="none" strike="noStrike" cap="none">
           <a:solidFill>
             <a:srgbClr val="000000"/>
           </a:solidFill>
@@ -11931,7 +12219,7 @@
           <a:sym typeface="Arial"/>
         </a:defRPr>
       </a:lvl4pPr>
-      <a:lvl5pPr lvl="4" marR="0" rtl="0" algn="l">
+      <a:lvl5pPr marR="0" lvl="4" algn="l" rtl="0">
         <a:lnSpc>
           <a:spcPct val="100000"/>
         </a:lnSpc>
@@ -11945,7 +12233,7 @@
           <a:srgbClr val="000000"/>
         </a:buClr>
         <a:buFont typeface="Arial"/>
-        <a:defRPr b="0" i="0" sz="1400" u="none" cap="none" strike="noStrike">
+        <a:defRPr sz="1400" b="0" i="0" u="none" strike="noStrike" cap="none">
           <a:solidFill>
             <a:srgbClr val="000000"/>
           </a:solidFill>
@@ -11955,7 +12243,7 @@
           <a:sym typeface="Arial"/>
         </a:defRPr>
       </a:lvl5pPr>
-      <a:lvl6pPr lvl="5" marR="0" rtl="0" algn="l">
+      <a:lvl6pPr marR="0" lvl="5" algn="l" rtl="0">
         <a:lnSpc>
           <a:spcPct val="100000"/>
         </a:lnSpc>
@@ -11969,7 +12257,7 @@
           <a:srgbClr val="000000"/>
         </a:buClr>
         <a:buFont typeface="Arial"/>
-        <a:defRPr b="0" i="0" sz="1400" u="none" cap="none" strike="noStrike">
+        <a:defRPr sz="1400" b="0" i="0" u="none" strike="noStrike" cap="none">
           <a:solidFill>
             <a:srgbClr val="000000"/>
           </a:solidFill>
@@ -11979,7 +12267,7 @@
           <a:sym typeface="Arial"/>
         </a:defRPr>
       </a:lvl6pPr>
-      <a:lvl7pPr lvl="6" marR="0" rtl="0" algn="l">
+      <a:lvl7pPr marR="0" lvl="6" algn="l" rtl="0">
         <a:lnSpc>
           <a:spcPct val="100000"/>
         </a:lnSpc>
@@ -11993,7 +12281,7 @@
           <a:srgbClr val="000000"/>
         </a:buClr>
         <a:buFont typeface="Arial"/>
-        <a:defRPr b="0" i="0" sz="1400" u="none" cap="none" strike="noStrike">
+        <a:defRPr sz="1400" b="0" i="0" u="none" strike="noStrike" cap="none">
           <a:solidFill>
             <a:srgbClr val="000000"/>
           </a:solidFill>
@@ -12003,7 +12291,7 @@
           <a:sym typeface="Arial"/>
         </a:defRPr>
       </a:lvl7pPr>
-      <a:lvl8pPr lvl="7" marR="0" rtl="0" algn="l">
+      <a:lvl8pPr marR="0" lvl="7" algn="l" rtl="0">
         <a:lnSpc>
           <a:spcPct val="100000"/>
         </a:lnSpc>
@@ -12017,7 +12305,7 @@
           <a:srgbClr val="000000"/>
         </a:buClr>
         <a:buFont typeface="Arial"/>
-        <a:defRPr b="0" i="0" sz="1400" u="none" cap="none" strike="noStrike">
+        <a:defRPr sz="1400" b="0" i="0" u="none" strike="noStrike" cap="none">
           <a:solidFill>
             <a:srgbClr val="000000"/>
           </a:solidFill>
@@ -12027,7 +12315,7 @@
           <a:sym typeface="Arial"/>
         </a:defRPr>
       </a:lvl8pPr>
-      <a:lvl9pPr lvl="8" marR="0" rtl="0" algn="l">
+      <a:lvl9pPr marR="0" lvl="8" algn="l" rtl="0">
         <a:lnSpc>
           <a:spcPct val="100000"/>
         </a:lnSpc>
@@ -12041,7 +12329,7 @@
           <a:srgbClr val="000000"/>
         </a:buClr>
         <a:buFont typeface="Arial"/>
-        <a:defRPr b="0" i="0" sz="1400" u="none" cap="none" strike="noStrike">
+        <a:defRPr sz="1400" b="0" i="0" u="none" strike="noStrike" cap="none">
           <a:solidFill>
             <a:srgbClr val="000000"/>
           </a:solidFill>
@@ -12053,7 +12341,7 @@
       </a:lvl9pPr>
     </p:titleStyle>
     <p:bodyStyle>
-      <a:defPPr lvl="0" marR="0" rtl="0" algn="l">
+      <a:defPPr marR="0" lvl="0" algn="l" rtl="0">
         <a:lnSpc>
           <a:spcPct val="100000"/>
         </a:lnSpc>
@@ -12064,7 +12352,7 @@
           <a:spcPts val="0"/>
         </a:spcAft>
       </a:defPPr>
-      <a:lvl1pPr lvl="0" marR="0" rtl="0" algn="l">
+      <a:lvl1pPr marR="0" lvl="0" algn="l" rtl="0">
         <a:lnSpc>
           <a:spcPct val="100000"/>
         </a:lnSpc>
@@ -12078,7 +12366,7 @@
           <a:srgbClr val="000000"/>
         </a:buClr>
         <a:buFont typeface="Arial"/>
-        <a:defRPr b="0" i="0" sz="1400" u="none" cap="none" strike="noStrike">
+        <a:defRPr sz="1400" b="0" i="0" u="none" strike="noStrike" cap="none">
           <a:solidFill>
             <a:srgbClr val="000000"/>
           </a:solidFill>
@@ -12088,7 +12376,7 @@
           <a:sym typeface="Arial"/>
         </a:defRPr>
       </a:lvl1pPr>
-      <a:lvl2pPr lvl="1" marR="0" rtl="0" algn="l">
+      <a:lvl2pPr marR="0" lvl="1" algn="l" rtl="0">
         <a:lnSpc>
           <a:spcPct val="100000"/>
         </a:lnSpc>
@@ -12102,7 +12390,7 @@
           <a:srgbClr val="000000"/>
         </a:buClr>
         <a:buFont typeface="Arial"/>
-        <a:defRPr b="0" i="0" sz="1400" u="none" cap="none" strike="noStrike">
+        <a:defRPr sz="1400" b="0" i="0" u="none" strike="noStrike" cap="none">
           <a:solidFill>
             <a:srgbClr val="000000"/>
           </a:solidFill>
@@ -12112,7 +12400,7 @@
           <a:sym typeface="Arial"/>
         </a:defRPr>
       </a:lvl2pPr>
-      <a:lvl3pPr lvl="2" marR="0" rtl="0" algn="l">
+      <a:lvl3pPr marR="0" lvl="2" algn="l" rtl="0">
         <a:lnSpc>
           <a:spcPct val="100000"/>
         </a:lnSpc>
@@ -12126,7 +12414,7 @@
           <a:srgbClr val="000000"/>
         </a:buClr>
         <a:buFont typeface="Arial"/>
-        <a:defRPr b="0" i="0" sz="1400" u="none" cap="none" strike="noStrike">
+        <a:defRPr sz="1400" b="0" i="0" u="none" strike="noStrike" cap="none">
           <a:solidFill>
             <a:srgbClr val="000000"/>
           </a:solidFill>
@@ -12136,7 +12424,7 @@
           <a:sym typeface="Arial"/>
         </a:defRPr>
       </a:lvl3pPr>
-      <a:lvl4pPr lvl="3" marR="0" rtl="0" algn="l">
+      <a:lvl4pPr marR="0" lvl="3" algn="l" rtl="0">
         <a:lnSpc>
           <a:spcPct val="100000"/>
         </a:lnSpc>
@@ -12150,7 +12438,7 @@
           <a:srgbClr val="000000"/>
         </a:buClr>
         <a:buFont typeface="Arial"/>
-        <a:defRPr b="0" i="0" sz="1400" u="none" cap="none" strike="noStrike">
+        <a:defRPr sz="1400" b="0" i="0" u="none" strike="noStrike" cap="none">
           <a:solidFill>
             <a:srgbClr val="000000"/>
           </a:solidFill>
@@ -12160,7 +12448,7 @@
           <a:sym typeface="Arial"/>
         </a:defRPr>
       </a:lvl4pPr>
-      <a:lvl5pPr lvl="4" marR="0" rtl="0" algn="l">
+      <a:lvl5pPr marR="0" lvl="4" algn="l" rtl="0">
         <a:lnSpc>
           <a:spcPct val="100000"/>
         </a:lnSpc>
@@ -12174,7 +12462,7 @@
           <a:srgbClr val="000000"/>
         </a:buClr>
         <a:buFont typeface="Arial"/>
-        <a:defRPr b="0" i="0" sz="1400" u="none" cap="none" strike="noStrike">
+        <a:defRPr sz="1400" b="0" i="0" u="none" strike="noStrike" cap="none">
           <a:solidFill>
             <a:srgbClr val="000000"/>
           </a:solidFill>
@@ -12184,7 +12472,7 @@
           <a:sym typeface="Arial"/>
         </a:defRPr>
       </a:lvl5pPr>
-      <a:lvl6pPr lvl="5" marR="0" rtl="0" algn="l">
+      <a:lvl6pPr marR="0" lvl="5" algn="l" rtl="0">
         <a:lnSpc>
           <a:spcPct val="100000"/>
         </a:lnSpc>
@@ -12198,7 +12486,7 @@
           <a:srgbClr val="000000"/>
         </a:buClr>
         <a:buFont typeface="Arial"/>
-        <a:defRPr b="0" i="0" sz="1400" u="none" cap="none" strike="noStrike">
+        <a:defRPr sz="1400" b="0" i="0" u="none" strike="noStrike" cap="none">
           <a:solidFill>
             <a:srgbClr val="000000"/>
           </a:solidFill>
@@ -12208,7 +12496,7 @@
           <a:sym typeface="Arial"/>
         </a:defRPr>
       </a:lvl6pPr>
-      <a:lvl7pPr lvl="6" marR="0" rtl="0" algn="l">
+      <a:lvl7pPr marR="0" lvl="6" algn="l" rtl="0">
         <a:lnSpc>
           <a:spcPct val="100000"/>
         </a:lnSpc>
@@ -12222,7 +12510,7 @@
           <a:srgbClr val="000000"/>
         </a:buClr>
         <a:buFont typeface="Arial"/>
-        <a:defRPr b="0" i="0" sz="1400" u="none" cap="none" strike="noStrike">
+        <a:defRPr sz="1400" b="0" i="0" u="none" strike="noStrike" cap="none">
           <a:solidFill>
             <a:srgbClr val="000000"/>
           </a:solidFill>
@@ -12232,7 +12520,7 @@
           <a:sym typeface="Arial"/>
         </a:defRPr>
       </a:lvl7pPr>
-      <a:lvl8pPr lvl="7" marR="0" rtl="0" algn="l">
+      <a:lvl8pPr marR="0" lvl="7" algn="l" rtl="0">
         <a:lnSpc>
           <a:spcPct val="100000"/>
         </a:lnSpc>
@@ -12246,7 +12534,7 @@
           <a:srgbClr val="000000"/>
         </a:buClr>
         <a:buFont typeface="Arial"/>
-        <a:defRPr b="0" i="0" sz="1400" u="none" cap="none" strike="noStrike">
+        <a:defRPr sz="1400" b="0" i="0" u="none" strike="noStrike" cap="none">
           <a:solidFill>
             <a:srgbClr val="000000"/>
           </a:solidFill>
@@ -12256,7 +12544,7 @@
           <a:sym typeface="Arial"/>
         </a:defRPr>
       </a:lvl8pPr>
-      <a:lvl9pPr lvl="8" marR="0" rtl="0" algn="l">
+      <a:lvl9pPr marR="0" lvl="8" algn="l" rtl="0">
         <a:lnSpc>
           <a:spcPct val="100000"/>
         </a:lnSpc>
@@ -12270,7 +12558,7 @@
           <a:srgbClr val="000000"/>
         </a:buClr>
         <a:buFont typeface="Arial"/>
-        <a:defRPr b="0" i="0" sz="1400" u="none" cap="none" strike="noStrike">
+        <a:defRPr sz="1400" b="0" i="0" u="none" strike="noStrike" cap="none">
           <a:solidFill>
             <a:srgbClr val="000000"/>
           </a:solidFill>
@@ -12282,7 +12570,7 @@
       </a:lvl9pPr>
     </p:bodyStyle>
     <p:otherStyle>
-      <a:defPPr lvl="0" marR="0" rtl="0" algn="l">
+      <a:defPPr marR="0" lvl="0" algn="l" rtl="0">
         <a:lnSpc>
           <a:spcPct val="100000"/>
         </a:lnSpc>
@@ -12293,7 +12581,7 @@
           <a:spcPts val="0"/>
         </a:spcAft>
       </a:defPPr>
-      <a:lvl1pPr lvl="0" marR="0" rtl="0" algn="l">
+      <a:lvl1pPr marR="0" lvl="0" algn="l" rtl="0">
         <a:lnSpc>
           <a:spcPct val="100000"/>
         </a:lnSpc>
@@ -12307,7 +12595,7 @@
           <a:srgbClr val="000000"/>
         </a:buClr>
         <a:buFont typeface="Arial"/>
-        <a:defRPr b="0" i="0" sz="1400" u="none" cap="none" strike="noStrike">
+        <a:defRPr sz="1400" b="0" i="0" u="none" strike="noStrike" cap="none">
           <a:solidFill>
             <a:srgbClr val="000000"/>
           </a:solidFill>
@@ -12317,7 +12605,7 @@
           <a:sym typeface="Arial"/>
         </a:defRPr>
       </a:lvl1pPr>
-      <a:lvl2pPr lvl="1" marR="0" rtl="0" algn="l">
+      <a:lvl2pPr marR="0" lvl="1" algn="l" rtl="0">
         <a:lnSpc>
           <a:spcPct val="100000"/>
         </a:lnSpc>
@@ -12331,7 +12619,7 @@
           <a:srgbClr val="000000"/>
         </a:buClr>
         <a:buFont typeface="Arial"/>
-        <a:defRPr b="0" i="0" sz="1400" u="none" cap="none" strike="noStrike">
+        <a:defRPr sz="1400" b="0" i="0" u="none" strike="noStrike" cap="none">
           <a:solidFill>
             <a:srgbClr val="000000"/>
           </a:solidFill>
@@ -12341,7 +12629,7 @@
           <a:sym typeface="Arial"/>
         </a:defRPr>
       </a:lvl2pPr>
-      <a:lvl3pPr lvl="2" marR="0" rtl="0" algn="l">
+      <a:lvl3pPr marR="0" lvl="2" algn="l" rtl="0">
         <a:lnSpc>
           <a:spcPct val="100000"/>
         </a:lnSpc>
@@ -12355,7 +12643,7 @@
           <a:srgbClr val="000000"/>
         </a:buClr>
         <a:buFont typeface="Arial"/>
-        <a:defRPr b="0" i="0" sz="1400" u="none" cap="none" strike="noStrike">
+        <a:defRPr sz="1400" b="0" i="0" u="none" strike="noStrike" cap="none">
           <a:solidFill>
             <a:srgbClr val="000000"/>
           </a:solidFill>
@@ -12365,7 +12653,7 @@
           <a:sym typeface="Arial"/>
         </a:defRPr>
       </a:lvl3pPr>
-      <a:lvl4pPr lvl="3" marR="0" rtl="0" algn="l">
+      <a:lvl4pPr marR="0" lvl="3" algn="l" rtl="0">
         <a:lnSpc>
           <a:spcPct val="100000"/>
         </a:lnSpc>
@@ -12379,7 +12667,7 @@
           <a:srgbClr val="000000"/>
         </a:buClr>
         <a:buFont typeface="Arial"/>
-        <a:defRPr b="0" i="0" sz="1400" u="none" cap="none" strike="noStrike">
+        <a:defRPr sz="1400" b="0" i="0" u="none" strike="noStrike" cap="none">
           <a:solidFill>
             <a:srgbClr val="000000"/>
           </a:solidFill>
@@ -12389,7 +12677,7 @@
           <a:sym typeface="Arial"/>
         </a:defRPr>
       </a:lvl4pPr>
-      <a:lvl5pPr lvl="4" marR="0" rtl="0" algn="l">
+      <a:lvl5pPr marR="0" lvl="4" algn="l" rtl="0">
         <a:lnSpc>
           <a:spcPct val="100000"/>
         </a:lnSpc>
@@ -12403,7 +12691,7 @@
           <a:srgbClr val="000000"/>
         </a:buClr>
         <a:buFont typeface="Arial"/>
-        <a:defRPr b="0" i="0" sz="1400" u="none" cap="none" strike="noStrike">
+        <a:defRPr sz="1400" b="0" i="0" u="none" strike="noStrike" cap="none">
           <a:solidFill>
             <a:srgbClr val="000000"/>
           </a:solidFill>
@@ -12413,7 +12701,7 @@
           <a:sym typeface="Arial"/>
         </a:defRPr>
       </a:lvl5pPr>
-      <a:lvl6pPr lvl="5" marR="0" rtl="0" algn="l">
+      <a:lvl6pPr marR="0" lvl="5" algn="l" rtl="0">
         <a:lnSpc>
           <a:spcPct val="100000"/>
         </a:lnSpc>
@@ -12427,7 +12715,7 @@
           <a:srgbClr val="000000"/>
         </a:buClr>
         <a:buFont typeface="Arial"/>
-        <a:defRPr b="0" i="0" sz="1400" u="none" cap="none" strike="noStrike">
+        <a:defRPr sz="1400" b="0" i="0" u="none" strike="noStrike" cap="none">
           <a:solidFill>
             <a:srgbClr val="000000"/>
           </a:solidFill>
@@ -12437,7 +12725,7 @@
           <a:sym typeface="Arial"/>
         </a:defRPr>
       </a:lvl6pPr>
-      <a:lvl7pPr lvl="6" marR="0" rtl="0" algn="l">
+      <a:lvl7pPr marR="0" lvl="6" algn="l" rtl="0">
         <a:lnSpc>
           <a:spcPct val="100000"/>
         </a:lnSpc>
@@ -12451,7 +12739,7 @@
           <a:srgbClr val="000000"/>
         </a:buClr>
         <a:buFont typeface="Arial"/>
-        <a:defRPr b="0" i="0" sz="1400" u="none" cap="none" strike="noStrike">
+        <a:defRPr sz="1400" b="0" i="0" u="none" strike="noStrike" cap="none">
           <a:solidFill>
             <a:srgbClr val="000000"/>
           </a:solidFill>
@@ -12461,7 +12749,7 @@
           <a:sym typeface="Arial"/>
         </a:defRPr>
       </a:lvl7pPr>
-      <a:lvl8pPr lvl="7" marR="0" rtl="0" algn="l">
+      <a:lvl8pPr marR="0" lvl="7" algn="l" rtl="0">
         <a:lnSpc>
           <a:spcPct val="100000"/>
         </a:lnSpc>
@@ -12475,7 +12763,7 @@
           <a:srgbClr val="000000"/>
         </a:buClr>
         <a:buFont typeface="Arial"/>
-        <a:defRPr b="0" i="0" sz="1400" u="none" cap="none" strike="noStrike">
+        <a:defRPr sz="1400" b="0" i="0" u="none" strike="noStrike" cap="none">
           <a:solidFill>
             <a:srgbClr val="000000"/>
           </a:solidFill>
@@ -12485,7 +12773,7 @@
           <a:sym typeface="Arial"/>
         </a:defRPr>
       </a:lvl8pPr>
-      <a:lvl9pPr lvl="8" marR="0" rtl="0" algn="l">
+      <a:lvl9pPr marR="0" lvl="8" algn="l" rtl="0">
         <a:lnSpc>
           <a:spcPct val="100000"/>
         </a:lnSpc>
@@ -12499,7 +12787,7 @@
           <a:srgbClr val="000000"/>
         </a:buClr>
         <a:buFont typeface="Arial"/>
-        <a:defRPr b="0" i="0" sz="1400" u="none" cap="none" strike="noStrike">
+        <a:defRPr sz="1400" b="0" i="0" u="none" strike="noStrike" cap="none">
           <a:solidFill>
             <a:srgbClr val="000000"/>
           </a:solidFill>
@@ -12515,18 +12803,19 @@
 </file>
 
 <file path=ppt/slides/slide1.xml><?xml version="1.0" encoding="utf-8"?>
-<p:sld xmlns:a="http://schemas.openxmlformats.org/drawingml/2006/main" xmlns:r="http://schemas.openxmlformats.org/officeDocument/2006/relationships" xmlns:mc="http://schemas.openxmlformats.org/markup-compatibility/2006" xmlns:mv="urn:schemas-microsoft-com:mac:vml" xmlns:p="http://schemas.openxmlformats.org/presentationml/2006/main" xmlns:c="http://schemas.openxmlformats.org/drawingml/2006/chart" xmlns:dgm="http://schemas.openxmlformats.org/drawingml/2006/diagram" xmlns:o="urn:schemas-microsoft-com:office:office" xmlns:v="urn:schemas-microsoft-com:vml" xmlns:pvml="urn:schemas-microsoft-com:office:powerpoint" xmlns:com="http://schemas.openxmlformats.org/drawingml/2006/compatibility" xmlns:p14="http://schemas.microsoft.com/office/powerpoint/2010/main" xmlns:p15="http://schemas.microsoft.com/office/powerpoint/2012/main" xmlns:ahyp="http://schemas.microsoft.com/office/drawing/2018/hyperlinkcolor">
+<p:sld xmlns:a="http://schemas.openxmlformats.org/drawingml/2006/main" xmlns:r="http://schemas.openxmlformats.org/officeDocument/2006/relationships" xmlns:p="http://schemas.openxmlformats.org/presentationml/2006/main">
   <p:cSld>
     <p:bg>
       <p:bgPr>
         <a:solidFill>
           <a:srgbClr val="812926"/>
         </a:solidFill>
+        <a:effectLst/>
       </p:bgPr>
     </p:bg>
     <p:spTree>
       <p:nvGrpSpPr>
-        <p:cNvPr id="90" name="Shape 90"/>
+        <p:cNvPr id="1" name="Shape 90"/>
         <p:cNvGrpSpPr/>
         <p:nvPr/>
       </p:nvGrpSpPr>
@@ -12548,7 +12837,7 @@
           <a:blip r:embed="rId3">
             <a:alphaModFix/>
           </a:blip>
-          <a:srcRect b="0" l="0" r="0" t="0"/>
+          <a:srcRect/>
           <a:stretch/>
         </p:blipFill>
         <p:spPr>
@@ -12585,12 +12874,12 @@
           </a:ln>
         </p:spPr>
         <p:txBody>
-          <a:bodyPr anchorCtr="0" anchor="t" bIns="274300" lIns="274300" spcFirstLastPara="1" rIns="274300" wrap="square" tIns="274300">
+          <a:bodyPr spcFirstLastPara="1" wrap="square" lIns="274300" tIns="274300" rIns="274300" bIns="274300" anchor="t" anchorCtr="0">
             <a:normAutofit/>
           </a:bodyPr>
           <a:lstStyle/>
           <a:p>
-            <a:pPr indent="0" lvl="0" marL="0" marR="0" rtl="0" algn="l">
+            <a:pPr marL="0" marR="0" lvl="0" indent="0" algn="l" rtl="0">
               <a:lnSpc>
                 <a:spcPct val="100000"/>
               </a:lnSpc>
@@ -12607,10 +12896,7 @@
               <a:buFont typeface="Poppins"/>
               <a:buNone/>
             </a:pPr>
-            <a:r>
-              <a:t/>
-            </a:r>
-            <a:endParaRPr b="1" sz="10800">
+            <a:endParaRPr sz="10800" b="1" dirty="0">
               <a:solidFill>
                 <a:schemeClr val="lt1"/>
               </a:solidFill>
@@ -12621,7 +12907,7 @@
             </a:endParaRPr>
           </a:p>
           <a:p>
-            <a:pPr indent="0" lvl="0" marL="0" marR="0" rtl="0" algn="l">
+            <a:pPr marL="0" marR="0" lvl="0" indent="0" algn="l" rtl="0">
               <a:lnSpc>
                 <a:spcPct val="100000"/>
               </a:lnSpc>
@@ -12639,7 +12925,7 @@
               <a:buNone/>
             </a:pPr>
             <a:r>
-              <a:rPr b="1" i="0" lang="en-US" sz="10800" u="none" cap="none" strike="noStrike">
+              <a:rPr lang="en-US" sz="10800" b="1" i="0" u="none" strike="noStrike" cap="none" dirty="0" err="1">
                 <a:solidFill>
                   <a:schemeClr val="lt1"/>
                 </a:solidFill>
@@ -12650,7 +12936,7 @@
               </a:rPr>
               <a:t>Senaryo</a:t>
             </a:r>
-            <a:endParaRPr b="1" i="0" sz="15000" u="none" cap="none" strike="noStrike">
+            <a:endParaRPr sz="15000" b="1" i="0" u="none" strike="noStrike" cap="none" dirty="0">
               <a:solidFill>
                 <a:schemeClr val="lt1"/>
               </a:solidFill>
@@ -12662,135 +12948,14 @@
           </a:p>
         </p:txBody>
       </p:sp>
-      <p:grpSp>
-        <p:nvGrpSpPr>
-          <p:cNvPr id="93" name="Google Shape;93;p1"/>
-          <p:cNvGrpSpPr/>
-          <p:nvPr/>
-        </p:nvGrpSpPr>
-        <p:grpSpPr>
-          <a:xfrm>
-            <a:off x="478575" y="6082623"/>
-            <a:ext cx="9461025" cy="1140978"/>
-            <a:chOff x="226375" y="2905125"/>
-            <a:chExt cx="6307350" cy="760500"/>
-          </a:xfrm>
-        </p:grpSpPr>
-        <p:sp>
-          <p:nvSpPr>
-            <p:cNvPr id="94" name="Google Shape;94;p1"/>
-            <p:cNvSpPr txBox="1"/>
-            <p:nvPr/>
-          </p:nvSpPr>
-          <p:spPr>
-            <a:xfrm>
-              <a:off x="524425" y="2905125"/>
-              <a:ext cx="6009300" cy="760500"/>
-            </a:xfrm>
-            <a:prstGeom prst="rect">
-              <a:avLst/>
-            </a:prstGeom>
-            <a:noFill/>
-            <a:ln>
-              <a:noFill/>
-            </a:ln>
-          </p:spPr>
-          <p:txBody>
-            <a:bodyPr anchorCtr="0" anchor="t" bIns="274300" lIns="274300" spcFirstLastPara="1" rIns="274300" wrap="square" tIns="274300">
-              <a:noAutofit/>
-            </a:bodyPr>
-            <a:lstStyle/>
-            <a:p>
-              <a:pPr indent="0" lvl="0" marL="0" rtl="0" algn="l">
-                <a:lnSpc>
-                  <a:spcPct val="115000"/>
-                </a:lnSpc>
-                <a:spcBef>
-                  <a:spcPts val="0"/>
-                </a:spcBef>
-                <a:spcAft>
-                  <a:spcPts val="3600"/>
-                </a:spcAft>
-                <a:buNone/>
-              </a:pPr>
-              <a:r>
-                <a:rPr b="1" lang="en-US" sz="4200">
-                  <a:solidFill>
-                    <a:srgbClr val="FFFFFF"/>
-                  </a:solidFill>
-                  <a:latin typeface="Poppins"/>
-                  <a:ea typeface="Poppins"/>
-                  <a:cs typeface="Poppins"/>
-                  <a:sym typeface="Poppins"/>
-                </a:rPr>
-                <a:t>Hafta 5</a:t>
-              </a:r>
-              <a:endParaRPr b="1" sz="4200">
-                <a:solidFill>
-                  <a:srgbClr val="FFFFFF"/>
-                </a:solidFill>
-                <a:latin typeface="Poppins"/>
-                <a:ea typeface="Poppins"/>
-                <a:cs typeface="Poppins"/>
-                <a:sym typeface="Poppins"/>
-              </a:endParaRPr>
-            </a:p>
-          </p:txBody>
-        </p:sp>
-        <p:sp>
-          <p:nvSpPr>
-            <p:cNvPr id="95" name="Google Shape;95;p1"/>
-            <p:cNvSpPr/>
-            <p:nvPr/>
-          </p:nvSpPr>
-          <p:spPr>
-            <a:xfrm>
-              <a:off x="226375" y="3258375"/>
-              <a:ext cx="427800" cy="54000"/>
-            </a:xfrm>
-            <a:prstGeom prst="rect">
-              <a:avLst/>
-            </a:prstGeom>
-            <a:solidFill>
-              <a:srgbClr val="FFFFFF"/>
-            </a:solidFill>
-            <a:ln>
-              <a:noFill/>
-            </a:ln>
-          </p:spPr>
-          <p:txBody>
-            <a:bodyPr anchorCtr="0" anchor="ctr" bIns="137150" lIns="137150" spcFirstLastPara="1" rIns="137150" wrap="square" tIns="137150">
-              <a:noAutofit/>
-            </a:bodyPr>
-            <a:lstStyle/>
-            <a:p>
-              <a:pPr indent="0" lvl="0" marL="0" rtl="0" algn="l">
-                <a:spcBef>
-                  <a:spcPts val="0"/>
-                </a:spcBef>
-                <a:spcAft>
-                  <a:spcPts val="0"/>
-                </a:spcAft>
-                <a:buNone/>
-              </a:pPr>
-              <a:r>
-                <a:t/>
-              </a:r>
-              <a:endParaRPr sz="2100">
-                <a:solidFill>
-                  <a:srgbClr val="FFFFFF"/>
-                </a:solidFill>
-              </a:endParaRPr>
-            </a:p>
-          </p:txBody>
-        </p:sp>
-      </p:grpSp>
       <p:sp>
         <p:nvSpPr>
           <p:cNvPr id="96" name="Google Shape;96;p1"/>
-          <p:cNvSpPr txBox="1"/>
+          <p:cNvSpPr txBox="1">
+            <a:spLocks noGrp="1"/>
+          </p:cNvSpPr>
           <p:nvPr>
-            <p:ph idx="12" type="sldNum"/>
+            <p:ph type="sldNum" idx="12"/>
           </p:nvPr>
         </p:nvSpPr>
         <p:spPr>
@@ -12803,12 +12968,12 @@
           </a:prstGeom>
         </p:spPr>
         <p:txBody>
-          <a:bodyPr anchorCtr="0" anchor="ctr" bIns="274300" lIns="274300" spcFirstLastPara="1" rIns="274300" wrap="square" tIns="274300">
+          <a:bodyPr spcFirstLastPara="1" wrap="square" lIns="274300" tIns="274300" rIns="274300" bIns="274300" anchor="ctr" anchorCtr="0">
             <a:normAutofit lnSpcReduction="20000"/>
           </a:bodyPr>
           <a:lstStyle/>
           <a:p>
-            <a:pPr indent="0" lvl="0" marL="0" rtl="0" algn="r">
+            <a:pPr marL="0" lvl="0" indent="0" algn="r" rtl="0">
               <a:spcBef>
                 <a:spcPts val="0"/>
               </a:spcBef>
@@ -12824,7 +12989,7 @@
             </a:pPr>
             <a:fld id="{00000000-1234-1234-1234-123412341234}" type="slidenum">
               <a:rPr lang="en-US"/>
-              <a:t>‹#›</a:t>
+              <a:t>1</a:t>
             </a:fld>
             <a:endParaRPr/>
           </a:p>
@@ -12839,11 +13004,11 @@
 </file>
 
 <file path=ppt/slides/slide2.xml><?xml version="1.0" encoding="utf-8"?>
-<p:sld xmlns:a="http://schemas.openxmlformats.org/drawingml/2006/main" xmlns:r="http://schemas.openxmlformats.org/officeDocument/2006/relationships" xmlns:mc="http://schemas.openxmlformats.org/markup-compatibility/2006" xmlns:mv="urn:schemas-microsoft-com:mac:vml" xmlns:p="http://schemas.openxmlformats.org/presentationml/2006/main" xmlns:c="http://schemas.openxmlformats.org/drawingml/2006/chart" xmlns:dgm="http://schemas.openxmlformats.org/drawingml/2006/diagram" xmlns:o="urn:schemas-microsoft-com:office:office" xmlns:v="urn:schemas-microsoft-com:vml" xmlns:pvml="urn:schemas-microsoft-com:office:powerpoint" xmlns:com="http://schemas.openxmlformats.org/drawingml/2006/compatibility" xmlns:p14="http://schemas.microsoft.com/office/powerpoint/2010/main" xmlns:p15="http://schemas.microsoft.com/office/powerpoint/2012/main" xmlns:ahyp="http://schemas.microsoft.com/office/drawing/2018/hyperlinkcolor">
+<p:sld xmlns:a="http://schemas.openxmlformats.org/drawingml/2006/main" xmlns:r="http://schemas.openxmlformats.org/officeDocument/2006/relationships" xmlns:p="http://schemas.openxmlformats.org/presentationml/2006/main">
   <p:cSld>
     <p:spTree>
       <p:nvGrpSpPr>
-        <p:cNvPr id="100" name="Shape 100"/>
+        <p:cNvPr id="1" name="Shape 100"/>
         <p:cNvGrpSpPr/>
         <p:nvPr/>
       </p:nvGrpSpPr>
@@ -12857,7 +13022,7 @@
       </p:grpSpPr>
       <p:pic>
         <p:nvPicPr>
-          <p:cNvPr descr="A blue and white logo&#10;&#10;Description automatically generated" id="101" name="Google Shape;101;p2"/>
+          <p:cNvPr id="101" name="Google Shape;101;p2" descr="A blue and white logo&#10;&#10;Description automatically generated"/>
           <p:cNvPicPr preferRelativeResize="0"/>
           <p:nvPr/>
         </p:nvPicPr>
@@ -12865,7 +13030,7 @@
           <a:blip r:embed="rId3">
             <a:alphaModFix/>
           </a:blip>
-          <a:srcRect b="0" l="0" r="0" t="0"/>
+          <a:srcRect/>
           <a:stretch/>
         </p:blipFill>
         <p:spPr>
@@ -12902,12 +13067,12 @@
           </a:ln>
         </p:spPr>
         <p:txBody>
-          <a:bodyPr anchorCtr="0" anchor="t" bIns="68550" lIns="137150" spcFirstLastPara="1" rIns="137150" wrap="square" tIns="68550">
+          <a:bodyPr spcFirstLastPara="1" wrap="square" lIns="137150" tIns="68550" rIns="137150" bIns="68550" anchor="t" anchorCtr="0">
             <a:spAutoFit/>
           </a:bodyPr>
           <a:lstStyle/>
           <a:p>
-            <a:pPr indent="0" lvl="0" marL="0" marR="0" rtl="0" algn="l">
+            <a:pPr marL="0" marR="0" lvl="0" indent="0" algn="l" rtl="0">
               <a:lnSpc>
                 <a:spcPct val="150000"/>
               </a:lnSpc>
@@ -12920,7 +13085,7 @@
               <a:buNone/>
             </a:pPr>
             <a:r>
-              <a:rPr i="0" lang="en-US" sz="2400" u="none" cap="none" strike="noStrike">
+              <a:rPr lang="en-US" sz="2400" i="0" u="none" strike="noStrike" cap="none">
                 <a:solidFill>
                   <a:schemeClr val="dk1"/>
                 </a:solidFill>
@@ -12944,7 +13109,7 @@
               <a:t>diği</a:t>
             </a:r>
             <a:r>
-              <a:rPr i="0" lang="en-US" sz="2400" u="none" cap="none" strike="noStrike">
+              <a:rPr lang="en-US" sz="2400" i="0" u="none" strike="noStrike" cap="none">
                 <a:solidFill>
                   <a:schemeClr val="dk1"/>
                 </a:solidFill>
@@ -12980,7 +13145,7 @@
         </p:grpSpPr>
         <p:pic>
           <p:nvPicPr>
-            <p:cNvPr descr="A blue and green speech bubbles with a light bulb and question mark" id="104" name="Google Shape;104;p2"/>
+            <p:cNvPr id="104" name="Google Shape;104;p2" descr="A blue and green speech bubbles with a light bulb and question mark"/>
             <p:cNvPicPr preferRelativeResize="0"/>
             <p:nvPr/>
           </p:nvPicPr>
@@ -12988,7 +13153,7 @@
             <a:blip r:embed="rId4">
               <a:alphaModFix/>
             </a:blip>
-            <a:srcRect b="0" l="0" r="0" t="0"/>
+            <a:srcRect/>
             <a:stretch/>
           </p:blipFill>
           <p:spPr>
@@ -13025,12 +13190,12 @@
             </a:ln>
           </p:spPr>
           <p:txBody>
-            <a:bodyPr anchorCtr="0" anchor="t" bIns="68550" lIns="137150" spcFirstLastPara="1" rIns="137150" wrap="square" tIns="68550">
+            <a:bodyPr spcFirstLastPara="1" wrap="square" lIns="137150" tIns="68550" rIns="137150" bIns="68550" anchor="t" anchorCtr="0">
               <a:spAutoFit/>
             </a:bodyPr>
             <a:lstStyle/>
             <a:p>
-              <a:pPr indent="0" lvl="0" marL="0" marR="0" rtl="0" algn="l">
+              <a:pPr marL="0" marR="0" lvl="0" indent="0" algn="l" rtl="0">
                 <a:spcBef>
                   <a:spcPts val="0"/>
                 </a:spcBef>
@@ -13040,7 +13205,7 @@
                 <a:buNone/>
               </a:pPr>
               <a:r>
-                <a:rPr b="1" lang="en-US" sz="2700">
+                <a:rPr lang="en-US" sz="2700" b="1">
                   <a:solidFill>
                     <a:schemeClr val="dk1"/>
                   </a:solidFill>
@@ -13064,9 +13229,11 @@
       <p:sp>
         <p:nvSpPr>
           <p:cNvPr id="106" name="Google Shape;106;p2"/>
-          <p:cNvSpPr txBox="1"/>
+          <p:cNvSpPr txBox="1">
+            <a:spLocks noGrp="1"/>
+          </p:cNvSpPr>
           <p:nvPr>
-            <p:ph idx="12" type="sldNum"/>
+            <p:ph type="sldNum" idx="12"/>
           </p:nvPr>
         </p:nvSpPr>
         <p:spPr>
@@ -13079,12 +13246,12 @@
           </a:prstGeom>
         </p:spPr>
         <p:txBody>
-          <a:bodyPr anchorCtr="0" anchor="ctr" bIns="68550" lIns="137150" spcFirstLastPara="1" rIns="137150" wrap="square" tIns="68550">
+          <a:bodyPr spcFirstLastPara="1" wrap="square" lIns="137150" tIns="68550" rIns="137150" bIns="68550" anchor="ctr" anchorCtr="0">
             <a:noAutofit/>
           </a:bodyPr>
           <a:lstStyle/>
           <a:p>
-            <a:pPr indent="0" lvl="0" marL="0" rtl="0" algn="r">
+            <a:pPr marL="0" lvl="0" indent="0" algn="r" rtl="0">
               <a:spcBef>
                 <a:spcPts val="0"/>
               </a:spcBef>
@@ -13099,7 +13266,7 @@
             </a:pPr>
             <a:fld id="{00000000-1234-1234-1234-123412341234}" type="slidenum">
               <a:rPr lang="en-US"/>
-              <a:t>‹#›</a:t>
+              <a:t>2</a:t>
             </a:fld>
             <a:endParaRPr/>
           </a:p>
@@ -13114,11 +13281,11 @@
 </file>
 
 <file path=ppt/slides/slide3.xml><?xml version="1.0" encoding="utf-8"?>
-<p:sld xmlns:a="http://schemas.openxmlformats.org/drawingml/2006/main" xmlns:r="http://schemas.openxmlformats.org/officeDocument/2006/relationships" xmlns:mc="http://schemas.openxmlformats.org/markup-compatibility/2006" xmlns:mv="urn:schemas-microsoft-com:mac:vml" xmlns:p="http://schemas.openxmlformats.org/presentationml/2006/main" xmlns:c="http://schemas.openxmlformats.org/drawingml/2006/chart" xmlns:dgm="http://schemas.openxmlformats.org/drawingml/2006/diagram" xmlns:o="urn:schemas-microsoft-com:office:office" xmlns:v="urn:schemas-microsoft-com:vml" xmlns:pvml="urn:schemas-microsoft-com:office:powerpoint" xmlns:com="http://schemas.openxmlformats.org/drawingml/2006/compatibility" xmlns:p14="http://schemas.microsoft.com/office/powerpoint/2010/main" xmlns:p15="http://schemas.microsoft.com/office/powerpoint/2012/main" xmlns:ahyp="http://schemas.microsoft.com/office/drawing/2018/hyperlinkcolor">
+<p:sld xmlns:a="http://schemas.openxmlformats.org/drawingml/2006/main" xmlns:r="http://schemas.openxmlformats.org/officeDocument/2006/relationships" xmlns:p="http://schemas.openxmlformats.org/presentationml/2006/main">
   <p:cSld>
     <p:spTree>
       <p:nvGrpSpPr>
-        <p:cNvPr id="110" name="Shape 110"/>
+        <p:cNvPr id="1" name="Shape 110"/>
         <p:cNvGrpSpPr/>
         <p:nvPr/>
       </p:nvGrpSpPr>
@@ -13152,12 +13319,12 @@
           </a:ln>
         </p:spPr>
         <p:txBody>
-          <a:bodyPr anchorCtr="0" anchor="ctr" bIns="91425" lIns="91425" spcFirstLastPara="1" rIns="91425" wrap="square" tIns="91425">
+          <a:bodyPr spcFirstLastPara="1" wrap="square" lIns="91425" tIns="91425" rIns="91425" bIns="91425" anchor="ctr" anchorCtr="0">
             <a:noAutofit/>
           </a:bodyPr>
           <a:lstStyle/>
           <a:p>
-            <a:pPr indent="0" lvl="0" marL="0" marR="0" rtl="0" algn="l">
+            <a:pPr marL="0" marR="0" lvl="0" indent="0" algn="l" rtl="0">
               <a:spcBef>
                 <a:spcPts val="0"/>
               </a:spcBef>
@@ -13171,9 +13338,6 @@
               <a:buFont typeface="Arial"/>
               <a:buNone/>
             </a:pPr>
-            <a:r>
-              <a:t/>
-            </a:r>
             <a:endParaRPr sz="900">
               <a:solidFill>
                 <a:srgbClr val="FFFFFF"/>
@@ -13206,12 +13370,12 @@
           </a:ln>
         </p:spPr>
         <p:txBody>
-          <a:bodyPr anchorCtr="0" anchor="t" bIns="182850" lIns="182850" spcFirstLastPara="1" rIns="182850" wrap="square" tIns="182850">
+          <a:bodyPr spcFirstLastPara="1" wrap="square" lIns="182850" tIns="182850" rIns="182850" bIns="182850" anchor="t" anchorCtr="0">
             <a:spAutoFit/>
           </a:bodyPr>
           <a:lstStyle/>
           <a:p>
-            <a:pPr indent="0" lvl="0" marL="0" marR="0" rtl="0" algn="l">
+            <a:pPr marL="0" marR="0" lvl="0" indent="0" algn="l" rtl="0">
               <a:lnSpc>
                 <a:spcPct val="90000"/>
               </a:lnSpc>
@@ -13229,7 +13393,7 @@
               <a:buNone/>
             </a:pPr>
             <a:r>
-              <a:rPr b="1" lang="en-US" sz="5000">
+              <a:rPr lang="en-US" sz="5000" b="1">
                 <a:solidFill>
                   <a:schemeClr val="lt1"/>
                 </a:solidFill>
@@ -13240,7 +13404,7 @@
               </a:rPr>
               <a:t>Rastgele Kontrollü Çalışma </a:t>
             </a:r>
-            <a:endParaRPr b="1" sz="5000">
+            <a:endParaRPr sz="5000" b="1">
               <a:solidFill>
                 <a:schemeClr val="lt1"/>
               </a:solidFill>
@@ -13251,7 +13415,7 @@
             </a:endParaRPr>
           </a:p>
           <a:p>
-            <a:pPr indent="0" lvl="0" marL="0" marR="0" rtl="0" algn="l">
+            <a:pPr marL="0" marR="0" lvl="0" indent="0" algn="l" rtl="0">
               <a:lnSpc>
                 <a:spcPct val="90000"/>
               </a:lnSpc>
@@ -13269,7 +13433,7 @@
               <a:buNone/>
             </a:pPr>
             <a:r>
-              <a:rPr b="1" lang="en-US" sz="5000">
+              <a:rPr lang="en-US" sz="5000" b="1">
                 <a:solidFill>
                   <a:schemeClr val="lt1"/>
                 </a:solidFill>
@@ -13280,7 +13444,7 @@
               </a:rPr>
               <a:t>–</a:t>
             </a:r>
-            <a:endParaRPr b="1" sz="5000">
+            <a:endParaRPr sz="5000" b="1">
               <a:solidFill>
                 <a:schemeClr val="lt1"/>
               </a:solidFill>
@@ -13291,7 +13455,7 @@
             </a:endParaRPr>
           </a:p>
           <a:p>
-            <a:pPr indent="0" lvl="0" marL="0" marR="0" rtl="0" algn="l">
+            <a:pPr marL="0" marR="0" lvl="0" indent="0" algn="l" rtl="0">
               <a:lnSpc>
                 <a:spcPct val="90000"/>
               </a:lnSpc>
@@ -13309,7 +13473,7 @@
               <a:buNone/>
             </a:pPr>
             <a:r>
-              <a:rPr b="1" lang="en-US" sz="5000">
+              <a:rPr lang="en-US" sz="5000" b="1">
                 <a:solidFill>
                   <a:schemeClr val="lt1"/>
                 </a:solidFill>
@@ -13320,7 +13484,7 @@
               </a:rPr>
               <a:t>Randomized Controlled Trial</a:t>
             </a:r>
-            <a:endParaRPr b="1" sz="5000">
+            <a:endParaRPr sz="5000" b="1">
               <a:solidFill>
                 <a:schemeClr val="lt1"/>
               </a:solidFill>
@@ -13352,12 +13516,12 @@
           </a:ln>
         </p:spPr>
         <p:txBody>
-          <a:bodyPr anchorCtr="0" anchor="t" bIns="68550" lIns="137150" spcFirstLastPara="1" rIns="137150" wrap="square" tIns="68550">
+          <a:bodyPr spcFirstLastPara="1" wrap="square" lIns="137150" tIns="68550" rIns="137150" bIns="68550" anchor="t" anchorCtr="0">
             <a:spAutoFit/>
           </a:bodyPr>
           <a:lstStyle/>
           <a:p>
-            <a:pPr indent="0" lvl="0" marL="0" marR="0" rtl="0" algn="l">
+            <a:pPr marL="0" marR="0" lvl="0" indent="0" algn="l" rtl="0">
               <a:lnSpc>
                 <a:spcPct val="150000"/>
               </a:lnSpc>
@@ -13382,7 +13546,7 @@
               <a:t>Bir müdahale yöntemini test etmek amacıyla benzer özelliklere sahip kişilerin</a:t>
             </a:r>
             <a:r>
-              <a:rPr b="1" lang="en-US" sz="2400">
+              <a:rPr lang="en-US" sz="2400" b="1">
                 <a:solidFill>
                   <a:schemeClr val="dk1"/>
                 </a:solidFill>
@@ -13416,7 +13580,7 @@
             </a:endParaRPr>
           </a:p>
           <a:p>
-            <a:pPr indent="0" lvl="0" marL="0" marR="0" rtl="0" algn="l">
+            <a:pPr marL="0" marR="0" lvl="0" indent="0" algn="l" rtl="0">
               <a:lnSpc>
                 <a:spcPct val="150000"/>
               </a:lnSpc>
@@ -13451,7 +13615,7 @@
             </a:endParaRPr>
           </a:p>
           <a:p>
-            <a:pPr indent="0" lvl="0" marL="0" marR="0" rtl="0" algn="l">
+            <a:pPr marL="0" marR="0" lvl="0" indent="0" algn="l" rtl="0">
               <a:lnSpc>
                 <a:spcPct val="150000"/>
               </a:lnSpc>
@@ -13487,9 +13651,11 @@
       <p:sp>
         <p:nvSpPr>
           <p:cNvPr id="114" name="Google Shape;114;p3"/>
-          <p:cNvSpPr txBox="1"/>
+          <p:cNvSpPr txBox="1">
+            <a:spLocks noGrp="1"/>
+          </p:cNvSpPr>
           <p:nvPr>
-            <p:ph idx="12" type="sldNum"/>
+            <p:ph type="sldNum" idx="12"/>
           </p:nvPr>
         </p:nvSpPr>
         <p:spPr>
@@ -13502,12 +13668,12 @@
           </a:prstGeom>
         </p:spPr>
         <p:txBody>
-          <a:bodyPr anchorCtr="0" anchor="ctr" bIns="68550" lIns="137150" spcFirstLastPara="1" rIns="137150" wrap="square" tIns="68550">
+          <a:bodyPr spcFirstLastPara="1" wrap="square" lIns="137150" tIns="68550" rIns="137150" bIns="68550" anchor="ctr" anchorCtr="0">
             <a:noAutofit/>
           </a:bodyPr>
           <a:lstStyle/>
           <a:p>
-            <a:pPr indent="0" lvl="0" marL="0" rtl="0" algn="r">
+            <a:pPr marL="0" lvl="0" indent="0" algn="r" rtl="0">
               <a:spcBef>
                 <a:spcPts val="0"/>
               </a:spcBef>
@@ -13522,7 +13688,7 @@
             </a:pPr>
             <a:fld id="{00000000-1234-1234-1234-123412341234}" type="slidenum">
               <a:rPr lang="en-US"/>
-              <a:t>‹#›</a:t>
+              <a:t>3</a:t>
             </a:fld>
             <a:endParaRPr/>
           </a:p>
@@ -13565,11 +13731,11 @@
 </file>
 
 <file path=ppt/slides/slide4.xml><?xml version="1.0" encoding="utf-8"?>
-<p:sld xmlns:a="http://schemas.openxmlformats.org/drawingml/2006/main" xmlns:r="http://schemas.openxmlformats.org/officeDocument/2006/relationships" xmlns:mc="http://schemas.openxmlformats.org/markup-compatibility/2006" xmlns:mv="urn:schemas-microsoft-com:mac:vml" xmlns:p="http://schemas.openxmlformats.org/presentationml/2006/main" xmlns:c="http://schemas.openxmlformats.org/drawingml/2006/chart" xmlns:dgm="http://schemas.openxmlformats.org/drawingml/2006/diagram" xmlns:o="urn:schemas-microsoft-com:office:office" xmlns:v="urn:schemas-microsoft-com:vml" xmlns:pvml="urn:schemas-microsoft-com:office:powerpoint" xmlns:com="http://schemas.openxmlformats.org/drawingml/2006/compatibility" xmlns:p14="http://schemas.microsoft.com/office/powerpoint/2010/main" xmlns:p15="http://schemas.microsoft.com/office/powerpoint/2012/main" xmlns:ahyp="http://schemas.microsoft.com/office/drawing/2018/hyperlinkcolor">
+<p:sld xmlns:a="http://schemas.openxmlformats.org/drawingml/2006/main" xmlns:r="http://schemas.openxmlformats.org/officeDocument/2006/relationships" xmlns:p="http://schemas.openxmlformats.org/presentationml/2006/main">
   <p:cSld>
     <p:spTree>
       <p:nvGrpSpPr>
-        <p:cNvPr id="119" name="Shape 119"/>
+        <p:cNvPr id="1" name="Shape 119"/>
         <p:cNvGrpSpPr/>
         <p:nvPr/>
       </p:nvGrpSpPr>
@@ -13603,12 +13769,12 @@
           </a:ln>
         </p:spPr>
         <p:txBody>
-          <a:bodyPr anchorCtr="0" anchor="ctr" bIns="91425" lIns="91425" spcFirstLastPara="1" rIns="91425" wrap="square" tIns="91425">
+          <a:bodyPr spcFirstLastPara="1" wrap="square" lIns="91425" tIns="91425" rIns="91425" bIns="91425" anchor="ctr" anchorCtr="0">
             <a:noAutofit/>
           </a:bodyPr>
           <a:lstStyle/>
           <a:p>
-            <a:pPr indent="0" lvl="0" marL="0" marR="0" rtl="0" algn="l">
+            <a:pPr marL="0" marR="0" lvl="0" indent="0" algn="l" rtl="0">
               <a:spcBef>
                 <a:spcPts val="0"/>
               </a:spcBef>
@@ -13622,9 +13788,6 @@
               <a:buFont typeface="Arial"/>
               <a:buNone/>
             </a:pPr>
-            <a:r>
-              <a:t/>
-            </a:r>
             <a:endParaRPr sz="900">
               <a:solidFill>
                 <a:srgbClr val="FFFFFF"/>
@@ -13657,12 +13820,12 @@
           </a:ln>
         </p:spPr>
         <p:txBody>
-          <a:bodyPr anchorCtr="0" anchor="t" bIns="182850" lIns="182850" spcFirstLastPara="1" rIns="182850" wrap="square" tIns="182850">
+          <a:bodyPr spcFirstLastPara="1" wrap="square" lIns="182850" tIns="182850" rIns="182850" bIns="182850" anchor="t" anchorCtr="0">
             <a:spAutoFit/>
           </a:bodyPr>
           <a:lstStyle/>
           <a:p>
-            <a:pPr indent="0" lvl="0" marL="0" marR="0" rtl="0" algn="l">
+            <a:pPr marL="0" marR="0" lvl="0" indent="0" algn="l" rtl="0">
               <a:lnSpc>
                 <a:spcPct val="90000"/>
               </a:lnSpc>
@@ -13680,7 +13843,7 @@
               <a:buNone/>
             </a:pPr>
             <a:r>
-              <a:rPr b="1" lang="en-US" sz="5000">
+              <a:rPr lang="en-US" sz="5000" b="1">
                 <a:solidFill>
                   <a:schemeClr val="lt1"/>
                 </a:solidFill>
@@ -13691,7 +13854,7 @@
               </a:rPr>
               <a:t>Katılımcıların Seçimi</a:t>
             </a:r>
-            <a:endParaRPr b="1" sz="5000">
+            <a:endParaRPr sz="5000" b="1">
               <a:solidFill>
                 <a:schemeClr val="lt1"/>
               </a:solidFill>
@@ -13723,12 +13886,12 @@
           </a:ln>
         </p:spPr>
         <p:txBody>
-          <a:bodyPr anchorCtr="0" anchor="t" bIns="68550" lIns="137150" spcFirstLastPara="1" rIns="137150" wrap="square" tIns="68550">
+          <a:bodyPr spcFirstLastPara="1" wrap="square" lIns="137150" tIns="68550" rIns="137150" bIns="68550" anchor="t" anchorCtr="0">
             <a:spAutoFit/>
           </a:bodyPr>
           <a:lstStyle/>
           <a:p>
-            <a:pPr indent="0" lvl="0" marL="0" marR="0" rtl="0" algn="l">
+            <a:pPr marL="0" marR="0" lvl="0" indent="0" algn="l" rtl="0">
               <a:lnSpc>
                 <a:spcPct val="150000"/>
               </a:lnSpc>
@@ -13764,9 +13927,11 @@
       <p:sp>
         <p:nvSpPr>
           <p:cNvPr id="123" name="Google Shape;123;p4"/>
-          <p:cNvSpPr txBox="1"/>
+          <p:cNvSpPr txBox="1">
+            <a:spLocks noGrp="1"/>
+          </p:cNvSpPr>
           <p:nvPr>
-            <p:ph idx="12" type="sldNum"/>
+            <p:ph type="sldNum" idx="12"/>
           </p:nvPr>
         </p:nvSpPr>
         <p:spPr>
@@ -13779,12 +13944,12 @@
           </a:prstGeom>
         </p:spPr>
         <p:txBody>
-          <a:bodyPr anchorCtr="0" anchor="ctr" bIns="68550" lIns="137150" spcFirstLastPara="1" rIns="137150" wrap="square" tIns="68550">
+          <a:bodyPr spcFirstLastPara="1" wrap="square" lIns="137150" tIns="68550" rIns="137150" bIns="68550" anchor="ctr" anchorCtr="0">
             <a:noAutofit/>
           </a:bodyPr>
           <a:lstStyle/>
           <a:p>
-            <a:pPr indent="0" lvl="0" marL="0" rtl="0" algn="r">
+            <a:pPr marL="0" lvl="0" indent="0" algn="r" rtl="0">
               <a:spcBef>
                 <a:spcPts val="0"/>
               </a:spcBef>
@@ -13799,7 +13964,7 @@
             </a:pPr>
             <a:fld id="{00000000-1234-1234-1234-123412341234}" type="slidenum">
               <a:rPr lang="en-US"/>
-              <a:t>‹#›</a:t>
+              <a:t>4</a:t>
             </a:fld>
             <a:endParaRPr/>
           </a:p>
@@ -13825,12 +13990,12 @@
           </a:ln>
         </p:spPr>
         <p:txBody>
-          <a:bodyPr anchorCtr="0" anchor="t" bIns="182850" lIns="182850" spcFirstLastPara="1" rIns="182850" wrap="square" tIns="182850">
+          <a:bodyPr spcFirstLastPara="1" wrap="square" lIns="182850" tIns="182850" rIns="182850" bIns="182850" anchor="t" anchorCtr="0">
             <a:spAutoFit/>
           </a:bodyPr>
           <a:lstStyle/>
           <a:p>
-            <a:pPr indent="0" lvl="0" marL="0" rtl="0" algn="l">
+            <a:pPr marL="0" lvl="0" indent="0" algn="l" rtl="0">
               <a:lnSpc>
                 <a:spcPct val="70000"/>
               </a:lnSpc>
@@ -13843,7 +14008,7 @@
               <a:buNone/>
             </a:pPr>
             <a:r>
-              <a:rPr i="1" lang="en-US" sz="2400">
+              <a:rPr lang="en-US" sz="2400" i="1">
                 <a:latin typeface="Poppins"/>
                 <a:ea typeface="Poppins"/>
                 <a:cs typeface="Poppins"/>
@@ -13852,7 +14017,7 @@
               <a:t>Kaynak: </a:t>
             </a:r>
             <a:r>
-              <a:rPr i="1" lang="en-US" sz="2400" u="sng">
+              <a:rPr lang="en-US" sz="2400" i="1" u="sng">
                 <a:solidFill>
                   <a:schemeClr val="hlink"/>
                 </a:solidFill>
@@ -13864,7 +14029,7 @@
               </a:rPr>
               <a:t>İşkur Katılımcı Şartları</a:t>
             </a:r>
-            <a:endParaRPr i="1" sz="2400">
+            <a:endParaRPr sz="2400" i="1">
               <a:solidFill>
                 <a:srgbClr val="212020"/>
               </a:solidFill>
@@ -13885,11 +14050,11 @@
 </file>
 
 <file path=ppt/slides/slide5.xml><?xml version="1.0" encoding="utf-8"?>
-<p:sld xmlns:a="http://schemas.openxmlformats.org/drawingml/2006/main" xmlns:r="http://schemas.openxmlformats.org/officeDocument/2006/relationships" xmlns:mc="http://schemas.openxmlformats.org/markup-compatibility/2006" xmlns:mv="urn:schemas-microsoft-com:mac:vml" xmlns:p="http://schemas.openxmlformats.org/presentationml/2006/main" xmlns:c="http://schemas.openxmlformats.org/drawingml/2006/chart" xmlns:dgm="http://schemas.openxmlformats.org/drawingml/2006/diagram" xmlns:o="urn:schemas-microsoft-com:office:office" xmlns:v="urn:schemas-microsoft-com:vml" xmlns:pvml="urn:schemas-microsoft-com:office:powerpoint" xmlns:com="http://schemas.openxmlformats.org/drawingml/2006/compatibility" xmlns:p14="http://schemas.microsoft.com/office/powerpoint/2010/main" xmlns:p15="http://schemas.microsoft.com/office/powerpoint/2012/main" xmlns:ahyp="http://schemas.microsoft.com/office/drawing/2018/hyperlinkcolor">
+<p:sld xmlns:a="http://schemas.openxmlformats.org/drawingml/2006/main" xmlns:r="http://schemas.openxmlformats.org/officeDocument/2006/relationships" xmlns:p="http://schemas.openxmlformats.org/presentationml/2006/main">
   <p:cSld>
     <p:spTree>
       <p:nvGrpSpPr>
-        <p:cNvPr id="128" name="Shape 128"/>
+        <p:cNvPr id="1" name="Shape 128"/>
         <p:cNvGrpSpPr/>
         <p:nvPr/>
       </p:nvGrpSpPr>
@@ -13923,12 +14088,12 @@
           </a:ln>
         </p:spPr>
         <p:txBody>
-          <a:bodyPr anchorCtr="0" anchor="ctr" bIns="91425" lIns="91425" spcFirstLastPara="1" rIns="91425" wrap="square" tIns="91425">
+          <a:bodyPr spcFirstLastPara="1" wrap="square" lIns="91425" tIns="91425" rIns="91425" bIns="91425" anchor="ctr" anchorCtr="0">
             <a:noAutofit/>
           </a:bodyPr>
           <a:lstStyle/>
           <a:p>
-            <a:pPr indent="0" lvl="0" marL="0" marR="0" rtl="0" algn="l">
+            <a:pPr marL="0" marR="0" lvl="0" indent="0" algn="l" rtl="0">
               <a:spcBef>
                 <a:spcPts val="0"/>
               </a:spcBef>
@@ -13942,9 +14107,6 @@
               <a:buFont typeface="Arial"/>
               <a:buNone/>
             </a:pPr>
-            <a:r>
-              <a:t/>
-            </a:r>
             <a:endParaRPr sz="900">
               <a:solidFill>
                 <a:srgbClr val="FFFFFF"/>
@@ -13977,12 +14139,12 @@
           </a:ln>
         </p:spPr>
         <p:txBody>
-          <a:bodyPr anchorCtr="0" anchor="t" bIns="182850" lIns="182850" spcFirstLastPara="1" rIns="182850" wrap="square" tIns="182850">
+          <a:bodyPr spcFirstLastPara="1" wrap="square" lIns="182850" tIns="182850" rIns="182850" bIns="182850" anchor="t" anchorCtr="0">
             <a:spAutoFit/>
           </a:bodyPr>
           <a:lstStyle/>
           <a:p>
-            <a:pPr indent="0" lvl="0" marL="0" marR="0" rtl="0" algn="l">
+            <a:pPr marL="0" marR="0" lvl="0" indent="0" algn="l" rtl="0">
               <a:lnSpc>
                 <a:spcPct val="90000"/>
               </a:lnSpc>
@@ -14000,7 +14162,7 @@
               <a:buNone/>
             </a:pPr>
             <a:r>
-              <a:rPr b="1" lang="en-US" sz="5000">
+              <a:rPr lang="en-US" sz="5000" b="1">
                 <a:solidFill>
                   <a:schemeClr val="lt1"/>
                 </a:solidFill>
@@ -14011,7 +14173,7 @@
               </a:rPr>
               <a:t>Kurs Ataması ve Rastgeleleştirme</a:t>
             </a:r>
-            <a:endParaRPr b="1" sz="5000">
+            <a:endParaRPr sz="5000" b="1">
               <a:solidFill>
                 <a:schemeClr val="lt1"/>
               </a:solidFill>
@@ -14036,7 +14198,7 @@
           </a:xfrm>
           <a:prstGeom prst="roundRect">
             <a:avLst>
-              <a:gd fmla="val 16667" name="adj"/>
+              <a:gd name="adj" fmla="val 16667"/>
             </a:avLst>
           </a:prstGeom>
           <a:noFill/>
@@ -14045,12 +14207,12 @@
           </a:ln>
         </p:spPr>
         <p:txBody>
-          <a:bodyPr anchorCtr="0" anchor="ctr" bIns="68550" lIns="137150" spcFirstLastPara="1" rIns="137150" wrap="square" tIns="68550">
+          <a:bodyPr spcFirstLastPara="1" wrap="square" lIns="137150" tIns="68550" rIns="137150" bIns="68550" anchor="ctr" anchorCtr="0">
             <a:noAutofit/>
           </a:bodyPr>
           <a:lstStyle/>
           <a:p>
-            <a:pPr indent="0" lvl="0" marL="0" marR="0" rtl="0" algn="l">
+            <a:pPr marL="0" marR="0" lvl="0" indent="0" algn="l" rtl="0">
               <a:lnSpc>
                 <a:spcPct val="150000"/>
               </a:lnSpc>
@@ -14106,12 +14268,12 @@
           </a:ln>
         </p:spPr>
         <p:txBody>
-          <a:bodyPr anchorCtr="0" anchor="t" bIns="68550" lIns="137150" spcFirstLastPara="1" rIns="137150" wrap="square" tIns="68550">
+          <a:bodyPr spcFirstLastPara="1" wrap="square" lIns="137150" tIns="68550" rIns="137150" bIns="68550" anchor="t" anchorCtr="0">
             <a:spAutoFit/>
           </a:bodyPr>
           <a:lstStyle/>
           <a:p>
-            <a:pPr indent="0" lvl="0" marL="0" marR="0" rtl="0" algn="l">
+            <a:pPr marL="0" marR="0" lvl="0" indent="0" algn="l" rtl="0">
               <a:lnSpc>
                 <a:spcPct val="150000"/>
               </a:lnSpc>
@@ -14124,7 +14286,7 @@
               <a:buNone/>
             </a:pPr>
             <a:r>
-              <a:rPr b="1" lang="en-US" sz="2400">
+              <a:rPr lang="en-US" sz="2400" b="1">
                 <a:solidFill>
                   <a:schemeClr val="dk1"/>
                 </a:solidFill>
@@ -14135,7 +14297,7 @@
               </a:rPr>
               <a:t>Deney ve Kontrol Gruplarına Atama</a:t>
             </a:r>
-            <a:endParaRPr b="1" sz="2400">
+            <a:endParaRPr sz="2400" b="1">
               <a:solidFill>
                 <a:schemeClr val="dk1"/>
               </a:solidFill>
@@ -14160,7 +14322,7 @@
           </a:xfrm>
           <a:prstGeom prst="roundRect">
             <a:avLst>
-              <a:gd fmla="val 16667" name="adj"/>
+              <a:gd name="adj" fmla="val 16667"/>
             </a:avLst>
           </a:prstGeom>
           <a:noFill/>
@@ -14169,12 +14331,12 @@
           </a:ln>
         </p:spPr>
         <p:txBody>
-          <a:bodyPr anchorCtr="0" anchor="ctr" bIns="68550" lIns="137150" spcFirstLastPara="1" rIns="137150" wrap="square" tIns="68550">
+          <a:bodyPr spcFirstLastPara="1" wrap="square" lIns="137150" tIns="68550" rIns="137150" bIns="68550" anchor="ctr" anchorCtr="0">
             <a:noAutofit/>
           </a:bodyPr>
           <a:lstStyle/>
           <a:p>
-            <a:pPr indent="0" lvl="0" marL="0" marR="0" rtl="0" algn="l">
+            <a:pPr marL="0" marR="0" lvl="0" indent="0" algn="l" rtl="0">
               <a:lnSpc>
                 <a:spcPct val="150000"/>
               </a:lnSpc>
@@ -14230,12 +14392,12 @@
           </a:ln>
         </p:spPr>
         <p:txBody>
-          <a:bodyPr anchorCtr="0" anchor="t" bIns="68550" lIns="137150" spcFirstLastPara="1" rIns="137150" wrap="square" tIns="68550">
+          <a:bodyPr spcFirstLastPara="1" wrap="square" lIns="137150" tIns="68550" rIns="137150" bIns="68550" anchor="t" anchorCtr="0">
             <a:spAutoFit/>
           </a:bodyPr>
           <a:lstStyle/>
           <a:p>
-            <a:pPr indent="0" lvl="0" marL="0" marR="0" rtl="0" algn="l">
+            <a:pPr marL="0" marR="0" lvl="0" indent="0" algn="l" rtl="0">
               <a:lnSpc>
                 <a:spcPct val="150000"/>
               </a:lnSpc>
@@ -14248,7 +14410,7 @@
               <a:buNone/>
             </a:pPr>
             <a:r>
-              <a:rPr b="1" lang="en-US" sz="2400">
+              <a:rPr lang="en-US" sz="2400" b="1">
                 <a:solidFill>
                   <a:schemeClr val="dk1"/>
                 </a:solidFill>
@@ -14259,7 +14421,7 @@
               </a:rPr>
               <a:t>Kurslar İçerisinde Tabakalandırma ve Rastgeleleştirme</a:t>
             </a:r>
-            <a:endParaRPr b="1" sz="2400">
+            <a:endParaRPr sz="2400" b="1">
               <a:solidFill>
                 <a:schemeClr val="dk1"/>
               </a:solidFill>
@@ -14284,7 +14446,7 @@
           </a:xfrm>
           <a:prstGeom prst="roundRect">
             <a:avLst>
-              <a:gd fmla="val 16667" name="adj"/>
+              <a:gd name="adj" fmla="val 16667"/>
             </a:avLst>
           </a:prstGeom>
           <a:noFill/>
@@ -14293,12 +14455,12 @@
           </a:ln>
         </p:spPr>
         <p:txBody>
-          <a:bodyPr anchorCtr="0" anchor="ctr" bIns="68550" lIns="137150" spcFirstLastPara="1" rIns="137150" wrap="square" tIns="68550">
+          <a:bodyPr spcFirstLastPara="1" wrap="square" lIns="137150" tIns="68550" rIns="137150" bIns="68550" anchor="ctr" anchorCtr="0">
             <a:noAutofit/>
           </a:bodyPr>
           <a:lstStyle/>
           <a:p>
-            <a:pPr indent="0" lvl="0" marL="0" marR="0" rtl="0" algn="l">
+            <a:pPr marL="0" marR="0" lvl="0" indent="0" algn="l" rtl="0">
               <a:lnSpc>
                 <a:spcPct val="150000"/>
               </a:lnSpc>
@@ -14354,12 +14516,12 @@
           </a:ln>
         </p:spPr>
         <p:txBody>
-          <a:bodyPr anchorCtr="0" anchor="t" bIns="68550" lIns="137150" spcFirstLastPara="1" rIns="137150" wrap="square" tIns="68550">
+          <a:bodyPr spcFirstLastPara="1" wrap="square" lIns="137150" tIns="68550" rIns="137150" bIns="68550" anchor="t" anchorCtr="0">
             <a:spAutoFit/>
           </a:bodyPr>
           <a:lstStyle/>
           <a:p>
-            <a:pPr indent="0" lvl="0" marL="0" marR="0" rtl="0" algn="l">
+            <a:pPr marL="0" marR="0" lvl="0" indent="0" algn="l" rtl="0">
               <a:lnSpc>
                 <a:spcPct val="150000"/>
               </a:lnSpc>
@@ -14372,7 +14534,7 @@
               <a:buNone/>
             </a:pPr>
             <a:r>
-              <a:rPr b="1" lang="en-US" sz="2400">
+              <a:rPr lang="en-US" sz="2400" b="1">
                 <a:solidFill>
                   <a:schemeClr val="dk1"/>
                 </a:solidFill>
@@ -14383,7 +14545,7 @@
               </a:rPr>
               <a:t>Bekleme Listesinin Kullanımı</a:t>
             </a:r>
-            <a:endParaRPr b="1" sz="2400">
+            <a:endParaRPr sz="2400" b="1">
               <a:solidFill>
                 <a:schemeClr val="dk1"/>
               </a:solidFill>
@@ -14398,9 +14560,11 @@
       <p:sp>
         <p:nvSpPr>
           <p:cNvPr id="137" name="Google Shape;137;p5"/>
-          <p:cNvSpPr txBox="1"/>
+          <p:cNvSpPr txBox="1">
+            <a:spLocks noGrp="1"/>
+          </p:cNvSpPr>
           <p:nvPr>
-            <p:ph idx="12" type="sldNum"/>
+            <p:ph type="sldNum" idx="12"/>
           </p:nvPr>
         </p:nvSpPr>
         <p:spPr>
@@ -14413,12 +14577,12 @@
           </a:prstGeom>
         </p:spPr>
         <p:txBody>
-          <a:bodyPr anchorCtr="0" anchor="ctr" bIns="68550" lIns="137150" spcFirstLastPara="1" rIns="137150" wrap="square" tIns="68550">
+          <a:bodyPr spcFirstLastPara="1" wrap="square" lIns="137150" tIns="68550" rIns="137150" bIns="68550" anchor="ctr" anchorCtr="0">
             <a:noAutofit/>
           </a:bodyPr>
           <a:lstStyle/>
           <a:p>
-            <a:pPr indent="0" lvl="0" marL="0" rtl="0" algn="r">
+            <a:pPr marL="0" lvl="0" indent="0" algn="r" rtl="0">
               <a:spcBef>
                 <a:spcPts val="0"/>
               </a:spcBef>
@@ -14433,7 +14597,7 @@
             </a:pPr>
             <a:fld id="{00000000-1234-1234-1234-123412341234}" type="slidenum">
               <a:rPr lang="en-US"/>
-              <a:t>‹#›</a:t>
+              <a:t>5</a:t>
             </a:fld>
             <a:endParaRPr/>
           </a:p>
@@ -14448,11 +14612,11 @@
 </file>
 
 <file path=ppt/slides/slide6.xml><?xml version="1.0" encoding="utf-8"?>
-<p:sld xmlns:a="http://schemas.openxmlformats.org/drawingml/2006/main" xmlns:r="http://schemas.openxmlformats.org/officeDocument/2006/relationships" xmlns:mc="http://schemas.openxmlformats.org/markup-compatibility/2006" xmlns:mv="urn:schemas-microsoft-com:mac:vml" xmlns:p="http://schemas.openxmlformats.org/presentationml/2006/main" xmlns:c="http://schemas.openxmlformats.org/drawingml/2006/chart" xmlns:dgm="http://schemas.openxmlformats.org/drawingml/2006/diagram" xmlns:o="urn:schemas-microsoft-com:office:office" xmlns:v="urn:schemas-microsoft-com:vml" xmlns:pvml="urn:schemas-microsoft-com:office:powerpoint" xmlns:com="http://schemas.openxmlformats.org/drawingml/2006/compatibility" xmlns:p14="http://schemas.microsoft.com/office/powerpoint/2010/main" xmlns:p15="http://schemas.microsoft.com/office/powerpoint/2012/main" xmlns:ahyp="http://schemas.microsoft.com/office/drawing/2018/hyperlinkcolor">
+<p:sld xmlns:a="http://schemas.openxmlformats.org/drawingml/2006/main" xmlns:r="http://schemas.openxmlformats.org/officeDocument/2006/relationships" xmlns:p="http://schemas.openxmlformats.org/presentationml/2006/main">
   <p:cSld>
     <p:spTree>
       <p:nvGrpSpPr>
-        <p:cNvPr id="141" name="Shape 141"/>
+        <p:cNvPr id="1" name="Shape 141"/>
         <p:cNvGrpSpPr/>
         <p:nvPr/>
       </p:nvGrpSpPr>
@@ -14486,12 +14650,12 @@
           </a:ln>
         </p:spPr>
         <p:txBody>
-          <a:bodyPr anchorCtr="0" anchor="ctr" bIns="91425" lIns="91425" spcFirstLastPara="1" rIns="91425" wrap="square" tIns="91425">
+          <a:bodyPr spcFirstLastPara="1" wrap="square" lIns="91425" tIns="91425" rIns="91425" bIns="91425" anchor="ctr" anchorCtr="0">
             <a:noAutofit/>
           </a:bodyPr>
           <a:lstStyle/>
           <a:p>
-            <a:pPr indent="0" lvl="0" marL="0" marR="0" rtl="0" algn="l">
+            <a:pPr marL="0" marR="0" lvl="0" indent="0" algn="l" rtl="0">
               <a:spcBef>
                 <a:spcPts val="0"/>
               </a:spcBef>
@@ -14505,9 +14669,6 @@
               <a:buFont typeface="Arial"/>
               <a:buNone/>
             </a:pPr>
-            <a:r>
-              <a:t/>
-            </a:r>
             <a:endParaRPr sz="900">
               <a:solidFill>
                 <a:srgbClr val="FFFFFF"/>
@@ -14540,12 +14701,12 @@
           </a:ln>
         </p:spPr>
         <p:txBody>
-          <a:bodyPr anchorCtr="0" anchor="t" bIns="182850" lIns="182850" spcFirstLastPara="1" rIns="182850" wrap="square" tIns="182850">
+          <a:bodyPr spcFirstLastPara="1" wrap="square" lIns="182850" tIns="182850" rIns="182850" bIns="182850" anchor="t" anchorCtr="0">
             <a:spAutoFit/>
           </a:bodyPr>
           <a:lstStyle/>
           <a:p>
-            <a:pPr indent="0" lvl="0" marL="0" marR="0" rtl="0" algn="l">
+            <a:pPr marL="0" marR="0" lvl="0" indent="0" algn="l" rtl="0">
               <a:lnSpc>
                 <a:spcPct val="90000"/>
               </a:lnSpc>
@@ -14563,7 +14724,7 @@
               <a:buNone/>
             </a:pPr>
             <a:r>
-              <a:rPr b="1" lang="en-US" sz="5000">
+              <a:rPr lang="en-US" sz="5000" b="1">
                 <a:solidFill>
                   <a:schemeClr val="lt1"/>
                 </a:solidFill>
@@ -14574,7 +14735,7 @@
               </a:rPr>
               <a:t>Takip ve Veri Toplama</a:t>
             </a:r>
-            <a:endParaRPr b="1" sz="5000">
+            <a:endParaRPr sz="5000" b="1">
               <a:solidFill>
                 <a:schemeClr val="lt1"/>
               </a:solidFill>
@@ -14606,12 +14767,12 @@
           </a:ln>
         </p:spPr>
         <p:txBody>
-          <a:bodyPr anchorCtr="0" anchor="t" bIns="68550" lIns="137150" spcFirstLastPara="1" rIns="137150" wrap="square" tIns="68550">
+          <a:bodyPr spcFirstLastPara="1" wrap="square" lIns="137150" tIns="68550" rIns="137150" bIns="68550" anchor="t" anchorCtr="0">
             <a:spAutoFit/>
           </a:bodyPr>
           <a:lstStyle/>
           <a:p>
-            <a:pPr indent="0" lvl="0" marL="0" marR="0" rtl="0" algn="l">
+            <a:pPr marL="0" marR="0" lvl="0" indent="0" algn="l" rtl="0">
               <a:lnSpc>
                 <a:spcPct val="150000"/>
               </a:lnSpc>
@@ -14636,7 +14797,7 @@
               <a:t>Eğitimden yaklaşık bir yıl sonra, istihdam sonuçlarını ve refah düzeyini değerlendirmek amacıyla bir takip anketi yapılmıştır. Ayrıca, uzun vadeli etkileri ölçmek amacıyla </a:t>
             </a:r>
             <a:r>
-              <a:rPr b="1" lang="en-US" sz="2400">
+              <a:rPr lang="en-US" sz="2400" b="1">
                 <a:solidFill>
                   <a:schemeClr val="dk1"/>
                 </a:solidFill>
@@ -14671,9 +14832,11 @@
       <p:sp>
         <p:nvSpPr>
           <p:cNvPr id="145" name="Google Shape;145;p6"/>
-          <p:cNvSpPr txBox="1"/>
+          <p:cNvSpPr txBox="1">
+            <a:spLocks noGrp="1"/>
+          </p:cNvSpPr>
           <p:nvPr>
-            <p:ph idx="12" type="sldNum"/>
+            <p:ph type="sldNum" idx="12"/>
           </p:nvPr>
         </p:nvSpPr>
         <p:spPr>
@@ -14686,12 +14849,12 @@
           </a:prstGeom>
         </p:spPr>
         <p:txBody>
-          <a:bodyPr anchorCtr="0" anchor="ctr" bIns="68550" lIns="137150" spcFirstLastPara="1" rIns="137150" wrap="square" tIns="68550">
+          <a:bodyPr spcFirstLastPara="1" wrap="square" lIns="137150" tIns="68550" rIns="137150" bIns="68550" anchor="ctr" anchorCtr="0">
             <a:noAutofit/>
           </a:bodyPr>
           <a:lstStyle/>
           <a:p>
-            <a:pPr indent="0" lvl="0" marL="0" rtl="0" algn="r">
+            <a:pPr marL="0" lvl="0" indent="0" algn="r" rtl="0">
               <a:spcBef>
                 <a:spcPts val="0"/>
               </a:spcBef>
@@ -14706,7 +14869,7 @@
             </a:pPr>
             <a:fld id="{00000000-1234-1234-1234-123412341234}" type="slidenum">
               <a:rPr lang="en-US"/>
-              <a:t>‹#›</a:t>
+              <a:t>6</a:t>
             </a:fld>
             <a:endParaRPr/>
           </a:p>
@@ -14732,12 +14895,12 @@
           </a:ln>
         </p:spPr>
         <p:txBody>
-          <a:bodyPr anchorCtr="0" anchor="t" bIns="182850" lIns="182850" spcFirstLastPara="1" rIns="182850" wrap="square" tIns="182850">
+          <a:bodyPr spcFirstLastPara="1" wrap="square" lIns="182850" tIns="182850" rIns="182850" bIns="182850" anchor="t" anchorCtr="0">
             <a:spAutoFit/>
           </a:bodyPr>
           <a:lstStyle/>
           <a:p>
-            <a:pPr indent="0" lvl="0" marL="0" rtl="0" algn="l">
+            <a:pPr marL="0" lvl="0" indent="0" algn="l" rtl="0">
               <a:lnSpc>
                 <a:spcPct val="70000"/>
               </a:lnSpc>
@@ -14750,7 +14913,7 @@
               <a:buNone/>
             </a:pPr>
             <a:r>
-              <a:rPr i="1" lang="en-US" sz="2400">
+              <a:rPr lang="en-US" sz="2400" i="1">
                 <a:latin typeface="Poppins"/>
                 <a:ea typeface="Poppins"/>
                 <a:cs typeface="Poppins"/>
@@ -14759,7 +14922,7 @@
               <a:t>Kaynak: </a:t>
             </a:r>
             <a:r>
-              <a:rPr i="1" lang="en-US" sz="2400" u="sng">
+              <a:rPr lang="en-US" sz="2400" i="1" u="sng">
                 <a:solidFill>
                   <a:schemeClr val="hlink"/>
                 </a:solidFill>
@@ -14771,7 +14934,7 @@
               </a:rPr>
               <a:t>İşkur Veri</a:t>
             </a:r>
-            <a:endParaRPr i="1" sz="2400">
+            <a:endParaRPr sz="2400" i="1">
               <a:solidFill>
                 <a:srgbClr val="212020"/>
               </a:solidFill>
@@ -14792,7 +14955,7 @@
 </file>
 
 <file path=ppt/theme/theme1.xml><?xml version="1.0" encoding="utf-8"?>
-<a:theme xmlns:a="http://schemas.openxmlformats.org/drawingml/2006/main" xmlns:r="http://schemas.openxmlformats.org/officeDocument/2006/relationships" name="office theme">
+<a:theme xmlns:a="http://schemas.openxmlformats.org/drawingml/2006/main" name="office theme">
   <a:themeElements>
     <a:clrScheme name="Office">
       <a:dk1>
@@ -15067,11 +15230,13 @@
       </a:bgFillStyleLst>
     </a:fmtScheme>
   </a:themeElements>
+  <a:objectDefaults/>
+  <a:extraClrSchemeLst/>
 </a:theme>
 </file>
 
 <file path=ppt/theme/theme2.xml><?xml version="1.0" encoding="utf-8"?>
-<a:theme xmlns:a="http://schemas.openxmlformats.org/drawingml/2006/main" xmlns:r="http://schemas.openxmlformats.org/officeDocument/2006/relationships" name="Office Theme">
+<a:theme xmlns:a="http://schemas.openxmlformats.org/drawingml/2006/main" name="Office Theme">
   <a:themeElements>
     <a:clrScheme name="Office">
       <a:dk1>
@@ -15346,5 +15511,7 @@
       </a:bgFillStyleLst>
     </a:fmtScheme>
   </a:themeElements>
+  <a:objectDefaults/>
+  <a:extraClrSchemeLst/>
 </a:theme>
 </file>